--- a/ThesisDoc/IOSharp.pptx
+++ b/ThesisDoc/IOSharp.pptx
@@ -223,7 +223,7 @@
           <a:p>
             <a:fld id="{7372D0EB-124A-4188-9A04-F78DFD96931D}" type="datetimeFigureOut">
               <a:rPr lang="en-US" smtClean="0"/>
-              <a:t>2/1/2014</a:t>
+              <a:t>2/5/2014</a:t>
             </a:fld>
             <a:endParaRPr lang="en-US"/>
           </a:p>
@@ -556,6 +556,90 @@
           <a:p>
             <a:fld id="{0353FF77-1486-40B6-B94E-C1E50A1A5E63}" type="slidenum">
               <a:rPr lang="en-US" smtClean="0"/>
+              <a:t>1</a:t>
+            </a:fld>
+            <a:endParaRPr lang="en-US"/>
+          </a:p>
+        </p:txBody>
+      </p:sp>
+    </p:spTree>
+    <p:extLst>
+      <p:ext uri="{BB962C8B-B14F-4D97-AF65-F5344CB8AC3E}">
+        <p14:creationId xmlns:p14="http://schemas.microsoft.com/office/powerpoint/2010/main" val="4174405111"/>
+      </p:ext>
+    </p:extLst>
+  </p:cSld>
+  <p:clrMapOvr>
+    <a:masterClrMapping/>
+  </p:clrMapOvr>
+</p:notes>
+</file>
+
+<file path=ppt/notesSlides/notesSlide2.xml><?xml version="1.0" encoding="utf-8"?>
+<p:notes xmlns:a="http://schemas.openxmlformats.org/drawingml/2006/main" xmlns:r="http://schemas.openxmlformats.org/officeDocument/2006/relationships" xmlns:p="http://schemas.openxmlformats.org/presentationml/2006/main">
+  <p:cSld>
+    <p:spTree>
+      <p:nvGrpSpPr>
+        <p:cNvPr id="1" name=""/>
+        <p:cNvGrpSpPr/>
+        <p:nvPr/>
+      </p:nvGrpSpPr>
+      <p:grpSpPr>
+        <a:xfrm>
+          <a:off x="0" y="0"/>
+          <a:ext cx="0" cy="0"/>
+          <a:chOff x="0" y="0"/>
+          <a:chExt cx="0" cy="0"/>
+        </a:xfrm>
+      </p:grpSpPr>
+      <p:sp>
+        <p:nvSpPr>
+          <p:cNvPr id="2" name="Marcador de imagen de diapositiva 1"/>
+          <p:cNvSpPr>
+            <a:spLocks noGrp="1" noRot="1" noChangeAspect="1"/>
+          </p:cNvSpPr>
+          <p:nvPr>
+            <p:ph type="sldImg"/>
+          </p:nvPr>
+        </p:nvSpPr>
+        <p:spPr/>
+      </p:sp>
+      <p:sp>
+        <p:nvSpPr>
+          <p:cNvPr id="3" name="Marcador de notas 2"/>
+          <p:cNvSpPr>
+            <a:spLocks noGrp="1"/>
+          </p:cNvSpPr>
+          <p:nvPr>
+            <p:ph type="body" idx="1"/>
+          </p:nvPr>
+        </p:nvSpPr>
+        <p:spPr/>
+        <p:txBody>
+          <a:bodyPr/>
+          <a:lstStyle/>
+          <a:p>
+            <a:endParaRPr lang="en-US"/>
+          </a:p>
+        </p:txBody>
+      </p:sp>
+      <p:sp>
+        <p:nvSpPr>
+          <p:cNvPr id="4" name="Marcador de número de diapositiva 3"/>
+          <p:cNvSpPr>
+            <a:spLocks noGrp="1"/>
+          </p:cNvSpPr>
+          <p:nvPr>
+            <p:ph type="sldNum" sz="quarter" idx="10"/>
+          </p:nvPr>
+        </p:nvSpPr>
+        <p:spPr/>
+        <p:txBody>
+          <a:bodyPr/>
+          <a:lstStyle/>
+          <a:p>
+            <a:fld id="{0353FF77-1486-40B6-B94E-C1E50A1A5E63}" type="slidenum">
+              <a:rPr lang="en-US" smtClean="0"/>
               <a:t>2</a:t>
             </a:fld>
             <a:endParaRPr lang="en-US"/>
@@ -575,7 +659,7 @@
 </p:notes>
 </file>
 
-<file path=ppt/notesSlides/notesSlide2.xml><?xml version="1.0" encoding="utf-8"?>
+<file path=ppt/notesSlides/notesSlide3.xml><?xml version="1.0" encoding="utf-8"?>
 <p:notes xmlns:a="http://schemas.openxmlformats.org/drawingml/2006/main" xmlns:r="http://schemas.openxmlformats.org/officeDocument/2006/relationships" xmlns:p="http://schemas.openxmlformats.org/presentationml/2006/main">
   <p:cSld>
     <p:spTree>
@@ -676,6 +760,36 @@
           <a:chExt cx="0" cy="0"/>
         </a:xfrm>
       </p:grpSpPr>
+      <p:pic>
+        <p:nvPicPr>
+          <p:cNvPr id="8" name="Imagen 7"/>
+          <p:cNvPicPr>
+            <a:picLocks noChangeAspect="1"/>
+          </p:cNvPicPr>
+          <p:nvPr userDrawn="1"/>
+        </p:nvPicPr>
+        <p:blipFill>
+          <a:blip r:embed="rId2" cstate="print">
+            <a:extLst>
+              <a:ext uri="{28A0092B-C50C-407E-A947-70E740481C1C}">
+                <a14:useLocalDpi xmlns:a14="http://schemas.microsoft.com/office/drawing/2010/main" val="0"/>
+              </a:ext>
+            </a:extLst>
+          </a:blip>
+          <a:stretch>
+            <a:fillRect/>
+          </a:stretch>
+        </p:blipFill>
+        <p:spPr>
+          <a:xfrm>
+            <a:off x="7567360" y="116632"/>
+            <a:ext cx="1449315" cy="586268"/>
+          </a:xfrm>
+          <a:prstGeom prst="rect">
+            <a:avLst/>
+          </a:prstGeom>
+        </p:spPr>
+      </p:pic>
       <p:sp>
         <p:nvSpPr>
           <p:cNvPr id="2" name="Title 1"/>
@@ -847,7 +961,7 @@
           <a:p>
             <a:fld id="{9D3E2F9D-38DA-4D6F-8E02-326E69AF2943}" type="datetime1">
               <a:rPr lang="es-ES" smtClean="0"/>
-              <a:t>01/02/2014</a:t>
+              <a:t>05/02/2014</a:t>
             </a:fld>
             <a:endParaRPr lang="es-ES"/>
           </a:p>
@@ -1183,7 +1297,7 @@
           <a:p>
             <a:fld id="{A66FE1B6-4F57-4445-A278-A5087723B883}" type="datetime1">
               <a:rPr lang="es-ES" smtClean="0"/>
-              <a:t>01/02/2014</a:t>
+              <a:t>05/02/2014</a:t>
             </a:fld>
             <a:endParaRPr lang="es-ES"/>
           </a:p>
@@ -1586,7 +1700,7 @@
           <a:p>
             <a:fld id="{F60366B5-A022-408C-B6C4-577A2E9117A4}" type="datetime1">
               <a:rPr lang="es-ES" smtClean="0"/>
-              <a:t>01/02/2014</a:t>
+              <a:t>05/02/2014</a:t>
             </a:fld>
             <a:endParaRPr lang="es-ES"/>
           </a:p>
@@ -1924,7 +2038,7 @@
           <a:p>
             <a:fld id="{87D6D524-B0FA-4292-AD14-EDC17503A51D}" type="datetime1">
               <a:rPr lang="es-ES" smtClean="0"/>
-              <a:t>01/02/2014</a:t>
+              <a:t>05/02/2014</a:t>
             </a:fld>
             <a:endParaRPr lang="es-ES"/>
           </a:p>
@@ -2246,7 +2360,7 @@
           <a:p>
             <a:fld id="{562FCECA-A66D-4047-8040-1EB238554101}" type="datetime1">
               <a:rPr lang="es-ES" smtClean="0"/>
-              <a:t>01/02/2014</a:t>
+              <a:t>05/02/2014</a:t>
             </a:fld>
             <a:endParaRPr lang="es-ES"/>
           </a:p>
@@ -2644,7 +2758,7 @@
           <a:p>
             <a:fld id="{769DFE57-26CB-48BC-91AD-9E207F38B65C}" type="datetime1">
               <a:rPr lang="es-ES" smtClean="0"/>
-              <a:t>01/02/2014</a:t>
+              <a:t>05/02/2014</a:t>
             </a:fld>
             <a:endParaRPr lang="es-ES"/>
           </a:p>
@@ -2903,7 +3017,7 @@
           <a:p>
             <a:fld id="{F92C9852-2065-40E2-8EB3-DADA6E88D2E4}" type="datetime1">
               <a:rPr lang="es-ES" smtClean="0"/>
-              <a:t>01/02/2014</a:t>
+              <a:t>05/02/2014</a:t>
             </a:fld>
             <a:endParaRPr lang="es-ES"/>
           </a:p>
@@ -3167,7 +3281,7 @@
           <a:p>
             <a:fld id="{69939F70-6665-4FEA-B09D-F1DBBA1D2266}" type="datetime1">
               <a:rPr lang="es-ES" smtClean="0"/>
-              <a:t>01/02/2014</a:t>
+              <a:t>05/02/2014</a:t>
             </a:fld>
             <a:endParaRPr lang="es-ES"/>
           </a:p>
@@ -3431,7 +3545,7 @@
           <a:p>
             <a:fld id="{C886E45F-F48B-47F5-A680-8D9C3D769D00}" type="datetime1">
               <a:rPr lang="es-ES" smtClean="0"/>
-              <a:t>01/02/2014</a:t>
+              <a:t>05/02/2014</a:t>
             </a:fld>
             <a:endParaRPr lang="es-ES"/>
           </a:p>
@@ -3762,7 +3876,7 @@
           <a:p>
             <a:fld id="{F3A88BA9-DB36-4996-99CF-7554617F1CC7}" type="datetime1">
               <a:rPr lang="es-ES" smtClean="0"/>
-              <a:t>01/02/2014</a:t>
+              <a:t>05/02/2014</a:t>
             </a:fld>
             <a:endParaRPr lang="es-ES"/>
           </a:p>
@@ -4087,7 +4201,7 @@
           <a:p>
             <a:fld id="{FFE94359-F0B4-4B76-BFCA-EDD95B71FCAC}" type="datetime1">
               <a:rPr lang="es-ES" smtClean="0"/>
-              <a:t>01/02/2014</a:t>
+              <a:t>05/02/2014</a:t>
             </a:fld>
             <a:endParaRPr lang="es-ES"/>
           </a:p>
@@ -4546,7 +4660,7 @@
           <a:p>
             <a:fld id="{35834B84-D7F6-4436-97FD-521439A9BF19}" type="datetime1">
               <a:rPr lang="es-ES" smtClean="0"/>
-              <a:t>01/02/2014</a:t>
+              <a:t>05/02/2014</a:t>
             </a:fld>
             <a:endParaRPr lang="es-ES"/>
           </a:p>
@@ -4758,7 +4872,7 @@
           <a:p>
             <a:fld id="{6C944476-9E3F-486C-BDC8-310F1AAD8AE6}" type="datetime1">
               <a:rPr lang="es-ES" smtClean="0"/>
-              <a:t>01/02/2014</a:t>
+              <a:t>05/02/2014</a:t>
             </a:fld>
             <a:endParaRPr lang="es-ES"/>
           </a:p>
@@ -4937,7 +5051,7 @@
           <a:p>
             <a:fld id="{B95C774B-50AF-47D8-9EDF-9B6AFC85D210}" type="datetime1">
               <a:rPr lang="es-ES" smtClean="0"/>
-              <a:t>01/02/2014</a:t>
+              <a:t>05/02/2014</a:t>
             </a:fld>
             <a:endParaRPr lang="es-ES"/>
           </a:p>
@@ -5272,7 +5386,7 @@
           <a:p>
             <a:fld id="{175269D3-134E-48AB-AA12-FE4B7076A3FD}" type="datetime1">
               <a:rPr lang="es-ES" smtClean="0"/>
-              <a:t>01/02/2014</a:t>
+              <a:t>05/02/2014</a:t>
             </a:fld>
             <a:endParaRPr lang="es-ES"/>
           </a:p>
@@ -5619,7 +5733,7 @@
           <a:p>
             <a:fld id="{63F2DCCE-F6CE-4BB5-ABD4-6B29C74F5768}" type="datetime1">
               <a:rPr lang="es-ES" smtClean="0"/>
-              <a:t>01/02/2014</a:t>
+              <a:t>05/02/2014</a:t>
             </a:fld>
             <a:endParaRPr lang="es-ES"/>
           </a:p>
@@ -7738,9 +7852,9 @@
           <a:p>
             <a:fld id="{0CD20DCD-2AE2-401E-BE39-52B8E760BC6B}" type="datetime1">
               <a:rPr lang="es-ES" smtClean="0"/>
-              <a:t>01/02/2014</a:t>
+              <a:t>05/02/2014</a:t>
             </a:fld>
-            <a:endParaRPr lang="es-ES"/>
+            <a:endParaRPr lang="es-ES" dirty="0"/>
           </a:p>
         </p:txBody>
       </p:sp>
@@ -7824,6 +7938,49 @@
           </a:p>
         </p:txBody>
       </p:sp>
+      <p:pic>
+        <p:nvPicPr>
+          <p:cNvPr id="34" name="Imagen 33"/>
+          <p:cNvPicPr>
+            <a:picLocks noChangeAspect="1"/>
+          </p:cNvPicPr>
+          <p:nvPr userDrawn="1"/>
+        </p:nvPicPr>
+        <p:blipFill>
+          <a:blip r:embed="rId18" cstate="print">
+            <a:clrChange>
+              <a:clrFrom>
+                <a:srgbClr val="FFFFFF"/>
+              </a:clrFrom>
+              <a:clrTo>
+                <a:srgbClr val="FFFFFF">
+                  <a:alpha val="0"/>
+                </a:srgbClr>
+              </a:clrTo>
+            </a:clrChange>
+            <a:extLst>
+              <a:ext uri="{28A0092B-C50C-407E-A947-70E740481C1C}">
+                <a14:useLocalDpi xmlns:a14="http://schemas.microsoft.com/office/drawing/2010/main" val="0"/>
+              </a:ext>
+            </a:extLst>
+          </a:blip>
+          <a:stretch>
+            <a:fillRect/>
+          </a:stretch>
+        </p:blipFill>
+        <p:spPr>
+          <a:xfrm>
+            <a:off x="6335727" y="5990124"/>
+            <a:ext cx="2837862" cy="652501"/>
+          </a:xfrm>
+          <a:prstGeom prst="rect">
+            <a:avLst/>
+          </a:prstGeom>
+          <a:effectLst>
+            <a:reflection endPos="0" dist="50800" dir="5400000" sy="-100000" algn="bl" rotWithShape="0"/>
+          </a:effectLst>
+        </p:spPr>
+      </p:pic>
     </p:spTree>
     <p:extLst>
       <p:ext uri="{BB962C8B-B14F-4D97-AF65-F5344CB8AC3E}">
@@ -8423,43 +8580,29 @@
           <a:lstStyle/>
           <a:p>
             <a:r>
-              <a:rPr lang="es-ES" smtClean="0"/>
-              <a:t>IOSharp: .NET Micro Framework on Linux</a:t>
-            </a:r>
-            <a:endParaRPr lang="es-ES"/>
-          </a:p>
-        </p:txBody>
-      </p:sp>
-      <p:pic>
-        <p:nvPicPr>
-          <p:cNvPr id="5" name="Imagen 4"/>
-          <p:cNvPicPr>
-            <a:picLocks noChangeAspect="1"/>
-          </p:cNvPicPr>
-          <p:nvPr/>
-        </p:nvPicPr>
-        <p:blipFill>
-          <a:blip r:embed="rId2" cstate="print">
-            <a:extLst>
-              <a:ext uri="{28A0092B-C50C-407E-A947-70E740481C1C}">
-                <a14:useLocalDpi xmlns:a14="http://schemas.microsoft.com/office/drawing/2010/main" val="0"/>
-              </a:ext>
-            </a:extLst>
-          </a:blip>
-          <a:stretch>
-            <a:fillRect/>
-          </a:stretch>
-        </p:blipFill>
-        <p:spPr>
-          <a:xfrm>
-            <a:off x="7524328" y="116632"/>
-            <a:ext cx="1449315" cy="586268"/>
-          </a:xfrm>
-          <a:prstGeom prst="rect">
-            <a:avLst/>
-          </a:prstGeom>
-        </p:spPr>
-      </p:pic>
+              <a:rPr lang="es-ES" dirty="0" err="1" smtClean="0"/>
+              <a:t>IOSharp</a:t>
+            </a:r>
+            <a:r>
+              <a:rPr lang="es-ES" dirty="0" smtClean="0"/>
+              <a:t>: .NET Micro Framework </a:t>
+            </a:r>
+            <a:r>
+              <a:rPr lang="es-ES" dirty="0" err="1" smtClean="0"/>
+              <a:t>on</a:t>
+            </a:r>
+            <a:r>
+              <a:rPr lang="es-ES" dirty="0" smtClean="0"/>
+              <a:t> </a:t>
+            </a:r>
+            <a:r>
+              <a:rPr lang="es-ES" dirty="0" smtClean="0"/>
+              <a:t>Linux </a:t>
+            </a:r>
+            <a:endParaRPr lang="es-ES" dirty="0"/>
+          </a:p>
+        </p:txBody>
+      </p:sp>
     </p:spTree>
     <p:extLst>
       <p:ext uri="{BB962C8B-B14F-4D97-AF65-F5344CB8AC3E}">
@@ -8470,6 +8613,13 @@
   <p:clrMapOvr>
     <a:masterClrMapping/>
   </p:clrMapOvr>
+  <p:timing>
+    <p:tnLst>
+      <p:par>
+        <p:cTn id="1" dur="indefinite" restart="never" nodeType="tmRoot"/>
+      </p:par>
+    </p:tnLst>
+  </p:timing>
 </p:sld>
 </file>
 
@@ -9430,6 +9580,13 @@
   <p:clrMapOvr>
     <a:masterClrMapping/>
   </p:clrMapOvr>
+  <p:timing>
+    <p:tnLst>
+      <p:par>
+        <p:cTn id="1" dur="indefinite" restart="never" nodeType="tmRoot"/>
+      </p:par>
+    </p:tnLst>
+  </p:timing>
 </p:sld>
 </file>
 
@@ -9548,6 +9705,13 @@
   <p:clrMapOvr>
     <a:masterClrMapping/>
   </p:clrMapOvr>
+  <p:timing>
+    <p:tnLst>
+      <p:par>
+        <p:cTn id="1" dur="indefinite" restart="never" nodeType="tmRoot"/>
+      </p:par>
+    </p:tnLst>
+  </p:timing>
 </p:sld>
 </file>
 
@@ -9666,6 +9830,13 @@
   <p:clrMapOvr>
     <a:masterClrMapping/>
   </p:clrMapOvr>
+  <p:timing>
+    <p:tnLst>
+      <p:par>
+        <p:cTn id="1" dur="indefinite" restart="never" nodeType="tmRoot"/>
+      </p:par>
+    </p:tnLst>
+  </p:timing>
 </p:sld>
 </file>
 
@@ -9784,6 +9955,13 @@
   <p:clrMapOvr>
     <a:masterClrMapping/>
   </p:clrMapOvr>
+  <p:timing>
+    <p:tnLst>
+      <p:par>
+        <p:cTn id="1" dur="indefinite" restart="never" nodeType="tmRoot"/>
+      </p:par>
+    </p:tnLst>
+  </p:timing>
 </p:sld>
 </file>
 
@@ -9902,6 +10080,13 @@
   <p:clrMapOvr>
     <a:masterClrMapping/>
   </p:clrMapOvr>
+  <p:timing>
+    <p:tnLst>
+      <p:par>
+        <p:cTn id="1" dur="indefinite" restart="never" nodeType="tmRoot"/>
+      </p:par>
+    </p:tnLst>
+  </p:timing>
 </p:sld>
 </file>
 

--- a/ThesisDoc/IOSharp.pptx
+++ b/ThesisDoc/IOSharp.pptx
@@ -5,25 +5,26 @@
     <p:sldMasterId id="2147483821" r:id="rId1"/>
   </p:sldMasterIdLst>
   <p:notesMasterIdLst>
-    <p:notesMasterId r:id="rId18"/>
+    <p:notesMasterId r:id="rId19"/>
   </p:notesMasterIdLst>
   <p:sldIdLst>
     <p:sldId id="256" r:id="rId2"/>
     <p:sldId id="257" r:id="rId3"/>
     <p:sldId id="258" r:id="rId4"/>
-    <p:sldId id="259" r:id="rId5"/>
-    <p:sldId id="260" r:id="rId6"/>
-    <p:sldId id="261" r:id="rId7"/>
+    <p:sldId id="260" r:id="rId5"/>
+    <p:sldId id="261" r:id="rId6"/>
+    <p:sldId id="272" r:id="rId7"/>
     <p:sldId id="262" r:id="rId8"/>
-    <p:sldId id="263" r:id="rId9"/>
-    <p:sldId id="264" r:id="rId10"/>
-    <p:sldId id="265" r:id="rId11"/>
-    <p:sldId id="266" r:id="rId12"/>
-    <p:sldId id="267" r:id="rId13"/>
-    <p:sldId id="268" r:id="rId14"/>
-    <p:sldId id="269" r:id="rId15"/>
-    <p:sldId id="270" r:id="rId16"/>
-    <p:sldId id="271" r:id="rId17"/>
+    <p:sldId id="273" r:id="rId9"/>
+    <p:sldId id="263" r:id="rId10"/>
+    <p:sldId id="264" r:id="rId11"/>
+    <p:sldId id="265" r:id="rId12"/>
+    <p:sldId id="266" r:id="rId13"/>
+    <p:sldId id="267" r:id="rId14"/>
+    <p:sldId id="268" r:id="rId15"/>
+    <p:sldId id="269" r:id="rId16"/>
+    <p:sldId id="270" r:id="rId17"/>
+    <p:sldId id="271" r:id="rId18"/>
   </p:sldIdLst>
   <p:sldSz cx="9144000" cy="6858000" type="screen4x3"/>
   <p:notesSz cx="6858000" cy="9144000"/>
@@ -223,7 +224,7 @@
           <a:p>
             <a:fld id="{7372D0EB-124A-4188-9A04-F78DFD96931D}" type="datetimeFigureOut">
               <a:rPr lang="en-US" smtClean="0"/>
-              <a:t>2/5/2014</a:t>
+              <a:t>2/8/2014</a:t>
             </a:fld>
             <a:endParaRPr lang="en-US"/>
           </a:p>
@@ -724,7 +725,7 @@
           <a:p>
             <a:fld id="{0353FF77-1486-40B6-B94E-C1E50A1A5E63}" type="slidenum">
               <a:rPr lang="en-US" smtClean="0"/>
-              <a:t>16</a:t>
+              <a:t>17</a:t>
             </a:fld>
             <a:endParaRPr lang="en-US"/>
           </a:p>
@@ -961,9 +962,9 @@
           <a:p>
             <a:fld id="{9D3E2F9D-38DA-4D6F-8E02-326E69AF2943}" type="datetime1">
               <a:rPr lang="es-ES" smtClean="0"/>
-              <a:t>05/02/2014</a:t>
+              <a:t>08/02/2014</a:t>
             </a:fld>
-            <a:endParaRPr lang="es-ES"/>
+            <a:endParaRPr lang="es-ES" dirty="0"/>
           </a:p>
         </p:txBody>
       </p:sp>
@@ -983,10 +984,22 @@
           <a:lstStyle/>
           <a:p>
             <a:r>
-              <a:rPr lang="es-ES" smtClean="0"/>
-              <a:t>IOSharp: .NET Micro Framework on Linux</a:t>
-            </a:r>
-            <a:endParaRPr lang="es-ES"/>
+              <a:rPr lang="es-ES" dirty="0" err="1" smtClean="0"/>
+              <a:t>IOSharp</a:t>
+            </a:r>
+            <a:r>
+              <a:rPr lang="es-ES" dirty="0" smtClean="0"/>
+              <a:t>: .NET Micro Framework </a:t>
+            </a:r>
+            <a:r>
+              <a:rPr lang="es-ES" dirty="0" err="1" smtClean="0"/>
+              <a:t>on</a:t>
+            </a:r>
+            <a:r>
+              <a:rPr lang="es-ES" dirty="0" smtClean="0"/>
+              <a:t> Linux</a:t>
+            </a:r>
+            <a:endParaRPr lang="es-ES" dirty="0"/>
           </a:p>
         </p:txBody>
       </p:sp>
@@ -1297,7 +1310,7 @@
           <a:p>
             <a:fld id="{A66FE1B6-4F57-4445-A278-A5087723B883}" type="datetime1">
               <a:rPr lang="es-ES" smtClean="0"/>
-              <a:t>05/02/2014</a:t>
+              <a:t>08/02/2014</a:t>
             </a:fld>
             <a:endParaRPr lang="es-ES"/>
           </a:p>
@@ -1700,7 +1713,7 @@
           <a:p>
             <a:fld id="{F60366B5-A022-408C-B6C4-577A2E9117A4}" type="datetime1">
               <a:rPr lang="es-ES" smtClean="0"/>
-              <a:t>05/02/2014</a:t>
+              <a:t>08/02/2014</a:t>
             </a:fld>
             <a:endParaRPr lang="es-ES"/>
           </a:p>
@@ -2038,7 +2051,7 @@
           <a:p>
             <a:fld id="{87D6D524-B0FA-4292-AD14-EDC17503A51D}" type="datetime1">
               <a:rPr lang="es-ES" smtClean="0"/>
-              <a:t>05/02/2014</a:t>
+              <a:t>08/02/2014</a:t>
             </a:fld>
             <a:endParaRPr lang="es-ES"/>
           </a:p>
@@ -2360,7 +2373,7 @@
           <a:p>
             <a:fld id="{562FCECA-A66D-4047-8040-1EB238554101}" type="datetime1">
               <a:rPr lang="es-ES" smtClean="0"/>
-              <a:t>05/02/2014</a:t>
+              <a:t>08/02/2014</a:t>
             </a:fld>
             <a:endParaRPr lang="es-ES"/>
           </a:p>
@@ -2758,7 +2771,7 @@
           <a:p>
             <a:fld id="{769DFE57-26CB-48BC-91AD-9E207F38B65C}" type="datetime1">
               <a:rPr lang="es-ES" smtClean="0"/>
-              <a:t>05/02/2014</a:t>
+              <a:t>08/02/2014</a:t>
             </a:fld>
             <a:endParaRPr lang="es-ES"/>
           </a:p>
@@ -3017,7 +3030,7 @@
           <a:p>
             <a:fld id="{F92C9852-2065-40E2-8EB3-DADA6E88D2E4}" type="datetime1">
               <a:rPr lang="es-ES" smtClean="0"/>
-              <a:t>05/02/2014</a:t>
+              <a:t>08/02/2014</a:t>
             </a:fld>
             <a:endParaRPr lang="es-ES"/>
           </a:p>
@@ -3281,7 +3294,7 @@
           <a:p>
             <a:fld id="{69939F70-6665-4FEA-B09D-F1DBBA1D2266}" type="datetime1">
               <a:rPr lang="es-ES" smtClean="0"/>
-              <a:t>05/02/2014</a:t>
+              <a:t>08/02/2014</a:t>
             </a:fld>
             <a:endParaRPr lang="es-ES"/>
           </a:p>
@@ -3545,7 +3558,7 @@
           <a:p>
             <a:fld id="{C886E45F-F48B-47F5-A680-8D9C3D769D00}" type="datetime1">
               <a:rPr lang="es-ES" smtClean="0"/>
-              <a:t>05/02/2014</a:t>
+              <a:t>08/02/2014</a:t>
             </a:fld>
             <a:endParaRPr lang="es-ES"/>
           </a:p>
@@ -3564,13 +3577,29 @@
         <p:spPr/>
         <p:txBody>
           <a:bodyPr/>
-          <a:lstStyle/>
-          <a:p>
-            <a:r>
-              <a:rPr lang="es-ES" smtClean="0"/>
-              <a:t>IOSharp: .NET Micro Framework on Linux</a:t>
-            </a:r>
-            <a:endParaRPr lang="es-ES"/>
+          <a:lstStyle>
+            <a:lvl1pPr>
+              <a:defRPr sz="1100"/>
+            </a:lvl1pPr>
+          </a:lstStyle>
+          <a:p>
+            <a:r>
+              <a:rPr lang="es-ES" dirty="0" err="1" smtClean="0"/>
+              <a:t>IOSharp</a:t>
+            </a:r>
+            <a:r>
+              <a:rPr lang="es-ES" dirty="0" smtClean="0"/>
+              <a:t>: .NET Micro Framework </a:t>
+            </a:r>
+            <a:r>
+              <a:rPr lang="es-ES" dirty="0" err="1" smtClean="0"/>
+              <a:t>on</a:t>
+            </a:r>
+            <a:r>
+              <a:rPr lang="es-ES" dirty="0" smtClean="0"/>
+              <a:t> Linux</a:t>
+            </a:r>
+            <a:endParaRPr lang="es-ES" dirty="0"/>
           </a:p>
         </p:txBody>
       </p:sp>
@@ -3876,7 +3905,7 @@
           <a:p>
             <a:fld id="{F3A88BA9-DB36-4996-99CF-7554617F1CC7}" type="datetime1">
               <a:rPr lang="es-ES" smtClean="0"/>
-              <a:t>05/02/2014</a:t>
+              <a:t>08/02/2014</a:t>
             </a:fld>
             <a:endParaRPr lang="es-ES"/>
           </a:p>
@@ -3895,7 +3924,11 @@
         <p:spPr/>
         <p:txBody>
           <a:bodyPr/>
-          <a:lstStyle/>
+          <a:lstStyle>
+            <a:lvl1pPr>
+              <a:defRPr sz="1100"/>
+            </a:lvl1pPr>
+          </a:lstStyle>
           <a:p>
             <a:r>
               <a:rPr lang="es-ES" smtClean="0"/>
@@ -4201,7 +4234,7 @@
           <a:p>
             <a:fld id="{FFE94359-F0B4-4B76-BFCA-EDD95B71FCAC}" type="datetime1">
               <a:rPr lang="es-ES" smtClean="0"/>
-              <a:t>05/02/2014</a:t>
+              <a:t>08/02/2014</a:t>
             </a:fld>
             <a:endParaRPr lang="es-ES"/>
           </a:p>
@@ -4660,7 +4693,7 @@
           <a:p>
             <a:fld id="{35834B84-D7F6-4436-97FD-521439A9BF19}" type="datetime1">
               <a:rPr lang="es-ES" smtClean="0"/>
-              <a:t>05/02/2014</a:t>
+              <a:t>08/02/2014</a:t>
             </a:fld>
             <a:endParaRPr lang="es-ES"/>
           </a:p>
@@ -4872,7 +4905,7 @@
           <a:p>
             <a:fld id="{6C944476-9E3F-486C-BDC8-310F1AAD8AE6}" type="datetime1">
               <a:rPr lang="es-ES" smtClean="0"/>
-              <a:t>05/02/2014</a:t>
+              <a:t>08/02/2014</a:t>
             </a:fld>
             <a:endParaRPr lang="es-ES"/>
           </a:p>
@@ -5051,7 +5084,7 @@
           <a:p>
             <a:fld id="{B95C774B-50AF-47D8-9EDF-9B6AFC85D210}" type="datetime1">
               <a:rPr lang="es-ES" smtClean="0"/>
-              <a:t>05/02/2014</a:t>
+              <a:t>08/02/2014</a:t>
             </a:fld>
             <a:endParaRPr lang="es-ES"/>
           </a:p>
@@ -5386,7 +5419,7 @@
           <a:p>
             <a:fld id="{175269D3-134E-48AB-AA12-FE4B7076A3FD}" type="datetime1">
               <a:rPr lang="es-ES" smtClean="0"/>
-              <a:t>05/02/2014</a:t>
+              <a:t>08/02/2014</a:t>
             </a:fld>
             <a:endParaRPr lang="es-ES"/>
           </a:p>
@@ -5733,7 +5766,7 @@
           <a:p>
             <a:fld id="{63F2DCCE-F6CE-4BB5-ABD4-6B29C74F5768}" type="datetime1">
               <a:rPr lang="es-ES" smtClean="0"/>
-              <a:t>05/02/2014</a:t>
+              <a:t>08/02/2014</a:t>
             </a:fld>
             <a:endParaRPr lang="es-ES"/>
           </a:p>
@@ -7852,7 +7885,7 @@
           <a:p>
             <a:fld id="{0CD20DCD-2AE2-401E-BE39-52B8E760BC6B}" type="datetime1">
               <a:rPr lang="es-ES" smtClean="0"/>
-              <a:t>05/02/2014</a:t>
+              <a:t>08/02/2014</a:t>
             </a:fld>
             <a:endParaRPr lang="es-ES" dirty="0"/>
           </a:p>
@@ -8454,7 +8487,12 @@
             <p:ph type="ctrTitle"/>
           </p:nvPr>
         </p:nvSpPr>
-        <p:spPr/>
+        <p:spPr>
+          <a:xfrm>
+            <a:off x="1942416" y="1916832"/>
+            <a:ext cx="6600451" cy="2262781"/>
+          </a:xfrm>
+        </p:spPr>
         <p:txBody>
           <a:bodyPr>
             <a:normAutofit fontScale="90000"/>
@@ -8462,12 +8500,16 @@
           <a:lstStyle/>
           <a:p>
             <a:r>
-              <a:rPr lang="es-ES" dirty="0" err="1" smtClean="0"/>
+              <a:rPr lang="es-ES" b="1" dirty="0" err="1" smtClean="0"/>
               <a:t>IOSharp</a:t>
             </a:r>
             <a:r>
+              <a:rPr lang="es-ES" b="1" dirty="0" smtClean="0"/>
+              <a:t>:</a:t>
+            </a:r>
+            <a:r>
               <a:rPr lang="es-ES" dirty="0" smtClean="0"/>
-              <a:t>: .NET Micro Framework </a:t>
+              <a:t> .NET Micro Framework </a:t>
             </a:r>
             <a:r>
               <a:rPr lang="en-US" dirty="0" smtClean="0"/>
@@ -8580,26 +8622,22 @@
           <a:lstStyle/>
           <a:p>
             <a:r>
-              <a:rPr lang="es-ES" dirty="0" err="1" smtClean="0"/>
+              <a:rPr lang="es-ES" sz="1100" dirty="0" err="1" smtClean="0"/>
               <a:t>IOSharp</a:t>
             </a:r>
             <a:r>
-              <a:rPr lang="es-ES" dirty="0" smtClean="0"/>
+              <a:rPr lang="es-ES" sz="1100" dirty="0" smtClean="0"/>
               <a:t>: .NET Micro Framework </a:t>
             </a:r>
             <a:r>
-              <a:rPr lang="es-ES" dirty="0" err="1" smtClean="0"/>
+              <a:rPr lang="es-ES" sz="1100" dirty="0" err="1" smtClean="0"/>
               <a:t>on</a:t>
             </a:r>
             <a:r>
-              <a:rPr lang="es-ES" dirty="0" smtClean="0"/>
-              <a:t> </a:t>
-            </a:r>
-            <a:r>
-              <a:rPr lang="es-ES" dirty="0" smtClean="0"/>
-              <a:t>Linux </a:t>
-            </a:r>
-            <a:endParaRPr lang="es-ES" dirty="0"/>
+              <a:rPr lang="es-ES" sz="1100" dirty="0" smtClean="0"/>
+              <a:t> Linux </a:t>
+            </a:r>
+            <a:endParaRPr lang="es-ES" sz="1100" dirty="0"/>
           </a:p>
         </p:txBody>
       </p:sp>
@@ -8656,8 +8694,16 @@
           <a:lstStyle/>
           <a:p>
             <a:r>
-              <a:rPr lang="es-ES" dirty="0" err="1" smtClean="0"/>
-              <a:t>AlterNative</a:t>
+              <a:rPr lang="es-ES" dirty="0" smtClean="0"/>
+              <a:t>2.4. </a:t>
+            </a:r>
+            <a:r>
+              <a:rPr lang="es-ES" dirty="0" smtClean="0"/>
+              <a:t> </a:t>
+            </a:r>
+            <a:r>
+              <a:rPr lang="es-ES" dirty="0" smtClean="0"/>
+              <a:t>UART</a:t>
             </a:r>
             <a:endParaRPr lang="en-US" dirty="0"/>
           </a:p>
@@ -8731,13 +8777,20 @@
     </p:spTree>
     <p:extLst>
       <p:ext uri="{BB962C8B-B14F-4D97-AF65-F5344CB8AC3E}">
-        <p14:creationId xmlns:p14="http://schemas.microsoft.com/office/powerpoint/2010/main" val="2343270711"/>
+        <p14:creationId xmlns:p14="http://schemas.microsoft.com/office/powerpoint/2010/main" val="994268500"/>
       </p:ext>
     </p:extLst>
   </p:cSld>
   <p:clrMapOvr>
     <a:masterClrMapping/>
   </p:clrMapOvr>
+  <p:timing>
+    <p:tnLst>
+      <p:par>
+        <p:cTn id="1" dur="indefinite" restart="never" nodeType="tmRoot"/>
+      </p:par>
+    </p:tnLst>
+  </p:timing>
 </p:sld>
 </file>
 
@@ -8774,16 +8827,16 @@
           <a:lstStyle/>
           <a:p>
             <a:r>
-              <a:rPr lang="en-US" dirty="0" smtClean="0"/>
-              <a:t>Translation</a:t>
+              <a:rPr lang="es-ES" dirty="0"/>
+              <a:t>3</a:t>
             </a:r>
             <a:r>
               <a:rPr lang="es-ES" dirty="0" smtClean="0"/>
-              <a:t> </a:t>
-            </a:r>
-            <a:r>
-              <a:rPr lang="en-US" dirty="0" smtClean="0"/>
-              <a:t>process</a:t>
+              <a:t>.  </a:t>
+            </a:r>
+            <a:r>
+              <a:rPr lang="es-ES" dirty="0" err="1" smtClean="0"/>
+              <a:t>AlterNative</a:t>
             </a:r>
             <a:endParaRPr lang="en-US" dirty="0"/>
           </a:p>
@@ -8804,7 +8857,7 @@
           <a:bodyPr/>
           <a:lstStyle/>
           <a:p>
-            <a:endParaRPr lang="en-US" dirty="0"/>
+            <a:endParaRPr lang="en-US"/>
           </a:p>
         </p:txBody>
       </p:sp>
@@ -8857,13 +8910,20 @@
     </p:spTree>
     <p:extLst>
       <p:ext uri="{BB962C8B-B14F-4D97-AF65-F5344CB8AC3E}">
-        <p14:creationId xmlns:p14="http://schemas.microsoft.com/office/powerpoint/2010/main" val="3895191232"/>
+        <p14:creationId xmlns:p14="http://schemas.microsoft.com/office/powerpoint/2010/main" val="2343270711"/>
       </p:ext>
     </p:extLst>
   </p:cSld>
   <p:clrMapOvr>
     <a:masterClrMapping/>
   </p:clrMapOvr>
+  <p:timing>
+    <p:tnLst>
+      <p:par>
+        <p:cTn id="1" dur="indefinite" restart="never" nodeType="tmRoot"/>
+      </p:par>
+    </p:tnLst>
+  </p:timing>
 </p:sld>
 </file>
 
@@ -8901,7 +8961,15 @@
           <a:p>
             <a:r>
               <a:rPr lang="en-US" dirty="0" smtClean="0"/>
-              <a:t>Example</a:t>
+              <a:t>3.1.  Translation</a:t>
+            </a:r>
+            <a:r>
+              <a:rPr lang="es-ES" dirty="0" smtClean="0"/>
+              <a:t> </a:t>
+            </a:r>
+            <a:r>
+              <a:rPr lang="en-US" dirty="0" smtClean="0"/>
+              <a:t>process</a:t>
             </a:r>
             <a:endParaRPr lang="en-US" dirty="0"/>
           </a:p>
@@ -8922,7 +8990,7 @@
           <a:bodyPr/>
           <a:lstStyle/>
           <a:p>
-            <a:endParaRPr lang="en-US"/>
+            <a:endParaRPr lang="en-US" dirty="0"/>
           </a:p>
         </p:txBody>
       </p:sp>
@@ -8975,13 +9043,20 @@
     </p:spTree>
     <p:extLst>
       <p:ext uri="{BB962C8B-B14F-4D97-AF65-F5344CB8AC3E}">
-        <p14:creationId xmlns:p14="http://schemas.microsoft.com/office/powerpoint/2010/main" val="2015990969"/>
+        <p14:creationId xmlns:p14="http://schemas.microsoft.com/office/powerpoint/2010/main" val="3895191232"/>
       </p:ext>
     </p:extLst>
   </p:cSld>
   <p:clrMapOvr>
     <a:masterClrMapping/>
   </p:clrMapOvr>
+  <p:timing>
+    <p:tnLst>
+      <p:par>
+        <p:cTn id="1" dur="indefinite" restart="never" nodeType="tmRoot"/>
+      </p:par>
+    </p:tnLst>
+  </p:timing>
 </p:sld>
 </file>
 
@@ -9018,8 +9093,8 @@
           <a:lstStyle/>
           <a:p>
             <a:r>
-              <a:rPr lang="es-ES" dirty="0" smtClean="0"/>
-              <a:t>Performance Test</a:t>
+              <a:rPr lang="en-US" dirty="0" smtClean="0"/>
+              <a:t>3.2.  Example</a:t>
             </a:r>
             <a:endParaRPr lang="en-US" dirty="0"/>
           </a:p>
@@ -9093,13 +9168,20 @@
     </p:spTree>
     <p:extLst>
       <p:ext uri="{BB962C8B-B14F-4D97-AF65-F5344CB8AC3E}">
-        <p14:creationId xmlns:p14="http://schemas.microsoft.com/office/powerpoint/2010/main" val="204124017"/>
+        <p14:creationId xmlns:p14="http://schemas.microsoft.com/office/powerpoint/2010/main" val="2015990969"/>
       </p:ext>
     </p:extLst>
   </p:cSld>
   <p:clrMapOvr>
     <a:masterClrMapping/>
   </p:clrMapOvr>
+  <p:timing>
+    <p:tnLst>
+      <p:par>
+        <p:cTn id="1" dur="indefinite" restart="never" nodeType="tmRoot"/>
+      </p:par>
+    </p:tnLst>
+  </p:timing>
 </p:sld>
 </file>
 
@@ -9136,8 +9218,12 @@
           <a:lstStyle/>
           <a:p>
             <a:r>
-              <a:rPr lang="en-US" dirty="0" smtClean="0"/>
-              <a:t>Example</a:t>
+              <a:rPr lang="es-ES" dirty="0" smtClean="0"/>
+              <a:t>4.  Performance </a:t>
+            </a:r>
+            <a:r>
+              <a:rPr lang="es-ES" dirty="0" smtClean="0"/>
+              <a:t>Test</a:t>
             </a:r>
             <a:endParaRPr lang="en-US" dirty="0"/>
           </a:p>
@@ -9211,13 +9297,20 @@
     </p:spTree>
     <p:extLst>
       <p:ext uri="{BB962C8B-B14F-4D97-AF65-F5344CB8AC3E}">
-        <p14:creationId xmlns:p14="http://schemas.microsoft.com/office/powerpoint/2010/main" val="4154510114"/>
+        <p14:creationId xmlns:p14="http://schemas.microsoft.com/office/powerpoint/2010/main" val="204124017"/>
       </p:ext>
     </p:extLst>
   </p:cSld>
   <p:clrMapOvr>
     <a:masterClrMapping/>
   </p:clrMapOvr>
+  <p:timing>
+    <p:tnLst>
+      <p:par>
+        <p:cTn id="1" dur="indefinite" restart="never" nodeType="tmRoot"/>
+      </p:par>
+    </p:tnLst>
+  </p:timing>
 </p:sld>
 </file>
 
@@ -9255,7 +9348,7 @@
           <a:p>
             <a:r>
               <a:rPr lang="en-US" dirty="0" smtClean="0"/>
-              <a:t>Conclusions</a:t>
+              <a:t>4.1.  Example</a:t>
             </a:r>
             <a:endParaRPr lang="en-US" dirty="0"/>
           </a:p>
@@ -9329,13 +9422,20 @@
     </p:spTree>
     <p:extLst>
       <p:ext uri="{BB962C8B-B14F-4D97-AF65-F5344CB8AC3E}">
-        <p14:creationId xmlns:p14="http://schemas.microsoft.com/office/powerpoint/2010/main" val="3876770985"/>
+        <p14:creationId xmlns:p14="http://schemas.microsoft.com/office/powerpoint/2010/main" val="4154510114"/>
       </p:ext>
     </p:extLst>
   </p:cSld>
   <p:clrMapOvr>
     <a:masterClrMapping/>
   </p:clrMapOvr>
+  <p:timing>
+    <p:tnLst>
+      <p:par>
+        <p:cTn id="1" dur="indefinite" restart="never" nodeType="tmRoot"/>
+      </p:par>
+    </p:tnLst>
+  </p:timing>
 </p:sld>
 </file>
 
@@ -9373,11 +9473,140 @@
           <a:p>
             <a:r>
               <a:rPr lang="en-US" dirty="0" smtClean="0"/>
-              <a:t>Questions</a:t>
+              <a:t>5.  Conclusions</a:t>
+            </a:r>
+            <a:endParaRPr lang="en-US" dirty="0"/>
+          </a:p>
+        </p:txBody>
+      </p:sp>
+      <p:sp>
+        <p:nvSpPr>
+          <p:cNvPr id="3" name="Marcador de contenido 2"/>
+          <p:cNvSpPr>
+            <a:spLocks noGrp="1"/>
+          </p:cNvSpPr>
+          <p:nvPr>
+            <p:ph idx="1"/>
+          </p:nvPr>
+        </p:nvSpPr>
+        <p:spPr/>
+        <p:txBody>
+          <a:bodyPr/>
+          <a:lstStyle/>
+          <a:p>
+            <a:endParaRPr lang="en-US"/>
+          </a:p>
+        </p:txBody>
+      </p:sp>
+      <p:sp>
+        <p:nvSpPr>
+          <p:cNvPr id="4" name="Marcador de pie de página 3"/>
+          <p:cNvSpPr>
+            <a:spLocks noGrp="1"/>
+          </p:cNvSpPr>
+          <p:nvPr>
+            <p:ph type="ftr" sz="quarter" idx="11"/>
+          </p:nvPr>
+        </p:nvSpPr>
+        <p:spPr/>
+        <p:txBody>
+          <a:bodyPr/>
+          <a:lstStyle/>
+          <a:p>
+            <a:r>
+              <a:rPr lang="es-ES" smtClean="0"/>
+              <a:t>IOSharp: .NET Micro Framework on Linux</a:t>
+            </a:r>
+            <a:endParaRPr lang="es-ES"/>
+          </a:p>
+        </p:txBody>
+      </p:sp>
+      <p:sp>
+        <p:nvSpPr>
+          <p:cNvPr id="5" name="Marcador de número de diapositiva 4"/>
+          <p:cNvSpPr>
+            <a:spLocks noGrp="1"/>
+          </p:cNvSpPr>
+          <p:nvPr>
+            <p:ph type="sldNum" sz="quarter" idx="12"/>
+          </p:nvPr>
+        </p:nvSpPr>
+        <p:spPr/>
+        <p:txBody>
+          <a:bodyPr/>
+          <a:lstStyle/>
+          <a:p>
+            <a:fld id="{8EE90C33-BF19-4C36-8633-00054130773A}" type="slidenum">
+              <a:rPr lang="es-ES" smtClean="0"/>
+              <a:t>16</a:t>
+            </a:fld>
+            <a:endParaRPr lang="es-ES"/>
+          </a:p>
+        </p:txBody>
+      </p:sp>
+    </p:spTree>
+    <p:extLst>
+      <p:ext uri="{BB962C8B-B14F-4D97-AF65-F5344CB8AC3E}">
+        <p14:creationId xmlns:p14="http://schemas.microsoft.com/office/powerpoint/2010/main" val="3876770985"/>
+      </p:ext>
+    </p:extLst>
+  </p:cSld>
+  <p:clrMapOvr>
+    <a:masterClrMapping/>
+  </p:clrMapOvr>
+  <p:timing>
+    <p:tnLst>
+      <p:par>
+        <p:cTn id="1" dur="indefinite" restart="never" nodeType="tmRoot"/>
+      </p:par>
+    </p:tnLst>
+  </p:timing>
+</p:sld>
+</file>
+
+<file path=ppt/slides/slide17.xml><?xml version="1.0" encoding="utf-8"?>
+<p:sld xmlns:a="http://schemas.openxmlformats.org/drawingml/2006/main" xmlns:r="http://schemas.openxmlformats.org/officeDocument/2006/relationships" xmlns:p="http://schemas.openxmlformats.org/presentationml/2006/main">
+  <p:cSld>
+    <p:spTree>
+      <p:nvGrpSpPr>
+        <p:cNvPr id="1" name=""/>
+        <p:cNvGrpSpPr/>
+        <p:nvPr/>
+      </p:nvGrpSpPr>
+      <p:grpSpPr>
+        <a:xfrm>
+          <a:off x="0" y="0"/>
+          <a:ext cx="0" cy="0"/>
+          <a:chOff x="0" y="0"/>
+          <a:chExt cx="0" cy="0"/>
+        </a:xfrm>
+      </p:grpSpPr>
+      <p:sp>
+        <p:nvSpPr>
+          <p:cNvPr id="2" name="Título 1"/>
+          <p:cNvSpPr>
+            <a:spLocks noGrp="1"/>
+          </p:cNvSpPr>
+          <p:nvPr>
+            <p:ph type="title"/>
+          </p:nvPr>
+        </p:nvSpPr>
+        <p:spPr/>
+        <p:txBody>
+          <a:bodyPr/>
+          <a:lstStyle/>
+          <a:p>
+            <a:r>
+              <a:rPr lang="en-US" dirty="0" smtClean="0"/>
+              <a:t>6.  Questions</a:t>
             </a:r>
             <a:r>
               <a:rPr lang="es-ES" dirty="0" smtClean="0"/>
-              <a:t> &amp; </a:t>
+              <a:t> </a:t>
+            </a:r>
+            <a:r>
+              <a:rPr lang="es-ES" dirty="0" smtClean="0"/>
+              <a:t>&amp; </a:t>
             </a:r>
             <a:r>
               <a:rPr lang="en-US" dirty="0" smtClean="0"/>
@@ -9389,12 +9618,12 @@
       </p:sp>
       <p:sp>
         <p:nvSpPr>
-          <p:cNvPr id="3" name="Marcador de contenido 2"/>
-          <p:cNvSpPr>
-            <a:spLocks noGrp="1"/>
-          </p:cNvSpPr>
-          <p:nvPr>
-            <p:ph idx="1"/>
+          <p:cNvPr id="4" name="Marcador de pie de página 3"/>
+          <p:cNvSpPr>
+            <a:spLocks noGrp="1"/>
+          </p:cNvSpPr>
+          <p:nvPr>
+            <p:ph type="ftr" sz="quarter" idx="11"/>
           </p:nvPr>
         </p:nvSpPr>
         <p:spPr/>
@@ -9402,18 +9631,22 @@
           <a:bodyPr/>
           <a:lstStyle/>
           <a:p>
-            <a:endParaRPr lang="en-US" dirty="0"/>
-          </a:p>
-        </p:txBody>
-      </p:sp>
-      <p:sp>
-        <p:nvSpPr>
-          <p:cNvPr id="4" name="Marcador de pie de página 3"/>
-          <p:cNvSpPr>
-            <a:spLocks noGrp="1"/>
-          </p:cNvSpPr>
-          <p:nvPr>
-            <p:ph type="ftr" sz="quarter" idx="11"/>
+            <a:r>
+              <a:rPr lang="es-ES" smtClean="0"/>
+              <a:t>IOSharp: .NET Micro Framework on Linux</a:t>
+            </a:r>
+            <a:endParaRPr lang="es-ES"/>
+          </a:p>
+        </p:txBody>
+      </p:sp>
+      <p:sp>
+        <p:nvSpPr>
+          <p:cNvPr id="5" name="Marcador de número de diapositiva 4"/>
+          <p:cNvSpPr>
+            <a:spLocks noGrp="1"/>
+          </p:cNvSpPr>
+          <p:nvPr>
+            <p:ph type="sldNum" sz="quarter" idx="12"/>
           </p:nvPr>
         </p:nvSpPr>
         <p:spPr/>
@@ -9421,32 +9654,9 @@
           <a:bodyPr/>
           <a:lstStyle/>
           <a:p>
-            <a:r>
-              <a:rPr lang="es-ES" smtClean="0"/>
-              <a:t>IOSharp: .NET Micro Framework on Linux</a:t>
-            </a:r>
-            <a:endParaRPr lang="es-ES"/>
-          </a:p>
-        </p:txBody>
-      </p:sp>
-      <p:sp>
-        <p:nvSpPr>
-          <p:cNvPr id="5" name="Marcador de número de diapositiva 4"/>
-          <p:cNvSpPr>
-            <a:spLocks noGrp="1"/>
-          </p:cNvSpPr>
-          <p:nvPr>
-            <p:ph type="sldNum" sz="quarter" idx="12"/>
-          </p:nvPr>
-        </p:nvSpPr>
-        <p:spPr/>
-        <p:txBody>
-          <a:bodyPr/>
-          <a:lstStyle/>
-          <a:p>
             <a:fld id="{8EE90C33-BF19-4C36-8633-00054130773A}" type="slidenum">
               <a:rPr lang="es-ES" smtClean="0"/>
-              <a:t>16</a:t>
+              <a:t>17</a:t>
             </a:fld>
             <a:endParaRPr lang="es-ES"/>
           </a:p>
@@ -9462,6 +9672,13 @@
   <p:clrMapOvr>
     <a:masterClrMapping/>
   </p:clrMapOvr>
+  <p:timing>
+    <p:tnLst>
+      <p:par>
+        <p:cTn id="1" dur="indefinite" restart="never" nodeType="tmRoot"/>
+      </p:par>
+    </p:tnLst>
+  </p:timing>
 </p:sld>
 </file>
 
@@ -9492,9 +9709,16 @@
             <p:ph type="title"/>
           </p:nvPr>
         </p:nvSpPr>
-        <p:spPr/>
-        <p:txBody>
-          <a:bodyPr/>
+        <p:spPr>
+          <a:xfrm>
+            <a:off x="1945201" y="624110"/>
+            <a:ext cx="6589199" cy="788666"/>
+          </a:xfrm>
+        </p:spPr>
+        <p:txBody>
+          <a:bodyPr>
+            <a:normAutofit/>
+          </a:bodyPr>
           <a:lstStyle/>
           <a:p>
             <a:r>
@@ -9515,12 +9739,180 @@
             <p:ph idx="1"/>
           </p:nvPr>
         </p:nvSpPr>
-        <p:spPr/>
-        <p:txBody>
-          <a:bodyPr/>
-          <a:lstStyle/>
-          <a:p>
+        <p:spPr>
+          <a:xfrm>
+            <a:off x="1942415" y="1412776"/>
+            <a:ext cx="6591985" cy="4536504"/>
+          </a:xfrm>
+        </p:spPr>
+        <p:txBody>
+          <a:bodyPr>
+            <a:normAutofit fontScale="92500" lnSpcReduction="20000"/>
+          </a:bodyPr>
+          <a:lstStyle/>
+          <a:p>
+            <a:r>
+              <a:rPr lang="en-US" noProof="1"/>
+              <a:t>1</a:t>
+            </a:r>
+            <a:r>
+              <a:rPr lang="en-US" noProof="1"/>
+              <a:t>.  </a:t>
+            </a:r>
+            <a:r>
+              <a:rPr lang="en-US" noProof="1" smtClean="0"/>
+              <a:t>Introduction</a:t>
+            </a:r>
+          </a:p>
+          <a:p>
+            <a:pPr lvl="1"/>
+            <a:r>
+              <a:rPr lang="es-ES" dirty="0" smtClean="0"/>
+              <a:t>1.1.  .NET Micro Framework</a:t>
+            </a:r>
             <a:endParaRPr lang="en-US" dirty="0"/>
+          </a:p>
+          <a:p>
+            <a:r>
+              <a:rPr lang="es-ES" dirty="0"/>
+              <a:t>2.  </a:t>
+            </a:r>
+            <a:r>
+              <a:rPr lang="es-ES" dirty="0" err="1" smtClean="0"/>
+              <a:t>IOSharp</a:t>
+            </a:r>
+            <a:endParaRPr lang="es-ES" dirty="0" smtClean="0"/>
+          </a:p>
+          <a:p>
+            <a:pPr lvl="1"/>
+            <a:r>
+              <a:rPr lang="es-ES" dirty="0"/>
+              <a:t>2.1.  </a:t>
+            </a:r>
+            <a:r>
+              <a:rPr lang="es-ES" dirty="0" smtClean="0"/>
+              <a:t>GPIO</a:t>
+            </a:r>
+          </a:p>
+          <a:p>
+            <a:pPr lvl="1"/>
+            <a:r>
+              <a:rPr lang="es-ES" dirty="0" smtClean="0"/>
+              <a:t>2.2.  </a:t>
+            </a:r>
+            <a:r>
+              <a:rPr lang="es-ES" dirty="0" err="1" smtClean="0"/>
+              <a:t>Interrupts</a:t>
+            </a:r>
+            <a:endParaRPr lang="es-ES" dirty="0" smtClean="0"/>
+          </a:p>
+          <a:p>
+            <a:pPr lvl="1"/>
+            <a:r>
+              <a:rPr lang="es-ES" dirty="0" smtClean="0"/>
+              <a:t>2.3.  SPI</a:t>
+            </a:r>
+          </a:p>
+          <a:p>
+            <a:pPr lvl="1"/>
+            <a:r>
+              <a:rPr lang="es-ES" dirty="0" smtClean="0"/>
+              <a:t>2.4.  UART</a:t>
+            </a:r>
+          </a:p>
+          <a:p>
+            <a:r>
+              <a:rPr lang="es-ES" dirty="0"/>
+              <a:t>3.  </a:t>
+            </a:r>
+            <a:r>
+              <a:rPr lang="es-ES" dirty="0" err="1" smtClean="0"/>
+              <a:t>AlterNative</a:t>
+            </a:r>
+            <a:endParaRPr lang="es-ES" dirty="0" smtClean="0"/>
+          </a:p>
+          <a:p>
+            <a:pPr lvl="1"/>
+            <a:r>
+              <a:rPr lang="en-US" dirty="0"/>
+              <a:t>3.1.  Translation</a:t>
+            </a:r>
+            <a:r>
+              <a:rPr lang="es-ES" dirty="0"/>
+              <a:t> </a:t>
+            </a:r>
+            <a:r>
+              <a:rPr lang="en-US" dirty="0" smtClean="0"/>
+              <a:t>process</a:t>
+            </a:r>
+          </a:p>
+          <a:p>
+            <a:pPr lvl="1"/>
+            <a:r>
+              <a:rPr lang="en-US" dirty="0"/>
+              <a:t>3.2.  </a:t>
+            </a:r>
+            <a:r>
+              <a:rPr lang="en-US" dirty="0" smtClean="0"/>
+              <a:t>Example</a:t>
+            </a:r>
+          </a:p>
+          <a:p>
+            <a:r>
+              <a:rPr lang="es-ES" dirty="0"/>
+              <a:t>4.  Performance </a:t>
+            </a:r>
+            <a:r>
+              <a:rPr lang="es-ES" dirty="0" smtClean="0"/>
+              <a:t>Test</a:t>
+            </a:r>
+          </a:p>
+          <a:p>
+            <a:pPr lvl="1"/>
+            <a:r>
+              <a:rPr lang="es-ES" dirty="0" smtClean="0"/>
+              <a:t>4.1.  </a:t>
+            </a:r>
+            <a:r>
+              <a:rPr lang="es-ES" dirty="0" err="1" smtClean="0"/>
+              <a:t>Example</a:t>
+            </a:r>
+            <a:endParaRPr lang="es-ES" dirty="0" smtClean="0"/>
+          </a:p>
+          <a:p>
+            <a:r>
+              <a:rPr lang="en-US" dirty="0"/>
+              <a:t>5.  </a:t>
+            </a:r>
+            <a:r>
+              <a:rPr lang="en-US" dirty="0" smtClean="0"/>
+              <a:t>Conclusions</a:t>
+            </a:r>
+          </a:p>
+          <a:p>
+            <a:r>
+              <a:rPr lang="en-US" dirty="0"/>
+              <a:t>6.  Questions</a:t>
+            </a:r>
+            <a:r>
+              <a:rPr lang="es-ES" dirty="0"/>
+              <a:t> &amp; </a:t>
+            </a:r>
+            <a:r>
+              <a:rPr lang="en-US" dirty="0"/>
+              <a:t>Answers</a:t>
+            </a:r>
+            <a:endParaRPr lang="en-US" dirty="0" smtClean="0"/>
+          </a:p>
+          <a:p>
+            <a:endParaRPr lang="es-ES" dirty="0" smtClean="0"/>
+          </a:p>
+          <a:p>
+            <a:endParaRPr lang="es-ES" dirty="0" smtClean="0"/>
+          </a:p>
+          <a:p>
+            <a:pPr lvl="1"/>
+            <a:endParaRPr lang="es-ES" dirty="0" smtClean="0"/>
           </a:p>
         </p:txBody>
       </p:sp>
@@ -9617,14 +10009,19 @@
             <p:ph type="title"/>
           </p:nvPr>
         </p:nvSpPr>
-        <p:spPr/>
+        <p:spPr>
+          <a:xfrm>
+            <a:off x="1945201" y="624110"/>
+            <a:ext cx="6589199" cy="788666"/>
+          </a:xfrm>
+        </p:spPr>
         <p:txBody>
           <a:bodyPr/>
           <a:lstStyle/>
           <a:p>
             <a:r>
               <a:rPr lang="en-US" noProof="1" smtClean="0"/>
-              <a:t>Introduction</a:t>
+              <a:t>1.  Introduction</a:t>
             </a:r>
             <a:endParaRPr lang="en-US" noProof="1"/>
           </a:p>
@@ -9640,12 +10037,56 @@
             <p:ph idx="1"/>
           </p:nvPr>
         </p:nvSpPr>
-        <p:spPr/>
-        <p:txBody>
-          <a:bodyPr/>
-          <a:lstStyle/>
-          <a:p>
-            <a:endParaRPr lang="en-US"/>
+        <p:spPr>
+          <a:xfrm>
+            <a:off x="1943807" y="1700808"/>
+            <a:ext cx="6591985" cy="3777622"/>
+          </a:xfrm>
+        </p:spPr>
+        <p:txBody>
+          <a:bodyPr/>
+          <a:lstStyle/>
+          <a:p>
+            <a:r>
+              <a:rPr lang="en-US" dirty="0" smtClean="0"/>
+              <a:t>Power increase from 8 to 32 bits on microprocessors</a:t>
+            </a:r>
+          </a:p>
+          <a:p>
+            <a:endParaRPr lang="en-US" dirty="0" smtClean="0"/>
+          </a:p>
+          <a:p>
+            <a:r>
+              <a:rPr lang="en-US" dirty="0" smtClean="0"/>
+              <a:t>Cost reduction on hardware production</a:t>
+            </a:r>
+          </a:p>
+          <a:p>
+            <a:endParaRPr lang="en-US" dirty="0" smtClean="0"/>
+          </a:p>
+          <a:p>
+            <a:r>
+              <a:rPr lang="en-US" dirty="0" smtClean="0"/>
+              <a:t>Increasing usage of Linux in embedded systems</a:t>
+            </a:r>
+          </a:p>
+          <a:p>
+            <a:endParaRPr lang="en-US" dirty="0"/>
+          </a:p>
+          <a:p>
+            <a:r>
+              <a:rPr lang="en-US" dirty="0" smtClean="0"/>
+              <a:t>Cross-Platform source code generation</a:t>
+            </a:r>
+          </a:p>
+          <a:p>
+            <a:endParaRPr lang="en-US" dirty="0" smtClean="0"/>
+          </a:p>
+          <a:p>
+            <a:r>
+              <a:rPr lang="en-US" dirty="0" smtClean="0"/>
+              <a:t>Performance increase on translation</a:t>
+            </a:r>
           </a:p>
         </p:txBody>
       </p:sp>
@@ -9742,33 +10183,85 @@
             <p:ph type="title"/>
           </p:nvPr>
         </p:nvSpPr>
-        <p:spPr/>
+        <p:spPr>
+          <a:xfrm>
+            <a:off x="1945201" y="624110"/>
+            <a:ext cx="6589199" cy="860674"/>
+          </a:xfrm>
+        </p:spPr>
+        <p:txBody>
+          <a:bodyPr/>
+          <a:lstStyle/>
+          <a:p>
+            <a:r>
+              <a:rPr lang="es-ES" dirty="0" smtClean="0"/>
+              <a:t>1.1.  </a:t>
+            </a:r>
+            <a:r>
+              <a:rPr lang="es-ES" dirty="0" smtClean="0"/>
+              <a:t>.NET </a:t>
+            </a:r>
+            <a:r>
+              <a:rPr lang="es-ES" dirty="0" smtClean="0"/>
+              <a:t>Micro </a:t>
+            </a:r>
+            <a:r>
+              <a:rPr lang="es-ES" dirty="0" smtClean="0"/>
+              <a:t>Framework</a:t>
+            </a:r>
+            <a:endParaRPr lang="en-US" dirty="0"/>
+          </a:p>
+        </p:txBody>
+      </p:sp>
+      <p:sp>
+        <p:nvSpPr>
+          <p:cNvPr id="3" name="Marcador de contenido 2"/>
+          <p:cNvSpPr>
+            <a:spLocks noGrp="1"/>
+          </p:cNvSpPr>
+          <p:nvPr>
+            <p:ph idx="1"/>
+          </p:nvPr>
+        </p:nvSpPr>
+        <p:spPr>
+          <a:xfrm>
+            <a:off x="1942415" y="1700808"/>
+            <a:ext cx="6591985" cy="3777622"/>
+          </a:xfrm>
+        </p:spPr>
         <p:txBody>
           <a:bodyPr/>
           <a:lstStyle/>
           <a:p>
             <a:r>
               <a:rPr lang="en-US" dirty="0" smtClean="0"/>
-              <a:t>Embedded Operating Systems</a:t>
-            </a:r>
+              <a:t>Virtual Machine running on the bare metal</a:t>
+            </a:r>
+          </a:p>
+          <a:p>
             <a:endParaRPr lang="en-US" dirty="0"/>
           </a:p>
-        </p:txBody>
-      </p:sp>
-      <p:sp>
-        <p:nvSpPr>
-          <p:cNvPr id="3" name="Marcador de contenido 2"/>
-          <p:cNvSpPr>
-            <a:spLocks noGrp="1"/>
-          </p:cNvSpPr>
-          <p:nvPr>
-            <p:ph idx="1"/>
-          </p:nvPr>
-        </p:nvSpPr>
-        <p:spPr/>
-        <p:txBody>
-          <a:bodyPr/>
-          <a:lstStyle/>
+          <a:p>
+            <a:r>
+              <a:rPr lang="en-US" dirty="0" smtClean="0"/>
+              <a:t>Designed for resource-constrained devices</a:t>
+            </a:r>
+          </a:p>
+          <a:p>
+            <a:pPr marL="0" indent="0">
+              <a:buNone/>
+            </a:pPr>
+            <a:endParaRPr lang="en-US" dirty="0"/>
+          </a:p>
+          <a:p>
+            <a:r>
+              <a:rPr lang="en-US" dirty="0" smtClean="0"/>
+              <a:t>Multiple I/O Ports and Protocols</a:t>
+            </a:r>
+          </a:p>
+          <a:p>
+            <a:endParaRPr lang="en-US" dirty="0" smtClean="0"/>
+          </a:p>
           <a:p>
             <a:endParaRPr lang="en-US" dirty="0"/>
           </a:p>
@@ -9820,10 +10313,40 @@
           </a:p>
         </p:txBody>
       </p:sp>
+      <p:pic>
+        <p:nvPicPr>
+          <p:cNvPr id="10" name="Imagen 9"/>
+          <p:cNvPicPr>
+            <a:picLocks noChangeAspect="1"/>
+          </p:cNvPicPr>
+          <p:nvPr/>
+        </p:nvPicPr>
+        <p:blipFill>
+          <a:blip r:embed="rId2">
+            <a:extLst>
+              <a:ext uri="{28A0092B-C50C-407E-A947-70E740481C1C}">
+                <a14:useLocalDpi xmlns:a14="http://schemas.microsoft.com/office/drawing/2010/main" val="0"/>
+              </a:ext>
+            </a:extLst>
+          </a:blip>
+          <a:stretch>
+            <a:fillRect/>
+          </a:stretch>
+        </p:blipFill>
+        <p:spPr>
+          <a:xfrm>
+            <a:off x="2646627" y="3866673"/>
+            <a:ext cx="5183560" cy="1794575"/>
+          </a:xfrm>
+          <a:prstGeom prst="rect">
+            <a:avLst/>
+          </a:prstGeom>
+        </p:spPr>
+      </p:pic>
     </p:spTree>
     <p:extLst>
       <p:ext uri="{BB962C8B-B14F-4D97-AF65-F5344CB8AC3E}">
-        <p14:creationId xmlns:p14="http://schemas.microsoft.com/office/powerpoint/2010/main" val="3153582400"/>
+        <p14:creationId xmlns:p14="http://schemas.microsoft.com/office/powerpoint/2010/main" val="3568355991"/>
       </p:ext>
     </p:extLst>
   </p:cSld>
@@ -9874,7 +10397,11 @@
           <a:p>
             <a:r>
               <a:rPr lang="es-ES" dirty="0" smtClean="0"/>
-              <a:t>Micro Framework</a:t>
+              <a:t>2.  </a:t>
+            </a:r>
+            <a:r>
+              <a:rPr lang="es-ES" dirty="0" err="1" smtClean="0"/>
+              <a:t>IOSharp</a:t>
             </a:r>
             <a:endParaRPr lang="en-US" dirty="0"/>
           </a:p>
@@ -9890,12 +10417,99 @@
             <p:ph idx="1"/>
           </p:nvPr>
         </p:nvSpPr>
-        <p:spPr/>
-        <p:txBody>
-          <a:bodyPr/>
-          <a:lstStyle/>
-          <a:p>
-            <a:endParaRPr lang="en-US"/>
+        <p:spPr>
+          <a:xfrm>
+            <a:off x="1943807" y="1700807"/>
+            <a:ext cx="6591985" cy="4176465"/>
+          </a:xfrm>
+        </p:spPr>
+        <p:txBody>
+          <a:bodyPr/>
+          <a:lstStyle/>
+          <a:p>
+            <a:r>
+              <a:rPr lang="en-US" dirty="0" smtClean="0"/>
+              <a:t>NETMF implementation on a High-Level basis</a:t>
+            </a:r>
+          </a:p>
+          <a:p>
+            <a:pPr lvl="1"/>
+            <a:r>
+              <a:rPr lang="en-US" dirty="0" smtClean="0"/>
+              <a:t>C# with Mono on Linux</a:t>
+            </a:r>
+          </a:p>
+          <a:p>
+            <a:pPr lvl="1"/>
+            <a:r>
+              <a:rPr lang="en-US" dirty="0" smtClean="0"/>
+              <a:t>C library for interfacing with communication protocols</a:t>
+            </a:r>
+          </a:p>
+          <a:p>
+            <a:endParaRPr lang="en-US" dirty="0"/>
+          </a:p>
+          <a:p>
+            <a:r>
+              <a:rPr lang="en-US" dirty="0" smtClean="0"/>
+              <a:t>Cross-Platform </a:t>
+            </a:r>
+            <a:r>
+              <a:rPr lang="en-US" dirty="0" smtClean="0">
+                <a:sym typeface="Wingdings" panose="05000000000000000000" pitchFamily="2" charset="2"/>
+              </a:rPr>
+              <a:t> </a:t>
+            </a:r>
+            <a:r>
+              <a:rPr lang="en-US" dirty="0" smtClean="0"/>
+              <a:t>Board independent</a:t>
+            </a:r>
+          </a:p>
+          <a:p>
+            <a:endParaRPr lang="en-US" dirty="0"/>
+          </a:p>
+          <a:p>
+            <a:r>
+              <a:rPr lang="en-US" dirty="0" smtClean="0"/>
+              <a:t>Required an underlying Linux</a:t>
+            </a:r>
+          </a:p>
+          <a:p>
+            <a:endParaRPr lang="en-US" dirty="0"/>
+          </a:p>
+          <a:p>
+            <a:r>
+              <a:rPr lang="en-US" dirty="0"/>
+              <a:t>Download at</a:t>
+            </a:r>
+          </a:p>
+          <a:p>
+            <a:pPr marL="0" indent="0">
+              <a:buNone/>
+            </a:pPr>
+            <a:r>
+              <a:rPr lang="en-US" dirty="0">
+                <a:solidFill>
+                  <a:schemeClr val="accent1"/>
+                </a:solidFill>
+                <a:hlinkClick r:id="rId2"/>
+              </a:rPr>
+              <a:t>https://github.com/GerardSoleCa/IOSharp-netmf-Linux</a:t>
+            </a:r>
+            <a:endParaRPr lang="en-US" dirty="0">
+              <a:solidFill>
+                <a:schemeClr val="accent1"/>
+              </a:solidFill>
+            </a:endParaRPr>
+          </a:p>
+          <a:p>
+            <a:endParaRPr lang="en-US" dirty="0"/>
+          </a:p>
+          <a:p>
+            <a:pPr marL="457200" lvl="1" indent="0">
+              <a:buNone/>
+            </a:pPr>
+            <a:endParaRPr lang="en-US" dirty="0" smtClean="0"/>
           </a:p>
         </p:txBody>
       </p:sp>
@@ -9945,10 +10559,40 @@
           </a:p>
         </p:txBody>
       </p:sp>
+      <p:pic>
+        <p:nvPicPr>
+          <p:cNvPr id="6" name="Imagen 5"/>
+          <p:cNvPicPr>
+            <a:picLocks noChangeAspect="1"/>
+          </p:cNvPicPr>
+          <p:nvPr/>
+        </p:nvPicPr>
+        <p:blipFill>
+          <a:blip r:embed="rId3" cstate="print">
+            <a:extLst>
+              <a:ext uri="{28A0092B-C50C-407E-A947-70E740481C1C}">
+                <a14:useLocalDpi xmlns:a14="http://schemas.microsoft.com/office/drawing/2010/main" val="0"/>
+              </a:ext>
+            </a:extLst>
+          </a:blip>
+          <a:stretch>
+            <a:fillRect/>
+          </a:stretch>
+        </p:blipFill>
+        <p:spPr>
+          <a:xfrm>
+            <a:off x="6588224" y="3789040"/>
+            <a:ext cx="1656184" cy="1276555"/>
+          </a:xfrm>
+          <a:prstGeom prst="rect">
+            <a:avLst/>
+          </a:prstGeom>
+        </p:spPr>
+      </p:pic>
     </p:spTree>
     <p:extLst>
       <p:ext uri="{BB962C8B-B14F-4D97-AF65-F5344CB8AC3E}">
-        <p14:creationId xmlns:p14="http://schemas.microsoft.com/office/powerpoint/2010/main" val="3568355991"/>
+        <p14:creationId xmlns:p14="http://schemas.microsoft.com/office/powerpoint/2010/main" val="205226282"/>
       </p:ext>
     </p:extLst>
   </p:cSld>
@@ -9998,29 +10642,18 @@
           <a:lstStyle/>
           <a:p>
             <a:r>
+              <a:rPr lang="es-ES" dirty="0" smtClean="0"/>
+              <a:t>2.  </a:t>
+            </a:r>
+            <a:r>
               <a:rPr lang="es-ES" dirty="0" err="1" smtClean="0"/>
               <a:t>IOSharp</a:t>
             </a:r>
+            <a:r>
+              <a:rPr lang="es-ES" dirty="0" smtClean="0"/>
+              <a:t> II</a:t>
+            </a:r>
             <a:endParaRPr lang="en-US" dirty="0"/>
-          </a:p>
-        </p:txBody>
-      </p:sp>
-      <p:sp>
-        <p:nvSpPr>
-          <p:cNvPr id="3" name="Marcador de contenido 2"/>
-          <p:cNvSpPr>
-            <a:spLocks noGrp="1"/>
-          </p:cNvSpPr>
-          <p:nvPr>
-            <p:ph idx="1"/>
-          </p:nvPr>
-        </p:nvSpPr>
-        <p:spPr/>
-        <p:txBody>
-          <a:bodyPr/>
-          <a:lstStyle/>
-          <a:p>
-            <a:endParaRPr lang="en-US"/>
           </a:p>
         </p:txBody>
       </p:sp>
@@ -10070,10 +10703,67 @@
           </a:p>
         </p:txBody>
       </p:sp>
+      <p:graphicFrame>
+        <p:nvGraphicFramePr>
+          <p:cNvPr id="7" name="Objeto 6"/>
+          <p:cNvGraphicFramePr>
+            <a:graphicFrameLocks noChangeAspect="1"/>
+          </p:cNvGraphicFramePr>
+          <p:nvPr>
+            <p:extLst>
+              <p:ext uri="{D42A27DB-BD31-4B8C-83A1-F6EECF244321}">
+                <p14:modId xmlns:p14="http://schemas.microsoft.com/office/powerpoint/2010/main" val="542921711"/>
+              </p:ext>
+            </p:extLst>
+          </p:nvPr>
+        </p:nvGraphicFramePr>
+        <p:xfrm>
+          <a:off x="2706150" y="1772816"/>
+          <a:ext cx="5067300" cy="3305175"/>
+        </p:xfrm>
+        <a:graphic>
+          <a:graphicData uri="http://schemas.openxmlformats.org/presentationml/2006/ole">
+            <mc:AlternateContent xmlns:mc="http://schemas.openxmlformats.org/markup-compatibility/2006">
+              <mc:Choice xmlns:v="urn:schemas-microsoft-com:vml" Requires="v">
+                <p:oleObj spid="_x0000_s2056" name="Visio" r:id="rId3" imgW="5067360" imgH="3305265" progId="Visio.Drawing.15">
+                  <p:embed/>
+                </p:oleObj>
+              </mc:Choice>
+              <mc:Fallback>
+                <p:oleObj name="Visio" r:id="rId3" imgW="5067360" imgH="3305265" progId="Visio.Drawing.15">
+                  <p:embed/>
+                  <p:pic>
+                    <p:nvPicPr>
+                      <p:cNvPr id="0" name=""/>
+                      <p:cNvPicPr/>
+                      <p:nvPr/>
+                    </p:nvPicPr>
+                    <p:blipFill>
+                      <a:blip r:embed="rId4"/>
+                      <a:stretch>
+                        <a:fillRect/>
+                      </a:stretch>
+                    </p:blipFill>
+                    <p:spPr>
+                      <a:xfrm>
+                        <a:off x="2706150" y="1772816"/>
+                        <a:ext cx="5067300" cy="3305175"/>
+                      </a:xfrm>
+                      <a:prstGeom prst="rect">
+                        <a:avLst/>
+                      </a:prstGeom>
+                    </p:spPr>
+                  </p:pic>
+                </p:oleObj>
+              </mc:Fallback>
+            </mc:AlternateContent>
+          </a:graphicData>
+        </a:graphic>
+      </p:graphicFrame>
     </p:spTree>
     <p:extLst>
       <p:ext uri="{BB962C8B-B14F-4D97-AF65-F5344CB8AC3E}">
-        <p14:creationId xmlns:p14="http://schemas.microsoft.com/office/powerpoint/2010/main" val="205226282"/>
+        <p14:creationId xmlns:p14="http://schemas.microsoft.com/office/powerpoint/2010/main" val="365177257"/>
       </p:ext>
     </p:extLst>
   </p:cSld>
@@ -10123,8 +10813,8 @@
           <a:lstStyle/>
           <a:p>
             <a:r>
-              <a:rPr lang="es-ES" dirty="0" smtClean="0"/>
-              <a:t>GPIO</a:t>
+              <a:rPr lang="en-US" dirty="0" smtClean="0"/>
+              <a:t>2.1.  GPIO</a:t>
             </a:r>
             <a:endParaRPr lang="en-US" dirty="0"/>
           </a:p>
@@ -10140,12 +10830,71 @@
             <p:ph idx="1"/>
           </p:nvPr>
         </p:nvSpPr>
-        <p:spPr/>
-        <p:txBody>
-          <a:bodyPr/>
-          <a:lstStyle/>
-          <a:p>
-            <a:endParaRPr lang="en-US"/>
+        <p:spPr>
+          <a:xfrm>
+            <a:off x="1945936" y="1700808"/>
+            <a:ext cx="6591985" cy="3777622"/>
+          </a:xfrm>
+        </p:spPr>
+        <p:txBody>
+          <a:bodyPr/>
+          <a:lstStyle/>
+          <a:p>
+            <a:r>
+              <a:rPr lang="en-US" dirty="0" smtClean="0"/>
+              <a:t>I/O Ports are controlled through the file system</a:t>
+            </a:r>
+          </a:p>
+          <a:p>
+            <a:pPr lvl="1"/>
+            <a:r>
+              <a:rPr lang="en-US" dirty="0" smtClean="0"/>
+              <a:t>SYSFS </a:t>
+            </a:r>
+            <a:r>
+              <a:rPr lang="en-US" dirty="0" smtClean="0">
+                <a:sym typeface="Wingdings" panose="05000000000000000000" pitchFamily="2" charset="2"/>
+              </a:rPr>
+              <a:t> </a:t>
+            </a:r>
+            <a:r>
+              <a:rPr lang="en-US" dirty="0" smtClean="0">
+                <a:latin typeface="Consolas" panose="020B0609020204030204" pitchFamily="49" charset="0"/>
+                <a:cs typeface="Consolas" panose="020B0609020204030204" pitchFamily="49" charset="0"/>
+                <a:sym typeface="Wingdings" panose="05000000000000000000" pitchFamily="2" charset="2"/>
+              </a:rPr>
+              <a:t>/sys/class/</a:t>
+            </a:r>
+            <a:r>
+              <a:rPr lang="en-US" dirty="0" err="1" smtClean="0">
+                <a:latin typeface="Consolas" panose="020B0609020204030204" pitchFamily="49" charset="0"/>
+                <a:cs typeface="Consolas" panose="020B0609020204030204" pitchFamily="49" charset="0"/>
+                <a:sym typeface="Wingdings" panose="05000000000000000000" pitchFamily="2" charset="2"/>
+              </a:rPr>
+              <a:t>gpio</a:t>
+            </a:r>
+            <a:r>
+              <a:rPr lang="en-US" dirty="0" smtClean="0">
+                <a:latin typeface="Consolas" panose="020B0609020204030204" pitchFamily="49" charset="0"/>
+                <a:cs typeface="Consolas" panose="020B0609020204030204" pitchFamily="49" charset="0"/>
+                <a:sym typeface="Wingdings" panose="05000000000000000000" pitchFamily="2" charset="2"/>
+              </a:rPr>
+              <a:t>/</a:t>
+            </a:r>
+          </a:p>
+          <a:p>
+            <a:pPr lvl="1"/>
+            <a:endParaRPr lang="en-US" dirty="0">
+              <a:latin typeface="Consolas" panose="020B0609020204030204" pitchFamily="49" charset="0"/>
+              <a:cs typeface="Consolas" panose="020B0609020204030204" pitchFamily="49" charset="0"/>
+              <a:sym typeface="Wingdings" panose="05000000000000000000" pitchFamily="2" charset="2"/>
+            </a:endParaRPr>
+          </a:p>
+          <a:p>
+            <a:endParaRPr lang="en-US" dirty="0">
+              <a:latin typeface="Consolas" panose="020B0609020204030204" pitchFamily="49" charset="0"/>
+              <a:cs typeface="Consolas" panose="020B0609020204030204" pitchFamily="49" charset="0"/>
+            </a:endParaRPr>
           </a:p>
         </p:txBody>
       </p:sp>
@@ -10205,6 +10954,13 @@
   <p:clrMapOvr>
     <a:masterClrMapping/>
   </p:clrMapOvr>
+  <p:timing>
+    <p:tnLst>
+      <p:par>
+        <p:cTn id="1" dur="indefinite" restart="never" nodeType="tmRoot"/>
+      </p:par>
+    </p:tnLst>
+  </p:timing>
 </p:sld>
 </file>
 
@@ -10241,8 +10997,8 @@
           <a:lstStyle/>
           <a:p>
             <a:r>
-              <a:rPr lang="es-ES" dirty="0" smtClean="0"/>
-              <a:t>SPI</a:t>
+              <a:rPr lang="en-US" dirty="0" smtClean="0"/>
+              <a:t>2.2.  Interrupts</a:t>
             </a:r>
             <a:endParaRPr lang="en-US" dirty="0"/>
           </a:p>
@@ -10258,35 +11014,50 @@
             <p:ph idx="1"/>
           </p:nvPr>
         </p:nvSpPr>
+        <p:spPr>
+          <a:xfrm>
+            <a:off x="1942415" y="1700808"/>
+            <a:ext cx="6591985" cy="3777622"/>
+          </a:xfrm>
+        </p:spPr>
+        <p:txBody>
+          <a:bodyPr/>
+          <a:lstStyle/>
+          <a:p>
+            <a:r>
+              <a:rPr lang="en-US" dirty="0" smtClean="0"/>
+              <a:t>Polling from a GPIO using the Poll function</a:t>
+            </a:r>
+          </a:p>
+          <a:p>
+            <a:r>
+              <a:rPr lang="en-US" dirty="0" smtClean="0"/>
+              <a:t>P/Invokes required for cross-language calls</a:t>
+            </a:r>
+            <a:endParaRPr lang="en-US" dirty="0"/>
+          </a:p>
+        </p:txBody>
+      </p:sp>
+      <p:sp>
+        <p:nvSpPr>
+          <p:cNvPr id="4" name="Marcador de pie de página 3"/>
+          <p:cNvSpPr>
+            <a:spLocks noGrp="1"/>
+          </p:cNvSpPr>
+          <p:nvPr>
+            <p:ph type="ftr" sz="quarter" idx="11"/>
+          </p:nvPr>
+        </p:nvSpPr>
         <p:spPr/>
         <p:txBody>
           <a:bodyPr/>
           <a:lstStyle/>
           <a:p>
-            <a:endParaRPr lang="en-US"/>
-          </a:p>
-        </p:txBody>
-      </p:sp>
-      <p:sp>
-        <p:nvSpPr>
-          <p:cNvPr id="4" name="Marcador de pie de página 3"/>
-          <p:cNvSpPr>
-            <a:spLocks noGrp="1"/>
-          </p:cNvSpPr>
-          <p:nvPr>
-            <p:ph type="ftr" sz="quarter" idx="11"/>
-          </p:nvPr>
-        </p:nvSpPr>
-        <p:spPr/>
-        <p:txBody>
-          <a:bodyPr/>
-          <a:lstStyle/>
-          <a:p>
             <a:r>
               <a:rPr lang="es-ES" smtClean="0"/>
               <a:t>IOSharp: .NET Micro Framework on Linux</a:t>
             </a:r>
-            <a:endParaRPr lang="es-ES"/>
+            <a:endParaRPr lang="es-ES" dirty="0"/>
           </a:p>
         </p:txBody>
       </p:sp>
@@ -10313,16 +11084,80 @@
           </a:p>
         </p:txBody>
       </p:sp>
+      <p:graphicFrame>
+        <p:nvGraphicFramePr>
+          <p:cNvPr id="6" name="Objeto 5"/>
+          <p:cNvGraphicFramePr>
+            <a:graphicFrameLocks noChangeAspect="1"/>
+          </p:cNvGraphicFramePr>
+          <p:nvPr>
+            <p:extLst>
+              <p:ext uri="{D42A27DB-BD31-4B8C-83A1-F6EECF244321}">
+                <p14:modId xmlns:p14="http://schemas.microsoft.com/office/powerpoint/2010/main" val="171863356"/>
+              </p:ext>
+            </p:extLst>
+          </p:nvPr>
+        </p:nvGraphicFramePr>
+        <p:xfrm>
+          <a:off x="2622455" y="2562379"/>
+          <a:ext cx="5231904" cy="3445700"/>
+        </p:xfrm>
+        <a:graphic>
+          <a:graphicData uri="http://schemas.openxmlformats.org/presentationml/2006/ole">
+            <mc:AlternateContent xmlns:mc="http://schemas.openxmlformats.org/markup-compatibility/2006">
+              <mc:Choice xmlns:v="urn:schemas-microsoft-com:vml" Requires="v">
+                <p:oleObj spid="_x0000_s3074" name="Visio" r:id="rId3" imgW="10572660" imgH="6962865" progId="Visio.Drawing.15">
+                  <p:embed/>
+                </p:oleObj>
+              </mc:Choice>
+              <mc:Fallback>
+                <p:oleObj name="Visio" r:id="rId3" imgW="10572660" imgH="6962865" progId="Visio.Drawing.15">
+                  <p:embed/>
+                  <p:pic>
+                    <p:nvPicPr>
+                      <p:cNvPr id="0" name=""/>
+                      <p:cNvPicPr/>
+                      <p:nvPr/>
+                    </p:nvPicPr>
+                    <p:blipFill>
+                      <a:blip r:embed="rId4"/>
+                      <a:stretch>
+                        <a:fillRect/>
+                      </a:stretch>
+                    </p:blipFill>
+                    <p:spPr>
+                      <a:xfrm>
+                        <a:off x="2622455" y="2562379"/>
+                        <a:ext cx="5231904" cy="3445700"/>
+                      </a:xfrm>
+                      <a:prstGeom prst="rect">
+                        <a:avLst/>
+                      </a:prstGeom>
+                    </p:spPr>
+                  </p:pic>
+                </p:oleObj>
+              </mc:Fallback>
+            </mc:AlternateContent>
+          </a:graphicData>
+        </a:graphic>
+      </p:graphicFrame>
     </p:spTree>
     <p:extLst>
       <p:ext uri="{BB962C8B-B14F-4D97-AF65-F5344CB8AC3E}">
-        <p14:creationId xmlns:p14="http://schemas.microsoft.com/office/powerpoint/2010/main" val="2475267576"/>
+        <p14:creationId xmlns:p14="http://schemas.microsoft.com/office/powerpoint/2010/main" val="261971407"/>
       </p:ext>
     </p:extLst>
   </p:cSld>
   <p:clrMapOvr>
     <a:masterClrMapping/>
   </p:clrMapOvr>
+  <p:timing>
+    <p:tnLst>
+      <p:par>
+        <p:cTn id="1" dur="indefinite" restart="never" nodeType="tmRoot"/>
+      </p:par>
+    </p:tnLst>
+  </p:timing>
 </p:sld>
 </file>
 
@@ -10360,7 +11195,7 @@
           <a:p>
             <a:r>
               <a:rPr lang="es-ES" dirty="0" smtClean="0"/>
-              <a:t>UART</a:t>
+              <a:t>2.3.  SPI</a:t>
             </a:r>
             <a:endParaRPr lang="en-US" dirty="0"/>
           </a:p>
@@ -10434,13 +11269,20 @@
     </p:spTree>
     <p:extLst>
       <p:ext uri="{BB962C8B-B14F-4D97-AF65-F5344CB8AC3E}">
-        <p14:creationId xmlns:p14="http://schemas.microsoft.com/office/powerpoint/2010/main" val="994268500"/>
+        <p14:creationId xmlns:p14="http://schemas.microsoft.com/office/powerpoint/2010/main" val="2475267576"/>
       </p:ext>
     </p:extLst>
   </p:cSld>
   <p:clrMapOvr>
     <a:masterClrMapping/>
   </p:clrMapOvr>
+  <p:timing>
+    <p:tnLst>
+      <p:par>
+        <p:cTn id="1" dur="indefinite" restart="never" nodeType="tmRoot"/>
+      </p:par>
+    </p:tnLst>
+  </p:timing>
 </p:sld>
 </file>
 

--- a/ThesisDoc/IOSharp.pptx
+++ b/ThesisDoc/IOSharp.pptx
@@ -5,7 +5,7 @@
     <p:sldMasterId id="2147483821" r:id="rId1"/>
   </p:sldMasterIdLst>
   <p:notesMasterIdLst>
-    <p:notesMasterId r:id="rId19"/>
+    <p:notesMasterId r:id="rId23"/>
   </p:notesMasterIdLst>
   <p:sldIdLst>
     <p:sldId id="256" r:id="rId2"/>
@@ -18,13 +18,17 @@
     <p:sldId id="273" r:id="rId9"/>
     <p:sldId id="263" r:id="rId10"/>
     <p:sldId id="264" r:id="rId11"/>
-    <p:sldId id="265" r:id="rId12"/>
-    <p:sldId id="266" r:id="rId13"/>
-    <p:sldId id="267" r:id="rId14"/>
-    <p:sldId id="268" r:id="rId15"/>
-    <p:sldId id="269" r:id="rId16"/>
-    <p:sldId id="270" r:id="rId17"/>
-    <p:sldId id="271" r:id="rId18"/>
+    <p:sldId id="274" r:id="rId12"/>
+    <p:sldId id="265" r:id="rId13"/>
+    <p:sldId id="266" r:id="rId14"/>
+    <p:sldId id="276" r:id="rId15"/>
+    <p:sldId id="275" r:id="rId16"/>
+    <p:sldId id="267" r:id="rId17"/>
+    <p:sldId id="268" r:id="rId18"/>
+    <p:sldId id="269" r:id="rId19"/>
+    <p:sldId id="270" r:id="rId20"/>
+    <p:sldId id="277" r:id="rId21"/>
+    <p:sldId id="271" r:id="rId22"/>
   </p:sldIdLst>
   <p:sldSz cx="9144000" cy="6858000" type="screen4x3"/>
   <p:notesSz cx="6858000" cy="9144000"/>
@@ -224,7 +228,7 @@
           <a:p>
             <a:fld id="{7372D0EB-124A-4188-9A04-F78DFD96931D}" type="datetimeFigureOut">
               <a:rPr lang="en-US" smtClean="0"/>
-              <a:t>2/8/2014</a:t>
+              <a:t>2/9/2014</a:t>
             </a:fld>
             <a:endParaRPr lang="en-US"/>
           </a:p>
@@ -725,7 +729,7 @@
           <a:p>
             <a:fld id="{0353FF77-1486-40B6-B94E-C1E50A1A5E63}" type="slidenum">
               <a:rPr lang="en-US" smtClean="0"/>
-              <a:t>17</a:t>
+              <a:t>21</a:t>
             </a:fld>
             <a:endParaRPr lang="en-US"/>
           </a:p>
@@ -962,7 +966,7 @@
           <a:p>
             <a:fld id="{9D3E2F9D-38DA-4D6F-8E02-326E69AF2943}" type="datetime1">
               <a:rPr lang="es-ES" smtClean="0"/>
-              <a:t>08/02/2014</a:t>
+              <a:t>09/02/2014</a:t>
             </a:fld>
             <a:endParaRPr lang="es-ES" dirty="0"/>
           </a:p>
@@ -1310,7 +1314,7 @@
           <a:p>
             <a:fld id="{A66FE1B6-4F57-4445-A278-A5087723B883}" type="datetime1">
               <a:rPr lang="es-ES" smtClean="0"/>
-              <a:t>08/02/2014</a:t>
+              <a:t>09/02/2014</a:t>
             </a:fld>
             <a:endParaRPr lang="es-ES"/>
           </a:p>
@@ -1713,7 +1717,7 @@
           <a:p>
             <a:fld id="{F60366B5-A022-408C-B6C4-577A2E9117A4}" type="datetime1">
               <a:rPr lang="es-ES" smtClean="0"/>
-              <a:t>08/02/2014</a:t>
+              <a:t>09/02/2014</a:t>
             </a:fld>
             <a:endParaRPr lang="es-ES"/>
           </a:p>
@@ -2051,7 +2055,7 @@
           <a:p>
             <a:fld id="{87D6D524-B0FA-4292-AD14-EDC17503A51D}" type="datetime1">
               <a:rPr lang="es-ES" smtClean="0"/>
-              <a:t>08/02/2014</a:t>
+              <a:t>09/02/2014</a:t>
             </a:fld>
             <a:endParaRPr lang="es-ES"/>
           </a:p>
@@ -2373,7 +2377,7 @@
           <a:p>
             <a:fld id="{562FCECA-A66D-4047-8040-1EB238554101}" type="datetime1">
               <a:rPr lang="es-ES" smtClean="0"/>
-              <a:t>08/02/2014</a:t>
+              <a:t>09/02/2014</a:t>
             </a:fld>
             <a:endParaRPr lang="es-ES"/>
           </a:p>
@@ -2771,7 +2775,7 @@
           <a:p>
             <a:fld id="{769DFE57-26CB-48BC-91AD-9E207F38B65C}" type="datetime1">
               <a:rPr lang="es-ES" smtClean="0"/>
-              <a:t>08/02/2014</a:t>
+              <a:t>09/02/2014</a:t>
             </a:fld>
             <a:endParaRPr lang="es-ES"/>
           </a:p>
@@ -3030,7 +3034,7 @@
           <a:p>
             <a:fld id="{F92C9852-2065-40E2-8EB3-DADA6E88D2E4}" type="datetime1">
               <a:rPr lang="es-ES" smtClean="0"/>
-              <a:t>08/02/2014</a:t>
+              <a:t>09/02/2014</a:t>
             </a:fld>
             <a:endParaRPr lang="es-ES"/>
           </a:p>
@@ -3294,7 +3298,7 @@
           <a:p>
             <a:fld id="{69939F70-6665-4FEA-B09D-F1DBBA1D2266}" type="datetime1">
               <a:rPr lang="es-ES" smtClean="0"/>
-              <a:t>08/02/2014</a:t>
+              <a:t>09/02/2014</a:t>
             </a:fld>
             <a:endParaRPr lang="es-ES"/>
           </a:p>
@@ -3558,7 +3562,7 @@
           <a:p>
             <a:fld id="{C886E45F-F48B-47F5-A680-8D9C3D769D00}" type="datetime1">
               <a:rPr lang="es-ES" smtClean="0"/>
-              <a:t>08/02/2014</a:t>
+              <a:t>09/02/2014</a:t>
             </a:fld>
             <a:endParaRPr lang="es-ES"/>
           </a:p>
@@ -3905,7 +3909,7 @@
           <a:p>
             <a:fld id="{F3A88BA9-DB36-4996-99CF-7554617F1CC7}" type="datetime1">
               <a:rPr lang="es-ES" smtClean="0"/>
-              <a:t>08/02/2014</a:t>
+              <a:t>09/02/2014</a:t>
             </a:fld>
             <a:endParaRPr lang="es-ES"/>
           </a:p>
@@ -4234,7 +4238,7 @@
           <a:p>
             <a:fld id="{FFE94359-F0B4-4B76-BFCA-EDD95B71FCAC}" type="datetime1">
               <a:rPr lang="es-ES" smtClean="0"/>
-              <a:t>08/02/2014</a:t>
+              <a:t>09/02/2014</a:t>
             </a:fld>
             <a:endParaRPr lang="es-ES"/>
           </a:p>
@@ -4693,7 +4697,7 @@
           <a:p>
             <a:fld id="{35834B84-D7F6-4436-97FD-521439A9BF19}" type="datetime1">
               <a:rPr lang="es-ES" smtClean="0"/>
-              <a:t>08/02/2014</a:t>
+              <a:t>09/02/2014</a:t>
             </a:fld>
             <a:endParaRPr lang="es-ES"/>
           </a:p>
@@ -4905,7 +4909,7 @@
           <a:p>
             <a:fld id="{6C944476-9E3F-486C-BDC8-310F1AAD8AE6}" type="datetime1">
               <a:rPr lang="es-ES" smtClean="0"/>
-              <a:t>08/02/2014</a:t>
+              <a:t>09/02/2014</a:t>
             </a:fld>
             <a:endParaRPr lang="es-ES"/>
           </a:p>
@@ -5084,7 +5088,7 @@
           <a:p>
             <a:fld id="{B95C774B-50AF-47D8-9EDF-9B6AFC85D210}" type="datetime1">
               <a:rPr lang="es-ES" smtClean="0"/>
-              <a:t>08/02/2014</a:t>
+              <a:t>09/02/2014</a:t>
             </a:fld>
             <a:endParaRPr lang="es-ES"/>
           </a:p>
@@ -5419,7 +5423,7 @@
           <a:p>
             <a:fld id="{175269D3-134E-48AB-AA12-FE4B7076A3FD}" type="datetime1">
               <a:rPr lang="es-ES" smtClean="0"/>
-              <a:t>08/02/2014</a:t>
+              <a:t>09/02/2014</a:t>
             </a:fld>
             <a:endParaRPr lang="es-ES"/>
           </a:p>
@@ -5766,7 +5770,7 @@
           <a:p>
             <a:fld id="{63F2DCCE-F6CE-4BB5-ABD4-6B29C74F5768}" type="datetime1">
               <a:rPr lang="es-ES" smtClean="0"/>
-              <a:t>08/02/2014</a:t>
+              <a:t>09/02/2014</a:t>
             </a:fld>
             <a:endParaRPr lang="es-ES"/>
           </a:p>
@@ -7885,7 +7889,7 @@
           <a:p>
             <a:fld id="{0CD20DCD-2AE2-401E-BE39-52B8E760BC6B}" type="datetime1">
               <a:rPr lang="es-ES" smtClean="0"/>
-              <a:t>08/02/2014</a:t>
+              <a:t>09/02/2014</a:t>
             </a:fld>
             <a:endParaRPr lang="es-ES" dirty="0"/>
           </a:p>
@@ -8695,36 +8699,9 @@
           <a:p>
             <a:r>
               <a:rPr lang="es-ES" dirty="0" smtClean="0"/>
-              <a:t>2.4. </a:t>
-            </a:r>
-            <a:r>
-              <a:rPr lang="es-ES" dirty="0" smtClean="0"/>
-              <a:t> </a:t>
-            </a:r>
-            <a:r>
-              <a:rPr lang="es-ES" dirty="0" smtClean="0"/>
-              <a:t>UART</a:t>
+              <a:t>2.4.  UART</a:t>
             </a:r>
             <a:endParaRPr lang="en-US" dirty="0"/>
-          </a:p>
-        </p:txBody>
-      </p:sp>
-      <p:sp>
-        <p:nvSpPr>
-          <p:cNvPr id="3" name="Marcador de contenido 2"/>
-          <p:cNvSpPr>
-            <a:spLocks noGrp="1"/>
-          </p:cNvSpPr>
-          <p:nvPr>
-            <p:ph idx="1"/>
-          </p:nvPr>
-        </p:nvSpPr>
-        <p:spPr/>
-        <p:txBody>
-          <a:bodyPr/>
-          <a:lstStyle/>
-          <a:p>
-            <a:endParaRPr lang="en-US"/>
           </a:p>
         </p:txBody>
       </p:sp>
@@ -8771,6 +8748,129 @@
               <a:t>10</a:t>
             </a:fld>
             <a:endParaRPr lang="es-ES"/>
+          </a:p>
+        </p:txBody>
+      </p:sp>
+      <p:sp>
+        <p:nvSpPr>
+          <p:cNvPr id="11" name="Marcador de contenido 2"/>
+          <p:cNvSpPr>
+            <a:spLocks noGrp="1"/>
+          </p:cNvSpPr>
+          <p:nvPr>
+            <p:ph idx="1"/>
+          </p:nvPr>
+        </p:nvSpPr>
+        <p:spPr>
+          <a:xfrm>
+            <a:off x="1943807" y="1700808"/>
+            <a:ext cx="6591985" cy="3777622"/>
+          </a:xfrm>
+        </p:spPr>
+        <p:txBody>
+          <a:bodyPr/>
+          <a:lstStyle/>
+          <a:p>
+            <a:r>
+              <a:rPr lang="en-US" dirty="0" smtClean="0"/>
+              <a:t>NETMF and .NET Framework where compared</a:t>
+            </a:r>
+          </a:p>
+          <a:p>
+            <a:pPr lvl="1"/>
+            <a:endParaRPr lang="en-US" dirty="0" smtClean="0"/>
+          </a:p>
+          <a:p>
+            <a:pPr lvl="1"/>
+            <a:r>
+              <a:rPr lang="en-US" dirty="0" smtClean="0"/>
+              <a:t>Same namespace </a:t>
+            </a:r>
+            <a:r>
+              <a:rPr lang="en-US" dirty="0" smtClean="0">
+                <a:sym typeface="Wingdings" panose="05000000000000000000" pitchFamily="2" charset="2"/>
+              </a:rPr>
+              <a:t> </a:t>
+            </a:r>
+            <a:r>
+              <a:rPr lang="en-US" dirty="0" err="1" smtClean="0">
+                <a:latin typeface="Consolas" panose="020B0609020204030204" pitchFamily="49" charset="0"/>
+                <a:cs typeface="Consolas" panose="020B0609020204030204" pitchFamily="49" charset="0"/>
+              </a:rPr>
+              <a:t>System.IO.Ports</a:t>
+            </a:r>
+            <a:endParaRPr lang="en-US" dirty="0" smtClean="0">
+              <a:latin typeface="Consolas" panose="020B0609020204030204" pitchFamily="49" charset="0"/>
+              <a:cs typeface="Consolas" panose="020B0609020204030204" pitchFamily="49" charset="0"/>
+            </a:endParaRPr>
+          </a:p>
+          <a:p>
+            <a:pPr lvl="1"/>
+            <a:endParaRPr lang="en-US" dirty="0" smtClean="0">
+              <a:latin typeface="+mj-lt"/>
+              <a:cs typeface="Consolas" panose="020B0609020204030204" pitchFamily="49" charset="0"/>
+            </a:endParaRPr>
+          </a:p>
+          <a:p>
+            <a:pPr lvl="1"/>
+            <a:r>
+              <a:rPr lang="en-US" dirty="0" smtClean="0">
+                <a:latin typeface="+mj-lt"/>
+                <a:cs typeface="Consolas" panose="020B0609020204030204" pitchFamily="49" charset="0"/>
+              </a:rPr>
+              <a:t>Required methods for </a:t>
+            </a:r>
+            <a:r>
+              <a:rPr lang="en-US" dirty="0" err="1" smtClean="0">
+                <a:latin typeface="+mj-lt"/>
+                <a:cs typeface="Consolas" panose="020B0609020204030204" pitchFamily="49" charset="0"/>
+              </a:rPr>
+              <a:t>HomeSense</a:t>
+            </a:r>
+            <a:r>
+              <a:rPr lang="en-US" dirty="0" smtClean="0">
+                <a:latin typeface="+mj-lt"/>
+                <a:cs typeface="Consolas" panose="020B0609020204030204" pitchFamily="49" charset="0"/>
+              </a:rPr>
+              <a:t> in both implementations</a:t>
+            </a:r>
+          </a:p>
+          <a:p>
+            <a:pPr lvl="1"/>
+            <a:endParaRPr lang="en-US" dirty="0">
+              <a:latin typeface="+mj-lt"/>
+              <a:cs typeface="Consolas" panose="020B0609020204030204" pitchFamily="49" charset="0"/>
+            </a:endParaRPr>
+          </a:p>
+          <a:p>
+            <a:r>
+              <a:rPr lang="en-US" dirty="0" smtClean="0">
+                <a:latin typeface="+mj-lt"/>
+                <a:cs typeface="Consolas" panose="020B0609020204030204" pitchFamily="49" charset="0"/>
+              </a:rPr>
+              <a:t>Avoided a new reimplementation.</a:t>
+            </a:r>
+          </a:p>
+          <a:p>
+            <a:pPr lvl="1"/>
+            <a:r>
+              <a:rPr lang="en-US" dirty="0" err="1" smtClean="0">
+                <a:latin typeface="+mj-lt"/>
+                <a:cs typeface="Consolas" panose="020B0609020204030204" pitchFamily="49" charset="0"/>
+              </a:rPr>
+              <a:t>IOSharp</a:t>
+            </a:r>
+            <a:r>
+              <a:rPr lang="en-US" dirty="0" smtClean="0">
+                <a:latin typeface="+mj-lt"/>
+                <a:cs typeface="Consolas" panose="020B0609020204030204" pitchFamily="49" charset="0"/>
+              </a:rPr>
+              <a:t> relays on Mono Serial Port (UART)</a:t>
+            </a:r>
+            <a:endParaRPr lang="en-US" dirty="0">
+              <a:latin typeface="+mj-lt"/>
+              <a:cs typeface="Consolas" panose="020B0609020204030204" pitchFamily="49" charset="0"/>
+            </a:endParaRPr>
           </a:p>
         </p:txBody>
       </p:sp>
@@ -8827,16 +8927,8 @@
           <a:lstStyle/>
           <a:p>
             <a:r>
-              <a:rPr lang="es-ES" dirty="0"/>
-              <a:t>3</a:t>
-            </a:r>
-            <a:r>
-              <a:rPr lang="es-ES" dirty="0" smtClean="0"/>
-              <a:t>.  </a:t>
-            </a:r>
-            <a:r>
-              <a:rPr lang="es-ES" dirty="0" err="1" smtClean="0"/>
-              <a:t>AlterNative</a:t>
+              <a:rPr lang="en-US" dirty="0" smtClean="0"/>
+              <a:t>2.5.  Example</a:t>
             </a:r>
             <a:endParaRPr lang="en-US" dirty="0"/>
           </a:p>
@@ -8857,7 +8949,28 @@
           <a:bodyPr/>
           <a:lstStyle/>
           <a:p>
-            <a:endParaRPr lang="en-US"/>
+            <a:endParaRPr lang="en-US" dirty="0" smtClean="0"/>
+          </a:p>
+          <a:p>
+            <a:endParaRPr lang="en-US" dirty="0"/>
+          </a:p>
+          <a:p>
+            <a:endParaRPr lang="en-US" dirty="0" smtClean="0"/>
+          </a:p>
+          <a:p>
+            <a:r>
+              <a:rPr lang="en-US" dirty="0" smtClean="0"/>
+              <a:t>Video showing </a:t>
+            </a:r>
+            <a:r>
+              <a:rPr lang="en-US" dirty="0" err="1" smtClean="0"/>
+              <a:t>HomeSense</a:t>
+            </a:r>
+            <a:r>
+              <a:rPr lang="en-US" dirty="0" smtClean="0"/>
+              <a:t> on Raspberry Pi</a:t>
+            </a:r>
+            <a:endParaRPr lang="en-US" dirty="0"/>
           </a:p>
         </p:txBody>
       </p:sp>
@@ -8880,7 +8993,7 @@
               <a:rPr lang="es-ES" smtClean="0"/>
               <a:t>IOSharp: .NET Micro Framework on Linux</a:t>
             </a:r>
-            <a:endParaRPr lang="es-ES"/>
+            <a:endParaRPr lang="es-ES" dirty="0"/>
           </a:p>
         </p:txBody>
       </p:sp>
@@ -8910,20 +9023,13 @@
     </p:spTree>
     <p:extLst>
       <p:ext uri="{BB962C8B-B14F-4D97-AF65-F5344CB8AC3E}">
-        <p14:creationId xmlns:p14="http://schemas.microsoft.com/office/powerpoint/2010/main" val="2343270711"/>
+        <p14:creationId xmlns:p14="http://schemas.microsoft.com/office/powerpoint/2010/main" val="3360471616"/>
       </p:ext>
     </p:extLst>
   </p:cSld>
   <p:clrMapOvr>
     <a:masterClrMapping/>
   </p:clrMapOvr>
-  <p:timing>
-    <p:tnLst>
-      <p:par>
-        <p:cTn id="1" dur="indefinite" restart="never" nodeType="tmRoot"/>
-      </p:par>
-    </p:tnLst>
-  </p:timing>
 </p:sld>
 </file>
 
@@ -8954,46 +9060,61 @@
             <p:ph type="title"/>
           </p:nvPr>
         </p:nvSpPr>
-        <p:spPr/>
-        <p:txBody>
-          <a:bodyPr/>
-          <a:lstStyle/>
-          <a:p>
-            <a:r>
-              <a:rPr lang="en-US" dirty="0" smtClean="0"/>
-              <a:t>3.1.  Translation</a:t>
+        <p:spPr>
+          <a:xfrm>
+            <a:off x="1945201" y="624110"/>
+            <a:ext cx="6589199" cy="947358"/>
+          </a:xfrm>
+        </p:spPr>
+        <p:txBody>
+          <a:bodyPr/>
+          <a:lstStyle/>
+          <a:p>
+            <a:r>
+              <a:rPr lang="es-ES" dirty="0"/>
+              <a:t>3</a:t>
             </a:r>
             <a:r>
               <a:rPr lang="es-ES" dirty="0" smtClean="0"/>
-              <a:t> </a:t>
-            </a:r>
-            <a:r>
-              <a:rPr lang="en-US" dirty="0" smtClean="0"/>
-              <a:t>process</a:t>
+              <a:t>.  </a:t>
+            </a:r>
+            <a:r>
+              <a:rPr lang="es-ES" dirty="0" err="1" smtClean="0"/>
+              <a:t>AlterNative</a:t>
             </a:r>
             <a:endParaRPr lang="en-US" dirty="0"/>
           </a:p>
         </p:txBody>
       </p:sp>
-      <p:sp>
-        <p:nvSpPr>
-          <p:cNvPr id="3" name="Marcador de contenido 2"/>
-          <p:cNvSpPr>
-            <a:spLocks noGrp="1"/>
-          </p:cNvSpPr>
+      <p:pic>
+        <p:nvPicPr>
+          <p:cNvPr id="6" name="Marcador de contenido 5"/>
+          <p:cNvPicPr>
+            <a:picLocks noGrp="1" noChangeAspect="1"/>
+          </p:cNvPicPr>
           <p:nvPr>
             <p:ph idx="1"/>
           </p:nvPr>
-        </p:nvSpPr>
-        <p:spPr/>
-        <p:txBody>
-          <a:bodyPr/>
-          <a:lstStyle/>
-          <a:p>
-            <a:endParaRPr lang="en-US" dirty="0"/>
-          </a:p>
-        </p:txBody>
-      </p:sp>
+        </p:nvPicPr>
+        <p:blipFill>
+          <a:blip r:embed="rId2">
+            <a:extLst>
+              <a:ext uri="{28A0092B-C50C-407E-A947-70E740481C1C}">
+                <a14:useLocalDpi xmlns:a14="http://schemas.microsoft.com/office/drawing/2010/main" val="0"/>
+              </a:ext>
+            </a:extLst>
+          </a:blip>
+          <a:stretch>
+            <a:fillRect/>
+          </a:stretch>
+        </p:blipFill>
+        <p:spPr>
+          <a:xfrm>
+            <a:off x="1942415" y="4437112"/>
+            <a:ext cx="6591300" cy="1569357"/>
+          </a:xfrm>
+        </p:spPr>
+      </p:pic>
       <p:sp>
         <p:nvSpPr>
           <p:cNvPr id="4" name="Marcador de pie de página 3"/>
@@ -9040,10 +9161,316 @@
           </a:p>
         </p:txBody>
       </p:sp>
+      <p:sp>
+        <p:nvSpPr>
+          <p:cNvPr id="7" name="Marcador de contenido 2"/>
+          <p:cNvSpPr txBox="1">
+            <a:spLocks/>
+          </p:cNvSpPr>
+          <p:nvPr/>
+        </p:nvSpPr>
+        <p:spPr>
+          <a:xfrm>
+            <a:off x="1941730" y="1700808"/>
+            <a:ext cx="6591985" cy="3777622"/>
+          </a:xfrm>
+          <a:prstGeom prst="rect">
+            <a:avLst/>
+          </a:prstGeom>
+        </p:spPr>
+        <p:txBody>
+          <a:bodyPr vert="horz" lIns="91440" tIns="45720" rIns="91440" bIns="45720" rtlCol="0">
+            <a:normAutofit/>
+          </a:bodyPr>
+          <a:lstStyle>
+            <a:lvl1pPr marL="342900" indent="-342900" algn="l" defTabSz="457200" rtl="0" eaLnBrk="1" latinLnBrk="0" hangingPunct="1">
+              <a:spcBef>
+                <a:spcPts val="1000"/>
+              </a:spcBef>
+              <a:spcAft>
+                <a:spcPts val="0"/>
+              </a:spcAft>
+              <a:buClr>
+                <a:schemeClr val="accent1"/>
+              </a:buClr>
+              <a:buFont typeface="Wingdings 3" charset="2"/>
+              <a:buChar char=""/>
+              <a:defRPr sz="1800" kern="1200">
+                <a:solidFill>
+                  <a:schemeClr val="tx1">
+                    <a:lumMod val="75000"/>
+                    <a:lumOff val="25000"/>
+                  </a:schemeClr>
+                </a:solidFill>
+                <a:latin typeface="+mn-lt"/>
+                <a:ea typeface="+mn-ea"/>
+                <a:cs typeface="+mn-cs"/>
+              </a:defRPr>
+            </a:lvl1pPr>
+            <a:lvl2pPr marL="742950" indent="-285750" algn="l" defTabSz="457200" rtl="0" eaLnBrk="1" latinLnBrk="0" hangingPunct="1">
+              <a:spcBef>
+                <a:spcPts val="1000"/>
+              </a:spcBef>
+              <a:spcAft>
+                <a:spcPts val="0"/>
+              </a:spcAft>
+              <a:buClr>
+                <a:schemeClr val="accent1"/>
+              </a:buClr>
+              <a:buFont typeface="Wingdings 3" charset="2"/>
+              <a:buChar char=""/>
+              <a:defRPr sz="1600" kern="1200">
+                <a:solidFill>
+                  <a:schemeClr val="tx1">
+                    <a:lumMod val="75000"/>
+                    <a:lumOff val="25000"/>
+                  </a:schemeClr>
+                </a:solidFill>
+                <a:latin typeface="+mn-lt"/>
+                <a:ea typeface="+mn-ea"/>
+                <a:cs typeface="+mn-cs"/>
+              </a:defRPr>
+            </a:lvl2pPr>
+            <a:lvl3pPr marL="1143000" indent="-228600" algn="l" defTabSz="457200" rtl="0" eaLnBrk="1" latinLnBrk="0" hangingPunct="1">
+              <a:spcBef>
+                <a:spcPts val="1000"/>
+              </a:spcBef>
+              <a:spcAft>
+                <a:spcPts val="0"/>
+              </a:spcAft>
+              <a:buClr>
+                <a:schemeClr val="accent1"/>
+              </a:buClr>
+              <a:buFont typeface="Wingdings 3" charset="2"/>
+              <a:buChar char=""/>
+              <a:defRPr sz="1400" kern="1200">
+                <a:solidFill>
+                  <a:schemeClr val="tx1">
+                    <a:lumMod val="75000"/>
+                    <a:lumOff val="25000"/>
+                  </a:schemeClr>
+                </a:solidFill>
+                <a:latin typeface="+mn-lt"/>
+                <a:ea typeface="+mn-ea"/>
+                <a:cs typeface="+mn-cs"/>
+              </a:defRPr>
+            </a:lvl3pPr>
+            <a:lvl4pPr marL="1600200" indent="-228600" algn="l" defTabSz="457200" rtl="0" eaLnBrk="1" latinLnBrk="0" hangingPunct="1">
+              <a:spcBef>
+                <a:spcPts val="1000"/>
+              </a:spcBef>
+              <a:spcAft>
+                <a:spcPts val="0"/>
+              </a:spcAft>
+              <a:buClr>
+                <a:schemeClr val="accent1"/>
+              </a:buClr>
+              <a:buFont typeface="Wingdings 3" charset="2"/>
+              <a:buChar char=""/>
+              <a:defRPr sz="1200" kern="1200">
+                <a:solidFill>
+                  <a:schemeClr val="tx1">
+                    <a:lumMod val="75000"/>
+                    <a:lumOff val="25000"/>
+                  </a:schemeClr>
+                </a:solidFill>
+                <a:latin typeface="+mn-lt"/>
+                <a:ea typeface="+mn-ea"/>
+                <a:cs typeface="+mn-cs"/>
+              </a:defRPr>
+            </a:lvl4pPr>
+            <a:lvl5pPr marL="2057400" indent="-228600" algn="l" defTabSz="457200" rtl="0" eaLnBrk="1" latinLnBrk="0" hangingPunct="1">
+              <a:spcBef>
+                <a:spcPts val="1000"/>
+              </a:spcBef>
+              <a:spcAft>
+                <a:spcPts val="0"/>
+              </a:spcAft>
+              <a:buClr>
+                <a:schemeClr val="accent1"/>
+              </a:buClr>
+              <a:buFont typeface="Wingdings 3" charset="2"/>
+              <a:buChar char=""/>
+              <a:defRPr sz="1200" kern="1200">
+                <a:solidFill>
+                  <a:schemeClr val="tx1">
+                    <a:lumMod val="75000"/>
+                    <a:lumOff val="25000"/>
+                  </a:schemeClr>
+                </a:solidFill>
+                <a:latin typeface="+mn-lt"/>
+                <a:ea typeface="+mn-ea"/>
+                <a:cs typeface="+mn-cs"/>
+              </a:defRPr>
+            </a:lvl5pPr>
+            <a:lvl6pPr marL="2514600" indent="-228600" algn="l" defTabSz="457200" rtl="0" eaLnBrk="1" latinLnBrk="0" hangingPunct="1">
+              <a:spcBef>
+                <a:spcPts val="1000"/>
+              </a:spcBef>
+              <a:spcAft>
+                <a:spcPts val="0"/>
+              </a:spcAft>
+              <a:buClr>
+                <a:schemeClr val="accent1"/>
+              </a:buClr>
+              <a:buFont typeface="Wingdings 3" charset="2"/>
+              <a:buChar char=""/>
+              <a:defRPr sz="1200" kern="1200">
+                <a:solidFill>
+                  <a:schemeClr val="tx1">
+                    <a:lumMod val="75000"/>
+                    <a:lumOff val="25000"/>
+                  </a:schemeClr>
+                </a:solidFill>
+                <a:latin typeface="+mn-lt"/>
+                <a:ea typeface="+mn-ea"/>
+                <a:cs typeface="+mn-cs"/>
+              </a:defRPr>
+            </a:lvl6pPr>
+            <a:lvl7pPr marL="2971800" indent="-228600" algn="l" defTabSz="457200" rtl="0" eaLnBrk="1" latinLnBrk="0" hangingPunct="1">
+              <a:spcBef>
+                <a:spcPts val="1000"/>
+              </a:spcBef>
+              <a:spcAft>
+                <a:spcPts val="0"/>
+              </a:spcAft>
+              <a:buClr>
+                <a:schemeClr val="accent1"/>
+              </a:buClr>
+              <a:buFont typeface="Wingdings 3" charset="2"/>
+              <a:buChar char=""/>
+              <a:defRPr sz="1200" kern="1200">
+                <a:solidFill>
+                  <a:schemeClr val="tx1">
+                    <a:lumMod val="75000"/>
+                    <a:lumOff val="25000"/>
+                  </a:schemeClr>
+                </a:solidFill>
+                <a:latin typeface="+mn-lt"/>
+                <a:ea typeface="+mn-ea"/>
+                <a:cs typeface="+mn-cs"/>
+              </a:defRPr>
+            </a:lvl7pPr>
+            <a:lvl8pPr marL="3429000" indent="-228600" algn="l" defTabSz="457200" rtl="0" eaLnBrk="1" latinLnBrk="0" hangingPunct="1">
+              <a:spcBef>
+                <a:spcPts val="1000"/>
+              </a:spcBef>
+              <a:spcAft>
+                <a:spcPts val="0"/>
+              </a:spcAft>
+              <a:buClr>
+                <a:schemeClr val="accent1"/>
+              </a:buClr>
+              <a:buFont typeface="Wingdings 3" charset="2"/>
+              <a:buChar char=""/>
+              <a:defRPr sz="1200" kern="1200">
+                <a:solidFill>
+                  <a:schemeClr val="tx1">
+                    <a:lumMod val="75000"/>
+                    <a:lumOff val="25000"/>
+                  </a:schemeClr>
+                </a:solidFill>
+                <a:latin typeface="+mn-lt"/>
+                <a:ea typeface="+mn-ea"/>
+                <a:cs typeface="+mn-cs"/>
+              </a:defRPr>
+            </a:lvl8pPr>
+            <a:lvl9pPr marL="3886200" indent="-228600" algn="l" defTabSz="457200" rtl="0" eaLnBrk="1" latinLnBrk="0" hangingPunct="1">
+              <a:spcBef>
+                <a:spcPts val="1000"/>
+              </a:spcBef>
+              <a:spcAft>
+                <a:spcPts val="0"/>
+              </a:spcAft>
+              <a:buClr>
+                <a:schemeClr val="accent1"/>
+              </a:buClr>
+              <a:buFont typeface="Wingdings 3" charset="2"/>
+              <a:buChar char=""/>
+              <a:defRPr sz="1200" kern="1200">
+                <a:solidFill>
+                  <a:schemeClr val="tx1">
+                    <a:lumMod val="75000"/>
+                    <a:lumOff val="25000"/>
+                  </a:schemeClr>
+                </a:solidFill>
+                <a:latin typeface="+mn-lt"/>
+                <a:ea typeface="+mn-ea"/>
+                <a:cs typeface="+mn-cs"/>
+              </a:defRPr>
+            </a:lvl9pPr>
+          </a:lstStyle>
+          <a:p>
+            <a:r>
+              <a:rPr lang="en-US" dirty="0" smtClean="0"/>
+              <a:t>Source code translator written in C#</a:t>
+            </a:r>
+          </a:p>
+          <a:p>
+            <a:r>
+              <a:rPr lang="en-US" dirty="0" smtClean="0"/>
+              <a:t>Translate a .NET Assembly to native C++</a:t>
+            </a:r>
+          </a:p>
+          <a:p>
+            <a:endParaRPr lang="en-US" dirty="0" smtClean="0"/>
+          </a:p>
+          <a:p>
+            <a:r>
+              <a:rPr lang="en-US" dirty="0" smtClean="0"/>
+              <a:t>Use cases:</a:t>
+            </a:r>
+          </a:p>
+          <a:p>
+            <a:pPr lvl="1"/>
+            <a:r>
+              <a:rPr lang="en-US" dirty="0" smtClean="0"/>
+              <a:t>Performance</a:t>
+            </a:r>
+          </a:p>
+          <a:p>
+            <a:pPr lvl="1"/>
+            <a:r>
+              <a:rPr lang="en-US" dirty="0" smtClean="0"/>
+              <a:t>Cross-Platform assembly generator</a:t>
+            </a:r>
+            <a:endParaRPr lang="en-US" dirty="0"/>
+          </a:p>
+        </p:txBody>
+      </p:sp>
+      <p:pic>
+        <p:nvPicPr>
+          <p:cNvPr id="9" name="Imagen 8"/>
+          <p:cNvPicPr>
+            <a:picLocks noChangeAspect="1"/>
+          </p:cNvPicPr>
+          <p:nvPr/>
+        </p:nvPicPr>
+        <p:blipFill rotWithShape="1">
+          <a:blip r:embed="rId3" cstate="print">
+            <a:extLst>
+              <a:ext uri="{28A0092B-C50C-407E-A947-70E740481C1C}">
+                <a14:useLocalDpi xmlns:a14="http://schemas.microsoft.com/office/drawing/2010/main" val="0"/>
+              </a:ext>
+            </a:extLst>
+          </a:blip>
+          <a:srcRect l="17713" t="4408" r="66537" b="54145"/>
+          <a:stretch/>
+        </p:blipFill>
+        <p:spPr>
+          <a:xfrm>
+            <a:off x="6444208" y="2387735"/>
+            <a:ext cx="1885721" cy="1885721"/>
+          </a:xfrm>
+          <a:prstGeom prst="rect">
+            <a:avLst/>
+          </a:prstGeom>
+        </p:spPr>
+      </p:pic>
     </p:spTree>
     <p:extLst>
       <p:ext uri="{BB962C8B-B14F-4D97-AF65-F5344CB8AC3E}">
-        <p14:creationId xmlns:p14="http://schemas.microsoft.com/office/powerpoint/2010/main" val="3895191232"/>
+        <p14:creationId xmlns:p14="http://schemas.microsoft.com/office/powerpoint/2010/main" val="2343270711"/>
       </p:ext>
     </p:extLst>
   </p:cSld>
@@ -9094,7 +9521,15 @@
           <a:p>
             <a:r>
               <a:rPr lang="en-US" dirty="0" smtClean="0"/>
-              <a:t>3.2.  Example</a:t>
+              <a:t>3.1.  Translation</a:t>
+            </a:r>
+            <a:r>
+              <a:rPr lang="es-ES" dirty="0" smtClean="0"/>
+              <a:t> </a:t>
+            </a:r>
+            <a:r>
+              <a:rPr lang="en-US" dirty="0" smtClean="0"/>
+              <a:t>process</a:t>
             </a:r>
             <a:endParaRPr lang="en-US" dirty="0"/>
           </a:p>
@@ -9115,7 +9550,7 @@
           <a:bodyPr/>
           <a:lstStyle/>
           <a:p>
-            <a:endParaRPr lang="en-US"/>
+            <a:endParaRPr lang="en-US" dirty="0"/>
           </a:p>
         </p:txBody>
       </p:sp>
@@ -9135,10 +9570,22 @@
           <a:lstStyle/>
           <a:p>
             <a:r>
-              <a:rPr lang="es-ES" smtClean="0"/>
-              <a:t>IOSharp: .NET Micro Framework on Linux</a:t>
-            </a:r>
-            <a:endParaRPr lang="es-ES"/>
+              <a:rPr lang="es-ES" dirty="0" err="1" smtClean="0"/>
+              <a:t>IOSharp</a:t>
+            </a:r>
+            <a:r>
+              <a:rPr lang="es-ES" dirty="0" smtClean="0"/>
+              <a:t>: .NET Micro Framework </a:t>
+            </a:r>
+            <a:r>
+              <a:rPr lang="es-ES" dirty="0" err="1" smtClean="0"/>
+              <a:t>on</a:t>
+            </a:r>
+            <a:r>
+              <a:rPr lang="es-ES" dirty="0" smtClean="0"/>
+              <a:t> Linux</a:t>
+            </a:r>
+            <a:endParaRPr lang="es-ES" dirty="0"/>
           </a:p>
         </p:txBody>
       </p:sp>
@@ -9168,7 +9615,7 @@
     </p:spTree>
     <p:extLst>
       <p:ext uri="{BB962C8B-B14F-4D97-AF65-F5344CB8AC3E}">
-        <p14:creationId xmlns:p14="http://schemas.microsoft.com/office/powerpoint/2010/main" val="2015990969"/>
+        <p14:creationId xmlns:p14="http://schemas.microsoft.com/office/powerpoint/2010/main" val="3895191232"/>
       </p:ext>
     </p:extLst>
   </p:cSld>
@@ -9218,56 +9665,72 @@
           <a:lstStyle/>
           <a:p>
             <a:r>
+              <a:rPr lang="en-US" dirty="0" smtClean="0"/>
+              <a:t>3.1.  Translation</a:t>
+            </a:r>
+            <a:r>
               <a:rPr lang="es-ES" dirty="0" smtClean="0"/>
-              <a:t>4.  Performance </a:t>
+              <a:t> </a:t>
+            </a:r>
+            <a:r>
+              <a:rPr lang="en-US" dirty="0" smtClean="0"/>
+              <a:t>process II</a:t>
+            </a:r>
+            <a:endParaRPr lang="en-US" dirty="0"/>
+          </a:p>
+        </p:txBody>
+      </p:sp>
+      <p:sp>
+        <p:nvSpPr>
+          <p:cNvPr id="3" name="Marcador de contenido 2"/>
+          <p:cNvSpPr>
+            <a:spLocks noGrp="1"/>
+          </p:cNvSpPr>
+          <p:nvPr>
+            <p:ph idx="1"/>
+          </p:nvPr>
+        </p:nvSpPr>
+        <p:spPr/>
+        <p:txBody>
+          <a:bodyPr/>
+          <a:lstStyle/>
+          <a:p>
+            <a:endParaRPr lang="en-US" dirty="0"/>
+          </a:p>
+        </p:txBody>
+      </p:sp>
+      <p:sp>
+        <p:nvSpPr>
+          <p:cNvPr id="4" name="Marcador de pie de página 3"/>
+          <p:cNvSpPr>
+            <a:spLocks noGrp="1"/>
+          </p:cNvSpPr>
+          <p:nvPr>
+            <p:ph type="ftr" sz="quarter" idx="11"/>
+          </p:nvPr>
+        </p:nvSpPr>
+        <p:spPr/>
+        <p:txBody>
+          <a:bodyPr/>
+          <a:lstStyle/>
+          <a:p>
+            <a:r>
+              <a:rPr lang="es-ES" dirty="0" err="1" smtClean="0"/>
+              <a:t>IOSharp</a:t>
             </a:r>
             <a:r>
               <a:rPr lang="es-ES" dirty="0" smtClean="0"/>
-              <a:t>Test</a:t>
-            </a:r>
-            <a:endParaRPr lang="en-US" dirty="0"/>
-          </a:p>
-        </p:txBody>
-      </p:sp>
-      <p:sp>
-        <p:nvSpPr>
-          <p:cNvPr id="3" name="Marcador de contenido 2"/>
-          <p:cNvSpPr>
-            <a:spLocks noGrp="1"/>
-          </p:cNvSpPr>
-          <p:nvPr>
-            <p:ph idx="1"/>
-          </p:nvPr>
-        </p:nvSpPr>
-        <p:spPr/>
-        <p:txBody>
-          <a:bodyPr/>
-          <a:lstStyle/>
-          <a:p>
-            <a:endParaRPr lang="en-US"/>
-          </a:p>
-        </p:txBody>
-      </p:sp>
-      <p:sp>
-        <p:nvSpPr>
-          <p:cNvPr id="4" name="Marcador de pie de página 3"/>
-          <p:cNvSpPr>
-            <a:spLocks noGrp="1"/>
-          </p:cNvSpPr>
-          <p:nvPr>
-            <p:ph type="ftr" sz="quarter" idx="11"/>
-          </p:nvPr>
-        </p:nvSpPr>
-        <p:spPr/>
-        <p:txBody>
-          <a:bodyPr/>
-          <a:lstStyle/>
-          <a:p>
-            <a:r>
-              <a:rPr lang="es-ES" smtClean="0"/>
-              <a:t>IOSharp: .NET Micro Framework on Linux</a:t>
-            </a:r>
-            <a:endParaRPr lang="es-ES"/>
+              <a:t>: .NET Micro Framework </a:t>
+            </a:r>
+            <a:r>
+              <a:rPr lang="es-ES" dirty="0" err="1" smtClean="0"/>
+              <a:t>on</a:t>
+            </a:r>
+            <a:r>
+              <a:rPr lang="es-ES" dirty="0" smtClean="0"/>
+              <a:t> Linux</a:t>
+            </a:r>
+            <a:endParaRPr lang="es-ES" dirty="0"/>
           </a:p>
         </p:txBody>
       </p:sp>
@@ -9297,7 +9760,7 @@
     </p:spTree>
     <p:extLst>
       <p:ext uri="{BB962C8B-B14F-4D97-AF65-F5344CB8AC3E}">
-        <p14:creationId xmlns:p14="http://schemas.microsoft.com/office/powerpoint/2010/main" val="204124017"/>
+        <p14:creationId xmlns:p14="http://schemas.microsoft.com/office/powerpoint/2010/main" val="24582"/>
       </p:ext>
     </p:extLst>
   </p:cSld>
@@ -9348,7 +9811,11 @@
           <a:p>
             <a:r>
               <a:rPr lang="en-US" dirty="0" smtClean="0"/>
-              <a:t>4.1.  Example</a:t>
+              <a:t>3.2.  Translated </a:t>
+            </a:r>
+            <a:r>
+              <a:rPr lang="en-US" dirty="0" err="1" smtClean="0"/>
+              <a:t>IOSharp</a:t>
             </a:r>
             <a:endParaRPr lang="en-US" dirty="0"/>
           </a:p>
@@ -9364,35 +9831,40 @@
             <p:ph idx="1"/>
           </p:nvPr>
         </p:nvSpPr>
+        <p:spPr>
+          <a:xfrm>
+            <a:off x="1942415" y="2133600"/>
+            <a:ext cx="6591985" cy="1655440"/>
+          </a:xfrm>
+        </p:spPr>
+        <p:txBody>
+          <a:bodyPr/>
+          <a:lstStyle/>
+          <a:p>
+            <a:endParaRPr lang="en-US" dirty="0"/>
+          </a:p>
+        </p:txBody>
+      </p:sp>
+      <p:sp>
+        <p:nvSpPr>
+          <p:cNvPr id="4" name="Marcador de pie de página 3"/>
+          <p:cNvSpPr>
+            <a:spLocks noGrp="1"/>
+          </p:cNvSpPr>
+          <p:nvPr>
+            <p:ph type="ftr" sz="quarter" idx="11"/>
+          </p:nvPr>
+        </p:nvSpPr>
         <p:spPr/>
         <p:txBody>
           <a:bodyPr/>
           <a:lstStyle/>
           <a:p>
-            <a:endParaRPr lang="en-US"/>
-          </a:p>
-        </p:txBody>
-      </p:sp>
-      <p:sp>
-        <p:nvSpPr>
-          <p:cNvPr id="4" name="Marcador de pie de página 3"/>
-          <p:cNvSpPr>
-            <a:spLocks noGrp="1"/>
-          </p:cNvSpPr>
-          <p:nvPr>
-            <p:ph type="ftr" sz="quarter" idx="11"/>
-          </p:nvPr>
-        </p:nvSpPr>
-        <p:spPr/>
-        <p:txBody>
-          <a:bodyPr/>
-          <a:lstStyle/>
-          <a:p>
             <a:r>
               <a:rPr lang="es-ES" smtClean="0"/>
               <a:t>IOSharp: .NET Micro Framework on Linux</a:t>
             </a:r>
-            <a:endParaRPr lang="es-ES"/>
+            <a:endParaRPr lang="es-ES" dirty="0"/>
           </a:p>
         </p:txBody>
       </p:sp>
@@ -9419,23 +9891,73 @@
           </a:p>
         </p:txBody>
       </p:sp>
+      <p:graphicFrame>
+        <p:nvGraphicFramePr>
+          <p:cNvPr id="6" name="Objeto 5"/>
+          <p:cNvGraphicFramePr>
+            <a:graphicFrameLocks noChangeAspect="1"/>
+          </p:cNvGraphicFramePr>
+          <p:nvPr>
+            <p:extLst>
+              <p:ext uri="{D42A27DB-BD31-4B8C-83A1-F6EECF244321}">
+                <p14:modId xmlns:p14="http://schemas.microsoft.com/office/powerpoint/2010/main" val="2119895384"/>
+              </p:ext>
+            </p:extLst>
+          </p:nvPr>
+        </p:nvGraphicFramePr>
+        <p:xfrm>
+          <a:off x="2195736" y="4017640"/>
+          <a:ext cx="6096000" cy="1724025"/>
+        </p:xfrm>
+        <a:graphic>
+          <a:graphicData uri="http://schemas.openxmlformats.org/presentationml/2006/ole">
+            <mc:AlternateContent xmlns:mc="http://schemas.openxmlformats.org/markup-compatibility/2006">
+              <mc:Choice xmlns:v="urn:schemas-microsoft-com:vml" Requires="v">
+                <p:oleObj spid="_x0000_s5137" name="Visio" r:id="rId3" imgW="9696510" imgH="2743200" progId="Visio.Drawing.15">
+                  <p:embed/>
+                </p:oleObj>
+              </mc:Choice>
+              <mc:Fallback>
+                <p:oleObj name="Visio" r:id="rId3" imgW="9696510" imgH="2743200" progId="Visio.Drawing.15">
+                  <p:embed/>
+                  <p:pic>
+                    <p:nvPicPr>
+                      <p:cNvPr id="0" name=""/>
+                      <p:cNvPicPr/>
+                      <p:nvPr/>
+                    </p:nvPicPr>
+                    <p:blipFill>
+                      <a:blip r:embed="rId4"/>
+                      <a:stretch>
+                        <a:fillRect/>
+                      </a:stretch>
+                    </p:blipFill>
+                    <p:spPr>
+                      <a:xfrm>
+                        <a:off x="2195736" y="4017640"/>
+                        <a:ext cx="6096000" cy="1724025"/>
+                      </a:xfrm>
+                      <a:prstGeom prst="rect">
+                        <a:avLst/>
+                      </a:prstGeom>
+                    </p:spPr>
+                  </p:pic>
+                </p:oleObj>
+              </mc:Fallback>
+            </mc:AlternateContent>
+          </a:graphicData>
+        </a:graphic>
+      </p:graphicFrame>
     </p:spTree>
     <p:extLst>
       <p:ext uri="{BB962C8B-B14F-4D97-AF65-F5344CB8AC3E}">
-        <p14:creationId xmlns:p14="http://schemas.microsoft.com/office/powerpoint/2010/main" val="4154510114"/>
+        <p14:creationId xmlns:p14="http://schemas.microsoft.com/office/powerpoint/2010/main" val="702860768"/>
       </p:ext>
     </p:extLst>
   </p:cSld>
   <p:clrMapOvr>
     <a:masterClrMapping/>
   </p:clrMapOvr>
-  <p:timing>
-    <p:tnLst>
-      <p:par>
-        <p:cTn id="1" dur="indefinite" restart="never" nodeType="tmRoot"/>
-      </p:par>
-    </p:tnLst>
-  </p:timing>
 </p:sld>
 </file>
 
@@ -9473,7 +9995,11 @@
           <a:p>
             <a:r>
               <a:rPr lang="en-US" dirty="0" smtClean="0"/>
-              <a:t>5.  Conclusions</a:t>
+              <a:t>3.3.  </a:t>
+            </a:r>
+            <a:r>
+              <a:rPr lang="en-US" dirty="0" smtClean="0"/>
+              <a:t>Example</a:t>
             </a:r>
             <a:endParaRPr lang="en-US" dirty="0"/>
           </a:p>
@@ -9494,7 +10020,54 @@
           <a:bodyPr/>
           <a:lstStyle/>
           <a:p>
-            <a:endParaRPr lang="en-US"/>
+            <a:endParaRPr lang="en-US" dirty="0" smtClean="0"/>
+          </a:p>
+          <a:p>
+            <a:endParaRPr lang="en-US" dirty="0"/>
+          </a:p>
+          <a:p>
+            <a:r>
+              <a:rPr lang="en-US" dirty="0" err="1" smtClean="0"/>
+              <a:t>AlterNative</a:t>
+            </a:r>
+            <a:r>
+              <a:rPr lang="en-US" dirty="0" smtClean="0"/>
+              <a:t> with the </a:t>
+            </a:r>
+            <a:r>
+              <a:rPr lang="en-US" dirty="0" err="1" smtClean="0"/>
+              <a:t>ILSpy</a:t>
+            </a:r>
+            <a:r>
+              <a:rPr lang="en-US" dirty="0" smtClean="0"/>
+              <a:t> interface</a:t>
+            </a:r>
+          </a:p>
+          <a:p>
+            <a:endParaRPr lang="en-US" dirty="0"/>
+          </a:p>
+          <a:p>
+            <a:r>
+              <a:rPr lang="en-US" dirty="0" smtClean="0"/>
+              <a:t>Translating the </a:t>
+            </a:r>
+            <a:r>
+              <a:rPr lang="en-US" dirty="0" err="1" smtClean="0"/>
+              <a:t>GPIOManager</a:t>
+            </a:r>
+            <a:r>
+              <a:rPr lang="en-US" dirty="0" smtClean="0"/>
+              <a:t> from </a:t>
+            </a:r>
+            <a:r>
+              <a:rPr lang="en-US" dirty="0" err="1" smtClean="0"/>
+              <a:t>IOSharp</a:t>
+            </a:r>
+            <a:r>
+              <a:rPr lang="en-US" dirty="0" smtClean="0"/>
+              <a:t> library</a:t>
+            </a:r>
+            <a:endParaRPr lang="en-US" dirty="0"/>
           </a:p>
         </p:txBody>
       </p:sp>
@@ -9547,7 +10120,7 @@
     </p:spTree>
     <p:extLst>
       <p:ext uri="{BB962C8B-B14F-4D97-AF65-F5344CB8AC3E}">
-        <p14:creationId xmlns:p14="http://schemas.microsoft.com/office/powerpoint/2010/main" val="3876770985"/>
+        <p14:creationId xmlns:p14="http://schemas.microsoft.com/office/powerpoint/2010/main" val="2015990969"/>
       </p:ext>
     </p:extLst>
   </p:cSld>
@@ -9591,26 +10164,51 @@
             <p:ph type="title"/>
           </p:nvPr>
         </p:nvSpPr>
-        <p:spPr/>
+        <p:spPr>
+          <a:xfrm>
+            <a:off x="1945201" y="624110"/>
+            <a:ext cx="6589199" cy="919069"/>
+          </a:xfrm>
+        </p:spPr>
+        <p:txBody>
+          <a:bodyPr/>
+          <a:lstStyle/>
+          <a:p>
+            <a:r>
+              <a:rPr lang="es-ES" dirty="0" smtClean="0"/>
+              <a:t>4.  Performance Test</a:t>
+            </a:r>
+            <a:endParaRPr lang="en-US" dirty="0"/>
+          </a:p>
+        </p:txBody>
+      </p:sp>
+      <p:sp>
+        <p:nvSpPr>
+          <p:cNvPr id="3" name="Marcador de contenido 2"/>
+          <p:cNvSpPr>
+            <a:spLocks noGrp="1"/>
+          </p:cNvSpPr>
+          <p:nvPr>
+            <p:ph idx="1"/>
+          </p:nvPr>
+        </p:nvSpPr>
+        <p:spPr>
+          <a:xfrm>
+            <a:off x="1942415" y="1700808"/>
+            <a:ext cx="6591985" cy="3777622"/>
+          </a:xfrm>
+        </p:spPr>
         <p:txBody>
           <a:bodyPr/>
           <a:lstStyle/>
           <a:p>
             <a:r>
               <a:rPr lang="en-US" dirty="0" smtClean="0"/>
-              <a:t>6.  Questions</a:t>
-            </a:r>
-            <a:r>
-              <a:rPr lang="es-ES" dirty="0" smtClean="0"/>
-              <a:t> </a:t>
-            </a:r>
-            <a:r>
-              <a:rPr lang="es-ES" dirty="0" smtClean="0"/>
-              <a:t>&amp; </a:t>
-            </a:r>
-            <a:r>
-              <a:rPr lang="en-US" dirty="0" smtClean="0"/>
-              <a:t>Answers</a:t>
+              <a:t>Evaluate the increased performance using </a:t>
+            </a:r>
+            <a:r>
+              <a:rPr lang="en-US" dirty="0" err="1" smtClean="0"/>
+              <a:t>AlterNative</a:t>
             </a:r>
             <a:endParaRPr lang="en-US" dirty="0"/>
           </a:p>
@@ -9662,10 +10260,297 @@
           </a:p>
         </p:txBody>
       </p:sp>
+      <p:pic>
+        <p:nvPicPr>
+          <p:cNvPr id="11" name="Imagen 10"/>
+          <p:cNvPicPr>
+            <a:picLocks noChangeAspect="1"/>
+          </p:cNvPicPr>
+          <p:nvPr/>
+        </p:nvPicPr>
+        <p:blipFill>
+          <a:blip r:embed="rId2"/>
+          <a:stretch>
+            <a:fillRect/>
+          </a:stretch>
+        </p:blipFill>
+        <p:spPr>
+          <a:xfrm>
+            <a:off x="2195736" y="2447932"/>
+            <a:ext cx="4249280" cy="3359187"/>
+          </a:xfrm>
+          <a:prstGeom prst="rect">
+            <a:avLst/>
+          </a:prstGeom>
+        </p:spPr>
+      </p:pic>
     </p:spTree>
     <p:extLst>
       <p:ext uri="{BB962C8B-B14F-4D97-AF65-F5344CB8AC3E}">
-        <p14:creationId xmlns:p14="http://schemas.microsoft.com/office/powerpoint/2010/main" val="1345899272"/>
+        <p14:creationId xmlns:p14="http://schemas.microsoft.com/office/powerpoint/2010/main" val="204124017"/>
+      </p:ext>
+    </p:extLst>
+  </p:cSld>
+  <p:clrMapOvr>
+    <a:masterClrMapping/>
+  </p:clrMapOvr>
+  <p:timing>
+    <p:tnLst>
+      <p:par>
+        <p:cTn id="1" dur="indefinite" restart="never" nodeType="tmRoot"/>
+      </p:par>
+    </p:tnLst>
+  </p:timing>
+</p:sld>
+</file>
+
+<file path=ppt/slides/slide18.xml><?xml version="1.0" encoding="utf-8"?>
+<p:sld xmlns:a="http://schemas.openxmlformats.org/drawingml/2006/main" xmlns:r="http://schemas.openxmlformats.org/officeDocument/2006/relationships" xmlns:p="http://schemas.openxmlformats.org/presentationml/2006/main">
+  <p:cSld>
+    <p:spTree>
+      <p:nvGrpSpPr>
+        <p:cNvPr id="1" name=""/>
+        <p:cNvGrpSpPr/>
+        <p:nvPr/>
+      </p:nvGrpSpPr>
+      <p:grpSpPr>
+        <a:xfrm>
+          <a:off x="0" y="0"/>
+          <a:ext cx="0" cy="0"/>
+          <a:chOff x="0" y="0"/>
+          <a:chExt cx="0" cy="0"/>
+        </a:xfrm>
+      </p:grpSpPr>
+      <p:sp>
+        <p:nvSpPr>
+          <p:cNvPr id="2" name="Título 1"/>
+          <p:cNvSpPr>
+            <a:spLocks noGrp="1"/>
+          </p:cNvSpPr>
+          <p:nvPr>
+            <p:ph type="title"/>
+          </p:nvPr>
+        </p:nvSpPr>
+        <p:spPr/>
+        <p:txBody>
+          <a:bodyPr/>
+          <a:lstStyle/>
+          <a:p>
+            <a:r>
+              <a:rPr lang="en-US" dirty="0" smtClean="0"/>
+              <a:t>4.1.  Example</a:t>
+            </a:r>
+            <a:endParaRPr lang="en-US" dirty="0"/>
+          </a:p>
+        </p:txBody>
+      </p:sp>
+      <p:sp>
+        <p:nvSpPr>
+          <p:cNvPr id="3" name="Marcador de contenido 2"/>
+          <p:cNvSpPr>
+            <a:spLocks noGrp="1"/>
+          </p:cNvSpPr>
+          <p:nvPr>
+            <p:ph idx="1"/>
+          </p:nvPr>
+        </p:nvSpPr>
+        <p:spPr/>
+        <p:txBody>
+          <a:bodyPr/>
+          <a:lstStyle/>
+          <a:p>
+            <a:endParaRPr lang="en-US" dirty="0" smtClean="0"/>
+          </a:p>
+          <a:p>
+            <a:endParaRPr lang="en-US" dirty="0"/>
+          </a:p>
+          <a:p>
+            <a:endParaRPr lang="en-US" dirty="0" smtClean="0"/>
+          </a:p>
+          <a:p>
+            <a:r>
+              <a:rPr lang="en-US" dirty="0" smtClean="0"/>
+              <a:t>Performance test using the10K GPIO iterations</a:t>
+            </a:r>
+            <a:endParaRPr lang="en-US" dirty="0"/>
+          </a:p>
+        </p:txBody>
+      </p:sp>
+      <p:sp>
+        <p:nvSpPr>
+          <p:cNvPr id="4" name="Marcador de pie de página 3"/>
+          <p:cNvSpPr>
+            <a:spLocks noGrp="1"/>
+          </p:cNvSpPr>
+          <p:nvPr>
+            <p:ph type="ftr" sz="quarter" idx="11"/>
+          </p:nvPr>
+        </p:nvSpPr>
+        <p:spPr/>
+        <p:txBody>
+          <a:bodyPr/>
+          <a:lstStyle/>
+          <a:p>
+            <a:r>
+              <a:rPr lang="es-ES" smtClean="0"/>
+              <a:t>IOSharp: .NET Micro Framework on Linux</a:t>
+            </a:r>
+            <a:endParaRPr lang="es-ES"/>
+          </a:p>
+        </p:txBody>
+      </p:sp>
+      <p:sp>
+        <p:nvSpPr>
+          <p:cNvPr id="5" name="Marcador de número de diapositiva 4"/>
+          <p:cNvSpPr>
+            <a:spLocks noGrp="1"/>
+          </p:cNvSpPr>
+          <p:nvPr>
+            <p:ph type="sldNum" sz="quarter" idx="12"/>
+          </p:nvPr>
+        </p:nvSpPr>
+        <p:spPr/>
+        <p:txBody>
+          <a:bodyPr/>
+          <a:lstStyle/>
+          <a:p>
+            <a:fld id="{8EE90C33-BF19-4C36-8633-00054130773A}" type="slidenum">
+              <a:rPr lang="es-ES" smtClean="0"/>
+              <a:t>18</a:t>
+            </a:fld>
+            <a:endParaRPr lang="es-ES"/>
+          </a:p>
+        </p:txBody>
+      </p:sp>
+    </p:spTree>
+    <p:extLst>
+      <p:ext uri="{BB962C8B-B14F-4D97-AF65-F5344CB8AC3E}">
+        <p14:creationId xmlns:p14="http://schemas.microsoft.com/office/powerpoint/2010/main" val="4154510114"/>
+      </p:ext>
+    </p:extLst>
+  </p:cSld>
+  <p:clrMapOvr>
+    <a:masterClrMapping/>
+  </p:clrMapOvr>
+  <p:timing>
+    <p:tnLst>
+      <p:par>
+        <p:cTn id="1" dur="indefinite" restart="never" nodeType="tmRoot"/>
+      </p:par>
+    </p:tnLst>
+  </p:timing>
+</p:sld>
+</file>
+
+<file path=ppt/slides/slide19.xml><?xml version="1.0" encoding="utf-8"?>
+<p:sld xmlns:a="http://schemas.openxmlformats.org/drawingml/2006/main" xmlns:r="http://schemas.openxmlformats.org/officeDocument/2006/relationships" xmlns:p="http://schemas.openxmlformats.org/presentationml/2006/main">
+  <p:cSld>
+    <p:spTree>
+      <p:nvGrpSpPr>
+        <p:cNvPr id="1" name=""/>
+        <p:cNvGrpSpPr/>
+        <p:nvPr/>
+      </p:nvGrpSpPr>
+      <p:grpSpPr>
+        <a:xfrm>
+          <a:off x="0" y="0"/>
+          <a:ext cx="0" cy="0"/>
+          <a:chOff x="0" y="0"/>
+          <a:chExt cx="0" cy="0"/>
+        </a:xfrm>
+      </p:grpSpPr>
+      <p:sp>
+        <p:nvSpPr>
+          <p:cNvPr id="2" name="Título 1"/>
+          <p:cNvSpPr>
+            <a:spLocks noGrp="1"/>
+          </p:cNvSpPr>
+          <p:nvPr>
+            <p:ph type="title"/>
+          </p:nvPr>
+        </p:nvSpPr>
+        <p:spPr/>
+        <p:txBody>
+          <a:bodyPr/>
+          <a:lstStyle/>
+          <a:p>
+            <a:r>
+              <a:rPr lang="en-US" dirty="0" smtClean="0"/>
+              <a:t>5.  Conclusions</a:t>
+            </a:r>
+            <a:endParaRPr lang="en-US" dirty="0"/>
+          </a:p>
+        </p:txBody>
+      </p:sp>
+      <p:sp>
+        <p:nvSpPr>
+          <p:cNvPr id="3" name="Marcador de contenido 2"/>
+          <p:cNvSpPr>
+            <a:spLocks noGrp="1"/>
+          </p:cNvSpPr>
+          <p:nvPr>
+            <p:ph idx="1"/>
+          </p:nvPr>
+        </p:nvSpPr>
+        <p:spPr/>
+        <p:txBody>
+          <a:bodyPr/>
+          <a:lstStyle/>
+          <a:p>
+            <a:endParaRPr lang="en-US" dirty="0"/>
+          </a:p>
+        </p:txBody>
+      </p:sp>
+      <p:sp>
+        <p:nvSpPr>
+          <p:cNvPr id="4" name="Marcador de pie de página 3"/>
+          <p:cNvSpPr>
+            <a:spLocks noGrp="1"/>
+          </p:cNvSpPr>
+          <p:nvPr>
+            <p:ph type="ftr" sz="quarter" idx="11"/>
+          </p:nvPr>
+        </p:nvSpPr>
+        <p:spPr/>
+        <p:txBody>
+          <a:bodyPr/>
+          <a:lstStyle/>
+          <a:p>
+            <a:r>
+              <a:rPr lang="es-ES" smtClean="0"/>
+              <a:t>IOSharp: .NET Micro Framework on Linux</a:t>
+            </a:r>
+            <a:endParaRPr lang="es-ES"/>
+          </a:p>
+        </p:txBody>
+      </p:sp>
+      <p:sp>
+        <p:nvSpPr>
+          <p:cNvPr id="5" name="Marcador de número de diapositiva 4"/>
+          <p:cNvSpPr>
+            <a:spLocks noGrp="1"/>
+          </p:cNvSpPr>
+          <p:nvPr>
+            <p:ph type="sldNum" sz="quarter" idx="12"/>
+          </p:nvPr>
+        </p:nvSpPr>
+        <p:spPr/>
+        <p:txBody>
+          <a:bodyPr/>
+          <a:lstStyle/>
+          <a:p>
+            <a:fld id="{8EE90C33-BF19-4C36-8633-00054130773A}" type="slidenum">
+              <a:rPr lang="es-ES" smtClean="0"/>
+              <a:t>19</a:t>
+            </a:fld>
+            <a:endParaRPr lang="es-ES"/>
+          </a:p>
+        </p:txBody>
+      </p:sp>
+    </p:spTree>
+    <p:extLst>
+      <p:ext uri="{BB962C8B-B14F-4D97-AF65-F5344CB8AC3E}">
+        <p14:creationId xmlns:p14="http://schemas.microsoft.com/office/powerpoint/2010/main" val="3876770985"/>
       </p:ext>
     </p:extLst>
   </p:cSld>
@@ -9747,162 +10632,130 @@
         </p:spPr>
         <p:txBody>
           <a:bodyPr>
-            <a:normAutofit fontScale="92500" lnSpcReduction="20000"/>
+            <a:normAutofit fontScale="77500" lnSpcReduction="20000"/>
           </a:bodyPr>
           <a:lstStyle/>
           <a:p>
             <a:r>
-              <a:rPr lang="en-US" noProof="1"/>
-              <a:t>1</a:t>
-            </a:r>
-            <a:r>
-              <a:rPr lang="en-US" noProof="1"/>
-              <a:t>.  </a:t>
-            </a:r>
-            <a:r>
               <a:rPr lang="en-US" noProof="1" smtClean="0"/>
-              <a:t>Introduction</a:t>
+              <a:t>1.  Introduction</a:t>
             </a:r>
           </a:p>
           <a:p>
             <a:pPr lvl="1"/>
             <a:r>
-              <a:rPr lang="es-ES" dirty="0" smtClean="0"/>
+              <a:rPr lang="en-US" dirty="0" smtClean="0"/>
               <a:t>1.1.  .NET Micro Framework</a:t>
             </a:r>
-            <a:endParaRPr lang="en-US" dirty="0"/>
-          </a:p>
-          <a:p>
-            <a:r>
-              <a:rPr lang="es-ES" dirty="0"/>
+          </a:p>
+          <a:p>
+            <a:r>
+              <a:rPr lang="en-US" dirty="0" smtClean="0"/>
               <a:t>2.  </a:t>
             </a:r>
             <a:r>
-              <a:rPr lang="es-ES" dirty="0" err="1" smtClean="0"/>
+              <a:rPr lang="en-US" dirty="0" err="1" smtClean="0"/>
               <a:t>IOSharp</a:t>
             </a:r>
-            <a:endParaRPr lang="es-ES" dirty="0" smtClean="0"/>
+            <a:endParaRPr lang="en-US" dirty="0" smtClean="0"/>
           </a:p>
           <a:p>
             <a:pPr lvl="1"/>
             <a:r>
-              <a:rPr lang="es-ES" dirty="0"/>
-              <a:t>2.1.  </a:t>
-            </a:r>
-            <a:r>
-              <a:rPr lang="es-ES" dirty="0" smtClean="0"/>
-              <a:t>GPIO</a:t>
+              <a:rPr lang="en-US" dirty="0" smtClean="0"/>
+              <a:t>2.1.  GPIO</a:t>
             </a:r>
           </a:p>
           <a:p>
             <a:pPr lvl="1"/>
             <a:r>
-              <a:rPr lang="es-ES" dirty="0" smtClean="0"/>
-              <a:t>2.2.  </a:t>
-            </a:r>
-            <a:r>
-              <a:rPr lang="es-ES" dirty="0" err="1" smtClean="0"/>
-              <a:t>Interrupts</a:t>
-            </a:r>
-            <a:endParaRPr lang="es-ES" dirty="0" smtClean="0"/>
+              <a:rPr lang="en-US" dirty="0" smtClean="0"/>
+              <a:t>2.2.  Interrupts</a:t>
+            </a:r>
           </a:p>
           <a:p>
             <a:pPr lvl="1"/>
             <a:r>
-              <a:rPr lang="es-ES" dirty="0" smtClean="0"/>
+              <a:rPr lang="en-US" dirty="0" smtClean="0"/>
               <a:t>2.3.  SPI</a:t>
             </a:r>
           </a:p>
           <a:p>
             <a:pPr lvl="1"/>
             <a:r>
-              <a:rPr lang="es-ES" dirty="0" smtClean="0"/>
+              <a:rPr lang="en-US" dirty="0" smtClean="0"/>
               <a:t>2.4.  UART</a:t>
             </a:r>
           </a:p>
           <a:p>
-            <a:r>
-              <a:rPr lang="es-ES" dirty="0"/>
+            <a:pPr lvl="1"/>
+            <a:r>
+              <a:rPr lang="en-US" dirty="0" smtClean="0"/>
+              <a:t>2.5.  Example</a:t>
+            </a:r>
+            <a:endParaRPr lang="en-US" dirty="0" smtClean="0"/>
+          </a:p>
+          <a:p>
+            <a:r>
+              <a:rPr lang="en-US" dirty="0" smtClean="0"/>
               <a:t>3.  </a:t>
             </a:r>
             <a:r>
-              <a:rPr lang="es-ES" dirty="0" err="1" smtClean="0"/>
+              <a:rPr lang="en-US" dirty="0" err="1" smtClean="0"/>
               <a:t>AlterNative</a:t>
             </a:r>
-            <a:endParaRPr lang="es-ES" dirty="0" smtClean="0"/>
+            <a:endParaRPr lang="en-US" dirty="0" smtClean="0"/>
           </a:p>
           <a:p>
             <a:pPr lvl="1"/>
             <a:r>
+              <a:rPr lang="en-US" dirty="0" smtClean="0"/>
+              <a:t>3.1.  Translation process</a:t>
+            </a:r>
+          </a:p>
+          <a:p>
+            <a:pPr lvl="1"/>
+            <a:r>
               <a:rPr lang="en-US" dirty="0"/>
-              <a:t>3.1.  Translation</a:t>
-            </a:r>
-            <a:r>
-              <a:rPr lang="es-ES" dirty="0"/>
-              <a:t> </a:t>
-            </a:r>
+              <a:t>3.2.  Translated </a:t>
+            </a:r>
+            <a:r>
+              <a:rPr lang="en-US" dirty="0" err="1"/>
+              <a:t>IOSharp</a:t>
+            </a:r>
+            <a:endParaRPr lang="en-US" dirty="0" smtClean="0"/>
+          </a:p>
+          <a:p>
+            <a:pPr lvl="1"/>
             <a:r>
               <a:rPr lang="en-US" dirty="0" smtClean="0"/>
-              <a:t>process</a:t>
+              <a:t>3.3.  Example</a:t>
+            </a:r>
+          </a:p>
+          <a:p>
+            <a:r>
+              <a:rPr lang="en-US" dirty="0" smtClean="0"/>
+              <a:t>4.  Performance Test</a:t>
             </a:r>
           </a:p>
           <a:p>
             <a:pPr lvl="1"/>
             <a:r>
-              <a:rPr lang="en-US" dirty="0"/>
-              <a:t>3.2.  </a:t>
-            </a:r>
-            <a:r>
               <a:rPr lang="en-US" dirty="0" smtClean="0"/>
-              <a:t>Example</a:t>
-            </a:r>
-          </a:p>
-          <a:p>
-            <a:r>
-              <a:rPr lang="es-ES" dirty="0"/>
-              <a:t>4.  Performance </a:t>
-            </a:r>
-            <a:r>
-              <a:rPr lang="es-ES" dirty="0" smtClean="0"/>
-              <a:t>Test</a:t>
-            </a:r>
-          </a:p>
-          <a:p>
-            <a:pPr lvl="1"/>
-            <a:r>
-              <a:rPr lang="es-ES" dirty="0" smtClean="0"/>
-              <a:t>4.1.  </a:t>
-            </a:r>
-            <a:r>
-              <a:rPr lang="es-ES" dirty="0" err="1" smtClean="0"/>
-              <a:t>Example</a:t>
-            </a:r>
-            <a:endParaRPr lang="es-ES" dirty="0" smtClean="0"/>
-          </a:p>
-          <a:p>
-            <a:r>
-              <a:rPr lang="en-US" dirty="0"/>
-              <a:t>5.  </a:t>
-            </a:r>
+              <a:t>4.1.  Example</a:t>
+            </a:r>
+          </a:p>
+          <a:p>
             <a:r>
               <a:rPr lang="en-US" dirty="0" smtClean="0"/>
-              <a:t>Conclusions</a:t>
-            </a:r>
-          </a:p>
-          <a:p>
-            <a:r>
-              <a:rPr lang="en-US" dirty="0"/>
-              <a:t>6.  Questions</a:t>
-            </a:r>
-            <a:r>
-              <a:rPr lang="es-ES" dirty="0"/>
-              <a:t> &amp; </a:t>
-            </a:r>
-            <a:r>
-              <a:rPr lang="en-US" dirty="0"/>
-              <a:t>Answers</a:t>
-            </a:r>
-            <a:endParaRPr lang="en-US" dirty="0" smtClean="0"/>
+              <a:t>5.  Conclusions</a:t>
+            </a:r>
+          </a:p>
+          <a:p>
+            <a:r>
+              <a:rPr lang="en-US" dirty="0" smtClean="0"/>
+              <a:t>6.  Questions &amp; Answers</a:t>
+            </a:r>
           </a:p>
           <a:p>
             <a:endParaRPr lang="es-ES" dirty="0" smtClean="0"/>
@@ -9966,6 +10819,249 @@
     <p:extLst>
       <p:ext uri="{BB962C8B-B14F-4D97-AF65-F5344CB8AC3E}">
         <p14:creationId xmlns:p14="http://schemas.microsoft.com/office/powerpoint/2010/main" val="1296244924"/>
+      </p:ext>
+    </p:extLst>
+  </p:cSld>
+  <p:clrMapOvr>
+    <a:masterClrMapping/>
+  </p:clrMapOvr>
+  <p:timing>
+    <p:tnLst>
+      <p:par>
+        <p:cTn id="1" dur="indefinite" restart="never" nodeType="tmRoot"/>
+      </p:par>
+    </p:tnLst>
+  </p:timing>
+</p:sld>
+</file>
+
+<file path=ppt/slides/slide20.xml><?xml version="1.0" encoding="utf-8"?>
+<p:sld xmlns:a="http://schemas.openxmlformats.org/drawingml/2006/main" xmlns:r="http://schemas.openxmlformats.org/officeDocument/2006/relationships" xmlns:p="http://schemas.openxmlformats.org/presentationml/2006/main">
+  <p:cSld>
+    <p:spTree>
+      <p:nvGrpSpPr>
+        <p:cNvPr id="1" name=""/>
+        <p:cNvGrpSpPr/>
+        <p:nvPr/>
+      </p:nvGrpSpPr>
+      <p:grpSpPr>
+        <a:xfrm>
+          <a:off x="0" y="0"/>
+          <a:ext cx="0" cy="0"/>
+          <a:chOff x="0" y="0"/>
+          <a:chExt cx="0" cy="0"/>
+        </a:xfrm>
+      </p:grpSpPr>
+      <p:sp>
+        <p:nvSpPr>
+          <p:cNvPr id="2" name="Título 1"/>
+          <p:cNvSpPr>
+            <a:spLocks noGrp="1"/>
+          </p:cNvSpPr>
+          <p:nvPr>
+            <p:ph type="title"/>
+          </p:nvPr>
+        </p:nvSpPr>
+        <p:spPr/>
+        <p:txBody>
+          <a:bodyPr/>
+          <a:lstStyle/>
+          <a:p>
+            <a:r>
+              <a:rPr lang="en-US" dirty="0" smtClean="0"/>
+              <a:t>5.  </a:t>
+            </a:r>
+            <a:r>
+              <a:rPr lang="en-US" dirty="0" smtClean="0"/>
+              <a:t>Conclusions II</a:t>
+            </a:r>
+            <a:endParaRPr lang="en-US" dirty="0"/>
+          </a:p>
+        </p:txBody>
+      </p:sp>
+      <p:sp>
+        <p:nvSpPr>
+          <p:cNvPr id="3" name="Marcador de contenido 2"/>
+          <p:cNvSpPr>
+            <a:spLocks noGrp="1"/>
+          </p:cNvSpPr>
+          <p:nvPr>
+            <p:ph idx="1"/>
+          </p:nvPr>
+        </p:nvSpPr>
+        <p:spPr/>
+        <p:txBody>
+          <a:bodyPr/>
+          <a:lstStyle/>
+          <a:p>
+            <a:endParaRPr lang="en-US" dirty="0"/>
+          </a:p>
+        </p:txBody>
+      </p:sp>
+      <p:sp>
+        <p:nvSpPr>
+          <p:cNvPr id="4" name="Marcador de pie de página 3"/>
+          <p:cNvSpPr>
+            <a:spLocks noGrp="1"/>
+          </p:cNvSpPr>
+          <p:nvPr>
+            <p:ph type="ftr" sz="quarter" idx="11"/>
+          </p:nvPr>
+        </p:nvSpPr>
+        <p:spPr/>
+        <p:txBody>
+          <a:bodyPr/>
+          <a:lstStyle/>
+          <a:p>
+            <a:r>
+              <a:rPr lang="es-ES" smtClean="0"/>
+              <a:t>IOSharp: .NET Micro Framework on Linux</a:t>
+            </a:r>
+            <a:endParaRPr lang="es-ES"/>
+          </a:p>
+        </p:txBody>
+      </p:sp>
+      <p:sp>
+        <p:nvSpPr>
+          <p:cNvPr id="5" name="Marcador de número de diapositiva 4"/>
+          <p:cNvSpPr>
+            <a:spLocks noGrp="1"/>
+          </p:cNvSpPr>
+          <p:nvPr>
+            <p:ph type="sldNum" sz="quarter" idx="12"/>
+          </p:nvPr>
+        </p:nvSpPr>
+        <p:spPr/>
+        <p:txBody>
+          <a:bodyPr/>
+          <a:lstStyle/>
+          <a:p>
+            <a:fld id="{8EE90C33-BF19-4C36-8633-00054130773A}" type="slidenum">
+              <a:rPr lang="es-ES" smtClean="0"/>
+              <a:t>20</a:t>
+            </a:fld>
+            <a:endParaRPr lang="es-ES"/>
+          </a:p>
+        </p:txBody>
+      </p:sp>
+    </p:spTree>
+    <p:extLst>
+      <p:ext uri="{BB962C8B-B14F-4D97-AF65-F5344CB8AC3E}">
+        <p14:creationId xmlns:p14="http://schemas.microsoft.com/office/powerpoint/2010/main" val="3976270818"/>
+      </p:ext>
+    </p:extLst>
+  </p:cSld>
+  <p:clrMapOvr>
+    <a:masterClrMapping/>
+  </p:clrMapOvr>
+  <p:timing>
+    <p:tnLst>
+      <p:par>
+        <p:cTn id="1" dur="indefinite" restart="never" nodeType="tmRoot"/>
+      </p:par>
+    </p:tnLst>
+  </p:timing>
+</p:sld>
+</file>
+
+<file path=ppt/slides/slide21.xml><?xml version="1.0" encoding="utf-8"?>
+<p:sld xmlns:a="http://schemas.openxmlformats.org/drawingml/2006/main" xmlns:r="http://schemas.openxmlformats.org/officeDocument/2006/relationships" xmlns:p="http://schemas.openxmlformats.org/presentationml/2006/main">
+  <p:cSld>
+    <p:spTree>
+      <p:nvGrpSpPr>
+        <p:cNvPr id="1" name=""/>
+        <p:cNvGrpSpPr/>
+        <p:nvPr/>
+      </p:nvGrpSpPr>
+      <p:grpSpPr>
+        <a:xfrm>
+          <a:off x="0" y="0"/>
+          <a:ext cx="0" cy="0"/>
+          <a:chOff x="0" y="0"/>
+          <a:chExt cx="0" cy="0"/>
+        </a:xfrm>
+      </p:grpSpPr>
+      <p:sp>
+        <p:nvSpPr>
+          <p:cNvPr id="2" name="Título 1"/>
+          <p:cNvSpPr>
+            <a:spLocks noGrp="1"/>
+          </p:cNvSpPr>
+          <p:nvPr>
+            <p:ph type="title"/>
+          </p:nvPr>
+        </p:nvSpPr>
+        <p:spPr/>
+        <p:txBody>
+          <a:bodyPr/>
+          <a:lstStyle/>
+          <a:p>
+            <a:r>
+              <a:rPr lang="en-US" dirty="0" smtClean="0"/>
+              <a:t>6.  Questions</a:t>
+            </a:r>
+            <a:r>
+              <a:rPr lang="es-ES" dirty="0" smtClean="0"/>
+              <a:t> &amp; </a:t>
+            </a:r>
+            <a:r>
+              <a:rPr lang="en-US" dirty="0" smtClean="0"/>
+              <a:t>Answers</a:t>
+            </a:r>
+            <a:endParaRPr lang="en-US" dirty="0"/>
+          </a:p>
+        </p:txBody>
+      </p:sp>
+      <p:sp>
+        <p:nvSpPr>
+          <p:cNvPr id="4" name="Marcador de pie de página 3"/>
+          <p:cNvSpPr>
+            <a:spLocks noGrp="1"/>
+          </p:cNvSpPr>
+          <p:nvPr>
+            <p:ph type="ftr" sz="quarter" idx="11"/>
+          </p:nvPr>
+        </p:nvSpPr>
+        <p:spPr/>
+        <p:txBody>
+          <a:bodyPr/>
+          <a:lstStyle/>
+          <a:p>
+            <a:r>
+              <a:rPr lang="es-ES" smtClean="0"/>
+              <a:t>IOSharp: .NET Micro Framework on Linux</a:t>
+            </a:r>
+            <a:endParaRPr lang="es-ES"/>
+          </a:p>
+        </p:txBody>
+      </p:sp>
+      <p:sp>
+        <p:nvSpPr>
+          <p:cNvPr id="5" name="Marcador de número de diapositiva 4"/>
+          <p:cNvSpPr>
+            <a:spLocks noGrp="1"/>
+          </p:cNvSpPr>
+          <p:nvPr>
+            <p:ph type="sldNum" sz="quarter" idx="12"/>
+          </p:nvPr>
+        </p:nvSpPr>
+        <p:spPr/>
+        <p:txBody>
+          <a:bodyPr/>
+          <a:lstStyle/>
+          <a:p>
+            <a:fld id="{8EE90C33-BF19-4C36-8633-00054130773A}" type="slidenum">
+              <a:rPr lang="es-ES" smtClean="0"/>
+              <a:t>21</a:t>
+            </a:fld>
+            <a:endParaRPr lang="es-ES"/>
+          </a:p>
+        </p:txBody>
+      </p:sp>
+    </p:spTree>
+    <p:extLst>
+      <p:ext uri="{BB962C8B-B14F-4D97-AF65-F5344CB8AC3E}">
+        <p14:creationId xmlns:p14="http://schemas.microsoft.com/office/powerpoint/2010/main" val="1345899272"/>
       </p:ext>
     </p:extLst>
   </p:cSld>
@@ -10195,19 +11291,7 @@
           <a:p>
             <a:r>
               <a:rPr lang="es-ES" dirty="0" smtClean="0"/>
-              <a:t>1.1.  </a:t>
-            </a:r>
-            <a:r>
-              <a:rPr lang="es-ES" dirty="0" smtClean="0"/>
-              <a:t>.NET </a:t>
-            </a:r>
-            <a:r>
-              <a:rPr lang="es-ES" dirty="0" smtClean="0"/>
-              <a:t>Micro </a:t>
-            </a:r>
-            <a:r>
-              <a:rPr lang="es-ES" dirty="0" smtClean="0"/>
-              <a:t>Framework</a:t>
+              <a:t>1.1.  .NET Micro Framework</a:t>
             </a:r>
             <a:endParaRPr lang="en-US" dirty="0"/>
           </a:p>
@@ -10725,7 +11809,7 @@
           <a:graphicData uri="http://schemas.openxmlformats.org/presentationml/2006/ole">
             <mc:AlternateContent xmlns:mc="http://schemas.openxmlformats.org/markup-compatibility/2006">
               <mc:Choice xmlns:v="urn:schemas-microsoft-com:vml" Requires="v">
-                <p:oleObj spid="_x0000_s2056" name="Visio" r:id="rId3" imgW="5067360" imgH="3305265" progId="Visio.Drawing.15">
+                <p:oleObj spid="_x0000_s2105" name="Visio" r:id="rId3" imgW="5067360" imgH="3305265" progId="Visio.Drawing.15">
                   <p:embed/>
                 </p:oleObj>
               </mc:Choice>
@@ -10837,13 +11921,21 @@
           </a:xfrm>
         </p:spPr>
         <p:txBody>
-          <a:bodyPr/>
-          <a:lstStyle/>
+          <a:bodyPr>
+            <a:normAutofit/>
+          </a:bodyPr>
+          <a:lstStyle/>
+          <a:p>
+            <a:endParaRPr lang="en-US" dirty="0" smtClean="0"/>
+          </a:p>
           <a:p>
             <a:r>
               <a:rPr lang="en-US" dirty="0" smtClean="0"/>
-              <a:t>I/O Ports are controlled through the file system</a:t>
-            </a:r>
+              <a:t>I/O Ports are controlled and enabled or disabled through the file system</a:t>
+            </a:r>
+          </a:p>
+          <a:p>
+            <a:endParaRPr lang="en-US" dirty="0" smtClean="0"/>
           </a:p>
           <a:p>
             <a:pPr lvl="1"/>
@@ -10884,6 +11976,41 @@
           </a:p>
           <a:p>
             <a:pPr lvl="1"/>
+            <a:endParaRPr lang="en-US" dirty="0" smtClean="0">
+              <a:latin typeface="Consolas" panose="020B0609020204030204" pitchFamily="49" charset="0"/>
+              <a:cs typeface="Consolas" panose="020B0609020204030204" pitchFamily="49" charset="0"/>
+              <a:sym typeface="Wingdings" panose="05000000000000000000" pitchFamily="2" charset="2"/>
+            </a:endParaRPr>
+          </a:p>
+          <a:p>
+            <a:pPr lvl="1"/>
+            <a:r>
+              <a:rPr lang="en-US" dirty="0" smtClean="0">
+                <a:latin typeface="Consolas" panose="020B0609020204030204" pitchFamily="49" charset="0"/>
+                <a:cs typeface="Consolas" panose="020B0609020204030204" pitchFamily="49" charset="0"/>
+                <a:sym typeface="Wingdings" panose="05000000000000000000" pitchFamily="2" charset="2"/>
+              </a:rPr>
+              <a:t>Direction</a:t>
+            </a:r>
+          </a:p>
+          <a:p>
+            <a:pPr lvl="1"/>
+            <a:endParaRPr lang="en-US" dirty="0" smtClean="0">
+              <a:latin typeface="Consolas" panose="020B0609020204030204" pitchFamily="49" charset="0"/>
+              <a:cs typeface="Consolas" panose="020B0609020204030204" pitchFamily="49" charset="0"/>
+              <a:sym typeface="Wingdings" panose="05000000000000000000" pitchFamily="2" charset="2"/>
+            </a:endParaRPr>
+          </a:p>
+          <a:p>
+            <a:pPr lvl="1"/>
+            <a:r>
+              <a:rPr lang="en-US" dirty="0" smtClean="0">
+                <a:latin typeface="Consolas" panose="020B0609020204030204" pitchFamily="49" charset="0"/>
+                <a:cs typeface="Consolas" panose="020B0609020204030204" pitchFamily="49" charset="0"/>
+                <a:sym typeface="Wingdings" panose="05000000000000000000" pitchFamily="2" charset="2"/>
+              </a:rPr>
+              <a:t>State</a:t>
+            </a:r>
             <a:endParaRPr lang="en-US" dirty="0">
               <a:latin typeface="Consolas" panose="020B0609020204030204" pitchFamily="49" charset="0"/>
               <a:cs typeface="Consolas" panose="020B0609020204030204" pitchFamily="49" charset="0"/>
@@ -11032,7 +12159,7 @@
           <a:p>
             <a:r>
               <a:rPr lang="en-US" dirty="0" smtClean="0"/>
-              <a:t>P/Invokes required for cross-language calls</a:t>
+              <a:t>P/Invokes are required for cross-language calls</a:t>
             </a:r>
             <a:endParaRPr lang="en-US" dirty="0"/>
           </a:p>
@@ -11106,7 +12233,7 @@
           <a:graphicData uri="http://schemas.openxmlformats.org/presentationml/2006/ole">
             <mc:AlternateContent xmlns:mc="http://schemas.openxmlformats.org/markup-compatibility/2006">
               <mc:Choice xmlns:v="urn:schemas-microsoft-com:vml" Requires="v">
-                <p:oleObj spid="_x0000_s3074" name="Visio" r:id="rId3" imgW="10572660" imgH="6962865" progId="Visio.Drawing.15">
+                <p:oleObj spid="_x0000_s3123" name="Visio" r:id="rId3" imgW="10572660" imgH="6962865" progId="Visio.Drawing.15">
                   <p:embed/>
                 </p:oleObj>
               </mc:Choice>
@@ -11211,12 +12338,68 @@
             <p:ph idx="1"/>
           </p:nvPr>
         </p:nvSpPr>
-        <p:spPr/>
-        <p:txBody>
-          <a:bodyPr/>
-          <a:lstStyle/>
-          <a:p>
-            <a:endParaRPr lang="en-US"/>
+        <p:spPr>
+          <a:xfrm>
+            <a:off x="1943807" y="1700808"/>
+            <a:ext cx="6591985" cy="3777622"/>
+          </a:xfrm>
+        </p:spPr>
+        <p:txBody>
+          <a:bodyPr/>
+          <a:lstStyle/>
+          <a:p>
+            <a:r>
+              <a:rPr lang="en-US" dirty="0" smtClean="0"/>
+              <a:t>Implemented using the provided Linux Kernel</a:t>
+            </a:r>
+            <a:r>
+              <a:rPr lang="en-US" dirty="0"/>
+              <a:t> </a:t>
+            </a:r>
+            <a:r>
+              <a:rPr lang="en-US" dirty="0" smtClean="0"/>
+              <a:t>function</a:t>
+            </a:r>
+          </a:p>
+          <a:p>
+            <a:pPr lvl="1"/>
+            <a:endParaRPr lang="en-US" dirty="0" smtClean="0"/>
+          </a:p>
+          <a:p>
+            <a:pPr lvl="1"/>
+            <a:r>
+              <a:rPr lang="en-US" dirty="0" smtClean="0"/>
+              <a:t>Included on </a:t>
+            </a:r>
+            <a:r>
+              <a:rPr lang="en-US" dirty="0" err="1" smtClean="0"/>
+              <a:t>IOSharp</a:t>
+            </a:r>
+            <a:r>
+              <a:rPr lang="en-US" dirty="0" smtClean="0"/>
+              <a:t>-C library</a:t>
+            </a:r>
+          </a:p>
+          <a:p>
+            <a:pPr lvl="1"/>
+            <a:endParaRPr lang="en-US" dirty="0" smtClean="0"/>
+          </a:p>
+          <a:p>
+            <a:pPr lvl="1"/>
+            <a:r>
+              <a:rPr lang="en-US" dirty="0" smtClean="0"/>
+              <a:t>P/Invoked from C#</a:t>
+            </a:r>
+            <a:endParaRPr lang="en-US" dirty="0"/>
+          </a:p>
+          <a:p>
+            <a:endParaRPr lang="en-US" dirty="0" smtClean="0"/>
+          </a:p>
+          <a:p>
+            <a:pPr marL="0" indent="0">
+              <a:buNone/>
+            </a:pPr>
+            <a:endParaRPr lang="en-US" dirty="0"/>
           </a:p>
         </p:txBody>
       </p:sp>
@@ -11266,6 +12449,63 @@
           </a:p>
         </p:txBody>
       </p:sp>
+      <p:graphicFrame>
+        <p:nvGraphicFramePr>
+          <p:cNvPr id="6" name="Objeto 5"/>
+          <p:cNvGraphicFramePr>
+            <a:graphicFrameLocks noChangeAspect="1"/>
+          </p:cNvGraphicFramePr>
+          <p:nvPr>
+            <p:extLst>
+              <p:ext uri="{D42A27DB-BD31-4B8C-83A1-F6EECF244321}">
+                <p14:modId xmlns:p14="http://schemas.microsoft.com/office/powerpoint/2010/main" val="1384627031"/>
+              </p:ext>
+            </p:extLst>
+          </p:nvPr>
+        </p:nvGraphicFramePr>
+        <p:xfrm>
+          <a:off x="3096674" y="3849655"/>
+          <a:ext cx="4286250" cy="1628775"/>
+        </p:xfrm>
+        <a:graphic>
+          <a:graphicData uri="http://schemas.openxmlformats.org/presentationml/2006/ole">
+            <mc:AlternateContent xmlns:mc="http://schemas.openxmlformats.org/markup-compatibility/2006">
+              <mc:Choice xmlns:v="urn:schemas-microsoft-com:vml" Requires="v">
+                <p:oleObj spid="_x0000_s4138" name="Visio" r:id="rId3" imgW="4286250" imgH="1628775" progId="Visio.Drawing.15">
+                  <p:embed/>
+                </p:oleObj>
+              </mc:Choice>
+              <mc:Fallback>
+                <p:oleObj name="Visio" r:id="rId3" imgW="4286250" imgH="1628775" progId="Visio.Drawing.15">
+                  <p:embed/>
+                  <p:pic>
+                    <p:nvPicPr>
+                      <p:cNvPr id="0" name=""/>
+                      <p:cNvPicPr/>
+                      <p:nvPr/>
+                    </p:nvPicPr>
+                    <p:blipFill>
+                      <a:blip r:embed="rId4"/>
+                      <a:stretch>
+                        <a:fillRect/>
+                      </a:stretch>
+                    </p:blipFill>
+                    <p:spPr>
+                      <a:xfrm>
+                        <a:off x="3096674" y="3849655"/>
+                        <a:ext cx="4286250" cy="1628775"/>
+                      </a:xfrm>
+                      <a:prstGeom prst="rect">
+                        <a:avLst/>
+                      </a:prstGeom>
+                    </p:spPr>
+                  </p:pic>
+                </p:oleObj>
+              </mc:Fallback>
+            </mc:AlternateContent>
+          </a:graphicData>
+        </a:graphic>
+      </p:graphicFrame>
     </p:spTree>
     <p:extLst>
       <p:ext uri="{BB962C8B-B14F-4D97-AF65-F5344CB8AC3E}">

--- a/ThesisDoc/IOSharp.pptx
+++ b/ThesisDoc/IOSharp.pptx
@@ -20,13 +20,13 @@
     <p:sldId id="264" r:id="rId11"/>
     <p:sldId id="274" r:id="rId12"/>
     <p:sldId id="265" r:id="rId13"/>
-    <p:sldId id="266" r:id="rId14"/>
-    <p:sldId id="276" r:id="rId15"/>
-    <p:sldId id="275" r:id="rId16"/>
-    <p:sldId id="267" r:id="rId17"/>
-    <p:sldId id="268" r:id="rId18"/>
-    <p:sldId id="269" r:id="rId19"/>
-    <p:sldId id="270" r:id="rId20"/>
+    <p:sldId id="280" r:id="rId14"/>
+    <p:sldId id="281" r:id="rId15"/>
+    <p:sldId id="279" r:id="rId16"/>
+    <p:sldId id="275" r:id="rId17"/>
+    <p:sldId id="267" r:id="rId18"/>
+    <p:sldId id="268" r:id="rId19"/>
+    <p:sldId id="269" r:id="rId20"/>
     <p:sldId id="277" r:id="rId21"/>
     <p:sldId id="271" r:id="rId22"/>
   </p:sldIdLst>
@@ -9514,76 +9514,49 @@
             <p:ph type="title"/>
           </p:nvPr>
         </p:nvSpPr>
+        <p:spPr>
+          <a:xfrm>
+            <a:off x="1945201" y="624110"/>
+            <a:ext cx="6589199" cy="860674"/>
+          </a:xfrm>
+        </p:spPr>
+        <p:txBody>
+          <a:bodyPr/>
+          <a:lstStyle/>
+          <a:p>
+            <a:r>
+              <a:rPr lang="en-US" dirty="0"/>
+              <a:t>3.1.  Translation</a:t>
+            </a:r>
+            <a:r>
+              <a:rPr lang="es-ES" dirty="0"/>
+              <a:t> </a:t>
+            </a:r>
+            <a:r>
+              <a:rPr lang="en-US" dirty="0"/>
+              <a:t>process</a:t>
+            </a:r>
+          </a:p>
+        </p:txBody>
+      </p:sp>
+      <p:sp>
+        <p:nvSpPr>
+          <p:cNvPr id="4" name="Marcador de pie de página 3"/>
+          <p:cNvSpPr>
+            <a:spLocks noGrp="1"/>
+          </p:cNvSpPr>
+          <p:nvPr>
+            <p:ph type="ftr" sz="quarter" idx="11"/>
+          </p:nvPr>
+        </p:nvSpPr>
         <p:spPr/>
         <p:txBody>
           <a:bodyPr/>
           <a:lstStyle/>
           <a:p>
             <a:r>
-              <a:rPr lang="en-US" dirty="0" smtClean="0"/>
-              <a:t>3.1.  Translation</a:t>
-            </a:r>
-            <a:r>
-              <a:rPr lang="es-ES" dirty="0" smtClean="0"/>
-              <a:t> </a:t>
-            </a:r>
-            <a:r>
-              <a:rPr lang="en-US" dirty="0" smtClean="0"/>
-              <a:t>process</a:t>
-            </a:r>
-            <a:endParaRPr lang="en-US" dirty="0"/>
-          </a:p>
-        </p:txBody>
-      </p:sp>
-      <p:sp>
-        <p:nvSpPr>
-          <p:cNvPr id="3" name="Marcador de contenido 2"/>
-          <p:cNvSpPr>
-            <a:spLocks noGrp="1"/>
-          </p:cNvSpPr>
-          <p:nvPr>
-            <p:ph idx="1"/>
-          </p:nvPr>
-        </p:nvSpPr>
-        <p:spPr/>
-        <p:txBody>
-          <a:bodyPr/>
-          <a:lstStyle/>
-          <a:p>
-            <a:endParaRPr lang="en-US" dirty="0"/>
-          </a:p>
-        </p:txBody>
-      </p:sp>
-      <p:sp>
-        <p:nvSpPr>
-          <p:cNvPr id="4" name="Marcador de pie de página 3"/>
-          <p:cNvSpPr>
-            <a:spLocks noGrp="1"/>
-          </p:cNvSpPr>
-          <p:nvPr>
-            <p:ph type="ftr" sz="quarter" idx="11"/>
-          </p:nvPr>
-        </p:nvSpPr>
-        <p:spPr/>
-        <p:txBody>
-          <a:bodyPr/>
-          <a:lstStyle/>
-          <a:p>
-            <a:r>
-              <a:rPr lang="es-ES" dirty="0" err="1" smtClean="0"/>
-              <a:t>IOSharp</a:t>
-            </a:r>
-            <a:r>
-              <a:rPr lang="es-ES" dirty="0" smtClean="0"/>
-              <a:t>: .NET Micro Framework </a:t>
-            </a:r>
-            <a:r>
-              <a:rPr lang="es-ES" dirty="0" err="1" smtClean="0"/>
-              <a:t>on</a:t>
-            </a:r>
-            <a:r>
-              <a:rPr lang="es-ES" dirty="0" smtClean="0"/>
-              <a:t> Linux</a:t>
+              <a:rPr lang="es-ES" smtClean="0"/>
+              <a:t>IOSharp: .NET Micro Framework on Linux</a:t>
             </a:r>
             <a:endParaRPr lang="es-ES" dirty="0"/>
           </a:p>
@@ -9612,10 +9585,252 @@
           </a:p>
         </p:txBody>
       </p:sp>
+      <p:sp>
+        <p:nvSpPr>
+          <p:cNvPr id="6" name="5 CuadroTexto"/>
+          <p:cNvSpPr txBox="1"/>
+          <p:nvPr/>
+        </p:nvSpPr>
+        <p:spPr>
+          <a:xfrm>
+            <a:off x="3060782" y="2231078"/>
+            <a:ext cx="3479754" cy="369332"/>
+          </a:xfrm>
+          <a:prstGeom prst="rect">
+            <a:avLst/>
+          </a:prstGeom>
+        </p:spPr>
+        <p:style>
+          <a:lnRef idx="2">
+            <a:schemeClr val="accent1"/>
+          </a:lnRef>
+          <a:fillRef idx="1">
+            <a:schemeClr val="lt1"/>
+          </a:fillRef>
+          <a:effectRef idx="0">
+            <a:schemeClr val="accent1"/>
+          </a:effectRef>
+          <a:fontRef idx="minor">
+            <a:schemeClr val="dk1"/>
+          </a:fontRef>
+        </p:style>
+        <p:txBody>
+          <a:bodyPr wrap="square" rtlCol="0">
+            <a:spAutoFit/>
+          </a:bodyPr>
+          <a:lstStyle/>
+          <a:p>
+            <a:pPr>
+              <a:buNone/>
+            </a:pPr>
+            <a:r>
+              <a:rPr lang="es-ES" dirty="0" err="1" smtClean="0">
+                <a:latin typeface="Consolas" panose="020B0609020204030204" pitchFamily="49" charset="0"/>
+                <a:cs typeface="Consolas" panose="020B0609020204030204" pitchFamily="49" charset="0"/>
+              </a:rPr>
+              <a:t>void</a:t>
+            </a:r>
+            <a:r>
+              <a:rPr lang="es-ES" dirty="0" smtClean="0">
+                <a:latin typeface="Consolas" panose="020B0609020204030204" pitchFamily="49" charset="0"/>
+                <a:cs typeface="Consolas" panose="020B0609020204030204" pitchFamily="49" charset="0"/>
+              </a:rPr>
+              <a:t> </a:t>
+            </a:r>
+            <a:r>
+              <a:rPr lang="es-ES" dirty="0" err="1" smtClean="0">
+                <a:latin typeface="Consolas" panose="020B0609020204030204" pitchFamily="49" charset="0"/>
+                <a:cs typeface="Consolas" panose="020B0609020204030204" pitchFamily="49" charset="0"/>
+              </a:rPr>
+              <a:t>Main</a:t>
+            </a:r>
+            <a:r>
+              <a:rPr lang="es-ES" dirty="0" smtClean="0">
+                <a:latin typeface="Consolas" panose="020B0609020204030204" pitchFamily="49" charset="0"/>
+                <a:cs typeface="Consolas" panose="020B0609020204030204" pitchFamily="49" charset="0"/>
+              </a:rPr>
+              <a:t>(</a:t>
+            </a:r>
+            <a:r>
+              <a:rPr lang="es-ES" dirty="0" err="1" smtClean="0">
+                <a:latin typeface="Consolas" panose="020B0609020204030204" pitchFamily="49" charset="0"/>
+                <a:cs typeface="Consolas" panose="020B0609020204030204" pitchFamily="49" charset="0"/>
+              </a:rPr>
+              <a:t>string</a:t>
+            </a:r>
+            <a:r>
+              <a:rPr lang="es-ES" dirty="0" smtClean="0">
+                <a:latin typeface="Consolas" panose="020B0609020204030204" pitchFamily="49" charset="0"/>
+                <a:cs typeface="Consolas" panose="020B0609020204030204" pitchFamily="49" charset="0"/>
+              </a:rPr>
+              <a:t>[] </a:t>
+            </a:r>
+            <a:r>
+              <a:rPr lang="es-ES" dirty="0" err="1" smtClean="0">
+                <a:latin typeface="Consolas" panose="020B0609020204030204" pitchFamily="49" charset="0"/>
+                <a:cs typeface="Consolas" panose="020B0609020204030204" pitchFamily="49" charset="0"/>
+              </a:rPr>
+              <a:t>args</a:t>
+            </a:r>
+            <a:r>
+              <a:rPr lang="es-ES" dirty="0" smtClean="0">
+                <a:latin typeface="Consolas" panose="020B0609020204030204" pitchFamily="49" charset="0"/>
+                <a:cs typeface="Consolas" panose="020B0609020204030204" pitchFamily="49" charset="0"/>
+              </a:rPr>
+              <a:t>){}</a:t>
+            </a:r>
+            <a:endParaRPr lang="es-ES" dirty="0">
+              <a:latin typeface="Consolas" panose="020B0609020204030204" pitchFamily="49" charset="0"/>
+              <a:cs typeface="Consolas" panose="020B0609020204030204" pitchFamily="49" charset="0"/>
+            </a:endParaRPr>
+          </a:p>
+        </p:txBody>
+      </p:sp>
+      <p:sp>
+        <p:nvSpPr>
+          <p:cNvPr id="7" name="6 CuadroTexto"/>
+          <p:cNvSpPr txBox="1"/>
+          <p:nvPr/>
+        </p:nvSpPr>
+        <p:spPr>
+          <a:xfrm>
+            <a:off x="3024778" y="4183443"/>
+            <a:ext cx="3551761" cy="369332"/>
+          </a:xfrm>
+          <a:prstGeom prst="rect">
+            <a:avLst/>
+          </a:prstGeom>
+        </p:spPr>
+        <p:style>
+          <a:lnRef idx="2">
+            <a:schemeClr val="accent1"/>
+          </a:lnRef>
+          <a:fillRef idx="1">
+            <a:schemeClr val="lt1"/>
+          </a:fillRef>
+          <a:effectRef idx="0">
+            <a:schemeClr val="accent1"/>
+          </a:effectRef>
+          <a:fontRef idx="minor">
+            <a:schemeClr val="dk1"/>
+          </a:fontRef>
+        </p:style>
+        <p:txBody>
+          <a:bodyPr wrap="square" rtlCol="0">
+            <a:spAutoFit/>
+          </a:bodyPr>
+          <a:lstStyle/>
+          <a:p>
+            <a:pPr>
+              <a:buNone/>
+            </a:pPr>
+            <a:r>
+              <a:rPr lang="es-ES" dirty="0" err="1" smtClean="0">
+                <a:latin typeface="Consolas" panose="020B0609020204030204" pitchFamily="49" charset="0"/>
+                <a:cs typeface="Consolas" panose="020B0609020204030204" pitchFamily="49" charset="0"/>
+              </a:rPr>
+              <a:t>void</a:t>
+            </a:r>
+            <a:r>
+              <a:rPr lang="es-ES" dirty="0" smtClean="0">
+                <a:latin typeface="Consolas" panose="020B0609020204030204" pitchFamily="49" charset="0"/>
+                <a:cs typeface="Consolas" panose="020B0609020204030204" pitchFamily="49" charset="0"/>
+              </a:rPr>
+              <a:t> </a:t>
+            </a:r>
+            <a:r>
+              <a:rPr lang="es-ES" dirty="0" err="1" smtClean="0">
+                <a:latin typeface="Consolas" panose="020B0609020204030204" pitchFamily="49" charset="0"/>
+                <a:cs typeface="Consolas" panose="020B0609020204030204" pitchFamily="49" charset="0"/>
+              </a:rPr>
+              <a:t>Main</a:t>
+            </a:r>
+            <a:r>
+              <a:rPr lang="es-ES" dirty="0" smtClean="0">
+                <a:latin typeface="Consolas" panose="020B0609020204030204" pitchFamily="49" charset="0"/>
+                <a:cs typeface="Consolas" panose="020B0609020204030204" pitchFamily="49" charset="0"/>
+              </a:rPr>
+              <a:t>(</a:t>
+            </a:r>
+            <a:r>
+              <a:rPr lang="es-ES" dirty="0" err="1" smtClean="0">
+                <a:latin typeface="Consolas" panose="020B0609020204030204" pitchFamily="49" charset="0"/>
+                <a:cs typeface="Consolas" panose="020B0609020204030204" pitchFamily="49" charset="0"/>
+              </a:rPr>
+              <a:t>String</a:t>
+            </a:r>
+            <a:r>
+              <a:rPr lang="es-ES" dirty="0" smtClean="0">
+                <a:latin typeface="Consolas" panose="020B0609020204030204" pitchFamily="49" charset="0"/>
+                <a:cs typeface="Consolas" panose="020B0609020204030204" pitchFamily="49" charset="0"/>
+              </a:rPr>
+              <a:t> </a:t>
+            </a:r>
+            <a:r>
+              <a:rPr lang="es-ES" dirty="0" err="1" smtClean="0">
+                <a:latin typeface="Consolas" panose="020B0609020204030204" pitchFamily="49" charset="0"/>
+                <a:cs typeface="Consolas" panose="020B0609020204030204" pitchFamily="49" charset="0"/>
+              </a:rPr>
+              <a:t>args</a:t>
+            </a:r>
+            <a:r>
+              <a:rPr lang="es-ES" dirty="0" smtClean="0">
+                <a:latin typeface="Consolas" panose="020B0609020204030204" pitchFamily="49" charset="0"/>
+                <a:cs typeface="Consolas" panose="020B0609020204030204" pitchFamily="49" charset="0"/>
+              </a:rPr>
+              <a:t>[]){}</a:t>
+            </a:r>
+            <a:endParaRPr lang="es-ES" dirty="0">
+              <a:latin typeface="Consolas" panose="020B0609020204030204" pitchFamily="49" charset="0"/>
+              <a:cs typeface="Consolas" panose="020B0609020204030204" pitchFamily="49" charset="0"/>
+            </a:endParaRPr>
+          </a:p>
+        </p:txBody>
+      </p:sp>
+      <p:sp>
+        <p:nvSpPr>
+          <p:cNvPr id="8" name="7 Flecha abajo"/>
+          <p:cNvSpPr/>
+          <p:nvPr/>
+        </p:nvSpPr>
+        <p:spPr>
+          <a:xfrm>
+            <a:off x="4260599" y="2780928"/>
+            <a:ext cx="1080120" cy="1224136"/>
+          </a:xfrm>
+          <a:prstGeom prst="downArrow">
+            <a:avLst/>
+          </a:prstGeom>
+        </p:spPr>
+        <p:style>
+          <a:lnRef idx="2">
+            <a:schemeClr val="accent1">
+              <a:shade val="50000"/>
+            </a:schemeClr>
+          </a:lnRef>
+          <a:fillRef idx="1">
+            <a:schemeClr val="accent1"/>
+          </a:fillRef>
+          <a:effectRef idx="0">
+            <a:schemeClr val="accent1"/>
+          </a:effectRef>
+          <a:fontRef idx="minor">
+            <a:schemeClr val="lt1"/>
+          </a:fontRef>
+        </p:style>
+        <p:txBody>
+          <a:bodyPr rtlCol="0" anchor="ctr"/>
+          <a:lstStyle/>
+          <a:p>
+            <a:pPr algn="ctr"/>
+            <a:endParaRPr lang="es-ES"/>
+          </a:p>
+        </p:txBody>
+      </p:sp>
     </p:spTree>
     <p:extLst>
       <p:ext uri="{BB962C8B-B14F-4D97-AF65-F5344CB8AC3E}">
-        <p14:creationId xmlns:p14="http://schemas.microsoft.com/office/powerpoint/2010/main" val="3895191232"/>
+        <p14:creationId xmlns:p14="http://schemas.microsoft.com/office/powerpoint/2010/main" val="2185881368"/>
       </p:ext>
     </p:extLst>
   </p:cSld>
@@ -9625,9 +9840,124 @@
   <p:timing>
     <p:tnLst>
       <p:par>
-        <p:cTn id="1" dur="indefinite" restart="never" nodeType="tmRoot"/>
+        <p:cTn id="1" dur="indefinite" restart="never" nodeType="tmRoot">
+          <p:childTnLst>
+            <p:seq concurrent="1" nextAc="seek">
+              <p:cTn id="2" dur="indefinite" nodeType="mainSeq">
+                <p:childTnLst>
+                  <p:par>
+                    <p:cTn id="3" fill="hold">
+                      <p:stCondLst>
+                        <p:cond delay="indefinite"/>
+                      </p:stCondLst>
+                      <p:childTnLst>
+                        <p:par>
+                          <p:cTn id="4" fill="hold">
+                            <p:stCondLst>
+                              <p:cond delay="0"/>
+                            </p:stCondLst>
+                            <p:childTnLst>
+                              <p:par>
+                                <p:cTn id="5" presetID="12" presetClass="entr" presetSubtype="4" fill="hold" grpId="0" nodeType="clickEffect">
+                                  <p:stCondLst>
+                                    <p:cond delay="0"/>
+                                  </p:stCondLst>
+                                  <p:childTnLst>
+                                    <p:set>
+                                      <p:cBhvr>
+                                        <p:cTn id="6" dur="1" fill="hold">
+                                          <p:stCondLst>
+                                            <p:cond delay="0"/>
+                                          </p:stCondLst>
+                                        </p:cTn>
+                                        <p:tgtEl>
+                                          <p:spTgt spid="8"/>
+                                        </p:tgtEl>
+                                        <p:attrNameLst>
+                                          <p:attrName>style.visibility</p:attrName>
+                                        </p:attrNameLst>
+                                      </p:cBhvr>
+                                      <p:to>
+                                        <p:strVal val="visible"/>
+                                      </p:to>
+                                    </p:set>
+                                    <p:animEffect transition="in" filter="slide(fromBottom)">
+                                      <p:cBhvr>
+                                        <p:cTn id="7" dur="500"/>
+                                        <p:tgtEl>
+                                          <p:spTgt spid="8"/>
+                                        </p:tgtEl>
+                                      </p:cBhvr>
+                                    </p:animEffect>
+                                  </p:childTnLst>
+                                </p:cTn>
+                              </p:par>
+                              <p:par>
+                                <p:cTn id="8" presetID="12" presetClass="entr" presetSubtype="4" fill="hold" grpId="0" nodeType="withEffect">
+                                  <p:stCondLst>
+                                    <p:cond delay="0"/>
+                                  </p:stCondLst>
+                                  <p:childTnLst>
+                                    <p:set>
+                                      <p:cBhvr>
+                                        <p:cTn id="9" dur="1" fill="hold">
+                                          <p:stCondLst>
+                                            <p:cond delay="0"/>
+                                          </p:stCondLst>
+                                        </p:cTn>
+                                        <p:tgtEl>
+                                          <p:spTgt spid="7"/>
+                                        </p:tgtEl>
+                                        <p:attrNameLst>
+                                          <p:attrName>style.visibility</p:attrName>
+                                        </p:attrNameLst>
+                                      </p:cBhvr>
+                                      <p:to>
+                                        <p:strVal val="visible"/>
+                                      </p:to>
+                                    </p:set>
+                                    <p:animEffect transition="in" filter="slide(fromBottom)">
+                                      <p:cBhvr>
+                                        <p:cTn id="10" dur="500"/>
+                                        <p:tgtEl>
+                                          <p:spTgt spid="7"/>
+                                        </p:tgtEl>
+                                      </p:cBhvr>
+                                    </p:animEffect>
+                                  </p:childTnLst>
+                                </p:cTn>
+                              </p:par>
+                            </p:childTnLst>
+                          </p:cTn>
+                        </p:par>
+                      </p:childTnLst>
+                    </p:cTn>
+                  </p:par>
+                </p:childTnLst>
+              </p:cTn>
+              <p:prevCondLst>
+                <p:cond evt="onPrev" delay="0">
+                  <p:tgtEl>
+                    <p:sldTgt/>
+                  </p:tgtEl>
+                </p:cond>
+              </p:prevCondLst>
+              <p:nextCondLst>
+                <p:cond evt="onNext" delay="0">
+                  <p:tgtEl>
+                    <p:sldTgt/>
+                  </p:tgtEl>
+                </p:cond>
+              </p:nextCondLst>
+            </p:seq>
+          </p:childTnLst>
+        </p:cTn>
       </p:par>
     </p:tnLst>
+    <p:bldLst>
+      <p:bldP spid="7" grpId="0" animBg="1"/>
+      <p:bldP spid="8" grpId="0" animBg="1"/>
+    </p:bldLst>
   </p:timing>
 </p:sld>
 </file>
@@ -9659,76 +9989,49 @@
             <p:ph type="title"/>
           </p:nvPr>
         </p:nvSpPr>
+        <p:spPr>
+          <a:xfrm>
+            <a:off x="1945201" y="624110"/>
+            <a:ext cx="6589199" cy="788666"/>
+          </a:xfrm>
+        </p:spPr>
+        <p:txBody>
+          <a:bodyPr/>
+          <a:lstStyle/>
+          <a:p>
+            <a:r>
+              <a:rPr lang="en-US" dirty="0"/>
+              <a:t>3.1.  Translation</a:t>
+            </a:r>
+            <a:r>
+              <a:rPr lang="es-ES" dirty="0"/>
+              <a:t> </a:t>
+            </a:r>
+            <a:r>
+              <a:rPr lang="en-US" dirty="0"/>
+              <a:t>process II</a:t>
+            </a:r>
+          </a:p>
+        </p:txBody>
+      </p:sp>
+      <p:sp>
+        <p:nvSpPr>
+          <p:cNvPr id="4" name="Marcador de pie de página 3"/>
+          <p:cNvSpPr>
+            <a:spLocks noGrp="1"/>
+          </p:cNvSpPr>
+          <p:nvPr>
+            <p:ph type="ftr" sz="quarter" idx="11"/>
+          </p:nvPr>
+        </p:nvSpPr>
         <p:spPr/>
         <p:txBody>
           <a:bodyPr/>
           <a:lstStyle/>
           <a:p>
             <a:r>
-              <a:rPr lang="en-US" dirty="0" smtClean="0"/>
-              <a:t>3.1.  Translation</a:t>
-            </a:r>
-            <a:r>
-              <a:rPr lang="es-ES" dirty="0" smtClean="0"/>
-              <a:t> </a:t>
-            </a:r>
-            <a:r>
-              <a:rPr lang="en-US" dirty="0" smtClean="0"/>
-              <a:t>process II</a:t>
-            </a:r>
-            <a:endParaRPr lang="en-US" dirty="0"/>
-          </a:p>
-        </p:txBody>
-      </p:sp>
-      <p:sp>
-        <p:nvSpPr>
-          <p:cNvPr id="3" name="Marcador de contenido 2"/>
-          <p:cNvSpPr>
-            <a:spLocks noGrp="1"/>
-          </p:cNvSpPr>
-          <p:nvPr>
-            <p:ph idx="1"/>
-          </p:nvPr>
-        </p:nvSpPr>
-        <p:spPr/>
-        <p:txBody>
-          <a:bodyPr/>
-          <a:lstStyle/>
-          <a:p>
-            <a:endParaRPr lang="en-US" dirty="0"/>
-          </a:p>
-        </p:txBody>
-      </p:sp>
-      <p:sp>
-        <p:nvSpPr>
-          <p:cNvPr id="4" name="Marcador de pie de página 3"/>
-          <p:cNvSpPr>
-            <a:spLocks noGrp="1"/>
-          </p:cNvSpPr>
-          <p:nvPr>
-            <p:ph type="ftr" sz="quarter" idx="11"/>
-          </p:nvPr>
-        </p:nvSpPr>
-        <p:spPr/>
-        <p:txBody>
-          <a:bodyPr/>
-          <a:lstStyle/>
-          <a:p>
-            <a:r>
-              <a:rPr lang="es-ES" dirty="0" err="1" smtClean="0"/>
-              <a:t>IOSharp</a:t>
-            </a:r>
-            <a:r>
-              <a:rPr lang="es-ES" dirty="0" smtClean="0"/>
-              <a:t>: .NET Micro Framework </a:t>
-            </a:r>
-            <a:r>
-              <a:rPr lang="es-ES" dirty="0" err="1" smtClean="0"/>
-              <a:t>on</a:t>
-            </a:r>
-            <a:r>
-              <a:rPr lang="es-ES" dirty="0" smtClean="0"/>
-              <a:t> Linux</a:t>
+              <a:rPr lang="es-ES" smtClean="0"/>
+              <a:t>IOSharp: .NET Micro Framework on Linux</a:t>
             </a:r>
             <a:endParaRPr lang="es-ES" dirty="0"/>
           </a:p>
@@ -9757,10 +10060,312 @@
           </a:p>
         </p:txBody>
       </p:sp>
+      <p:sp>
+        <p:nvSpPr>
+          <p:cNvPr id="6" name="25 CuadroTexto"/>
+          <p:cNvSpPr txBox="1"/>
+          <p:nvPr/>
+        </p:nvSpPr>
+        <p:spPr>
+          <a:xfrm>
+            <a:off x="1475656" y="5445224"/>
+            <a:ext cx="3091075" cy="338554"/>
+          </a:xfrm>
+          <a:prstGeom prst="rect">
+            <a:avLst/>
+          </a:prstGeom>
+        </p:spPr>
+        <p:style>
+          <a:lnRef idx="2">
+            <a:schemeClr val="accent1"/>
+          </a:lnRef>
+          <a:fillRef idx="1">
+            <a:schemeClr val="lt1"/>
+          </a:fillRef>
+          <a:effectRef idx="0">
+            <a:schemeClr val="accent1"/>
+          </a:effectRef>
+          <a:fontRef idx="minor">
+            <a:schemeClr val="dk1"/>
+          </a:fontRef>
+        </p:style>
+        <p:txBody>
+          <a:bodyPr wrap="square" rtlCol="0">
+            <a:spAutoFit/>
+          </a:bodyPr>
+          <a:lstStyle/>
+          <a:p>
+            <a:pPr>
+              <a:buNone/>
+            </a:pPr>
+            <a:r>
+              <a:rPr lang="es-ES" sz="1600" dirty="0" err="1" smtClean="0">
+                <a:latin typeface="Consolas" panose="020B0609020204030204" pitchFamily="49" charset="0"/>
+                <a:cs typeface="Consolas" panose="020B0609020204030204" pitchFamily="49" charset="0"/>
+              </a:rPr>
+              <a:t>void</a:t>
+            </a:r>
+            <a:r>
+              <a:rPr lang="es-ES" sz="1600" dirty="0" smtClean="0">
+                <a:latin typeface="Consolas" panose="020B0609020204030204" pitchFamily="49" charset="0"/>
+                <a:cs typeface="Consolas" panose="020B0609020204030204" pitchFamily="49" charset="0"/>
+              </a:rPr>
+              <a:t> </a:t>
+            </a:r>
+            <a:r>
+              <a:rPr lang="es-ES" sz="1600" dirty="0" err="1" smtClean="0">
+                <a:latin typeface="Consolas" panose="020B0609020204030204" pitchFamily="49" charset="0"/>
+                <a:cs typeface="Consolas" panose="020B0609020204030204" pitchFamily="49" charset="0"/>
+              </a:rPr>
+              <a:t>Main</a:t>
+            </a:r>
+            <a:r>
+              <a:rPr lang="es-ES" sz="1600" dirty="0" smtClean="0">
+                <a:latin typeface="Consolas" panose="020B0609020204030204" pitchFamily="49" charset="0"/>
+                <a:cs typeface="Consolas" panose="020B0609020204030204" pitchFamily="49" charset="0"/>
+              </a:rPr>
+              <a:t>(</a:t>
+            </a:r>
+            <a:r>
+              <a:rPr lang="es-ES" sz="1600" dirty="0" err="1" smtClean="0">
+                <a:latin typeface="Consolas" panose="020B0609020204030204" pitchFamily="49" charset="0"/>
+                <a:cs typeface="Consolas" panose="020B0609020204030204" pitchFamily="49" charset="0"/>
+              </a:rPr>
+              <a:t>string</a:t>
+            </a:r>
+            <a:r>
+              <a:rPr lang="es-ES" sz="1600" dirty="0" smtClean="0">
+                <a:latin typeface="Consolas" panose="020B0609020204030204" pitchFamily="49" charset="0"/>
+                <a:cs typeface="Consolas" panose="020B0609020204030204" pitchFamily="49" charset="0"/>
+              </a:rPr>
+              <a:t>[] </a:t>
+            </a:r>
+            <a:r>
+              <a:rPr lang="es-ES" sz="1600" dirty="0" err="1" smtClean="0">
+                <a:latin typeface="Consolas" panose="020B0609020204030204" pitchFamily="49" charset="0"/>
+                <a:cs typeface="Consolas" panose="020B0609020204030204" pitchFamily="49" charset="0"/>
+              </a:rPr>
+              <a:t>args</a:t>
+            </a:r>
+            <a:r>
+              <a:rPr lang="es-ES" sz="1600" dirty="0" smtClean="0">
+                <a:latin typeface="Consolas" panose="020B0609020204030204" pitchFamily="49" charset="0"/>
+                <a:cs typeface="Consolas" panose="020B0609020204030204" pitchFamily="49" charset="0"/>
+              </a:rPr>
+              <a:t>){}</a:t>
+            </a:r>
+            <a:endParaRPr lang="es-ES" sz="1600" dirty="0">
+              <a:latin typeface="Consolas" panose="020B0609020204030204" pitchFamily="49" charset="0"/>
+              <a:cs typeface="Consolas" panose="020B0609020204030204" pitchFamily="49" charset="0"/>
+            </a:endParaRPr>
+          </a:p>
+        </p:txBody>
+      </p:sp>
+      <p:sp>
+        <p:nvSpPr>
+          <p:cNvPr id="7" name="26 CuadroTexto"/>
+          <p:cNvSpPr txBox="1"/>
+          <p:nvPr/>
+        </p:nvSpPr>
+        <p:spPr>
+          <a:xfrm>
+            <a:off x="5796136" y="5445224"/>
+            <a:ext cx="3143764" cy="338554"/>
+          </a:xfrm>
+          <a:prstGeom prst="rect">
+            <a:avLst/>
+          </a:prstGeom>
+        </p:spPr>
+        <p:style>
+          <a:lnRef idx="2">
+            <a:schemeClr val="accent1"/>
+          </a:lnRef>
+          <a:fillRef idx="1">
+            <a:schemeClr val="lt1"/>
+          </a:fillRef>
+          <a:effectRef idx="0">
+            <a:schemeClr val="accent1"/>
+          </a:effectRef>
+          <a:fontRef idx="minor">
+            <a:schemeClr val="dk1"/>
+          </a:fontRef>
+        </p:style>
+        <p:txBody>
+          <a:bodyPr wrap="square" rtlCol="0">
+            <a:spAutoFit/>
+          </a:bodyPr>
+          <a:lstStyle/>
+          <a:p>
+            <a:pPr>
+              <a:buNone/>
+            </a:pPr>
+            <a:r>
+              <a:rPr lang="es-ES" sz="1600" dirty="0" err="1" smtClean="0">
+                <a:latin typeface="Consolas" panose="020B0609020204030204" pitchFamily="49" charset="0"/>
+                <a:cs typeface="Consolas" panose="020B0609020204030204" pitchFamily="49" charset="0"/>
+              </a:rPr>
+              <a:t>void</a:t>
+            </a:r>
+            <a:r>
+              <a:rPr lang="es-ES" sz="1600" dirty="0" smtClean="0">
+                <a:latin typeface="Consolas" panose="020B0609020204030204" pitchFamily="49" charset="0"/>
+                <a:cs typeface="Consolas" panose="020B0609020204030204" pitchFamily="49" charset="0"/>
+              </a:rPr>
+              <a:t> </a:t>
+            </a:r>
+            <a:r>
+              <a:rPr lang="es-ES" sz="1600" dirty="0" err="1" smtClean="0">
+                <a:latin typeface="Consolas" panose="020B0609020204030204" pitchFamily="49" charset="0"/>
+                <a:cs typeface="Consolas" panose="020B0609020204030204" pitchFamily="49" charset="0"/>
+              </a:rPr>
+              <a:t>Main</a:t>
+            </a:r>
+            <a:r>
+              <a:rPr lang="es-ES" sz="1600" dirty="0" smtClean="0">
+                <a:latin typeface="Consolas" panose="020B0609020204030204" pitchFamily="49" charset="0"/>
+                <a:cs typeface="Consolas" panose="020B0609020204030204" pitchFamily="49" charset="0"/>
+              </a:rPr>
+              <a:t>(</a:t>
+            </a:r>
+            <a:r>
+              <a:rPr lang="es-ES" sz="1600" dirty="0" err="1" smtClean="0">
+                <a:latin typeface="Consolas" panose="020B0609020204030204" pitchFamily="49" charset="0"/>
+                <a:cs typeface="Consolas" panose="020B0609020204030204" pitchFamily="49" charset="0"/>
+              </a:rPr>
+              <a:t>string</a:t>
+            </a:r>
+            <a:r>
+              <a:rPr lang="es-ES" sz="1600" dirty="0" smtClean="0">
+                <a:latin typeface="Consolas" panose="020B0609020204030204" pitchFamily="49" charset="0"/>
+                <a:cs typeface="Consolas" panose="020B0609020204030204" pitchFamily="49" charset="0"/>
+              </a:rPr>
+              <a:t> </a:t>
+            </a:r>
+            <a:r>
+              <a:rPr lang="es-ES" sz="1600" dirty="0" err="1" smtClean="0">
+                <a:latin typeface="Consolas" panose="020B0609020204030204" pitchFamily="49" charset="0"/>
+                <a:cs typeface="Consolas" panose="020B0609020204030204" pitchFamily="49" charset="0"/>
+              </a:rPr>
+              <a:t>args</a:t>
+            </a:r>
+            <a:r>
+              <a:rPr lang="es-ES" sz="1600" dirty="0" smtClean="0">
+                <a:latin typeface="Consolas" panose="020B0609020204030204" pitchFamily="49" charset="0"/>
+                <a:cs typeface="Consolas" panose="020B0609020204030204" pitchFamily="49" charset="0"/>
+              </a:rPr>
+              <a:t>[]){}</a:t>
+            </a:r>
+            <a:endParaRPr lang="es-ES" sz="1600" dirty="0">
+              <a:latin typeface="Consolas" panose="020B0609020204030204" pitchFamily="49" charset="0"/>
+              <a:cs typeface="Consolas" panose="020B0609020204030204" pitchFamily="49" charset="0"/>
+            </a:endParaRPr>
+          </a:p>
+        </p:txBody>
+      </p:sp>
+      <p:sp>
+        <p:nvSpPr>
+          <p:cNvPr id="8" name="27 Flecha abajo"/>
+          <p:cNvSpPr/>
+          <p:nvPr/>
+        </p:nvSpPr>
+        <p:spPr>
+          <a:xfrm rot="16200000">
+            <a:off x="4936357" y="5206162"/>
+            <a:ext cx="490153" cy="816676"/>
+          </a:xfrm>
+          <a:prstGeom prst="downArrow">
+            <a:avLst>
+              <a:gd name="adj1" fmla="val 43226"/>
+              <a:gd name="adj2" fmla="val 51176"/>
+            </a:avLst>
+          </a:prstGeom>
+        </p:spPr>
+        <p:style>
+          <a:lnRef idx="2">
+            <a:schemeClr val="accent1">
+              <a:shade val="50000"/>
+            </a:schemeClr>
+          </a:lnRef>
+          <a:fillRef idx="1">
+            <a:schemeClr val="accent1"/>
+          </a:fillRef>
+          <a:effectRef idx="0">
+            <a:schemeClr val="accent1"/>
+          </a:effectRef>
+          <a:fontRef idx="minor">
+            <a:schemeClr val="lt1"/>
+          </a:fontRef>
+        </p:style>
+        <p:txBody>
+          <a:bodyPr rtlCol="0" anchor="ctr"/>
+          <a:lstStyle/>
+          <a:p>
+            <a:pPr algn="ctr"/>
+            <a:endParaRPr lang="es-ES"/>
+          </a:p>
+        </p:txBody>
+      </p:sp>
+      <p:graphicFrame>
+        <p:nvGraphicFramePr>
+          <p:cNvPr id="9" name="Objeto 8"/>
+          <p:cNvGraphicFramePr>
+            <a:graphicFrameLocks noChangeAspect="1"/>
+          </p:cNvGraphicFramePr>
+          <p:nvPr>
+            <p:extLst>
+              <p:ext uri="{D42A27DB-BD31-4B8C-83A1-F6EECF244321}">
+                <p14:modId xmlns:p14="http://schemas.microsoft.com/office/powerpoint/2010/main" val="876554474"/>
+              </p:ext>
+            </p:extLst>
+          </p:nvPr>
+        </p:nvGraphicFramePr>
+        <p:xfrm>
+          <a:off x="909696" y="205594"/>
+          <a:ext cx="7781925" cy="5143500"/>
+        </p:xfrm>
+        <a:graphic>
+          <a:graphicData uri="http://schemas.openxmlformats.org/presentationml/2006/ole">
+            <mc:AlternateContent xmlns:mc="http://schemas.openxmlformats.org/markup-compatibility/2006">
+              <mc:Choice xmlns:v="urn:schemas-microsoft-com:vml" Requires="v">
+                <p:oleObj spid="_x0000_s6158" name="Visio" r:id="rId3" imgW="14506560" imgH="9582060" progId="Visio.Drawing.15">
+                  <p:embed/>
+                </p:oleObj>
+              </mc:Choice>
+              <mc:Fallback>
+                <p:oleObj name="Visio" r:id="rId3" imgW="14506560" imgH="9582060" progId="Visio.Drawing.15">
+                  <p:embed/>
+                  <p:pic>
+                    <p:nvPicPr>
+                      <p:cNvPr id="0" name=""/>
+                      <p:cNvPicPr/>
+                      <p:nvPr/>
+                    </p:nvPicPr>
+                    <p:blipFill>
+                      <a:blip r:embed="rId4"/>
+                      <a:stretch>
+                        <a:fillRect/>
+                      </a:stretch>
+                    </p:blipFill>
+                    <p:spPr>
+                      <a:xfrm>
+                        <a:off x="909696" y="205594"/>
+                        <a:ext cx="7781925" cy="5143500"/>
+                      </a:xfrm>
+                      <a:prstGeom prst="rect">
+                        <a:avLst/>
+                      </a:prstGeom>
+                    </p:spPr>
+                  </p:pic>
+                </p:oleObj>
+              </mc:Fallback>
+            </mc:AlternateContent>
+          </a:graphicData>
+        </a:graphic>
+      </p:graphicFrame>
     </p:spTree>
     <p:extLst>
       <p:ext uri="{BB962C8B-B14F-4D97-AF65-F5344CB8AC3E}">
-        <p14:creationId xmlns:p14="http://schemas.microsoft.com/office/powerpoint/2010/main" val="24582"/>
+        <p14:creationId xmlns:p14="http://schemas.microsoft.com/office/powerpoint/2010/main" val="3005681176"/>
       </p:ext>
     </p:extLst>
   </p:cSld>
@@ -9794,6 +10399,806 @@
           <a:chExt cx="0" cy="0"/>
         </a:xfrm>
       </p:grpSpPr>
+      <p:grpSp>
+        <p:nvGrpSpPr>
+          <p:cNvPr id="24" name="23 Grupo"/>
+          <p:cNvGrpSpPr/>
+          <p:nvPr/>
+        </p:nvGrpSpPr>
+        <p:grpSpPr>
+          <a:xfrm>
+            <a:off x="5868144" y="3363342"/>
+            <a:ext cx="1728192" cy="640929"/>
+            <a:chOff x="5076056" y="3508151"/>
+            <a:chExt cx="1728192" cy="640929"/>
+          </a:xfrm>
+        </p:grpSpPr>
+        <p:pic>
+          <p:nvPicPr>
+            <p:cNvPr id="12" name="Picture 2" descr="C:\Users\Alex\Desktop\MDECL.png"/>
+            <p:cNvPicPr>
+              <a:picLocks noChangeAspect="1" noChangeArrowheads="1"/>
+            </p:cNvPicPr>
+            <p:nvPr/>
+          </p:nvPicPr>
+          <p:blipFill>
+            <a:blip r:embed="rId2" cstate="print">
+              <a:clrChange>
+                <a:clrFrom>
+                  <a:srgbClr val="FFFFFF"/>
+                </a:clrFrom>
+                <a:clrTo>
+                  <a:srgbClr val="FFFFFF">
+                    <a:alpha val="0"/>
+                  </a:srgbClr>
+                </a:clrTo>
+              </a:clrChange>
+            </a:blip>
+            <a:srcRect l="59399" t="55672" r="17608" b="29091"/>
+            <a:stretch>
+              <a:fillRect/>
+            </a:stretch>
+          </p:blipFill>
+          <p:spPr bwMode="auto">
+            <a:xfrm>
+              <a:off x="5076056" y="3545632"/>
+              <a:ext cx="1728192" cy="603448"/>
+            </a:xfrm>
+            <a:prstGeom prst="rect">
+              <a:avLst/>
+            </a:prstGeom>
+            <a:noFill/>
+          </p:spPr>
+        </p:pic>
+        <p:sp>
+          <p:nvSpPr>
+            <p:cNvPr id="23" name="22 Rectángulo"/>
+            <p:cNvSpPr/>
+            <p:nvPr/>
+          </p:nvSpPr>
+          <p:spPr>
+            <a:xfrm>
+              <a:off x="6129985" y="3508151"/>
+              <a:ext cx="72008" cy="45719"/>
+            </a:xfrm>
+            <a:prstGeom prst="rect">
+              <a:avLst/>
+            </a:prstGeom>
+            <a:solidFill>
+              <a:schemeClr val="bg1"/>
+            </a:solidFill>
+            <a:ln>
+              <a:solidFill>
+                <a:schemeClr val="bg1"/>
+              </a:solidFill>
+            </a:ln>
+          </p:spPr>
+          <p:style>
+            <a:lnRef idx="2">
+              <a:schemeClr val="accent1">
+                <a:shade val="50000"/>
+              </a:schemeClr>
+            </a:lnRef>
+            <a:fillRef idx="1">
+              <a:schemeClr val="accent1"/>
+            </a:fillRef>
+            <a:effectRef idx="0">
+              <a:schemeClr val="accent1"/>
+            </a:effectRef>
+            <a:fontRef idx="minor">
+              <a:schemeClr val="lt1"/>
+            </a:fontRef>
+          </p:style>
+          <p:txBody>
+            <a:bodyPr rtlCol="0" anchor="ctr"/>
+            <a:lstStyle/>
+            <a:p>
+              <a:pPr algn="ctr"/>
+              <a:endParaRPr lang="es-ES">
+                <a:ln w="18415" cmpd="sng">
+                  <a:solidFill>
+                    <a:srgbClr val="FFFFFF"/>
+                  </a:solidFill>
+                  <a:prstDash val="solid"/>
+                </a:ln>
+                <a:solidFill>
+                  <a:srgbClr val="FFFFFF"/>
+                </a:solidFill>
+                <a:effectLst>
+                  <a:outerShdw blurRad="63500" dir="3600000" algn="tl" rotWithShape="0">
+                    <a:srgbClr val="000000">
+                      <a:alpha val="70000"/>
+                    </a:srgbClr>
+                  </a:outerShdw>
+                </a:effectLst>
+              </a:endParaRPr>
+            </a:p>
+          </p:txBody>
+        </p:sp>
+      </p:grpSp>
+      <p:sp>
+        <p:nvSpPr>
+          <p:cNvPr id="2" name="1 Título"/>
+          <p:cNvSpPr>
+            <a:spLocks noGrp="1"/>
+          </p:cNvSpPr>
+          <p:nvPr>
+            <p:ph type="title"/>
+          </p:nvPr>
+        </p:nvSpPr>
+        <p:spPr/>
+        <p:txBody>
+          <a:bodyPr/>
+          <a:lstStyle/>
+          <a:p>
+            <a:r>
+              <a:rPr lang="en-US" dirty="0"/>
+              <a:t>3.1.  Translation</a:t>
+            </a:r>
+            <a:r>
+              <a:rPr lang="es-ES" dirty="0"/>
+              <a:t> </a:t>
+            </a:r>
+            <a:r>
+              <a:rPr lang="en-US" dirty="0"/>
+              <a:t>process II</a:t>
+            </a:r>
+            <a:endParaRPr lang="es-ES" dirty="0"/>
+          </a:p>
+        </p:txBody>
+      </p:sp>
+      <p:pic>
+        <p:nvPicPr>
+          <p:cNvPr id="11" name="Picture 2" descr="C:\Users\Alex\Desktop\MDECL.png"/>
+          <p:cNvPicPr>
+            <a:picLocks noChangeAspect="1" noChangeArrowheads="1"/>
+          </p:cNvPicPr>
+          <p:nvPr/>
+        </p:nvPicPr>
+        <p:blipFill>
+          <a:blip r:embed="rId2" cstate="print">
+            <a:clrChange>
+              <a:clrFrom>
+                <a:srgbClr val="FFFFFF"/>
+              </a:clrFrom>
+              <a:clrTo>
+                <a:srgbClr val="FFFFFF">
+                  <a:alpha val="0"/>
+                </a:srgbClr>
+              </a:clrTo>
+            </a:clrChange>
+          </a:blip>
+          <a:srcRect l="34490" t="71382" r="41559" b="2036"/>
+          <a:stretch>
+            <a:fillRect/>
+          </a:stretch>
+        </p:blipFill>
+        <p:spPr bwMode="auto">
+          <a:xfrm>
+            <a:off x="3995936" y="4022922"/>
+            <a:ext cx="1800200" cy="1052736"/>
+          </a:xfrm>
+          <a:prstGeom prst="rect">
+            <a:avLst/>
+          </a:prstGeom>
+          <a:noFill/>
+        </p:spPr>
+      </p:pic>
+      <p:cxnSp>
+        <p:nvCxnSpPr>
+          <p:cNvPr id="13" name="12 Conector recto"/>
+          <p:cNvCxnSpPr/>
+          <p:nvPr/>
+        </p:nvCxnSpPr>
+        <p:spPr>
+          <a:xfrm flipH="1">
+            <a:off x="4139952" y="4221088"/>
+            <a:ext cx="1440160" cy="720080"/>
+          </a:xfrm>
+          <a:prstGeom prst="line">
+            <a:avLst/>
+          </a:prstGeom>
+          <a:ln w="28575"/>
+        </p:spPr>
+        <p:style>
+          <a:lnRef idx="1">
+            <a:schemeClr val="accent1"/>
+          </a:lnRef>
+          <a:fillRef idx="0">
+            <a:schemeClr val="accent1"/>
+          </a:fillRef>
+          <a:effectRef idx="0">
+            <a:schemeClr val="accent1"/>
+          </a:effectRef>
+          <a:fontRef idx="minor">
+            <a:schemeClr val="tx1"/>
+          </a:fontRef>
+        </p:style>
+      </p:cxnSp>
+      <p:pic>
+        <p:nvPicPr>
+          <p:cNvPr id="3074" name="Picture 2" descr="C:\Users\Alex\Desktop\MDECL.png"/>
+          <p:cNvPicPr>
+            <a:picLocks noChangeAspect="1" noChangeArrowheads="1"/>
+          </p:cNvPicPr>
+          <p:nvPr/>
+        </p:nvPicPr>
+        <p:blipFill>
+          <a:blip r:embed="rId2" cstate="print">
+            <a:clrChange>
+              <a:clrFrom>
+                <a:srgbClr val="FFFFFF"/>
+              </a:clrFrom>
+              <a:clrTo>
+                <a:srgbClr val="FFFFFF">
+                  <a:alpha val="0"/>
+                </a:srgbClr>
+              </a:clrTo>
+            </a:clrChange>
+          </a:blip>
+          <a:srcRect/>
+          <a:stretch>
+            <a:fillRect/>
+          </a:stretch>
+        </p:blipFill>
+        <p:spPr bwMode="auto">
+          <a:xfrm>
+            <a:off x="1403648" y="1196752"/>
+            <a:ext cx="7516091" cy="3960440"/>
+          </a:xfrm>
+          <a:prstGeom prst="rect">
+            <a:avLst/>
+          </a:prstGeom>
+          <a:noFill/>
+        </p:spPr>
+      </p:pic>
+      <p:cxnSp>
+        <p:nvCxnSpPr>
+          <p:cNvPr id="14" name="13 Conector recto"/>
+          <p:cNvCxnSpPr/>
+          <p:nvPr/>
+        </p:nvCxnSpPr>
+        <p:spPr>
+          <a:xfrm>
+            <a:off x="4427984" y="4293096"/>
+            <a:ext cx="1152128" cy="648072"/>
+          </a:xfrm>
+          <a:prstGeom prst="line">
+            <a:avLst/>
+          </a:prstGeom>
+          <a:ln w="28575"/>
+        </p:spPr>
+        <p:style>
+          <a:lnRef idx="1">
+            <a:schemeClr val="accent1"/>
+          </a:lnRef>
+          <a:fillRef idx="0">
+            <a:schemeClr val="accent1"/>
+          </a:fillRef>
+          <a:effectRef idx="0">
+            <a:schemeClr val="accent1"/>
+          </a:effectRef>
+          <a:fontRef idx="minor">
+            <a:schemeClr val="tx1"/>
+          </a:fontRef>
+        </p:style>
+      </p:cxnSp>
+      <p:cxnSp>
+        <p:nvCxnSpPr>
+          <p:cNvPr id="18" name="17 Conector recto de flecha"/>
+          <p:cNvCxnSpPr/>
+          <p:nvPr/>
+        </p:nvCxnSpPr>
+        <p:spPr>
+          <a:xfrm flipH="1">
+            <a:off x="6291188" y="3880674"/>
+            <a:ext cx="297036" cy="1029910"/>
+          </a:xfrm>
+          <a:prstGeom prst="straightConnector1">
+            <a:avLst/>
+          </a:prstGeom>
+          <a:ln>
+            <a:tailEnd type="arrow"/>
+          </a:ln>
+        </p:spPr>
+        <p:style>
+          <a:lnRef idx="1">
+            <a:schemeClr val="accent1"/>
+          </a:lnRef>
+          <a:fillRef idx="0">
+            <a:schemeClr val="accent1"/>
+          </a:fillRef>
+          <a:effectRef idx="0">
+            <a:schemeClr val="accent1"/>
+          </a:effectRef>
+          <a:fontRef idx="minor">
+            <a:schemeClr val="tx1"/>
+          </a:fontRef>
+        </p:style>
+      </p:cxnSp>
+      <p:sp>
+        <p:nvSpPr>
+          <p:cNvPr id="16" name="15 Elipse"/>
+          <p:cNvSpPr/>
+          <p:nvPr/>
+        </p:nvSpPr>
+        <p:spPr>
+          <a:xfrm>
+            <a:off x="5796136" y="3356992"/>
+            <a:ext cx="1800200" cy="576064"/>
+          </a:xfrm>
+          <a:prstGeom prst="ellipse">
+            <a:avLst/>
+          </a:prstGeom>
+        </p:spPr>
+        <p:style>
+          <a:lnRef idx="2">
+            <a:schemeClr val="accent1">
+              <a:shade val="50000"/>
+            </a:schemeClr>
+          </a:lnRef>
+          <a:fillRef idx="1">
+            <a:schemeClr val="accent1"/>
+          </a:fillRef>
+          <a:effectRef idx="0">
+            <a:schemeClr val="accent1"/>
+          </a:effectRef>
+          <a:fontRef idx="minor">
+            <a:schemeClr val="lt1"/>
+          </a:fontRef>
+        </p:style>
+        <p:txBody>
+          <a:bodyPr rtlCol="0" anchor="ctr"/>
+          <a:lstStyle/>
+          <a:p>
+            <a:pPr algn="ctr"/>
+            <a:r>
+              <a:rPr lang="es-ES" sz="900" dirty="0" err="1" smtClean="0">
+                <a:latin typeface="Consolas" pitchFamily="49" charset="0"/>
+                <a:cs typeface="Consolas" pitchFamily="49" charset="0"/>
+              </a:rPr>
+              <a:t>Composed</a:t>
+            </a:r>
+            <a:r>
+              <a:rPr lang="es-ES" sz="900" dirty="0" smtClean="0">
+                <a:latin typeface="Consolas" pitchFamily="49" charset="0"/>
+                <a:cs typeface="Consolas" pitchFamily="49" charset="0"/>
+              </a:rPr>
+              <a:t> </a:t>
+            </a:r>
+            <a:r>
+              <a:rPr lang="es-ES" sz="900" dirty="0" err="1" smtClean="0">
+                <a:latin typeface="Consolas" pitchFamily="49" charset="0"/>
+                <a:cs typeface="Consolas" pitchFamily="49" charset="0"/>
+              </a:rPr>
+              <a:t>Identifier</a:t>
+            </a:r>
+            <a:endParaRPr lang="es-ES" sz="900" dirty="0">
+              <a:latin typeface="Consolas" pitchFamily="49" charset="0"/>
+              <a:cs typeface="Consolas" pitchFamily="49" charset="0"/>
+            </a:endParaRPr>
+          </a:p>
+        </p:txBody>
+      </p:sp>
+      <p:sp>
+        <p:nvSpPr>
+          <p:cNvPr id="25" name="24 Marcador de número de diapositiva"/>
+          <p:cNvSpPr>
+            <a:spLocks noGrp="1"/>
+          </p:cNvSpPr>
+          <p:nvPr>
+            <p:ph type="sldNum" sz="quarter" idx="4294967295"/>
+          </p:nvPr>
+        </p:nvSpPr>
+        <p:spPr>
+          <a:xfrm>
+            <a:off x="523272" y="743347"/>
+            <a:ext cx="609600" cy="521208"/>
+          </a:xfrm>
+          <a:prstGeom prst="rect">
+            <a:avLst/>
+          </a:prstGeom>
+        </p:spPr>
+        <p:txBody>
+          <a:bodyPr/>
+          <a:lstStyle/>
+          <a:p>
+            <a:fld id="{9959CEA5-61D9-4E7A-BE74-9204DD2E9C02}" type="slidenum">
+              <a:rPr lang="es-ES" smtClean="0"/>
+              <a:pPr/>
+              <a:t>15</a:t>
+            </a:fld>
+            <a:endParaRPr lang="es-ES" dirty="0"/>
+          </a:p>
+        </p:txBody>
+      </p:sp>
+      <p:cxnSp>
+        <p:nvCxnSpPr>
+          <p:cNvPr id="35" name="34 Conector recto de flecha"/>
+          <p:cNvCxnSpPr/>
+          <p:nvPr/>
+        </p:nvCxnSpPr>
+        <p:spPr>
+          <a:xfrm flipH="1">
+            <a:off x="3203848" y="2924944"/>
+            <a:ext cx="3744416" cy="1440160"/>
+          </a:xfrm>
+          <a:prstGeom prst="straightConnector1">
+            <a:avLst/>
+          </a:prstGeom>
+          <a:ln w="38100">
+            <a:tailEnd type="arrow"/>
+          </a:ln>
+        </p:spPr>
+        <p:style>
+          <a:lnRef idx="1">
+            <a:schemeClr val="accent1"/>
+          </a:lnRef>
+          <a:fillRef idx="0">
+            <a:schemeClr val="accent1"/>
+          </a:fillRef>
+          <a:effectRef idx="0">
+            <a:schemeClr val="accent1"/>
+          </a:effectRef>
+          <a:fontRef idx="minor">
+            <a:schemeClr val="tx1"/>
+          </a:fontRef>
+        </p:style>
+      </p:cxnSp>
+    </p:spTree>
+    <p:extLst>
+      <p:ext uri="{BB962C8B-B14F-4D97-AF65-F5344CB8AC3E}">
+        <p14:creationId xmlns:p14="http://schemas.microsoft.com/office/powerpoint/2010/main" val="2335155688"/>
+      </p:ext>
+    </p:extLst>
+  </p:cSld>
+  <p:clrMapOvr>
+    <a:masterClrMapping/>
+  </p:clrMapOvr>
+  <p:timing>
+    <p:tnLst>
+      <p:par>
+        <p:cTn id="1" dur="indefinite" restart="never" nodeType="tmRoot">
+          <p:childTnLst>
+            <p:seq concurrent="1" nextAc="seek">
+              <p:cTn id="2" dur="indefinite" nodeType="mainSeq">
+                <p:childTnLst>
+                  <p:par>
+                    <p:cTn id="3" fill="hold">
+                      <p:stCondLst>
+                        <p:cond delay="indefinite"/>
+                      </p:stCondLst>
+                      <p:childTnLst>
+                        <p:par>
+                          <p:cTn id="4" fill="hold">
+                            <p:stCondLst>
+                              <p:cond delay="0"/>
+                            </p:stCondLst>
+                            <p:childTnLst>
+                              <p:par>
+                                <p:cTn id="5" presetID="0" presetClass="path" presetSubtype="0" accel="50000" decel="50000" fill="hold" nodeType="clickEffect">
+                                  <p:stCondLst>
+                                    <p:cond delay="0"/>
+                                  </p:stCondLst>
+                                  <p:childTnLst>
+                                    <p:animMotion origin="layout" path="M -4.72222E-6 7.40741E-7 L 0.29202 -0.03889 " pathEditMode="relative" rAng="0" ptsTypes="AA">
+                                      <p:cBhvr>
+                                        <p:cTn id="6" dur="2000" fill="hold"/>
+                                        <p:tgtEl>
+                                          <p:spTgt spid="11"/>
+                                        </p:tgtEl>
+                                        <p:attrNameLst>
+                                          <p:attrName>ppt_x</p:attrName>
+                                          <p:attrName>ppt_y</p:attrName>
+                                        </p:attrNameLst>
+                                      </p:cBhvr>
+                                      <p:rCtr x="14600" y="-1900"/>
+                                    </p:animMotion>
+                                  </p:childTnLst>
+                                </p:cTn>
+                              </p:par>
+                              <p:par>
+                                <p:cTn id="7" presetID="10" presetClass="entr" presetSubtype="0" fill="hold" nodeType="withEffect">
+                                  <p:stCondLst>
+                                    <p:cond delay="0"/>
+                                  </p:stCondLst>
+                                  <p:childTnLst>
+                                    <p:set>
+                                      <p:cBhvr>
+                                        <p:cTn id="8" dur="1" fill="hold">
+                                          <p:stCondLst>
+                                            <p:cond delay="0"/>
+                                          </p:stCondLst>
+                                        </p:cTn>
+                                        <p:tgtEl>
+                                          <p:spTgt spid="13"/>
+                                        </p:tgtEl>
+                                        <p:attrNameLst>
+                                          <p:attrName>style.visibility</p:attrName>
+                                        </p:attrNameLst>
+                                      </p:cBhvr>
+                                      <p:to>
+                                        <p:strVal val="visible"/>
+                                      </p:to>
+                                    </p:set>
+                                    <p:animEffect transition="in" filter="fade">
+                                      <p:cBhvr>
+                                        <p:cTn id="9" dur="2000"/>
+                                        <p:tgtEl>
+                                          <p:spTgt spid="13"/>
+                                        </p:tgtEl>
+                                      </p:cBhvr>
+                                    </p:animEffect>
+                                  </p:childTnLst>
+                                </p:cTn>
+                              </p:par>
+                              <p:par>
+                                <p:cTn id="10" presetID="10" presetClass="entr" presetSubtype="0" fill="hold" nodeType="withEffect">
+                                  <p:stCondLst>
+                                    <p:cond delay="0"/>
+                                  </p:stCondLst>
+                                  <p:childTnLst>
+                                    <p:set>
+                                      <p:cBhvr>
+                                        <p:cTn id="11" dur="1" fill="hold">
+                                          <p:stCondLst>
+                                            <p:cond delay="0"/>
+                                          </p:stCondLst>
+                                        </p:cTn>
+                                        <p:tgtEl>
+                                          <p:spTgt spid="14"/>
+                                        </p:tgtEl>
+                                        <p:attrNameLst>
+                                          <p:attrName>style.visibility</p:attrName>
+                                        </p:attrNameLst>
+                                      </p:cBhvr>
+                                      <p:to>
+                                        <p:strVal val="visible"/>
+                                      </p:to>
+                                    </p:set>
+                                    <p:animEffect transition="in" filter="fade">
+                                      <p:cBhvr>
+                                        <p:cTn id="12" dur="2000"/>
+                                        <p:tgtEl>
+                                          <p:spTgt spid="14"/>
+                                        </p:tgtEl>
+                                      </p:cBhvr>
+                                    </p:animEffect>
+                                  </p:childTnLst>
+                                </p:cTn>
+                              </p:par>
+                            </p:childTnLst>
+                          </p:cTn>
+                        </p:par>
+                      </p:childTnLst>
+                    </p:cTn>
+                  </p:par>
+                  <p:par>
+                    <p:cTn id="13" fill="hold">
+                      <p:stCondLst>
+                        <p:cond delay="indefinite"/>
+                      </p:stCondLst>
+                      <p:childTnLst>
+                        <p:par>
+                          <p:cTn id="14" fill="hold">
+                            <p:stCondLst>
+                              <p:cond delay="0"/>
+                            </p:stCondLst>
+                            <p:childTnLst>
+                              <p:par>
+                                <p:cTn id="15" presetID="10" presetClass="entr" presetSubtype="0" fill="hold" nodeType="clickEffect">
+                                  <p:stCondLst>
+                                    <p:cond delay="0"/>
+                                  </p:stCondLst>
+                                  <p:childTnLst>
+                                    <p:set>
+                                      <p:cBhvr>
+                                        <p:cTn id="16" dur="1" fill="hold">
+                                          <p:stCondLst>
+                                            <p:cond delay="0"/>
+                                          </p:stCondLst>
+                                        </p:cTn>
+                                        <p:tgtEl>
+                                          <p:spTgt spid="35"/>
+                                        </p:tgtEl>
+                                        <p:attrNameLst>
+                                          <p:attrName>style.visibility</p:attrName>
+                                        </p:attrNameLst>
+                                      </p:cBhvr>
+                                      <p:to>
+                                        <p:strVal val="visible"/>
+                                      </p:to>
+                                    </p:set>
+                                    <p:animEffect transition="in" filter="fade">
+                                      <p:cBhvr>
+                                        <p:cTn id="17" dur="2000"/>
+                                        <p:tgtEl>
+                                          <p:spTgt spid="35"/>
+                                        </p:tgtEl>
+                                      </p:cBhvr>
+                                    </p:animEffect>
+                                  </p:childTnLst>
+                                </p:cTn>
+                              </p:par>
+                            </p:childTnLst>
+                          </p:cTn>
+                        </p:par>
+                      </p:childTnLst>
+                    </p:cTn>
+                  </p:par>
+                  <p:par>
+                    <p:cTn id="18" fill="hold">
+                      <p:stCondLst>
+                        <p:cond delay="indefinite"/>
+                      </p:stCondLst>
+                      <p:childTnLst>
+                        <p:par>
+                          <p:cTn id="19" fill="hold">
+                            <p:stCondLst>
+                              <p:cond delay="0"/>
+                            </p:stCondLst>
+                            <p:childTnLst>
+                              <p:par>
+                                <p:cTn id="20" presetID="0" presetClass="path" presetSubtype="0" accel="50000" decel="50000" fill="hold" nodeType="clickEffect">
+                                  <p:stCondLst>
+                                    <p:cond delay="0"/>
+                                  </p:stCondLst>
+                                  <p:childTnLst>
+                                    <p:animMotion origin="layout" path="M -2.77778E-6 -0.01065 L -0.04722 0.21482 " pathEditMode="relative" rAng="0" ptsTypes="AA">
+                                      <p:cBhvr>
+                                        <p:cTn id="21" dur="2000" fill="hold"/>
+                                        <p:tgtEl>
+                                          <p:spTgt spid="24"/>
+                                        </p:tgtEl>
+                                        <p:attrNameLst>
+                                          <p:attrName>ppt_x</p:attrName>
+                                          <p:attrName>ppt_y</p:attrName>
+                                        </p:attrNameLst>
+                                      </p:cBhvr>
+                                      <p:rCtr x="-2400" y="11300"/>
+                                    </p:animMotion>
+                                  </p:childTnLst>
+                                </p:cTn>
+                              </p:par>
+                              <p:par>
+                                <p:cTn id="22" presetID="10" presetClass="entr" presetSubtype="0" fill="hold" nodeType="withEffect">
+                                  <p:stCondLst>
+                                    <p:cond delay="0"/>
+                                  </p:stCondLst>
+                                  <p:childTnLst>
+                                    <p:set>
+                                      <p:cBhvr>
+                                        <p:cTn id="23" dur="1" fill="hold">
+                                          <p:stCondLst>
+                                            <p:cond delay="0"/>
+                                          </p:stCondLst>
+                                        </p:cTn>
+                                        <p:tgtEl>
+                                          <p:spTgt spid="18"/>
+                                        </p:tgtEl>
+                                        <p:attrNameLst>
+                                          <p:attrName>style.visibility</p:attrName>
+                                        </p:attrNameLst>
+                                      </p:cBhvr>
+                                      <p:to>
+                                        <p:strVal val="visible"/>
+                                      </p:to>
+                                    </p:set>
+                                    <p:animEffect transition="in" filter="fade">
+                                      <p:cBhvr>
+                                        <p:cTn id="24" dur="2000"/>
+                                        <p:tgtEl>
+                                          <p:spTgt spid="18"/>
+                                        </p:tgtEl>
+                                      </p:cBhvr>
+                                    </p:animEffect>
+                                  </p:childTnLst>
+                                </p:cTn>
+                              </p:par>
+                            </p:childTnLst>
+                          </p:cTn>
+                        </p:par>
+                      </p:childTnLst>
+                    </p:cTn>
+                  </p:par>
+                  <p:par>
+                    <p:cTn id="25" fill="hold">
+                      <p:stCondLst>
+                        <p:cond delay="indefinite"/>
+                      </p:stCondLst>
+                      <p:childTnLst>
+                        <p:par>
+                          <p:cTn id="26" fill="hold">
+                            <p:stCondLst>
+                              <p:cond delay="0"/>
+                            </p:stCondLst>
+                            <p:childTnLst>
+                              <p:par>
+                                <p:cTn id="27" presetID="10" presetClass="entr" presetSubtype="0" fill="hold" grpId="0" nodeType="clickEffect">
+                                  <p:stCondLst>
+                                    <p:cond delay="0"/>
+                                  </p:stCondLst>
+                                  <p:childTnLst>
+                                    <p:set>
+                                      <p:cBhvr>
+                                        <p:cTn id="28" dur="1" fill="hold">
+                                          <p:stCondLst>
+                                            <p:cond delay="0"/>
+                                          </p:stCondLst>
+                                        </p:cTn>
+                                        <p:tgtEl>
+                                          <p:spTgt spid="16"/>
+                                        </p:tgtEl>
+                                        <p:attrNameLst>
+                                          <p:attrName>style.visibility</p:attrName>
+                                        </p:attrNameLst>
+                                      </p:cBhvr>
+                                      <p:to>
+                                        <p:strVal val="visible"/>
+                                      </p:to>
+                                    </p:set>
+                                    <p:animEffect transition="in" filter="fade">
+                                      <p:cBhvr>
+                                        <p:cTn id="29" dur="2000"/>
+                                        <p:tgtEl>
+                                          <p:spTgt spid="16"/>
+                                        </p:tgtEl>
+                                      </p:cBhvr>
+                                    </p:animEffect>
+                                  </p:childTnLst>
+                                </p:cTn>
+                              </p:par>
+                            </p:childTnLst>
+                          </p:cTn>
+                        </p:par>
+                      </p:childTnLst>
+                    </p:cTn>
+                  </p:par>
+                </p:childTnLst>
+              </p:cTn>
+              <p:prevCondLst>
+                <p:cond evt="onPrev" delay="0">
+                  <p:tgtEl>
+                    <p:sldTgt/>
+                  </p:tgtEl>
+                </p:cond>
+              </p:prevCondLst>
+              <p:nextCondLst>
+                <p:cond evt="onNext" delay="0">
+                  <p:tgtEl>
+                    <p:sldTgt/>
+                  </p:tgtEl>
+                </p:cond>
+              </p:nextCondLst>
+            </p:seq>
+          </p:childTnLst>
+        </p:cTn>
+      </p:par>
+    </p:tnLst>
+    <p:bldLst>
+      <p:bldP spid="16" grpId="0" animBg="1"/>
+    </p:bldLst>
+  </p:timing>
+</p:sld>
+</file>
+
+<file path=ppt/slides/slide16.xml><?xml version="1.0" encoding="utf-8"?>
+<p:sld xmlns:a="http://schemas.openxmlformats.org/drawingml/2006/main" xmlns:r="http://schemas.openxmlformats.org/officeDocument/2006/relationships" xmlns:p="http://schemas.openxmlformats.org/presentationml/2006/main">
+  <p:cSld>
+    <p:spTree>
+      <p:nvGrpSpPr>
+        <p:cNvPr id="1" name=""/>
+        <p:cNvGrpSpPr/>
+        <p:nvPr/>
+      </p:nvGrpSpPr>
+      <p:grpSpPr>
+        <a:xfrm>
+          <a:off x="0" y="0"/>
+          <a:ext cx="0" cy="0"/>
+          <a:chOff x="0" y="0"/>
+          <a:chExt cx="0" cy="0"/>
+        </a:xfrm>
+      </p:grpSpPr>
       <p:sp>
         <p:nvSpPr>
           <p:cNvPr id="2" name="Título 1"/>
@@ -9804,19 +11209,28 @@
             <p:ph type="title"/>
           </p:nvPr>
         </p:nvSpPr>
-        <p:spPr/>
+        <p:spPr>
+          <a:xfrm>
+            <a:off x="1945201" y="624110"/>
+            <a:ext cx="6589199" cy="860674"/>
+          </a:xfrm>
+        </p:spPr>
         <p:txBody>
           <a:bodyPr/>
           <a:lstStyle/>
           <a:p>
             <a:r>
               <a:rPr lang="en-US" dirty="0" smtClean="0"/>
-              <a:t>3.2.  Translated </a:t>
+              <a:t>3.2.  </a:t>
             </a:r>
             <a:r>
               <a:rPr lang="en-US" dirty="0" err="1" smtClean="0"/>
               <a:t>IOSharp</a:t>
             </a:r>
+            <a:r>
+              <a:rPr lang="en-US" dirty="0" smtClean="0"/>
+              <a:t> C++</a:t>
+            </a:r>
             <a:endParaRPr lang="en-US" dirty="0"/>
           </a:p>
         </p:txBody>
@@ -9833,7 +11247,7 @@
         </p:nvSpPr>
         <p:spPr>
           <a:xfrm>
-            <a:off x="1942415" y="2133600"/>
+            <a:off x="1943807" y="1700808"/>
             <a:ext cx="6591985" cy="1655440"/>
           </a:xfrm>
         </p:spPr>
@@ -9841,8 +11255,34 @@
           <a:bodyPr/>
           <a:lstStyle/>
           <a:p>
+            <a:r>
+              <a:rPr lang="en-US" dirty="0" err="1" smtClean="0"/>
+              <a:t>IOSharp</a:t>
+            </a:r>
+            <a:r>
+              <a:rPr lang="en-US" dirty="0" smtClean="0"/>
+              <a:t> is translated using </a:t>
+            </a:r>
+            <a:r>
+              <a:rPr lang="en-US" dirty="0" err="1" smtClean="0"/>
+              <a:t>AlterNative</a:t>
+            </a:r>
+            <a:endParaRPr lang="en-US" dirty="0" smtClean="0"/>
+          </a:p>
+          <a:p>
             <a:endParaRPr lang="en-US" dirty="0"/>
           </a:p>
+          <a:p>
+            <a:r>
+              <a:rPr lang="en-US" dirty="0" err="1" smtClean="0"/>
+              <a:t>AlterNative</a:t>
+            </a:r>
+            <a:r>
+              <a:rPr lang="en-US" dirty="0" smtClean="0"/>
+              <a:t> System Library replaces Mono runtime</a:t>
+            </a:r>
+            <a:endParaRPr lang="en-US" dirty="0"/>
+          </a:p>
         </p:txBody>
       </p:sp>
       <p:sp>
@@ -9885,7 +11325,7 @@
           <a:p>
             <a:fld id="{8EE90C33-BF19-4C36-8633-00054130773A}" type="slidenum">
               <a:rPr lang="es-ES" smtClean="0"/>
-              <a:t>15</a:t>
+              <a:t>16</a:t>
             </a:fld>
             <a:endParaRPr lang="es-ES"/>
           </a:p>
@@ -9900,20 +11340,20 @@
           <p:nvPr>
             <p:extLst>
               <p:ext uri="{D42A27DB-BD31-4B8C-83A1-F6EECF244321}">
-                <p14:modId xmlns:p14="http://schemas.microsoft.com/office/powerpoint/2010/main" val="2119895384"/>
+                <p14:modId xmlns:p14="http://schemas.microsoft.com/office/powerpoint/2010/main" val="3378441378"/>
               </p:ext>
             </p:extLst>
           </p:nvPr>
         </p:nvGraphicFramePr>
         <p:xfrm>
-          <a:off x="2195736" y="4017640"/>
-          <a:ext cx="6096000" cy="1724025"/>
+          <a:off x="1547664" y="3717032"/>
+          <a:ext cx="7158923" cy="2024633"/>
         </p:xfrm>
         <a:graphic>
           <a:graphicData uri="http://schemas.openxmlformats.org/presentationml/2006/ole">
             <mc:AlternateContent xmlns:mc="http://schemas.openxmlformats.org/markup-compatibility/2006">
               <mc:Choice xmlns:v="urn:schemas-microsoft-com:vml" Requires="v">
-                <p:oleObj spid="_x0000_s5137" name="Visio" r:id="rId3" imgW="9696510" imgH="2743200" progId="Visio.Drawing.15">
+                <p:oleObj spid="_x0000_s5163" name="Visio" r:id="rId3" imgW="9696510" imgH="2743200" progId="Visio.Drawing.15">
                   <p:embed/>
                 </p:oleObj>
               </mc:Choice>
@@ -9934,8 +11374,8 @@
                     </p:blipFill>
                     <p:spPr>
                       <a:xfrm>
-                        <a:off x="2195736" y="4017640"/>
-                        <a:ext cx="6096000" cy="1724025"/>
+                        <a:off x="1547664" y="3717032"/>
+                        <a:ext cx="7158923" cy="2024633"/>
                       </a:xfrm>
                       <a:prstGeom prst="rect">
                         <a:avLst/>
@@ -9952,175 +11392,6 @@
     <p:extLst>
       <p:ext uri="{BB962C8B-B14F-4D97-AF65-F5344CB8AC3E}">
         <p14:creationId xmlns:p14="http://schemas.microsoft.com/office/powerpoint/2010/main" val="702860768"/>
-      </p:ext>
-    </p:extLst>
-  </p:cSld>
-  <p:clrMapOvr>
-    <a:masterClrMapping/>
-  </p:clrMapOvr>
-</p:sld>
-</file>
-
-<file path=ppt/slides/slide16.xml><?xml version="1.0" encoding="utf-8"?>
-<p:sld xmlns:a="http://schemas.openxmlformats.org/drawingml/2006/main" xmlns:r="http://schemas.openxmlformats.org/officeDocument/2006/relationships" xmlns:p="http://schemas.openxmlformats.org/presentationml/2006/main">
-  <p:cSld>
-    <p:spTree>
-      <p:nvGrpSpPr>
-        <p:cNvPr id="1" name=""/>
-        <p:cNvGrpSpPr/>
-        <p:nvPr/>
-      </p:nvGrpSpPr>
-      <p:grpSpPr>
-        <a:xfrm>
-          <a:off x="0" y="0"/>
-          <a:ext cx="0" cy="0"/>
-          <a:chOff x="0" y="0"/>
-          <a:chExt cx="0" cy="0"/>
-        </a:xfrm>
-      </p:grpSpPr>
-      <p:sp>
-        <p:nvSpPr>
-          <p:cNvPr id="2" name="Título 1"/>
-          <p:cNvSpPr>
-            <a:spLocks noGrp="1"/>
-          </p:cNvSpPr>
-          <p:nvPr>
-            <p:ph type="title"/>
-          </p:nvPr>
-        </p:nvSpPr>
-        <p:spPr/>
-        <p:txBody>
-          <a:bodyPr/>
-          <a:lstStyle/>
-          <a:p>
-            <a:r>
-              <a:rPr lang="en-US" dirty="0" smtClean="0"/>
-              <a:t>3.3.  </a:t>
-            </a:r>
-            <a:r>
-              <a:rPr lang="en-US" dirty="0" smtClean="0"/>
-              <a:t>Example</a:t>
-            </a:r>
-            <a:endParaRPr lang="en-US" dirty="0"/>
-          </a:p>
-        </p:txBody>
-      </p:sp>
-      <p:sp>
-        <p:nvSpPr>
-          <p:cNvPr id="3" name="Marcador de contenido 2"/>
-          <p:cNvSpPr>
-            <a:spLocks noGrp="1"/>
-          </p:cNvSpPr>
-          <p:nvPr>
-            <p:ph idx="1"/>
-          </p:nvPr>
-        </p:nvSpPr>
-        <p:spPr/>
-        <p:txBody>
-          <a:bodyPr/>
-          <a:lstStyle/>
-          <a:p>
-            <a:endParaRPr lang="en-US" dirty="0" smtClean="0"/>
-          </a:p>
-          <a:p>
-            <a:endParaRPr lang="en-US" dirty="0"/>
-          </a:p>
-          <a:p>
-            <a:r>
-              <a:rPr lang="en-US" dirty="0" err="1" smtClean="0"/>
-              <a:t>AlterNative</a:t>
-            </a:r>
-            <a:r>
-              <a:rPr lang="en-US" dirty="0" smtClean="0"/>
-              <a:t> with the </a:t>
-            </a:r>
-            <a:r>
-              <a:rPr lang="en-US" dirty="0" err="1" smtClean="0"/>
-              <a:t>ILSpy</a:t>
-            </a:r>
-            <a:r>
-              <a:rPr lang="en-US" dirty="0" smtClean="0"/>
-              <a:t> interface</a:t>
-            </a:r>
-          </a:p>
-          <a:p>
-            <a:endParaRPr lang="en-US" dirty="0"/>
-          </a:p>
-          <a:p>
-            <a:r>
-              <a:rPr lang="en-US" dirty="0" smtClean="0"/>
-              <a:t>Translating the </a:t>
-            </a:r>
-            <a:r>
-              <a:rPr lang="en-US" dirty="0" err="1" smtClean="0"/>
-              <a:t>GPIOManager</a:t>
-            </a:r>
-            <a:r>
-              <a:rPr lang="en-US" dirty="0" smtClean="0"/>
-              <a:t> from </a:t>
-            </a:r>
-            <a:r>
-              <a:rPr lang="en-US" dirty="0" err="1" smtClean="0"/>
-              <a:t>IOSharp</a:t>
-            </a:r>
-            <a:r>
-              <a:rPr lang="en-US" dirty="0" smtClean="0"/>
-              <a:t> library</a:t>
-            </a:r>
-            <a:endParaRPr lang="en-US" dirty="0"/>
-          </a:p>
-        </p:txBody>
-      </p:sp>
-      <p:sp>
-        <p:nvSpPr>
-          <p:cNvPr id="4" name="Marcador de pie de página 3"/>
-          <p:cNvSpPr>
-            <a:spLocks noGrp="1"/>
-          </p:cNvSpPr>
-          <p:nvPr>
-            <p:ph type="ftr" sz="quarter" idx="11"/>
-          </p:nvPr>
-        </p:nvSpPr>
-        <p:spPr/>
-        <p:txBody>
-          <a:bodyPr/>
-          <a:lstStyle/>
-          <a:p>
-            <a:r>
-              <a:rPr lang="es-ES" smtClean="0"/>
-              <a:t>IOSharp: .NET Micro Framework on Linux</a:t>
-            </a:r>
-            <a:endParaRPr lang="es-ES"/>
-          </a:p>
-        </p:txBody>
-      </p:sp>
-      <p:sp>
-        <p:nvSpPr>
-          <p:cNvPr id="5" name="Marcador de número de diapositiva 4"/>
-          <p:cNvSpPr>
-            <a:spLocks noGrp="1"/>
-          </p:cNvSpPr>
-          <p:nvPr>
-            <p:ph type="sldNum" sz="quarter" idx="12"/>
-          </p:nvPr>
-        </p:nvSpPr>
-        <p:spPr/>
-        <p:txBody>
-          <a:bodyPr/>
-          <a:lstStyle/>
-          <a:p>
-            <a:fld id="{8EE90C33-BF19-4C36-8633-00054130773A}" type="slidenum">
-              <a:rPr lang="es-ES" smtClean="0"/>
-              <a:t>16</a:t>
-            </a:fld>
-            <a:endParaRPr lang="es-ES"/>
-          </a:p>
-        </p:txBody>
-      </p:sp>
-    </p:spTree>
-    <p:extLst>
-      <p:ext uri="{BB962C8B-B14F-4D97-AF65-F5344CB8AC3E}">
-        <p14:creationId xmlns:p14="http://schemas.microsoft.com/office/powerpoint/2010/main" val="2015990969"/>
       </p:ext>
     </p:extLst>
   </p:cSld>
@@ -10164,19 +11435,14 @@
             <p:ph type="title"/>
           </p:nvPr>
         </p:nvSpPr>
-        <p:spPr>
-          <a:xfrm>
-            <a:off x="1945201" y="624110"/>
-            <a:ext cx="6589199" cy="919069"/>
-          </a:xfrm>
-        </p:spPr>
+        <p:spPr/>
         <p:txBody>
           <a:bodyPr/>
           <a:lstStyle/>
           <a:p>
             <a:r>
-              <a:rPr lang="es-ES" dirty="0" smtClean="0"/>
-              <a:t>4.  Performance Test</a:t>
+              <a:rPr lang="en-US" dirty="0" smtClean="0"/>
+              <a:t>3.3.  Example</a:t>
             </a:r>
             <a:endParaRPr lang="en-US" dirty="0"/>
           </a:p>
@@ -10192,23 +11458,57 @@
             <p:ph idx="1"/>
           </p:nvPr>
         </p:nvSpPr>
-        <p:spPr>
-          <a:xfrm>
-            <a:off x="1942415" y="1700808"/>
-            <a:ext cx="6591985" cy="3777622"/>
-          </a:xfrm>
-        </p:spPr>
+        <p:spPr/>
         <p:txBody>
           <a:bodyPr/>
           <a:lstStyle/>
           <a:p>
-            <a:r>
-              <a:rPr lang="en-US" dirty="0" smtClean="0"/>
-              <a:t>Evaluate the increased performance using </a:t>
-            </a:r>
+            <a:endParaRPr lang="en-US" dirty="0" smtClean="0"/>
+          </a:p>
+          <a:p>
+            <a:endParaRPr lang="en-US" dirty="0"/>
+          </a:p>
+          <a:p>
             <a:r>
               <a:rPr lang="en-US" dirty="0" err="1" smtClean="0"/>
               <a:t>AlterNative</a:t>
+            </a:r>
+            <a:r>
+              <a:rPr lang="en-US" dirty="0" smtClean="0"/>
+              <a:t> with the </a:t>
+            </a:r>
+            <a:r>
+              <a:rPr lang="en-US" dirty="0" err="1" smtClean="0"/>
+              <a:t>ILSpy</a:t>
+            </a:r>
+            <a:r>
+              <a:rPr lang="en-US" dirty="0" smtClean="0"/>
+              <a:t> interface</a:t>
+            </a:r>
+          </a:p>
+          <a:p>
+            <a:endParaRPr lang="en-US" dirty="0"/>
+          </a:p>
+          <a:p>
+            <a:r>
+              <a:rPr lang="en-US" dirty="0" smtClean="0"/>
+              <a:t>Translating the </a:t>
+            </a:r>
+            <a:r>
+              <a:rPr lang="en-US" dirty="0" err="1" smtClean="0"/>
+              <a:t>GPIOManager</a:t>
+            </a:r>
+            <a:r>
+              <a:rPr lang="en-US" dirty="0" smtClean="0"/>
+              <a:t> from </a:t>
+            </a:r>
+            <a:r>
+              <a:rPr lang="en-US" dirty="0" err="1" smtClean="0"/>
+              <a:t>IOSharp</a:t>
+            </a:r>
+            <a:r>
+              <a:rPr lang="en-US" dirty="0" smtClean="0"/>
+              <a:t> library</a:t>
             </a:r>
             <a:endParaRPr lang="en-US" dirty="0"/>
           </a:p>
@@ -10260,34 +11560,10 @@
           </a:p>
         </p:txBody>
       </p:sp>
-      <p:pic>
-        <p:nvPicPr>
-          <p:cNvPr id="11" name="Imagen 10"/>
-          <p:cNvPicPr>
-            <a:picLocks noChangeAspect="1"/>
-          </p:cNvPicPr>
-          <p:nvPr/>
-        </p:nvPicPr>
-        <p:blipFill>
-          <a:blip r:embed="rId2"/>
-          <a:stretch>
-            <a:fillRect/>
-          </a:stretch>
-        </p:blipFill>
-        <p:spPr>
-          <a:xfrm>
-            <a:off x="2195736" y="2447932"/>
-            <a:ext cx="4249280" cy="3359187"/>
-          </a:xfrm>
-          <a:prstGeom prst="rect">
-            <a:avLst/>
-          </a:prstGeom>
-        </p:spPr>
-      </p:pic>
     </p:spTree>
     <p:extLst>
       <p:ext uri="{BB962C8B-B14F-4D97-AF65-F5344CB8AC3E}">
-        <p14:creationId xmlns:p14="http://schemas.microsoft.com/office/powerpoint/2010/main" val="204124017"/>
+        <p14:creationId xmlns:p14="http://schemas.microsoft.com/office/powerpoint/2010/main" val="2015990969"/>
       </p:ext>
     </p:extLst>
   </p:cSld>
@@ -10331,46 +11607,51 @@
             <p:ph type="title"/>
           </p:nvPr>
         </p:nvSpPr>
-        <p:spPr/>
+        <p:spPr>
+          <a:xfrm>
+            <a:off x="1945201" y="624110"/>
+            <a:ext cx="6589199" cy="919069"/>
+          </a:xfrm>
+        </p:spPr>
         <p:txBody>
           <a:bodyPr/>
           <a:lstStyle/>
           <a:p>
             <a:r>
+              <a:rPr lang="es-ES" dirty="0" smtClean="0"/>
+              <a:t>4.  Performance Test</a:t>
+            </a:r>
+            <a:endParaRPr lang="en-US" dirty="0"/>
+          </a:p>
+        </p:txBody>
+      </p:sp>
+      <p:sp>
+        <p:nvSpPr>
+          <p:cNvPr id="3" name="Marcador de contenido 2"/>
+          <p:cNvSpPr>
+            <a:spLocks noGrp="1"/>
+          </p:cNvSpPr>
+          <p:nvPr>
+            <p:ph idx="1"/>
+          </p:nvPr>
+        </p:nvSpPr>
+        <p:spPr>
+          <a:xfrm>
+            <a:off x="1942415" y="1700808"/>
+            <a:ext cx="6591985" cy="3777622"/>
+          </a:xfrm>
+        </p:spPr>
+        <p:txBody>
+          <a:bodyPr/>
+          <a:lstStyle/>
+          <a:p>
+            <a:r>
               <a:rPr lang="en-US" dirty="0" smtClean="0"/>
-              <a:t>4.1.  Example</a:t>
-            </a:r>
-            <a:endParaRPr lang="en-US" dirty="0"/>
-          </a:p>
-        </p:txBody>
-      </p:sp>
-      <p:sp>
-        <p:nvSpPr>
-          <p:cNvPr id="3" name="Marcador de contenido 2"/>
-          <p:cNvSpPr>
-            <a:spLocks noGrp="1"/>
-          </p:cNvSpPr>
-          <p:nvPr>
-            <p:ph idx="1"/>
-          </p:nvPr>
-        </p:nvSpPr>
-        <p:spPr/>
-        <p:txBody>
-          <a:bodyPr/>
-          <a:lstStyle/>
-          <a:p>
-            <a:endParaRPr lang="en-US" dirty="0" smtClean="0"/>
-          </a:p>
-          <a:p>
-            <a:endParaRPr lang="en-US" dirty="0"/>
-          </a:p>
-          <a:p>
-            <a:endParaRPr lang="en-US" dirty="0" smtClean="0"/>
-          </a:p>
-          <a:p>
-            <a:r>
-              <a:rPr lang="en-US" dirty="0" smtClean="0"/>
-              <a:t>Performance test using the10K GPIO iterations</a:t>
+              <a:t>Evaluate the increased performance using </a:t>
+            </a:r>
+            <a:r>
+              <a:rPr lang="en-US" dirty="0" err="1" smtClean="0"/>
+              <a:t>AlterNative</a:t>
             </a:r>
             <a:endParaRPr lang="en-US" dirty="0"/>
           </a:p>
@@ -10422,10 +11703,34 @@
           </a:p>
         </p:txBody>
       </p:sp>
+      <p:pic>
+        <p:nvPicPr>
+          <p:cNvPr id="11" name="Imagen 10"/>
+          <p:cNvPicPr>
+            <a:picLocks noChangeAspect="1"/>
+          </p:cNvPicPr>
+          <p:nvPr/>
+        </p:nvPicPr>
+        <p:blipFill>
+          <a:blip r:embed="rId2"/>
+          <a:stretch>
+            <a:fillRect/>
+          </a:stretch>
+        </p:blipFill>
+        <p:spPr>
+          <a:xfrm>
+            <a:off x="3113767" y="2447932"/>
+            <a:ext cx="4249280" cy="3359187"/>
+          </a:xfrm>
+          <a:prstGeom prst="rect">
+            <a:avLst/>
+          </a:prstGeom>
+        </p:spPr>
+      </p:pic>
     </p:spTree>
     <p:extLst>
       <p:ext uri="{BB962C8B-B14F-4D97-AF65-F5344CB8AC3E}">
-        <p14:creationId xmlns:p14="http://schemas.microsoft.com/office/powerpoint/2010/main" val="4154510114"/>
+        <p14:creationId xmlns:p14="http://schemas.microsoft.com/office/powerpoint/2010/main" val="204124017"/>
       </p:ext>
     </p:extLst>
   </p:cSld>
@@ -10476,7 +11781,7 @@
           <a:p>
             <a:r>
               <a:rPr lang="en-US" dirty="0" smtClean="0"/>
-              <a:t>5.  Conclusions</a:t>
+              <a:t>4.1.  Example</a:t>
             </a:r>
             <a:endParaRPr lang="en-US" dirty="0"/>
           </a:p>
@@ -10497,6 +11802,19 @@
           <a:bodyPr/>
           <a:lstStyle/>
           <a:p>
+            <a:endParaRPr lang="en-US" dirty="0" smtClean="0"/>
+          </a:p>
+          <a:p>
+            <a:endParaRPr lang="en-US" dirty="0"/>
+          </a:p>
+          <a:p>
+            <a:endParaRPr lang="en-US" dirty="0" smtClean="0"/>
+          </a:p>
+          <a:p>
+            <a:r>
+              <a:rPr lang="en-US" dirty="0" smtClean="0"/>
+              <a:t>Performance test using the10K GPIO iterations</a:t>
+            </a:r>
             <a:endParaRPr lang="en-US" dirty="0"/>
           </a:p>
         </p:txBody>
@@ -10550,7 +11868,7 @@
     </p:spTree>
     <p:extLst>
       <p:ext uri="{BB962C8B-B14F-4D97-AF65-F5344CB8AC3E}">
-        <p14:creationId xmlns:p14="http://schemas.microsoft.com/office/powerpoint/2010/main" val="3876770985"/>
+        <p14:creationId xmlns:p14="http://schemas.microsoft.com/office/powerpoint/2010/main" val="4154510114"/>
       </p:ext>
     </p:extLst>
   </p:cSld>
@@ -10693,7 +12011,6 @@
               <a:rPr lang="en-US" dirty="0" smtClean="0"/>
               <a:t>2.5.  Example</a:t>
             </a:r>
-            <a:endParaRPr lang="en-US" dirty="0" smtClean="0"/>
           </a:p>
           <a:p>
             <a:r>
@@ -10716,12 +12033,16 @@
           <a:p>
             <a:pPr lvl="1"/>
             <a:r>
-              <a:rPr lang="en-US" dirty="0"/>
-              <a:t>3.2.  Translated </a:t>
-            </a:r>
-            <a:r>
-              <a:rPr lang="en-US" dirty="0" err="1"/>
+              <a:rPr lang="en-US" dirty="0" smtClean="0"/>
+              <a:t>3.2.  </a:t>
+            </a:r>
+            <a:r>
+              <a:rPr lang="en-US" dirty="0" err="1" smtClean="0"/>
               <a:t>IOSharp</a:t>
+            </a:r>
+            <a:r>
+              <a:rPr lang="en-US" dirty="0" smtClean="0"/>
+              <a:t> C++</a:t>
             </a:r>
             <a:endParaRPr lang="en-US" dirty="0" smtClean="0"/>
           </a:p>
@@ -10750,11 +12071,16 @@
               <a:rPr lang="en-US" dirty="0" smtClean="0"/>
               <a:t>5.  Conclusions</a:t>
             </a:r>
+            <a:endParaRPr lang="en-US" dirty="0"/>
           </a:p>
           <a:p>
             <a:r>
               <a:rPr lang="en-US" dirty="0" smtClean="0"/>
-              <a:t>6.  Questions &amp; Answers</a:t>
+              <a:t>6</a:t>
+            </a:r>
+            <a:r>
+              <a:rPr lang="en-US" dirty="0" smtClean="0"/>
+              <a:t>.  Questions &amp; Answers</a:t>
             </a:r>
           </a:p>
           <a:p>
@@ -10869,11 +12195,11 @@
           <a:p>
             <a:r>
               <a:rPr lang="en-US" dirty="0" smtClean="0"/>
-              <a:t>5.  </a:t>
+              <a:t>5</a:t>
             </a:r>
             <a:r>
               <a:rPr lang="en-US" dirty="0" smtClean="0"/>
-              <a:t>Conclusions II</a:t>
+              <a:t>.  Conclusions</a:t>
             </a:r>
             <a:endParaRPr lang="en-US" dirty="0"/>
           </a:p>
@@ -10998,7 +12324,15 @@
           <a:p>
             <a:r>
               <a:rPr lang="en-US" dirty="0" smtClean="0"/>
-              <a:t>6.  Questions</a:t>
+              <a:t>6</a:t>
+            </a:r>
+            <a:r>
+              <a:rPr lang="en-US" dirty="0" smtClean="0"/>
+              <a:t>.  </a:t>
+            </a:r>
+            <a:r>
+              <a:rPr lang="en-US" dirty="0" smtClean="0"/>
+              <a:t>Questions</a:t>
             </a:r>
             <a:r>
               <a:rPr lang="es-ES" dirty="0" smtClean="0"/>
@@ -11809,7 +13143,7 @@
           <a:graphicData uri="http://schemas.openxmlformats.org/presentationml/2006/ole">
             <mc:AlternateContent xmlns:mc="http://schemas.openxmlformats.org/markup-compatibility/2006">
               <mc:Choice xmlns:v="urn:schemas-microsoft-com:vml" Requires="v">
-                <p:oleObj spid="_x0000_s2105" name="Visio" r:id="rId3" imgW="5067360" imgH="3305265" progId="Visio.Drawing.15">
+                <p:oleObj spid="_x0000_s2131" name="Visio" r:id="rId3" imgW="5067360" imgH="3305265" progId="Visio.Drawing.15">
                   <p:embed/>
                 </p:oleObj>
               </mc:Choice>
@@ -12233,7 +13567,7 @@
           <a:graphicData uri="http://schemas.openxmlformats.org/presentationml/2006/ole">
             <mc:AlternateContent xmlns:mc="http://schemas.openxmlformats.org/markup-compatibility/2006">
               <mc:Choice xmlns:v="urn:schemas-microsoft-com:vml" Requires="v">
-                <p:oleObj spid="_x0000_s3123" name="Visio" r:id="rId3" imgW="10572660" imgH="6962865" progId="Visio.Drawing.15">
+                <p:oleObj spid="_x0000_s3149" name="Visio" r:id="rId3" imgW="10572660" imgH="6962865" progId="Visio.Drawing.15">
                   <p:embed/>
                 </p:oleObj>
               </mc:Choice>
@@ -12471,7 +13805,7 @@
           <a:graphicData uri="http://schemas.openxmlformats.org/presentationml/2006/ole">
             <mc:AlternateContent xmlns:mc="http://schemas.openxmlformats.org/markup-compatibility/2006">
               <mc:Choice xmlns:v="urn:schemas-microsoft-com:vml" Requires="v">
-                <p:oleObj spid="_x0000_s4138" name="Visio" r:id="rId3" imgW="4286250" imgH="1628775" progId="Visio.Drawing.15">
+                <p:oleObj spid="_x0000_s4164" name="Visio" r:id="rId3" imgW="4286250" imgH="1628775" progId="Visio.Drawing.15">
                   <p:embed/>
                 </p:oleObj>
               </mc:Choice>

--- a/ThesisDoc/IOSharp.pptx
+++ b/ThesisDoc/IOSharp.pptx
@@ -5,7 +5,7 @@
     <p:sldMasterId id="2147483821" r:id="rId1"/>
   </p:sldMasterIdLst>
   <p:notesMasterIdLst>
-    <p:notesMasterId r:id="rId23"/>
+    <p:notesMasterId r:id="rId25"/>
   </p:notesMasterIdLst>
   <p:sldIdLst>
     <p:sldId id="256" r:id="rId2"/>
@@ -22,13 +22,15 @@
     <p:sldId id="265" r:id="rId13"/>
     <p:sldId id="280" r:id="rId14"/>
     <p:sldId id="281" r:id="rId15"/>
-    <p:sldId id="279" r:id="rId16"/>
-    <p:sldId id="275" r:id="rId17"/>
-    <p:sldId id="267" r:id="rId18"/>
-    <p:sldId id="268" r:id="rId19"/>
-    <p:sldId id="269" r:id="rId20"/>
-    <p:sldId id="277" r:id="rId21"/>
-    <p:sldId id="271" r:id="rId22"/>
+    <p:sldId id="275" r:id="rId16"/>
+    <p:sldId id="267" r:id="rId17"/>
+    <p:sldId id="268" r:id="rId18"/>
+    <p:sldId id="269" r:id="rId19"/>
+    <p:sldId id="277" r:id="rId20"/>
+    <p:sldId id="282" r:id="rId21"/>
+    <p:sldId id="283" r:id="rId22"/>
+    <p:sldId id="271" r:id="rId23"/>
+    <p:sldId id="284" r:id="rId24"/>
   </p:sldIdLst>
   <p:sldSz cx="9144000" cy="6858000" type="screen4x3"/>
   <p:notesSz cx="6858000" cy="9144000"/>
@@ -228,7 +230,7 @@
           <a:p>
             <a:fld id="{7372D0EB-124A-4188-9A04-F78DFD96931D}" type="datetimeFigureOut">
               <a:rPr lang="en-US" smtClean="0"/>
-              <a:t>2/9/2014</a:t>
+              <a:t>2/10/2014</a:t>
             </a:fld>
             <a:endParaRPr lang="en-US"/>
           </a:p>
@@ -729,7 +731,7 @@
           <a:p>
             <a:fld id="{0353FF77-1486-40B6-B94E-C1E50A1A5E63}" type="slidenum">
               <a:rPr lang="en-US" smtClean="0"/>
-              <a:t>21</a:t>
+              <a:t>22</a:t>
             </a:fld>
             <a:endParaRPr lang="en-US"/>
           </a:p>
@@ -966,7 +968,7 @@
           <a:p>
             <a:fld id="{9D3E2F9D-38DA-4D6F-8E02-326E69AF2943}" type="datetime1">
               <a:rPr lang="es-ES" smtClean="0"/>
-              <a:t>09/02/2014</a:t>
+              <a:t>10/02/2014</a:t>
             </a:fld>
             <a:endParaRPr lang="es-ES" dirty="0"/>
           </a:p>
@@ -1004,110 +1006,6 @@
               <a:t> Linux</a:t>
             </a:r>
             <a:endParaRPr lang="es-ES" dirty="0"/>
-          </a:p>
-        </p:txBody>
-      </p:sp>
-      <p:sp>
-        <p:nvSpPr>
-          <p:cNvPr id="9" name="Freeform 8"/>
-          <p:cNvSpPr/>
-          <p:nvPr/>
-        </p:nvSpPr>
-        <p:spPr bwMode="auto">
-          <a:xfrm>
-            <a:off x="-31719" y="4321158"/>
-            <a:ext cx="1395473" cy="781781"/>
-          </a:xfrm>
-          <a:custGeom>
-            <a:avLst/>
-            <a:gdLst/>
-            <a:ahLst/>
-            <a:cxnLst/>
-            <a:rect l="l" t="t" r="r" b="b"/>
-            <a:pathLst>
-              <a:path w="8042" h="10000">
-                <a:moveTo>
-                  <a:pt x="5799" y="10000"/>
-                </a:moveTo>
-                <a:cubicBezTo>
-                  <a:pt x="5880" y="10000"/>
-                  <a:pt x="5934" y="9940"/>
-                  <a:pt x="5961" y="9880"/>
-                </a:cubicBezTo>
-                <a:cubicBezTo>
-                  <a:pt x="5961" y="9820"/>
-                  <a:pt x="5988" y="9820"/>
-                  <a:pt x="5988" y="9820"/>
-                </a:cubicBezTo>
-                <a:lnTo>
-                  <a:pt x="8042" y="5260"/>
-                </a:lnTo>
-                <a:cubicBezTo>
-                  <a:pt x="8096" y="5140"/>
-                  <a:pt x="8096" y="4901"/>
-                  <a:pt x="8042" y="4721"/>
-                </a:cubicBezTo>
-                <a:lnTo>
-                  <a:pt x="5988" y="221"/>
-                </a:lnTo>
-                <a:cubicBezTo>
-                  <a:pt x="5988" y="160"/>
-                  <a:pt x="5961" y="160"/>
-                  <a:pt x="5961" y="160"/>
-                </a:cubicBezTo>
-                <a:cubicBezTo>
-                  <a:pt x="5934" y="101"/>
-                  <a:pt x="5880" y="41"/>
-                  <a:pt x="5799" y="41"/>
-                </a:cubicBezTo>
-                <a:lnTo>
-                  <a:pt x="18" y="0"/>
-                </a:lnTo>
-                <a:cubicBezTo>
-                  <a:pt x="12" y="3330"/>
-                  <a:pt x="6" y="6661"/>
-                  <a:pt x="0" y="9991"/>
-                </a:cubicBezTo>
-                <a:lnTo>
-                  <a:pt x="5799" y="10000"/>
-                </a:lnTo>
-                <a:close/>
-              </a:path>
-            </a:pathLst>
-          </a:custGeom>
-          <a:solidFill>
-            <a:schemeClr val="accent1"/>
-          </a:solidFill>
-          <a:ln>
-            <a:noFill/>
-          </a:ln>
-        </p:spPr>
-      </p:sp>
-      <p:sp>
-        <p:nvSpPr>
-          <p:cNvPr id="6" name="Slide Number Placeholder 5"/>
-          <p:cNvSpPr>
-            <a:spLocks noGrp="1"/>
-          </p:cNvSpPr>
-          <p:nvPr>
-            <p:ph type="sldNum" sz="quarter" idx="12"/>
-          </p:nvPr>
-        </p:nvSpPr>
-        <p:spPr>
-          <a:xfrm>
-            <a:off x="423334" y="4529541"/>
-            <a:ext cx="584978" cy="365125"/>
-          </a:xfrm>
-        </p:spPr>
-        <p:txBody>
-          <a:bodyPr/>
-          <a:lstStyle/>
-          <a:p>
-            <a:fld id="{8EE90C33-BF19-4C36-8633-00054130773A}" type="slidenum">
-              <a:rPr lang="es-ES" smtClean="0"/>
-              <a:t>‹Nº›</a:t>
-            </a:fld>
-            <a:endParaRPr lang="es-ES"/>
           </a:p>
         </p:txBody>
       </p:sp>
@@ -1314,7 +1212,7 @@
           <a:p>
             <a:fld id="{A66FE1B6-4F57-4445-A278-A5087723B883}" type="datetime1">
               <a:rPr lang="es-ES" smtClean="0"/>
-              <a:t>09/02/2014</a:t>
+              <a:t>10/02/2014</a:t>
             </a:fld>
             <a:endParaRPr lang="es-ES"/>
           </a:p>
@@ -1717,7 +1615,7 @@
           <a:p>
             <a:fld id="{F60366B5-A022-408C-B6C4-577A2E9117A4}" type="datetime1">
               <a:rPr lang="es-ES" smtClean="0"/>
-              <a:t>09/02/2014</a:t>
+              <a:t>10/02/2014</a:t>
             </a:fld>
             <a:endParaRPr lang="es-ES"/>
           </a:p>
@@ -2055,7 +1953,7 @@
           <a:p>
             <a:fld id="{87D6D524-B0FA-4292-AD14-EDC17503A51D}" type="datetime1">
               <a:rPr lang="es-ES" smtClean="0"/>
-              <a:t>09/02/2014</a:t>
+              <a:t>10/02/2014</a:t>
             </a:fld>
             <a:endParaRPr lang="es-ES"/>
           </a:p>
@@ -2377,7 +2275,7 @@
           <a:p>
             <a:fld id="{562FCECA-A66D-4047-8040-1EB238554101}" type="datetime1">
               <a:rPr lang="es-ES" smtClean="0"/>
-              <a:t>09/02/2014</a:t>
+              <a:t>10/02/2014</a:t>
             </a:fld>
             <a:endParaRPr lang="es-ES"/>
           </a:p>
@@ -2775,7 +2673,7 @@
           <a:p>
             <a:fld id="{769DFE57-26CB-48BC-91AD-9E207F38B65C}" type="datetime1">
               <a:rPr lang="es-ES" smtClean="0"/>
-              <a:t>09/02/2014</a:t>
+              <a:t>10/02/2014</a:t>
             </a:fld>
             <a:endParaRPr lang="es-ES"/>
           </a:p>
@@ -3034,7 +2932,7 @@
           <a:p>
             <a:fld id="{F92C9852-2065-40E2-8EB3-DADA6E88D2E4}" type="datetime1">
               <a:rPr lang="es-ES" smtClean="0"/>
-              <a:t>09/02/2014</a:t>
+              <a:t>10/02/2014</a:t>
             </a:fld>
             <a:endParaRPr lang="es-ES"/>
           </a:p>
@@ -3298,7 +3196,7 @@
           <a:p>
             <a:fld id="{69939F70-6665-4FEA-B09D-F1DBBA1D2266}" type="datetime1">
               <a:rPr lang="es-ES" smtClean="0"/>
-              <a:t>09/02/2014</a:t>
+              <a:t>10/02/2014</a:t>
             </a:fld>
             <a:endParaRPr lang="es-ES"/>
           </a:p>
@@ -3562,7 +3460,7 @@
           <a:p>
             <a:fld id="{C886E45F-F48B-47F5-A680-8D9C3D769D00}" type="datetime1">
               <a:rPr lang="es-ES" smtClean="0"/>
-              <a:t>09/02/2014</a:t>
+              <a:t>10/02/2014</a:t>
             </a:fld>
             <a:endParaRPr lang="es-ES"/>
           </a:p>
@@ -3710,6 +3608,36 @@
           </a:p>
         </p:txBody>
       </p:sp>
+      <p:pic>
+        <p:nvPicPr>
+          <p:cNvPr id="8" name="Imagen 7"/>
+          <p:cNvPicPr>
+            <a:picLocks noChangeAspect="1"/>
+          </p:cNvPicPr>
+          <p:nvPr userDrawn="1"/>
+        </p:nvPicPr>
+        <p:blipFill>
+          <a:blip r:embed="rId2" cstate="print">
+            <a:extLst>
+              <a:ext uri="{28A0092B-C50C-407E-A947-70E740481C1C}">
+                <a14:useLocalDpi xmlns:a14="http://schemas.microsoft.com/office/drawing/2010/main" val="0"/>
+              </a:ext>
+            </a:extLst>
+          </a:blip>
+          <a:stretch>
+            <a:fillRect/>
+          </a:stretch>
+        </p:blipFill>
+        <p:spPr>
+          <a:xfrm>
+            <a:off x="7567360" y="116632"/>
+            <a:ext cx="1449315" cy="586268"/>
+          </a:xfrm>
+          <a:prstGeom prst="rect">
+            <a:avLst/>
+          </a:prstGeom>
+        </p:spPr>
+      </p:pic>
     </p:spTree>
     <p:extLst>
       <p:ext uri="{BB962C8B-B14F-4D97-AF65-F5344CB8AC3E}">
@@ -3909,7 +3837,7 @@
           <a:p>
             <a:fld id="{F3A88BA9-DB36-4996-99CF-7554617F1CC7}" type="datetime1">
               <a:rPr lang="es-ES" smtClean="0"/>
-              <a:t>09/02/2014</a:t>
+              <a:t>10/02/2014</a:t>
             </a:fld>
             <a:endParaRPr lang="es-ES"/>
           </a:p>
@@ -4238,7 +4166,7 @@
           <a:p>
             <a:fld id="{FFE94359-F0B4-4B76-BFCA-EDD95B71FCAC}" type="datetime1">
               <a:rPr lang="es-ES" smtClean="0"/>
-              <a:t>09/02/2014</a:t>
+              <a:t>10/02/2014</a:t>
             </a:fld>
             <a:endParaRPr lang="es-ES"/>
           </a:p>
@@ -4697,7 +4625,7 @@
           <a:p>
             <a:fld id="{35834B84-D7F6-4436-97FD-521439A9BF19}" type="datetime1">
               <a:rPr lang="es-ES" smtClean="0"/>
-              <a:t>09/02/2014</a:t>
+              <a:t>10/02/2014</a:t>
             </a:fld>
             <a:endParaRPr lang="es-ES"/>
           </a:p>
@@ -4909,7 +4837,7 @@
           <a:p>
             <a:fld id="{6C944476-9E3F-486C-BDC8-310F1AAD8AE6}" type="datetime1">
               <a:rPr lang="es-ES" smtClean="0"/>
-              <a:t>09/02/2014</a:t>
+              <a:t>10/02/2014</a:t>
             </a:fld>
             <a:endParaRPr lang="es-ES"/>
           </a:p>
@@ -5088,7 +5016,7 @@
           <a:p>
             <a:fld id="{B95C774B-50AF-47D8-9EDF-9B6AFC85D210}" type="datetime1">
               <a:rPr lang="es-ES" smtClean="0"/>
-              <a:t>09/02/2014</a:t>
+              <a:t>10/02/2014</a:t>
             </a:fld>
             <a:endParaRPr lang="es-ES"/>
           </a:p>
@@ -5423,7 +5351,7 @@
           <a:p>
             <a:fld id="{175269D3-134E-48AB-AA12-FE4B7076A3FD}" type="datetime1">
               <a:rPr lang="es-ES" smtClean="0"/>
-              <a:t>09/02/2014</a:t>
+              <a:t>10/02/2014</a:t>
             </a:fld>
             <a:endParaRPr lang="es-ES"/>
           </a:p>
@@ -5770,7 +5698,7 @@
           <a:p>
             <a:fld id="{63F2DCCE-F6CE-4BB5-ABD4-6B29C74F5768}" type="datetime1">
               <a:rPr lang="es-ES" smtClean="0"/>
-              <a:t>09/02/2014</a:t>
+              <a:t>10/02/2014</a:t>
             </a:fld>
             <a:endParaRPr lang="es-ES"/>
           </a:p>
@@ -7889,7 +7817,7 @@
           <a:p>
             <a:fld id="{0CD20DCD-2AE2-401E-BE39-52B8E760BC6B}" type="datetime1">
               <a:rPr lang="es-ES" smtClean="0"/>
-              <a:t>09/02/2014</a:t>
+              <a:t>10/02/2014</a:t>
             </a:fld>
             <a:endParaRPr lang="es-ES" dirty="0"/>
           </a:p>
@@ -9030,6 +8958,13 @@
   <p:clrMapOvr>
     <a:masterClrMapping/>
   </p:clrMapOvr>
+  <p:timing>
+    <p:tnLst>
+      <p:par>
+        <p:cTn id="1" dur="indefinite" restart="never" nodeType="tmRoot"/>
+      </p:par>
+    </p:tnLst>
+  </p:timing>
 </p:sld>
 </file>
 
@@ -9892,15 +9827,24 @@
                                   </p:childTnLst>
                                 </p:cTn>
                               </p:par>
+                            </p:childTnLst>
+                          </p:cTn>
+                        </p:par>
+                        <p:par>
+                          <p:cTn id="8" fill="hold">
+                            <p:stCondLst>
+                              <p:cond delay="500"/>
+                            </p:stCondLst>
+                            <p:childTnLst>
                               <p:par>
-                                <p:cTn id="8" presetID="12" presetClass="entr" presetSubtype="4" fill="hold" grpId="0" nodeType="withEffect">
+                                <p:cTn id="9" presetID="12" presetClass="entr" presetSubtype="4" fill="hold" grpId="0" nodeType="afterEffect">
                                   <p:stCondLst>
                                     <p:cond delay="0"/>
                                   </p:stCondLst>
                                   <p:childTnLst>
                                     <p:set>
                                       <p:cBhvr>
-                                        <p:cTn id="9" dur="1" fill="hold">
+                                        <p:cTn id="10" dur="1" fill="hold">
                                           <p:stCondLst>
                                             <p:cond delay="0"/>
                                           </p:stCondLst>
@@ -9918,7 +9862,7 @@
                                     </p:set>
                                     <p:animEffect transition="in" filter="slide(fromBottom)">
                                       <p:cBhvr>
-                                        <p:cTn id="10" dur="500"/>
+                                        <p:cTn id="11" dur="500"/>
                                         <p:tgtEl>
                                           <p:spTgt spid="7"/>
                                         </p:tgtEl>
@@ -10305,109 +10249,15 @@
           </a:p>
         </p:txBody>
       </p:sp>
-      <p:graphicFrame>
-        <p:nvGraphicFramePr>
-          <p:cNvPr id="9" name="Objeto 8"/>
-          <p:cNvGraphicFramePr>
-            <a:graphicFrameLocks noChangeAspect="1"/>
-          </p:cNvGraphicFramePr>
-          <p:nvPr>
-            <p:extLst>
-              <p:ext uri="{D42A27DB-BD31-4B8C-83A1-F6EECF244321}">
-                <p14:modId xmlns:p14="http://schemas.microsoft.com/office/powerpoint/2010/main" val="876554474"/>
-              </p:ext>
-            </p:extLst>
-          </p:nvPr>
-        </p:nvGraphicFramePr>
-        <p:xfrm>
-          <a:off x="909696" y="205594"/>
-          <a:ext cx="7781925" cy="5143500"/>
-        </p:xfrm>
-        <a:graphic>
-          <a:graphicData uri="http://schemas.openxmlformats.org/presentationml/2006/ole">
-            <mc:AlternateContent xmlns:mc="http://schemas.openxmlformats.org/markup-compatibility/2006">
-              <mc:Choice xmlns:v="urn:schemas-microsoft-com:vml" Requires="v">
-                <p:oleObj spid="_x0000_s6158" name="Visio" r:id="rId3" imgW="14506560" imgH="9582060" progId="Visio.Drawing.15">
-                  <p:embed/>
-                </p:oleObj>
-              </mc:Choice>
-              <mc:Fallback>
-                <p:oleObj name="Visio" r:id="rId3" imgW="14506560" imgH="9582060" progId="Visio.Drawing.15">
-                  <p:embed/>
-                  <p:pic>
-                    <p:nvPicPr>
-                      <p:cNvPr id="0" name=""/>
-                      <p:cNvPicPr/>
-                      <p:nvPr/>
-                    </p:nvPicPr>
-                    <p:blipFill>
-                      <a:blip r:embed="rId4"/>
-                      <a:stretch>
-                        <a:fillRect/>
-                      </a:stretch>
-                    </p:blipFill>
-                    <p:spPr>
-                      <a:xfrm>
-                        <a:off x="909696" y="205594"/>
-                        <a:ext cx="7781925" cy="5143500"/>
-                      </a:xfrm>
-                      <a:prstGeom prst="rect">
-                        <a:avLst/>
-                      </a:prstGeom>
-                    </p:spPr>
-                  </p:pic>
-                </p:oleObj>
-              </mc:Fallback>
-            </mc:AlternateContent>
-          </a:graphicData>
-        </a:graphic>
-      </p:graphicFrame>
-    </p:spTree>
-    <p:extLst>
-      <p:ext uri="{BB962C8B-B14F-4D97-AF65-F5344CB8AC3E}">
-        <p14:creationId xmlns:p14="http://schemas.microsoft.com/office/powerpoint/2010/main" val="3005681176"/>
-      </p:ext>
-    </p:extLst>
-  </p:cSld>
-  <p:clrMapOvr>
-    <a:masterClrMapping/>
-  </p:clrMapOvr>
-  <p:timing>
-    <p:tnLst>
-      <p:par>
-        <p:cTn id="1" dur="indefinite" restart="never" nodeType="tmRoot"/>
-      </p:par>
-    </p:tnLst>
-  </p:timing>
-</p:sld>
-</file>
-
-<file path=ppt/slides/slide15.xml><?xml version="1.0" encoding="utf-8"?>
-<p:sld xmlns:a="http://schemas.openxmlformats.org/drawingml/2006/main" xmlns:r="http://schemas.openxmlformats.org/officeDocument/2006/relationships" xmlns:p="http://schemas.openxmlformats.org/presentationml/2006/main">
-  <p:cSld>
-    <p:spTree>
-      <p:nvGrpSpPr>
-        <p:cNvPr id="1" name=""/>
-        <p:cNvGrpSpPr/>
-        <p:nvPr/>
-      </p:nvGrpSpPr>
-      <p:grpSpPr>
-        <a:xfrm>
-          <a:off x="0" y="0"/>
-          <a:ext cx="0" cy="0"/>
-          <a:chOff x="0" y="0"/>
-          <a:chExt cx="0" cy="0"/>
-        </a:xfrm>
-      </p:grpSpPr>
       <p:grpSp>
         <p:nvGrpSpPr>
-          <p:cNvPr id="24" name="23 Grupo"/>
+          <p:cNvPr id="33" name="23 Grupo"/>
           <p:cNvGrpSpPr/>
           <p:nvPr/>
         </p:nvGrpSpPr>
         <p:grpSpPr>
           <a:xfrm>
-            <a:off x="5868144" y="3363342"/>
+            <a:off x="5660197" y="3223542"/>
             <a:ext cx="1728192" cy="640929"/>
             <a:chOff x="5076056" y="3508151"/>
             <a:chExt cx="1728192" cy="640929"/>
@@ -10415,7 +10265,7 @@
         </p:grpSpPr>
         <p:pic>
           <p:nvPicPr>
-            <p:cNvPr id="12" name="Picture 2" descr="C:\Users\Alex\Desktop\MDECL.png"/>
+            <p:cNvPr id="34" name="Picture 2" descr="C:\Users\Alex\Desktop\MDECL.png"/>
             <p:cNvPicPr>
               <a:picLocks noChangeAspect="1" noChangeArrowheads="1"/>
             </p:cNvPicPr>
@@ -10452,7 +10302,7 @@
         </p:pic>
         <p:sp>
           <p:nvSpPr>
-            <p:cNvPr id="23" name="22 Rectángulo"/>
+            <p:cNvPr id="35" name="22 Rectángulo"/>
             <p:cNvSpPr/>
             <p:nvPr/>
           </p:nvSpPr>
@@ -10516,40 +10366,9 @@
           </p:txBody>
         </p:sp>
       </p:grpSp>
-      <p:sp>
-        <p:nvSpPr>
-          <p:cNvPr id="2" name="1 Título"/>
-          <p:cNvSpPr>
-            <a:spLocks noGrp="1"/>
-          </p:cNvSpPr>
-          <p:nvPr>
-            <p:ph type="title"/>
-          </p:nvPr>
-        </p:nvSpPr>
-        <p:spPr/>
-        <p:txBody>
-          <a:bodyPr/>
-          <a:lstStyle/>
-          <a:p>
-            <a:r>
-              <a:rPr lang="en-US" dirty="0"/>
-              <a:t>3.1.  Translation</a:t>
-            </a:r>
-            <a:r>
-              <a:rPr lang="es-ES" dirty="0"/>
-              <a:t> </a:t>
-            </a:r>
-            <a:r>
-              <a:rPr lang="en-US" dirty="0"/>
-              <a:t>process II</a:t>
-            </a:r>
-            <a:endParaRPr lang="es-ES" dirty="0"/>
-          </a:p>
-        </p:txBody>
-      </p:sp>
       <p:pic>
         <p:nvPicPr>
-          <p:cNvPr id="11" name="Picture 2" descr="C:\Users\Alex\Desktop\MDECL.png"/>
+          <p:cNvPr id="36" name="Picture 2" descr="C:\Users\Alex\Desktop\MDECL.png"/>
           <p:cNvPicPr>
             <a:picLocks noChangeAspect="1" noChangeArrowheads="1"/>
           </p:cNvPicPr>
@@ -10575,7 +10394,7 @@
         </p:blipFill>
         <p:spPr bwMode="auto">
           <a:xfrm>
-            <a:off x="3995936" y="4022922"/>
+            <a:off x="3787989" y="3883122"/>
             <a:ext cx="1800200" cy="1052736"/>
           </a:xfrm>
           <a:prstGeom prst="rect">
@@ -10586,13 +10405,13 @@
       </p:pic>
       <p:cxnSp>
         <p:nvCxnSpPr>
-          <p:cNvPr id="13" name="12 Conector recto"/>
+          <p:cNvPr id="37" name="12 Conector recto"/>
           <p:cNvCxnSpPr/>
           <p:nvPr/>
         </p:nvCxnSpPr>
         <p:spPr>
           <a:xfrm flipH="1">
-            <a:off x="4139952" y="4221088"/>
+            <a:off x="3932005" y="4081288"/>
             <a:ext cx="1440160" cy="720080"/>
           </a:xfrm>
           <a:prstGeom prst="line">
@@ -10617,7 +10436,7 @@
       </p:cxnSp>
       <p:pic>
         <p:nvPicPr>
-          <p:cNvPr id="3074" name="Picture 2" descr="C:\Users\Alex\Desktop\MDECL.png"/>
+          <p:cNvPr id="38" name="Picture 2" descr="C:\Users\Alex\Desktop\MDECL.png"/>
           <p:cNvPicPr>
             <a:picLocks noChangeAspect="1" noChangeArrowheads="1"/>
           </p:cNvPicPr>
@@ -10643,7 +10462,7 @@
         </p:blipFill>
         <p:spPr bwMode="auto">
           <a:xfrm>
-            <a:off x="1403648" y="1196752"/>
+            <a:off x="1195701" y="1056952"/>
             <a:ext cx="7516091" cy="3960440"/>
           </a:xfrm>
           <a:prstGeom prst="rect">
@@ -10654,13 +10473,13 @@
       </p:pic>
       <p:cxnSp>
         <p:nvCxnSpPr>
-          <p:cNvPr id="14" name="13 Conector recto"/>
+          <p:cNvPr id="39" name="13 Conector recto"/>
           <p:cNvCxnSpPr/>
           <p:nvPr/>
         </p:nvCxnSpPr>
         <p:spPr>
           <a:xfrm>
-            <a:off x="4427984" y="4293096"/>
+            <a:off x="4220037" y="4153296"/>
             <a:ext cx="1152128" cy="648072"/>
           </a:xfrm>
           <a:prstGeom prst="line">
@@ -10685,13 +10504,13 @@
       </p:cxnSp>
       <p:cxnSp>
         <p:nvCxnSpPr>
-          <p:cNvPr id="18" name="17 Conector recto de flecha"/>
+          <p:cNvPr id="40" name="17 Conector recto de flecha"/>
           <p:cNvCxnSpPr/>
           <p:nvPr/>
         </p:nvCxnSpPr>
         <p:spPr>
           <a:xfrm flipH="1">
-            <a:off x="6291188" y="3880674"/>
+            <a:off x="6083241" y="3740874"/>
             <a:ext cx="297036" cy="1029910"/>
           </a:xfrm>
           <a:prstGeom prst="straightConnector1">
@@ -10718,13 +10537,13 @@
       </p:cxnSp>
       <p:sp>
         <p:nvSpPr>
-          <p:cNvPr id="16" name="15 Elipse"/>
+          <p:cNvPr id="41" name="15 Elipse"/>
           <p:cNvSpPr/>
           <p:nvPr/>
         </p:nvSpPr>
         <p:spPr>
           <a:xfrm>
-            <a:off x="5796136" y="3356992"/>
+            <a:off x="5588189" y="3217192"/>
             <a:ext cx="1800200" cy="576064"/>
           </a:xfrm>
           <a:prstGeom prst="ellipse">
@@ -10753,74 +10572,42 @@
           <a:p>
             <a:pPr algn="ctr"/>
             <a:r>
-              <a:rPr lang="es-ES" sz="900" dirty="0" err="1" smtClean="0">
+              <a:rPr lang="es-ES" sz="1400" dirty="0" err="1" smtClean="0">
                 <a:latin typeface="Consolas" pitchFamily="49" charset="0"/>
                 <a:cs typeface="Consolas" pitchFamily="49" charset="0"/>
               </a:rPr>
               <a:t>Composed</a:t>
             </a:r>
             <a:r>
-              <a:rPr lang="es-ES" sz="900" dirty="0" smtClean="0">
+              <a:rPr lang="es-ES" sz="1400" dirty="0" smtClean="0">
                 <a:latin typeface="Consolas" pitchFamily="49" charset="0"/>
                 <a:cs typeface="Consolas" pitchFamily="49" charset="0"/>
               </a:rPr>
               <a:t> </a:t>
             </a:r>
             <a:r>
-              <a:rPr lang="es-ES" sz="900" dirty="0" err="1" smtClean="0">
+              <a:rPr lang="es-ES" sz="1400" dirty="0" err="1" smtClean="0">
                 <a:latin typeface="Consolas" pitchFamily="49" charset="0"/>
                 <a:cs typeface="Consolas" pitchFamily="49" charset="0"/>
               </a:rPr>
               <a:t>Identifier</a:t>
             </a:r>
-            <a:endParaRPr lang="es-ES" sz="900" dirty="0">
+            <a:endParaRPr lang="es-ES" sz="1400" dirty="0">
               <a:latin typeface="Consolas" pitchFamily="49" charset="0"/>
               <a:cs typeface="Consolas" pitchFamily="49" charset="0"/>
             </a:endParaRPr>
           </a:p>
         </p:txBody>
       </p:sp>
-      <p:sp>
-        <p:nvSpPr>
-          <p:cNvPr id="25" name="24 Marcador de número de diapositiva"/>
-          <p:cNvSpPr>
-            <a:spLocks noGrp="1"/>
-          </p:cNvSpPr>
-          <p:nvPr>
-            <p:ph type="sldNum" sz="quarter" idx="4294967295"/>
-          </p:nvPr>
-        </p:nvSpPr>
-        <p:spPr>
-          <a:xfrm>
-            <a:off x="523272" y="743347"/>
-            <a:ext cx="609600" cy="521208"/>
-          </a:xfrm>
-          <a:prstGeom prst="rect">
-            <a:avLst/>
-          </a:prstGeom>
-        </p:spPr>
-        <p:txBody>
-          <a:bodyPr/>
-          <a:lstStyle/>
-          <a:p>
-            <a:fld id="{9959CEA5-61D9-4E7A-BE74-9204DD2E9C02}" type="slidenum">
-              <a:rPr lang="es-ES" smtClean="0"/>
-              <a:pPr/>
-              <a:t>15</a:t>
-            </a:fld>
-            <a:endParaRPr lang="es-ES" dirty="0"/>
-          </a:p>
-        </p:txBody>
-      </p:sp>
       <p:cxnSp>
         <p:nvCxnSpPr>
-          <p:cNvPr id="35" name="34 Conector recto de flecha"/>
+          <p:cNvPr id="42" name="34 Conector recto de flecha"/>
           <p:cNvCxnSpPr/>
           <p:nvPr/>
         </p:nvCxnSpPr>
         <p:spPr>
           <a:xfrm flipH="1">
-            <a:off x="3203848" y="2924944"/>
+            <a:off x="2995901" y="2785144"/>
             <a:ext cx="3744416" cy="1440160"/>
           </a:xfrm>
           <a:prstGeom prst="straightConnector1">
@@ -10848,7 +10635,7 @@
     </p:spTree>
     <p:extLst>
       <p:ext uri="{BB962C8B-B14F-4D97-AF65-F5344CB8AC3E}">
-        <p14:creationId xmlns:p14="http://schemas.microsoft.com/office/powerpoint/2010/main" val="2335155688"/>
+        <p14:creationId xmlns:p14="http://schemas.microsoft.com/office/powerpoint/2010/main" val="3005681176"/>
       </p:ext>
     </p:extLst>
   </p:cSld>
@@ -10881,18 +10668,18 @@
                                     <p:cond delay="0"/>
                                   </p:stCondLst>
                                   <p:childTnLst>
-                                    <p:animMotion origin="layout" path="M -4.72222E-6 7.40741E-7 L 0.29202 -0.03889 " pathEditMode="relative" rAng="0" ptsTypes="AA">
+                                    <p:animMotion origin="layout" path="M -3.61111E-6 -4.07407E-6 L 0.29202 -0.03888 " pathEditMode="relative" rAng="0" ptsTypes="AA">
                                       <p:cBhvr>
                                         <p:cTn id="6" dur="2000" fill="hold"/>
                                         <p:tgtEl>
-                                          <p:spTgt spid="11"/>
+                                          <p:spTgt spid="36"/>
                                         </p:tgtEl>
                                         <p:attrNameLst>
                                           <p:attrName>ppt_x</p:attrName>
                                           <p:attrName>ppt_y</p:attrName>
                                         </p:attrNameLst>
                                       </p:cBhvr>
-                                      <p:rCtr x="14600" y="-1900"/>
+                                      <p:rCtr x="14601" y="-1944"/>
                                     </p:animMotion>
                                   </p:childTnLst>
                                 </p:cTn>
@@ -10911,7 +10698,7 @@
                                           </p:stCondLst>
                                         </p:cTn>
                                         <p:tgtEl>
-                                          <p:spTgt spid="13"/>
+                                          <p:spTgt spid="37"/>
                                         </p:tgtEl>
                                         <p:attrNameLst>
                                           <p:attrName>style.visibility</p:attrName>
@@ -10925,7 +10712,7 @@
                                       <p:cBhvr>
                                         <p:cTn id="9" dur="2000"/>
                                         <p:tgtEl>
-                                          <p:spTgt spid="13"/>
+                                          <p:spTgt spid="37"/>
                                         </p:tgtEl>
                                       </p:cBhvr>
                                     </p:animEffect>
@@ -10946,7 +10733,7 @@
                                           </p:stCondLst>
                                         </p:cTn>
                                         <p:tgtEl>
-                                          <p:spTgt spid="14"/>
+                                          <p:spTgt spid="39"/>
                                         </p:tgtEl>
                                         <p:attrNameLst>
                                           <p:attrName>style.visibility</p:attrName>
@@ -10960,7 +10747,7 @@
                                       <p:cBhvr>
                                         <p:cTn id="12" dur="2000"/>
                                         <p:tgtEl>
-                                          <p:spTgt spid="14"/>
+                                          <p:spTgt spid="39"/>
                                         </p:tgtEl>
                                       </p:cBhvr>
                                     </p:animEffect>
@@ -10999,7 +10786,7 @@
                                           </p:stCondLst>
                                         </p:cTn>
                                         <p:tgtEl>
-                                          <p:spTgt spid="35"/>
+                                          <p:spTgt spid="42"/>
                                         </p:tgtEl>
                                         <p:attrNameLst>
                                           <p:attrName>style.visibility</p:attrName>
@@ -11013,7 +10800,7 @@
                                       <p:cBhvr>
                                         <p:cTn id="17" dur="2000"/>
                                         <p:tgtEl>
-                                          <p:spTgt spid="35"/>
+                                          <p:spTgt spid="42"/>
                                         </p:tgtEl>
                                       </p:cBhvr>
                                     </p:animEffect>
@@ -11044,18 +10831,18 @@
                                     <p:cond delay="0"/>
                                   </p:stCondLst>
                                   <p:childTnLst>
-                                    <p:animMotion origin="layout" path="M -2.77778E-6 -0.01065 L -0.04722 0.21482 " pathEditMode="relative" rAng="0" ptsTypes="AA">
+                                    <p:animMotion origin="layout" path="M 1.94444E-6 -0.01065 L -0.04722 0.21481 " pathEditMode="relative" rAng="0" ptsTypes="AA">
                                       <p:cBhvr>
                                         <p:cTn id="21" dur="2000" fill="hold"/>
                                         <p:tgtEl>
-                                          <p:spTgt spid="24"/>
+                                          <p:spTgt spid="33"/>
                                         </p:tgtEl>
                                         <p:attrNameLst>
                                           <p:attrName>ppt_x</p:attrName>
                                           <p:attrName>ppt_y</p:attrName>
                                         </p:attrNameLst>
                                       </p:cBhvr>
-                                      <p:rCtr x="-2400" y="11300"/>
+                                      <p:rCtr x="-2361" y="11273"/>
                                     </p:animMotion>
                                   </p:childTnLst>
                                 </p:cTn>
@@ -11074,7 +10861,7 @@
                                           </p:stCondLst>
                                         </p:cTn>
                                         <p:tgtEl>
-                                          <p:spTgt spid="18"/>
+                                          <p:spTgt spid="40"/>
                                         </p:tgtEl>
                                         <p:attrNameLst>
                                           <p:attrName>style.visibility</p:attrName>
@@ -11088,7 +10875,7 @@
                                       <p:cBhvr>
                                         <p:cTn id="24" dur="2000"/>
                                         <p:tgtEl>
-                                          <p:spTgt spid="18"/>
+                                          <p:spTgt spid="40"/>
                                         </p:tgtEl>
                                       </p:cBhvr>
                                     </p:animEffect>
@@ -11127,7 +10914,7 @@
                                           </p:stCondLst>
                                         </p:cTn>
                                         <p:tgtEl>
-                                          <p:spTgt spid="16"/>
+                                          <p:spTgt spid="41"/>
                                         </p:tgtEl>
                                         <p:attrNameLst>
                                           <p:attrName>style.visibility</p:attrName>
@@ -11141,7 +10928,7 @@
                                       <p:cBhvr>
                                         <p:cTn id="29" dur="2000"/>
                                         <p:tgtEl>
-                                          <p:spTgt spid="16"/>
+                                          <p:spTgt spid="41"/>
                                         </p:tgtEl>
                                       </p:cBhvr>
                                     </p:animEffect>
@@ -11176,8 +10963,407 @@
       </p:par>
     </p:tnLst>
     <p:bldLst>
-      <p:bldP spid="16" grpId="0" animBg="1"/>
+      <p:bldP spid="41" grpId="0" animBg="1"/>
     </p:bldLst>
+  </p:timing>
+</p:sld>
+</file>
+
+<file path=ppt/slides/slide15.xml><?xml version="1.0" encoding="utf-8"?>
+<p:sld xmlns:a="http://schemas.openxmlformats.org/drawingml/2006/main" xmlns:r="http://schemas.openxmlformats.org/officeDocument/2006/relationships" xmlns:p="http://schemas.openxmlformats.org/presentationml/2006/main">
+  <p:cSld>
+    <p:spTree>
+      <p:nvGrpSpPr>
+        <p:cNvPr id="1" name=""/>
+        <p:cNvGrpSpPr/>
+        <p:nvPr/>
+      </p:nvGrpSpPr>
+      <p:grpSpPr>
+        <a:xfrm>
+          <a:off x="0" y="0"/>
+          <a:ext cx="0" cy="0"/>
+          <a:chOff x="0" y="0"/>
+          <a:chExt cx="0" cy="0"/>
+        </a:xfrm>
+      </p:grpSpPr>
+      <p:sp>
+        <p:nvSpPr>
+          <p:cNvPr id="2" name="Título 1"/>
+          <p:cNvSpPr>
+            <a:spLocks noGrp="1"/>
+          </p:cNvSpPr>
+          <p:nvPr>
+            <p:ph type="title"/>
+          </p:nvPr>
+        </p:nvSpPr>
+        <p:spPr>
+          <a:xfrm>
+            <a:off x="1945201" y="624110"/>
+            <a:ext cx="6589199" cy="860674"/>
+          </a:xfrm>
+        </p:spPr>
+        <p:txBody>
+          <a:bodyPr/>
+          <a:lstStyle/>
+          <a:p>
+            <a:r>
+              <a:rPr lang="en-US" dirty="0" smtClean="0"/>
+              <a:t>3.2.  </a:t>
+            </a:r>
+            <a:r>
+              <a:rPr lang="en-US" dirty="0" err="1" smtClean="0"/>
+              <a:t>IOSharp</a:t>
+            </a:r>
+            <a:r>
+              <a:rPr lang="en-US" dirty="0" smtClean="0"/>
+              <a:t> C++</a:t>
+            </a:r>
+            <a:endParaRPr lang="en-US" dirty="0"/>
+          </a:p>
+        </p:txBody>
+      </p:sp>
+      <p:sp>
+        <p:nvSpPr>
+          <p:cNvPr id="3" name="Marcador de contenido 2"/>
+          <p:cNvSpPr>
+            <a:spLocks noGrp="1"/>
+          </p:cNvSpPr>
+          <p:nvPr>
+            <p:ph idx="1"/>
+          </p:nvPr>
+        </p:nvSpPr>
+        <p:spPr>
+          <a:xfrm>
+            <a:off x="1943807" y="1700808"/>
+            <a:ext cx="6591985" cy="1655440"/>
+          </a:xfrm>
+        </p:spPr>
+        <p:txBody>
+          <a:bodyPr/>
+          <a:lstStyle/>
+          <a:p>
+            <a:r>
+              <a:rPr lang="en-US" dirty="0" err="1" smtClean="0"/>
+              <a:t>IOSharp</a:t>
+            </a:r>
+            <a:r>
+              <a:rPr lang="en-US" dirty="0" smtClean="0"/>
+              <a:t> is translated using </a:t>
+            </a:r>
+            <a:r>
+              <a:rPr lang="en-US" dirty="0" err="1" smtClean="0"/>
+              <a:t>AlterNative</a:t>
+            </a:r>
+            <a:endParaRPr lang="en-US" dirty="0" smtClean="0"/>
+          </a:p>
+          <a:p>
+            <a:endParaRPr lang="en-US" dirty="0"/>
+          </a:p>
+          <a:p>
+            <a:r>
+              <a:rPr lang="en-US" dirty="0" err="1" smtClean="0"/>
+              <a:t>AlterNative</a:t>
+            </a:r>
+            <a:r>
+              <a:rPr lang="en-US" dirty="0" smtClean="0"/>
+              <a:t> System Library replaces Mono runtime</a:t>
+            </a:r>
+            <a:endParaRPr lang="en-US" dirty="0"/>
+          </a:p>
+        </p:txBody>
+      </p:sp>
+      <p:sp>
+        <p:nvSpPr>
+          <p:cNvPr id="4" name="Marcador de pie de página 3"/>
+          <p:cNvSpPr>
+            <a:spLocks noGrp="1"/>
+          </p:cNvSpPr>
+          <p:nvPr>
+            <p:ph type="ftr" sz="quarter" idx="11"/>
+          </p:nvPr>
+        </p:nvSpPr>
+        <p:spPr/>
+        <p:txBody>
+          <a:bodyPr/>
+          <a:lstStyle/>
+          <a:p>
+            <a:r>
+              <a:rPr lang="es-ES" smtClean="0"/>
+              <a:t>IOSharp: .NET Micro Framework on Linux</a:t>
+            </a:r>
+            <a:endParaRPr lang="es-ES" dirty="0"/>
+          </a:p>
+        </p:txBody>
+      </p:sp>
+      <p:sp>
+        <p:nvSpPr>
+          <p:cNvPr id="5" name="Marcador de número de diapositiva 4"/>
+          <p:cNvSpPr>
+            <a:spLocks noGrp="1"/>
+          </p:cNvSpPr>
+          <p:nvPr>
+            <p:ph type="sldNum" sz="quarter" idx="12"/>
+          </p:nvPr>
+        </p:nvSpPr>
+        <p:spPr/>
+        <p:txBody>
+          <a:bodyPr/>
+          <a:lstStyle/>
+          <a:p>
+            <a:fld id="{8EE90C33-BF19-4C36-8633-00054130773A}" type="slidenum">
+              <a:rPr lang="es-ES" smtClean="0"/>
+              <a:t>15</a:t>
+            </a:fld>
+            <a:endParaRPr lang="es-ES"/>
+          </a:p>
+        </p:txBody>
+      </p:sp>
+      <p:pic>
+        <p:nvPicPr>
+          <p:cNvPr id="7" name="Imagen 6"/>
+          <p:cNvPicPr>
+            <a:picLocks noChangeAspect="1"/>
+          </p:cNvPicPr>
+          <p:nvPr/>
+        </p:nvPicPr>
+        <p:blipFill>
+          <a:blip r:embed="rId2"/>
+          <a:stretch>
+            <a:fillRect/>
+          </a:stretch>
+        </p:blipFill>
+        <p:spPr>
+          <a:xfrm>
+            <a:off x="1403648" y="4129854"/>
+            <a:ext cx="2449347" cy="1531394"/>
+          </a:xfrm>
+          <a:prstGeom prst="rect">
+            <a:avLst/>
+          </a:prstGeom>
+        </p:spPr>
+      </p:pic>
+      <p:pic>
+        <p:nvPicPr>
+          <p:cNvPr id="8" name="Imagen 7"/>
+          <p:cNvPicPr>
+            <a:picLocks noChangeAspect="1"/>
+          </p:cNvPicPr>
+          <p:nvPr/>
+        </p:nvPicPr>
+        <p:blipFill>
+          <a:blip r:embed="rId3"/>
+          <a:stretch>
+            <a:fillRect/>
+          </a:stretch>
+        </p:blipFill>
+        <p:spPr>
+          <a:xfrm>
+            <a:off x="3888055" y="3475735"/>
+            <a:ext cx="2491643" cy="2185513"/>
+          </a:xfrm>
+          <a:prstGeom prst="rect">
+            <a:avLst/>
+          </a:prstGeom>
+        </p:spPr>
+      </p:pic>
+      <p:pic>
+        <p:nvPicPr>
+          <p:cNvPr id="9" name="Imagen 8"/>
+          <p:cNvPicPr>
+            <a:picLocks noChangeAspect="1"/>
+          </p:cNvPicPr>
+          <p:nvPr/>
+        </p:nvPicPr>
+        <p:blipFill>
+          <a:blip r:embed="rId4"/>
+          <a:stretch>
+            <a:fillRect/>
+          </a:stretch>
+        </p:blipFill>
+        <p:spPr>
+          <a:xfrm>
+            <a:off x="6414758" y="3475736"/>
+            <a:ext cx="2491643" cy="2185512"/>
+          </a:xfrm>
+          <a:prstGeom prst="rect">
+            <a:avLst/>
+          </a:prstGeom>
+        </p:spPr>
+      </p:pic>
+    </p:spTree>
+    <p:extLst>
+      <p:ext uri="{BB962C8B-B14F-4D97-AF65-F5344CB8AC3E}">
+        <p14:creationId xmlns:p14="http://schemas.microsoft.com/office/powerpoint/2010/main" val="702860768"/>
+      </p:ext>
+    </p:extLst>
+  </p:cSld>
+  <p:clrMapOvr>
+    <a:masterClrMapping/>
+  </p:clrMapOvr>
+  <p:timing>
+    <p:tnLst>
+      <p:par>
+        <p:cTn id="1" dur="indefinite" restart="never" nodeType="tmRoot">
+          <p:childTnLst>
+            <p:seq concurrent="1" nextAc="seek">
+              <p:cTn id="2" dur="indefinite" nodeType="mainSeq">
+                <p:childTnLst>
+                  <p:par>
+                    <p:cTn id="3" fill="hold">
+                      <p:stCondLst>
+                        <p:cond delay="indefinite"/>
+                      </p:stCondLst>
+                      <p:childTnLst>
+                        <p:par>
+                          <p:cTn id="4" fill="hold">
+                            <p:stCondLst>
+                              <p:cond delay="0"/>
+                            </p:stCondLst>
+                            <p:childTnLst>
+                              <p:par>
+                                <p:cTn id="5" presetID="1" presetClass="entr" presetSubtype="0" fill="hold" nodeType="clickEffect">
+                                  <p:stCondLst>
+                                    <p:cond delay="0"/>
+                                  </p:stCondLst>
+                                  <p:childTnLst>
+                                    <p:set>
+                                      <p:cBhvr>
+                                        <p:cTn id="6" dur="1" fill="hold">
+                                          <p:stCondLst>
+                                            <p:cond delay="0"/>
+                                          </p:stCondLst>
+                                        </p:cTn>
+                                        <p:tgtEl>
+                                          <p:spTgt spid="7"/>
+                                        </p:tgtEl>
+                                        <p:attrNameLst>
+                                          <p:attrName>style.visibility</p:attrName>
+                                        </p:attrNameLst>
+                                      </p:cBhvr>
+                                      <p:to>
+                                        <p:strVal val="visible"/>
+                                      </p:to>
+                                    </p:set>
+                                  </p:childTnLst>
+                                </p:cTn>
+                              </p:par>
+                            </p:childTnLst>
+                          </p:cTn>
+                        </p:par>
+                      </p:childTnLst>
+                    </p:cTn>
+                  </p:par>
+                  <p:par>
+                    <p:cTn id="7" fill="hold">
+                      <p:stCondLst>
+                        <p:cond delay="indefinite"/>
+                      </p:stCondLst>
+                      <p:childTnLst>
+                        <p:par>
+                          <p:cTn id="8" fill="hold">
+                            <p:stCondLst>
+                              <p:cond delay="0"/>
+                            </p:stCondLst>
+                            <p:childTnLst>
+                              <p:par>
+                                <p:cTn id="9" presetID="1" presetClass="entr" presetSubtype="0" fill="hold" nodeType="clickEffect">
+                                  <p:stCondLst>
+                                    <p:cond delay="0"/>
+                                  </p:stCondLst>
+                                  <p:childTnLst>
+                                    <p:set>
+                                      <p:cBhvr>
+                                        <p:cTn id="10" dur="1" fill="hold">
+                                          <p:stCondLst>
+                                            <p:cond delay="0"/>
+                                          </p:stCondLst>
+                                        </p:cTn>
+                                        <p:tgtEl>
+                                          <p:spTgt spid="8"/>
+                                        </p:tgtEl>
+                                        <p:attrNameLst>
+                                          <p:attrName>style.visibility</p:attrName>
+                                        </p:attrNameLst>
+                                      </p:cBhvr>
+                                      <p:to>
+                                        <p:strVal val="visible"/>
+                                      </p:to>
+                                    </p:set>
+                                  </p:childTnLst>
+                                </p:cTn>
+                              </p:par>
+                            </p:childTnLst>
+                          </p:cTn>
+                        </p:par>
+                      </p:childTnLst>
+                    </p:cTn>
+                  </p:par>
+                  <p:par>
+                    <p:cTn id="11" fill="hold">
+                      <p:stCondLst>
+                        <p:cond delay="indefinite"/>
+                      </p:stCondLst>
+                      <p:childTnLst>
+                        <p:par>
+                          <p:cTn id="12" fill="hold">
+                            <p:stCondLst>
+                              <p:cond delay="0"/>
+                            </p:stCondLst>
+                            <p:childTnLst>
+                              <p:par>
+                                <p:cTn id="13" presetID="1" presetClass="entr" presetSubtype="0" fill="hold" nodeType="clickEffect">
+                                  <p:stCondLst>
+                                    <p:cond delay="0"/>
+                                  </p:stCondLst>
+                                  <p:childTnLst>
+                                    <p:set>
+                                      <p:cBhvr>
+                                        <p:cTn id="14" dur="1" fill="hold">
+                                          <p:stCondLst>
+                                            <p:cond delay="0"/>
+                                          </p:stCondLst>
+                                        </p:cTn>
+                                        <p:tgtEl>
+                                          <p:spTgt spid="9"/>
+                                        </p:tgtEl>
+                                        <p:attrNameLst>
+                                          <p:attrName>style.visibility</p:attrName>
+                                        </p:attrNameLst>
+                                      </p:cBhvr>
+                                      <p:to>
+                                        <p:strVal val="visible"/>
+                                      </p:to>
+                                    </p:set>
+                                  </p:childTnLst>
+                                </p:cTn>
+                              </p:par>
+                            </p:childTnLst>
+                          </p:cTn>
+                        </p:par>
+                      </p:childTnLst>
+                    </p:cTn>
+                  </p:par>
+                </p:childTnLst>
+              </p:cTn>
+              <p:prevCondLst>
+                <p:cond evt="onPrev" delay="0">
+                  <p:tgtEl>
+                    <p:sldTgt/>
+                  </p:tgtEl>
+                </p:cond>
+              </p:prevCondLst>
+              <p:nextCondLst>
+                <p:cond evt="onNext" delay="0">
+                  <p:tgtEl>
+                    <p:sldTgt/>
+                  </p:tgtEl>
+                </p:cond>
+              </p:nextCondLst>
+            </p:seq>
+          </p:childTnLst>
+        </p:cTn>
+      </p:par>
+    </p:tnLst>
   </p:timing>
 </p:sld>
 </file>
@@ -11209,19 +11395,72 @@
             <p:ph type="title"/>
           </p:nvPr>
         </p:nvSpPr>
-        <p:spPr>
-          <a:xfrm>
-            <a:off x="1945201" y="624110"/>
-            <a:ext cx="6589199" cy="860674"/>
-          </a:xfrm>
-        </p:spPr>
+        <p:spPr/>
         <p:txBody>
           <a:bodyPr/>
           <a:lstStyle/>
           <a:p>
             <a:r>
               <a:rPr lang="en-US" dirty="0" smtClean="0"/>
-              <a:t>3.2.  </a:t>
+              <a:t>3.3.  Example</a:t>
+            </a:r>
+            <a:endParaRPr lang="en-US" dirty="0"/>
+          </a:p>
+        </p:txBody>
+      </p:sp>
+      <p:sp>
+        <p:nvSpPr>
+          <p:cNvPr id="3" name="Marcador de contenido 2"/>
+          <p:cNvSpPr>
+            <a:spLocks noGrp="1"/>
+          </p:cNvSpPr>
+          <p:nvPr>
+            <p:ph idx="1"/>
+          </p:nvPr>
+        </p:nvSpPr>
+        <p:spPr/>
+        <p:txBody>
+          <a:bodyPr/>
+          <a:lstStyle/>
+          <a:p>
+            <a:endParaRPr lang="en-US" dirty="0" smtClean="0"/>
+          </a:p>
+          <a:p>
+            <a:endParaRPr lang="en-US" dirty="0"/>
+          </a:p>
+          <a:p>
+            <a:r>
+              <a:rPr lang="en-US" dirty="0" err="1" smtClean="0"/>
+              <a:t>AlterNative</a:t>
+            </a:r>
+            <a:r>
+              <a:rPr lang="en-US" dirty="0" smtClean="0"/>
+              <a:t> with the </a:t>
+            </a:r>
+            <a:r>
+              <a:rPr lang="en-US" dirty="0" err="1" smtClean="0"/>
+              <a:t>ILSpy</a:t>
+            </a:r>
+            <a:r>
+              <a:rPr lang="en-US" dirty="0" smtClean="0"/>
+              <a:t> interface</a:t>
+            </a:r>
+          </a:p>
+          <a:p>
+            <a:endParaRPr lang="en-US" dirty="0"/>
+          </a:p>
+          <a:p>
+            <a:r>
+              <a:rPr lang="en-US" dirty="0" smtClean="0"/>
+              <a:t>Translating the </a:t>
+            </a:r>
+            <a:r>
+              <a:rPr lang="en-US" dirty="0" err="1" smtClean="0"/>
+              <a:t>GPIOManager</a:t>
+            </a:r>
+            <a:r>
+              <a:rPr lang="en-US" dirty="0" smtClean="0"/>
+              <a:t> from </a:t>
             </a:r>
             <a:r>
               <a:rPr lang="en-US" dirty="0" err="1" smtClean="0"/>
@@ -11229,7 +11468,7 @@
             </a:r>
             <a:r>
               <a:rPr lang="en-US" dirty="0" smtClean="0"/>
-              <a:t> C++</a:t>
+              <a:t> library</a:t>
             </a:r>
             <a:endParaRPr lang="en-US" dirty="0"/>
           </a:p>
@@ -11237,74 +11476,24 @@
       </p:sp>
       <p:sp>
         <p:nvSpPr>
-          <p:cNvPr id="3" name="Marcador de contenido 2"/>
-          <p:cNvSpPr>
-            <a:spLocks noGrp="1"/>
-          </p:cNvSpPr>
-          <p:nvPr>
-            <p:ph idx="1"/>
-          </p:nvPr>
-        </p:nvSpPr>
-        <p:spPr>
-          <a:xfrm>
-            <a:off x="1943807" y="1700808"/>
-            <a:ext cx="6591985" cy="1655440"/>
-          </a:xfrm>
-        </p:spPr>
+          <p:cNvPr id="4" name="Marcador de pie de página 3"/>
+          <p:cNvSpPr>
+            <a:spLocks noGrp="1"/>
+          </p:cNvSpPr>
+          <p:nvPr>
+            <p:ph type="ftr" sz="quarter" idx="11"/>
+          </p:nvPr>
+        </p:nvSpPr>
+        <p:spPr/>
         <p:txBody>
           <a:bodyPr/>
           <a:lstStyle/>
           <a:p>
             <a:r>
-              <a:rPr lang="en-US" dirty="0" err="1" smtClean="0"/>
-              <a:t>IOSharp</a:t>
-            </a:r>
-            <a:r>
-              <a:rPr lang="en-US" dirty="0" smtClean="0"/>
-              <a:t> is translated using </a:t>
-            </a:r>
-            <a:r>
-              <a:rPr lang="en-US" dirty="0" err="1" smtClean="0"/>
-              <a:t>AlterNative</a:t>
-            </a:r>
-            <a:endParaRPr lang="en-US" dirty="0" smtClean="0"/>
-          </a:p>
-          <a:p>
-            <a:endParaRPr lang="en-US" dirty="0"/>
-          </a:p>
-          <a:p>
-            <a:r>
-              <a:rPr lang="en-US" dirty="0" err="1" smtClean="0"/>
-              <a:t>AlterNative</a:t>
-            </a:r>
-            <a:r>
-              <a:rPr lang="en-US" dirty="0" smtClean="0"/>
-              <a:t> System Library replaces Mono runtime</a:t>
-            </a:r>
-            <a:endParaRPr lang="en-US" dirty="0"/>
-          </a:p>
-        </p:txBody>
-      </p:sp>
-      <p:sp>
-        <p:nvSpPr>
-          <p:cNvPr id="4" name="Marcador de pie de página 3"/>
-          <p:cNvSpPr>
-            <a:spLocks noGrp="1"/>
-          </p:cNvSpPr>
-          <p:nvPr>
-            <p:ph type="ftr" sz="quarter" idx="11"/>
-          </p:nvPr>
-        </p:nvSpPr>
-        <p:spPr/>
-        <p:txBody>
-          <a:bodyPr/>
-          <a:lstStyle/>
-          <a:p>
-            <a:r>
               <a:rPr lang="es-ES" smtClean="0"/>
               <a:t>IOSharp: .NET Micro Framework on Linux</a:t>
             </a:r>
-            <a:endParaRPr lang="es-ES" dirty="0"/>
+            <a:endParaRPr lang="es-ES"/>
           </a:p>
         </p:txBody>
       </p:sp>
@@ -11331,67 +11520,10 @@
           </a:p>
         </p:txBody>
       </p:sp>
-      <p:graphicFrame>
-        <p:nvGraphicFramePr>
-          <p:cNvPr id="6" name="Objeto 5"/>
-          <p:cNvGraphicFramePr>
-            <a:graphicFrameLocks noChangeAspect="1"/>
-          </p:cNvGraphicFramePr>
-          <p:nvPr>
-            <p:extLst>
-              <p:ext uri="{D42A27DB-BD31-4B8C-83A1-F6EECF244321}">
-                <p14:modId xmlns:p14="http://schemas.microsoft.com/office/powerpoint/2010/main" val="3378441378"/>
-              </p:ext>
-            </p:extLst>
-          </p:nvPr>
-        </p:nvGraphicFramePr>
-        <p:xfrm>
-          <a:off x="1547664" y="3717032"/>
-          <a:ext cx="7158923" cy="2024633"/>
-        </p:xfrm>
-        <a:graphic>
-          <a:graphicData uri="http://schemas.openxmlformats.org/presentationml/2006/ole">
-            <mc:AlternateContent xmlns:mc="http://schemas.openxmlformats.org/markup-compatibility/2006">
-              <mc:Choice xmlns:v="urn:schemas-microsoft-com:vml" Requires="v">
-                <p:oleObj spid="_x0000_s5163" name="Visio" r:id="rId3" imgW="9696510" imgH="2743200" progId="Visio.Drawing.15">
-                  <p:embed/>
-                </p:oleObj>
-              </mc:Choice>
-              <mc:Fallback>
-                <p:oleObj name="Visio" r:id="rId3" imgW="9696510" imgH="2743200" progId="Visio.Drawing.15">
-                  <p:embed/>
-                  <p:pic>
-                    <p:nvPicPr>
-                      <p:cNvPr id="0" name=""/>
-                      <p:cNvPicPr/>
-                      <p:nvPr/>
-                    </p:nvPicPr>
-                    <p:blipFill>
-                      <a:blip r:embed="rId4"/>
-                      <a:stretch>
-                        <a:fillRect/>
-                      </a:stretch>
-                    </p:blipFill>
-                    <p:spPr>
-                      <a:xfrm>
-                        <a:off x="1547664" y="3717032"/>
-                        <a:ext cx="7158923" cy="2024633"/>
-                      </a:xfrm>
-                      <a:prstGeom prst="rect">
-                        <a:avLst/>
-                      </a:prstGeom>
-                    </p:spPr>
-                  </p:pic>
-                </p:oleObj>
-              </mc:Fallback>
-            </mc:AlternateContent>
-          </a:graphicData>
-        </a:graphic>
-      </p:graphicFrame>
     </p:spTree>
     <p:extLst>
       <p:ext uri="{BB962C8B-B14F-4D97-AF65-F5344CB8AC3E}">
-        <p14:creationId xmlns:p14="http://schemas.microsoft.com/office/powerpoint/2010/main" val="702860768"/>
+        <p14:creationId xmlns:p14="http://schemas.microsoft.com/office/powerpoint/2010/main" val="2015990969"/>
       </p:ext>
     </p:extLst>
   </p:cSld>
@@ -11435,80 +11567,51 @@
             <p:ph type="title"/>
           </p:nvPr>
         </p:nvSpPr>
-        <p:spPr/>
+        <p:spPr>
+          <a:xfrm>
+            <a:off x="1945201" y="624110"/>
+            <a:ext cx="6589199" cy="919069"/>
+          </a:xfrm>
+        </p:spPr>
         <p:txBody>
           <a:bodyPr/>
           <a:lstStyle/>
           <a:p>
             <a:r>
+              <a:rPr lang="es-ES" dirty="0" smtClean="0"/>
+              <a:t>4.  Performance Test</a:t>
+            </a:r>
+            <a:endParaRPr lang="en-US" dirty="0"/>
+          </a:p>
+        </p:txBody>
+      </p:sp>
+      <p:sp>
+        <p:nvSpPr>
+          <p:cNvPr id="3" name="Marcador de contenido 2"/>
+          <p:cNvSpPr>
+            <a:spLocks noGrp="1"/>
+          </p:cNvSpPr>
+          <p:nvPr>
+            <p:ph idx="1"/>
+          </p:nvPr>
+        </p:nvSpPr>
+        <p:spPr>
+          <a:xfrm>
+            <a:off x="1942415" y="1700808"/>
+            <a:ext cx="6591985" cy="3777622"/>
+          </a:xfrm>
+        </p:spPr>
+        <p:txBody>
+          <a:bodyPr/>
+          <a:lstStyle/>
+          <a:p>
+            <a:r>
               <a:rPr lang="en-US" dirty="0" smtClean="0"/>
-              <a:t>3.3.  Example</a:t>
-            </a:r>
-            <a:endParaRPr lang="en-US" dirty="0"/>
-          </a:p>
-        </p:txBody>
-      </p:sp>
-      <p:sp>
-        <p:nvSpPr>
-          <p:cNvPr id="3" name="Marcador de contenido 2"/>
-          <p:cNvSpPr>
-            <a:spLocks noGrp="1"/>
-          </p:cNvSpPr>
-          <p:nvPr>
-            <p:ph idx="1"/>
-          </p:nvPr>
-        </p:nvSpPr>
-        <p:spPr/>
-        <p:txBody>
-          <a:bodyPr/>
-          <a:lstStyle/>
-          <a:p>
-            <a:endParaRPr lang="en-US" dirty="0" smtClean="0"/>
-          </a:p>
-          <a:p>
-            <a:endParaRPr lang="en-US" dirty="0"/>
-          </a:p>
-          <a:p>
+              <a:t>Evaluate the increased performance using </a:t>
+            </a:r>
             <a:r>
               <a:rPr lang="en-US" dirty="0" err="1" smtClean="0"/>
               <a:t>AlterNative</a:t>
-            </a:r>
-            <a:r>
-              <a:rPr lang="en-US" dirty="0" smtClean="0"/>
-              <a:t> with the </a:t>
-            </a:r>
-            <a:r>
-              <a:rPr lang="en-US" dirty="0" err="1" smtClean="0"/>
-              <a:t>ILSpy</a:t>
-            </a:r>
-            <a:r>
-              <a:rPr lang="en-US" dirty="0" smtClean="0"/>
-              <a:t> interface</a:t>
-            </a:r>
-          </a:p>
-          <a:p>
-            <a:endParaRPr lang="en-US" dirty="0"/>
-          </a:p>
-          <a:p>
-            <a:r>
-              <a:rPr lang="en-US" dirty="0" smtClean="0"/>
-              <a:t>Translating the </a:t>
-            </a:r>
-            <a:r>
-              <a:rPr lang="en-US" dirty="0" err="1" smtClean="0"/>
-              <a:t>GPIOManager</a:t>
-            </a:r>
-            <a:r>
-              <a:rPr lang="en-US" dirty="0" smtClean="0"/>
-              <a:t> from </a:t>
-            </a:r>
-            <a:r>
-              <a:rPr lang="en-US" dirty="0" err="1" smtClean="0"/>
-              <a:t>IOSharp</a:t>
-            </a:r>
-            <a:r>
-              <a:rPr lang="en-US" dirty="0" smtClean="0"/>
-              <a:t> library</a:t>
             </a:r>
             <a:endParaRPr lang="en-US" dirty="0"/>
           </a:p>
@@ -11560,10 +11663,34 @@
           </a:p>
         </p:txBody>
       </p:sp>
+      <p:pic>
+        <p:nvPicPr>
+          <p:cNvPr id="11" name="Imagen 10"/>
+          <p:cNvPicPr>
+            <a:picLocks noChangeAspect="1"/>
+          </p:cNvPicPr>
+          <p:nvPr/>
+        </p:nvPicPr>
+        <p:blipFill>
+          <a:blip r:embed="rId2"/>
+          <a:stretch>
+            <a:fillRect/>
+          </a:stretch>
+        </p:blipFill>
+        <p:spPr>
+          <a:xfrm>
+            <a:off x="3113767" y="2292714"/>
+            <a:ext cx="4249280" cy="3359187"/>
+          </a:xfrm>
+          <a:prstGeom prst="rect">
+            <a:avLst/>
+          </a:prstGeom>
+        </p:spPr>
+      </p:pic>
     </p:spTree>
     <p:extLst>
       <p:ext uri="{BB962C8B-B14F-4D97-AF65-F5344CB8AC3E}">
-        <p14:creationId xmlns:p14="http://schemas.microsoft.com/office/powerpoint/2010/main" val="2015990969"/>
+        <p14:creationId xmlns:p14="http://schemas.microsoft.com/office/powerpoint/2010/main" val="204124017"/>
       </p:ext>
     </p:extLst>
   </p:cSld>
@@ -11607,19 +11734,14 @@
             <p:ph type="title"/>
           </p:nvPr>
         </p:nvSpPr>
-        <p:spPr>
-          <a:xfrm>
-            <a:off x="1945201" y="624110"/>
-            <a:ext cx="6589199" cy="919069"/>
-          </a:xfrm>
-        </p:spPr>
+        <p:spPr/>
         <p:txBody>
           <a:bodyPr/>
           <a:lstStyle/>
           <a:p>
             <a:r>
-              <a:rPr lang="es-ES" dirty="0" smtClean="0"/>
-              <a:t>4.  Performance Test</a:t>
+              <a:rPr lang="en-US" dirty="0" smtClean="0"/>
+              <a:t>4.1.  Example</a:t>
             </a:r>
             <a:endParaRPr lang="en-US" dirty="0"/>
           </a:p>
@@ -11635,23 +11757,23 @@
             <p:ph idx="1"/>
           </p:nvPr>
         </p:nvSpPr>
-        <p:spPr>
-          <a:xfrm>
-            <a:off x="1942415" y="1700808"/>
-            <a:ext cx="6591985" cy="3777622"/>
-          </a:xfrm>
-        </p:spPr>
+        <p:spPr/>
         <p:txBody>
           <a:bodyPr/>
           <a:lstStyle/>
           <a:p>
+            <a:endParaRPr lang="en-US" dirty="0" smtClean="0"/>
+          </a:p>
+          <a:p>
+            <a:endParaRPr lang="en-US" dirty="0"/>
+          </a:p>
+          <a:p>
+            <a:endParaRPr lang="en-US" dirty="0" smtClean="0"/>
+          </a:p>
+          <a:p>
             <a:r>
               <a:rPr lang="en-US" dirty="0" smtClean="0"/>
-              <a:t>Evaluate the increased performance using </a:t>
-            </a:r>
-            <a:r>
-              <a:rPr lang="en-US" dirty="0" err="1" smtClean="0"/>
-              <a:t>AlterNative</a:t>
+              <a:t>Performance test using the10K GPIO iterations</a:t>
             </a:r>
             <a:endParaRPr lang="en-US" dirty="0"/>
           </a:p>
@@ -11703,34 +11825,10 @@
           </a:p>
         </p:txBody>
       </p:sp>
-      <p:pic>
-        <p:nvPicPr>
-          <p:cNvPr id="11" name="Imagen 10"/>
-          <p:cNvPicPr>
-            <a:picLocks noChangeAspect="1"/>
-          </p:cNvPicPr>
-          <p:nvPr/>
-        </p:nvPicPr>
-        <p:blipFill>
-          <a:blip r:embed="rId2"/>
-          <a:stretch>
-            <a:fillRect/>
-          </a:stretch>
-        </p:blipFill>
-        <p:spPr>
-          <a:xfrm>
-            <a:off x="3113767" y="2447932"/>
-            <a:ext cx="4249280" cy="3359187"/>
-          </a:xfrm>
-          <a:prstGeom prst="rect">
-            <a:avLst/>
-          </a:prstGeom>
-        </p:spPr>
-      </p:pic>
     </p:spTree>
     <p:extLst>
       <p:ext uri="{BB962C8B-B14F-4D97-AF65-F5344CB8AC3E}">
-        <p14:creationId xmlns:p14="http://schemas.microsoft.com/office/powerpoint/2010/main" val="204124017"/>
+        <p14:creationId xmlns:p14="http://schemas.microsoft.com/office/powerpoint/2010/main" val="4154510114"/>
       </p:ext>
     </p:extLst>
   </p:cSld>
@@ -11781,7 +11879,7 @@
           <a:p>
             <a:r>
               <a:rPr lang="en-US" dirty="0" smtClean="0"/>
-              <a:t>4.1.  Example</a:t>
+              <a:t>5.  Conclusions</a:t>
             </a:r>
             <a:endParaRPr lang="en-US" dirty="0"/>
           </a:p>
@@ -11802,19 +11900,77 @@
           <a:bodyPr/>
           <a:lstStyle/>
           <a:p>
-            <a:endParaRPr lang="en-US" dirty="0" smtClean="0"/>
-          </a:p>
-          <a:p>
+            <a:r>
+              <a:rPr lang="en-US" dirty="0" err="1" smtClean="0"/>
+              <a:t>IOSharp</a:t>
+            </a:r>
+            <a:r>
+              <a:rPr lang="en-US" dirty="0" smtClean="0"/>
+              <a:t> implementation supports</a:t>
+            </a:r>
+          </a:p>
+          <a:p>
+            <a:pPr lvl="1"/>
+            <a:r>
+              <a:rPr lang="en-US" dirty="0" smtClean="0"/>
+              <a:t>GPIO with Interrupts</a:t>
+            </a:r>
+          </a:p>
+          <a:p>
+            <a:pPr lvl="1"/>
+            <a:r>
+              <a:rPr lang="en-US" dirty="0" smtClean="0"/>
+              <a:t>SPI</a:t>
+            </a:r>
+          </a:p>
+          <a:p>
+            <a:pPr lvl="1"/>
+            <a:r>
+              <a:rPr lang="en-US" dirty="0" smtClean="0"/>
+              <a:t>UART</a:t>
+            </a:r>
+          </a:p>
+          <a:p>
+            <a:pPr lvl="1"/>
             <a:endParaRPr lang="en-US" dirty="0"/>
           </a:p>
           <a:p>
-            <a:endParaRPr lang="en-US" dirty="0" smtClean="0"/>
-          </a:p>
-          <a:p>
+            <a:r>
+              <a:rPr lang="en-US" dirty="0" err="1" smtClean="0"/>
+              <a:t>AlterNative</a:t>
+            </a:r>
             <a:r>
               <a:rPr lang="en-US" dirty="0" smtClean="0"/>
-              <a:t>Performance test using the10K GPIO iterations</a:t>
-            </a:r>
+              <a:t> part shows</a:t>
+            </a:r>
+          </a:p>
+          <a:p>
+            <a:pPr lvl="1"/>
+            <a:r>
+              <a:rPr lang="en-US" dirty="0" smtClean="0"/>
+              <a:t>Improvement on </a:t>
+            </a:r>
+            <a:r>
+              <a:rPr lang="en-US" dirty="0" err="1" smtClean="0"/>
+              <a:t>IOSharp</a:t>
+            </a:r>
+            <a:r>
+              <a:rPr lang="en-US" dirty="0" smtClean="0"/>
+              <a:t> performance</a:t>
+            </a:r>
+          </a:p>
+          <a:p>
+            <a:pPr lvl="1"/>
+            <a:r>
+              <a:rPr lang="en-US" dirty="0" smtClean="0"/>
+              <a:t>Cross-Platform with</a:t>
+            </a:r>
+          </a:p>
+          <a:p>
+            <a:pPr lvl="1"/>
+            <a:endParaRPr lang="en-US" dirty="0"/>
+          </a:p>
+          <a:p>
             <a:endParaRPr lang="en-US" dirty="0"/>
           </a:p>
         </p:txBody>
@@ -11868,7 +12024,7 @@
     </p:spTree>
     <p:extLst>
       <p:ext uri="{BB962C8B-B14F-4D97-AF65-F5344CB8AC3E}">
-        <p14:creationId xmlns:p14="http://schemas.microsoft.com/office/powerpoint/2010/main" val="4154510114"/>
+        <p14:creationId xmlns:p14="http://schemas.microsoft.com/office/powerpoint/2010/main" val="3976270818"/>
       </p:ext>
     </p:extLst>
   </p:cSld>
@@ -11956,15 +12112,25 @@
           <a:p>
             <a:r>
               <a:rPr lang="en-US" noProof="1" smtClean="0"/>
-              <a:t>1.  Introduction</a:t>
-            </a:r>
+              <a:t>1.  </a:t>
+            </a:r>
+            <a:r>
+              <a:rPr lang="en-US" noProof="1" smtClean="0"/>
+              <a:t>Introduction							3</a:t>
+            </a:r>
+            <a:endParaRPr lang="en-US" noProof="1" smtClean="0"/>
           </a:p>
           <a:p>
             <a:pPr lvl="1"/>
             <a:r>
               <a:rPr lang="en-US" dirty="0" smtClean="0"/>
-              <a:t>1.1.  .NET Micro Framework</a:t>
-            </a:r>
+              <a:t>1.1.  .NET Micro </a:t>
+            </a:r>
+            <a:r>
+              <a:rPr lang="en-US" dirty="0" smtClean="0"/>
+              <a:t>Framework					4</a:t>
+            </a:r>
+            <a:endParaRPr lang="en-US" dirty="0" smtClean="0"/>
           </a:p>
           <a:p>
             <a:r>
@@ -11975,42 +12141,69 @@
               <a:rPr lang="en-US" dirty="0" err="1" smtClean="0"/>
               <a:t>IOSharp</a:t>
             </a:r>
+            <a:r>
+              <a:rPr lang="en-US" dirty="0" smtClean="0"/>
+              <a:t>								5</a:t>
+            </a:r>
+          </a:p>
+          <a:p>
+            <a:pPr lvl="1"/>
+            <a:r>
+              <a:rPr lang="en-US" dirty="0" smtClean="0"/>
+              <a:t>2.1.  GPIO							7</a:t>
+            </a:r>
+          </a:p>
+          <a:p>
+            <a:pPr lvl="1"/>
+            <a:r>
+              <a:rPr lang="en-US" dirty="0" smtClean="0"/>
+              <a:t>2.2</a:t>
+            </a:r>
+            <a:r>
+              <a:rPr lang="en-US" dirty="0" smtClean="0"/>
+              <a:t>.  </a:t>
+            </a:r>
+            <a:r>
+              <a:rPr lang="en-US" dirty="0" smtClean="0"/>
+              <a:t>Interrupts							8</a:t>
+            </a:r>
             <a:endParaRPr lang="en-US" dirty="0" smtClean="0"/>
           </a:p>
           <a:p>
             <a:pPr lvl="1"/>
             <a:r>
               <a:rPr lang="en-US" dirty="0" smtClean="0"/>
-              <a:t>2.1.  GPIO</a:t>
-            </a:r>
+              <a:t>2.3.  </a:t>
+            </a:r>
+            <a:r>
+              <a:rPr lang="en-US" dirty="0" smtClean="0"/>
+              <a:t>SPI								9</a:t>
+            </a:r>
+            <a:endParaRPr lang="en-US" dirty="0" smtClean="0"/>
           </a:p>
           <a:p>
             <a:pPr lvl="1"/>
             <a:r>
               <a:rPr lang="en-US" dirty="0" smtClean="0"/>
-              <a:t>2.2.  Interrupts</a:t>
-            </a:r>
+              <a:t>2.4.  </a:t>
+            </a:r>
+            <a:r>
+              <a:rPr lang="en-US" dirty="0" smtClean="0"/>
+              <a:t>UART							10</a:t>
+            </a:r>
+            <a:endParaRPr lang="en-US" dirty="0" smtClean="0"/>
           </a:p>
           <a:p>
             <a:pPr lvl="1"/>
             <a:r>
               <a:rPr lang="en-US" dirty="0" smtClean="0"/>
-              <a:t>2.3.  SPI</a:t>
-            </a:r>
-          </a:p>
-          <a:p>
-            <a:pPr lvl="1"/>
+              <a:t>2.5.  </a:t>
+            </a:r>
             <a:r>
               <a:rPr lang="en-US" dirty="0" smtClean="0"/>
-              <a:t>2.4.  UART</a:t>
-            </a:r>
-          </a:p>
-          <a:p>
-            <a:pPr lvl="1"/>
-            <a:r>
-              <a:rPr lang="en-US" dirty="0" smtClean="0"/>
-              <a:t>2.5.  Example</a:t>
-            </a:r>
+              <a:t>Example							11</a:t>
+            </a:r>
+            <a:endParaRPr lang="en-US" dirty="0" smtClean="0"/>
           </a:p>
           <a:p>
             <a:r>
@@ -12021,14 +12214,23 @@
               <a:rPr lang="en-US" dirty="0" err="1" smtClean="0"/>
               <a:t>AlterNative</a:t>
             </a:r>
+            <a:r>
+              <a:rPr lang="en-US" dirty="0" smtClean="0"/>
+              <a:t>							12</a:t>
+            </a:r>
             <a:endParaRPr lang="en-US" dirty="0" smtClean="0"/>
           </a:p>
           <a:p>
             <a:pPr lvl="1"/>
             <a:r>
               <a:rPr lang="en-US" dirty="0" smtClean="0"/>
-              <a:t>3.1.  Translation process</a:t>
-            </a:r>
+              <a:t>3.1.  Translation </a:t>
+            </a:r>
+            <a:r>
+              <a:rPr lang="en-US" dirty="0" smtClean="0"/>
+              <a:t>process					13</a:t>
+            </a:r>
+            <a:endParaRPr lang="en-US" dirty="0" smtClean="0"/>
           </a:p>
           <a:p>
             <a:pPr lvl="1"/>
@@ -12042,7 +12244,11 @@
             </a:r>
             <a:r>
               <a:rPr lang="en-US" dirty="0" smtClean="0"/>
-              <a:t> C++</a:t>
+              <a:t> C</a:t>
+            </a:r>
+            <a:r>
+              <a:rPr lang="en-US" dirty="0" smtClean="0"/>
+              <a:t>++						15</a:t>
             </a:r>
             <a:endParaRPr lang="en-US" dirty="0" smtClean="0"/>
           </a:p>
@@ -12050,38 +12256,58 @@
             <a:pPr lvl="1"/>
             <a:r>
               <a:rPr lang="en-US" dirty="0" smtClean="0"/>
-              <a:t>3.3.  Example</a:t>
-            </a:r>
-          </a:p>
-          <a:p>
+              <a:t>3.3.  </a:t>
+            </a:r>
             <a:r>
               <a:rPr lang="en-US" dirty="0" smtClean="0"/>
-              <a:t>4.  Performance Test</a:t>
-            </a:r>
+              <a:t>Example							16</a:t>
+            </a:r>
+            <a:endParaRPr lang="en-US" dirty="0" smtClean="0"/>
+          </a:p>
+          <a:p>
+            <a:r>
+              <a:rPr lang="en-US" dirty="0" smtClean="0"/>
+              <a:t>4.  Performance </a:t>
+            </a:r>
+            <a:r>
+              <a:rPr lang="en-US" dirty="0" smtClean="0"/>
+              <a:t>Test						17</a:t>
+            </a:r>
+            <a:endParaRPr lang="en-US" dirty="0" smtClean="0"/>
           </a:p>
           <a:p>
             <a:pPr lvl="1"/>
             <a:r>
               <a:rPr lang="en-US" dirty="0" smtClean="0"/>
-              <a:t>4.1.  Example</a:t>
-            </a:r>
-          </a:p>
-          <a:p>
+              <a:t>4.1.  </a:t>
+            </a:r>
             <a:r>
               <a:rPr lang="en-US" dirty="0" smtClean="0"/>
-              <a:t>5.  Conclusions</a:t>
+              <a:t>Example							18</a:t>
+            </a:r>
+            <a:endParaRPr lang="en-US" dirty="0" smtClean="0"/>
+          </a:p>
+          <a:p>
+            <a:r>
+              <a:rPr lang="en-US" dirty="0" smtClean="0"/>
+              <a:t>5.  </a:t>
+            </a:r>
+            <a:r>
+              <a:rPr lang="en-US" dirty="0" smtClean="0"/>
+              <a:t>Conclusions							19</a:t>
             </a:r>
             <a:endParaRPr lang="en-US" dirty="0"/>
           </a:p>
           <a:p>
             <a:r>
               <a:rPr lang="en-US" dirty="0" smtClean="0"/>
-              <a:t>6</a:t>
+              <a:t>6.  Questions &amp; </a:t>
             </a:r>
             <a:r>
               <a:rPr lang="en-US" dirty="0" smtClean="0"/>
-              <a:t>.  Questions &amp; Answers</a:t>
-            </a:r>
+              <a:t>Answers					22</a:t>
+            </a:r>
+            <a:endParaRPr lang="en-US" dirty="0" smtClean="0"/>
           </a:p>
           <a:p>
             <a:endParaRPr lang="es-ES" dirty="0" smtClean="0"/>
@@ -12195,11 +12421,7 @@
           <a:p>
             <a:r>
               <a:rPr lang="en-US" dirty="0" smtClean="0"/>
-              <a:t>5</a:t>
-            </a:r>
-            <a:r>
-              <a:rPr lang="en-US" dirty="0" smtClean="0"/>
-              <a:t>.  Conclusions</a:t>
+              <a:t>5.  Conclusions II</a:t>
             </a:r>
             <a:endParaRPr lang="en-US" dirty="0"/>
           </a:p>
@@ -12215,10 +12437,86 @@
             <p:ph idx="1"/>
           </p:nvPr>
         </p:nvSpPr>
-        <p:spPr/>
+        <p:spPr>
+          <a:xfrm>
+            <a:off x="2267744" y="1905000"/>
+            <a:ext cx="6591985" cy="3777622"/>
+          </a:xfrm>
+        </p:spPr>
         <p:txBody>
           <a:bodyPr/>
           <a:lstStyle/>
+          <a:p>
+            <a:pPr marL="0" indent="0">
+              <a:buNone/>
+            </a:pPr>
+            <a:r>
+              <a:rPr lang="en-US" b="1" dirty="0" smtClean="0"/>
+              <a:t>Future Work</a:t>
+            </a:r>
+          </a:p>
+          <a:p>
+            <a:pPr lvl="2"/>
+            <a:r>
+              <a:rPr lang="en-US" sz="1800" dirty="0" err="1" smtClean="0"/>
+              <a:t>IOSharp</a:t>
+            </a:r>
+            <a:r>
+              <a:rPr lang="en-US" sz="1800" dirty="0" smtClean="0"/>
+              <a:t>:</a:t>
+            </a:r>
+          </a:p>
+          <a:p>
+            <a:pPr lvl="3"/>
+            <a:r>
+              <a:rPr lang="en-US" sz="1600" dirty="0" smtClean="0"/>
+              <a:t>Add new protocols</a:t>
+            </a:r>
+          </a:p>
+          <a:p>
+            <a:pPr lvl="3"/>
+            <a:r>
+              <a:rPr lang="en-US" sz="1600" dirty="0" smtClean="0"/>
+              <a:t>Performance optimization</a:t>
+            </a:r>
+          </a:p>
+          <a:p>
+            <a:pPr lvl="2"/>
+            <a:endParaRPr lang="en-US" sz="1800" b="1" dirty="0"/>
+          </a:p>
+          <a:p>
+            <a:pPr lvl="2"/>
+            <a:r>
+              <a:rPr lang="en-US" sz="1800" dirty="0" err="1" smtClean="0"/>
+              <a:t>AlterNative</a:t>
+            </a:r>
+            <a:r>
+              <a:rPr lang="en-US" sz="1800" dirty="0" smtClean="0"/>
+              <a:t>:</a:t>
+            </a:r>
+          </a:p>
+          <a:p>
+            <a:pPr lvl="3"/>
+            <a:r>
+              <a:rPr lang="en-US" sz="1600" dirty="0" smtClean="0"/>
+              <a:t>Garbage Collector</a:t>
+            </a:r>
+          </a:p>
+          <a:p>
+            <a:pPr lvl="3"/>
+            <a:r>
+              <a:rPr lang="en-US" sz="1600" dirty="0" smtClean="0"/>
+              <a:t>Continuous Integration</a:t>
+            </a:r>
+          </a:p>
+          <a:p>
+            <a:pPr lvl="3"/>
+            <a:r>
+              <a:rPr lang="en-US" sz="1600" dirty="0" smtClean="0"/>
+              <a:t>Extend capabilities</a:t>
+            </a:r>
+            <a:endParaRPr lang="en-US" sz="1600" dirty="0"/>
+          </a:p>
           <a:p>
             <a:endParaRPr lang="en-US" dirty="0"/>
           </a:p>
@@ -12273,7 +12571,7 @@
     </p:spTree>
     <p:extLst>
       <p:ext uri="{BB962C8B-B14F-4D97-AF65-F5344CB8AC3E}">
-        <p14:creationId xmlns:p14="http://schemas.microsoft.com/office/powerpoint/2010/main" val="3976270818"/>
+        <p14:creationId xmlns:p14="http://schemas.microsoft.com/office/powerpoint/2010/main" val="16182100"/>
       </p:ext>
     </p:extLst>
   </p:cSld>
@@ -12324,24 +12622,104 @@
           <a:p>
             <a:r>
               <a:rPr lang="en-US" dirty="0" smtClean="0"/>
-              <a:t>6</a:t>
-            </a:r>
-            <a:r>
-              <a:rPr lang="en-US" dirty="0" smtClean="0"/>
-              <a:t>.  </a:t>
-            </a:r>
-            <a:r>
-              <a:rPr lang="en-US" dirty="0" smtClean="0"/>
-              <a:t>Questions</a:t>
-            </a:r>
-            <a:r>
-              <a:rPr lang="es-ES" dirty="0" smtClean="0"/>
-              <a:t> &amp; </a:t>
-            </a:r>
-            <a:r>
-              <a:rPr lang="en-US" dirty="0" smtClean="0"/>
-              <a:t>Answers</a:t>
-            </a:r>
+              <a:t>5.  Conclusions III</a:t>
+            </a:r>
+            <a:endParaRPr lang="en-US" dirty="0"/>
+          </a:p>
+        </p:txBody>
+      </p:sp>
+      <p:sp>
+        <p:nvSpPr>
+          <p:cNvPr id="3" name="Marcador de contenido 2"/>
+          <p:cNvSpPr>
+            <a:spLocks noGrp="1"/>
+          </p:cNvSpPr>
+          <p:nvPr>
+            <p:ph idx="1"/>
+          </p:nvPr>
+        </p:nvSpPr>
+        <p:spPr>
+          <a:xfrm>
+            <a:off x="2267744" y="1905000"/>
+            <a:ext cx="6591985" cy="3777622"/>
+          </a:xfrm>
+        </p:spPr>
+        <p:txBody>
+          <a:bodyPr/>
+          <a:lstStyle/>
+          <a:p>
+            <a:pPr marL="0" indent="0">
+              <a:buNone/>
+            </a:pPr>
+            <a:r>
+              <a:rPr lang="en-US" b="1" dirty="0"/>
+              <a:t>Environmental Impact</a:t>
+            </a:r>
+            <a:endParaRPr lang="en-US" b="1" dirty="0" smtClean="0"/>
+          </a:p>
+          <a:p>
+            <a:pPr lvl="2"/>
+            <a:r>
+              <a:rPr lang="en-US" sz="1800" dirty="0" err="1" smtClean="0"/>
+              <a:t>IOSharp</a:t>
+            </a:r>
+            <a:r>
+              <a:rPr lang="en-US" sz="1800" dirty="0" smtClean="0"/>
+              <a:t>:</a:t>
+            </a:r>
+          </a:p>
+          <a:p>
+            <a:pPr lvl="3"/>
+            <a:r>
+              <a:rPr lang="en-US" sz="1600" dirty="0" smtClean="0"/>
+              <a:t>Add new protocols</a:t>
+            </a:r>
+          </a:p>
+          <a:p>
+            <a:pPr lvl="3"/>
+            <a:r>
+              <a:rPr lang="en-US" sz="1600" dirty="0" smtClean="0"/>
+              <a:t>Performance optimization</a:t>
+            </a:r>
+          </a:p>
+          <a:p>
+            <a:pPr lvl="2"/>
+            <a:endParaRPr lang="en-US" sz="1800" b="1" dirty="0"/>
+          </a:p>
+          <a:p>
+            <a:pPr lvl="2"/>
+            <a:r>
+              <a:rPr lang="en-US" sz="1800" dirty="0" err="1" smtClean="0"/>
+              <a:t>AlterNative</a:t>
+            </a:r>
+            <a:r>
+              <a:rPr lang="en-US" sz="1800" dirty="0" smtClean="0"/>
+              <a:t>:</a:t>
+            </a:r>
+          </a:p>
+          <a:p>
+            <a:pPr lvl="3"/>
+            <a:r>
+              <a:rPr lang="en-US" sz="1600" dirty="0" smtClean="0"/>
+              <a:t>Garbage Collector</a:t>
+            </a:r>
+          </a:p>
+          <a:p>
+            <a:pPr lvl="3"/>
+            <a:r>
+              <a:rPr lang="en-US" sz="1600" dirty="0" smtClean="0"/>
+              <a:t>Continuous Integration</a:t>
+            </a:r>
+          </a:p>
+          <a:p>
+            <a:pPr lvl="3"/>
+            <a:r>
+              <a:rPr lang="en-US" sz="1600" dirty="0" smtClean="0"/>
+              <a:t>Extend capabilities</a:t>
+            </a:r>
+            <a:endParaRPr lang="en-US" sz="1600" dirty="0"/>
+          </a:p>
+          <a:p>
             <a:endParaRPr lang="en-US" dirty="0"/>
           </a:p>
         </p:txBody>
@@ -12389,6 +12767,157 @@
               <a:t>21</a:t>
             </a:fld>
             <a:endParaRPr lang="es-ES"/>
+          </a:p>
+        </p:txBody>
+      </p:sp>
+    </p:spTree>
+    <p:extLst>
+      <p:ext uri="{BB962C8B-B14F-4D97-AF65-F5344CB8AC3E}">
+        <p14:creationId xmlns:p14="http://schemas.microsoft.com/office/powerpoint/2010/main" val="2144032195"/>
+      </p:ext>
+    </p:extLst>
+  </p:cSld>
+  <p:clrMapOvr>
+    <a:masterClrMapping/>
+  </p:clrMapOvr>
+  <p:timing>
+    <p:tnLst>
+      <p:par>
+        <p:cTn id="1" dur="indefinite" restart="never" nodeType="tmRoot"/>
+      </p:par>
+    </p:tnLst>
+  </p:timing>
+</p:sld>
+</file>
+
+<file path=ppt/slides/slide22.xml><?xml version="1.0" encoding="utf-8"?>
+<p:sld xmlns:a="http://schemas.openxmlformats.org/drawingml/2006/main" xmlns:r="http://schemas.openxmlformats.org/officeDocument/2006/relationships" xmlns:p="http://schemas.openxmlformats.org/presentationml/2006/main">
+  <p:cSld>
+    <p:spTree>
+      <p:nvGrpSpPr>
+        <p:cNvPr id="1" name=""/>
+        <p:cNvGrpSpPr/>
+        <p:nvPr/>
+      </p:nvGrpSpPr>
+      <p:grpSpPr>
+        <a:xfrm>
+          <a:off x="0" y="0"/>
+          <a:ext cx="0" cy="0"/>
+          <a:chOff x="0" y="0"/>
+          <a:chExt cx="0" cy="0"/>
+        </a:xfrm>
+      </p:grpSpPr>
+      <p:sp>
+        <p:nvSpPr>
+          <p:cNvPr id="2" name="Título 1"/>
+          <p:cNvSpPr>
+            <a:spLocks noGrp="1"/>
+          </p:cNvSpPr>
+          <p:nvPr>
+            <p:ph type="title"/>
+          </p:nvPr>
+        </p:nvSpPr>
+        <p:spPr/>
+        <p:txBody>
+          <a:bodyPr/>
+          <a:lstStyle/>
+          <a:p>
+            <a:r>
+              <a:rPr lang="en-US" dirty="0" smtClean="0"/>
+              <a:t>6.  Questions</a:t>
+            </a:r>
+            <a:r>
+              <a:rPr lang="es-ES" dirty="0" smtClean="0"/>
+              <a:t> &amp; </a:t>
+            </a:r>
+            <a:r>
+              <a:rPr lang="en-US" dirty="0" smtClean="0"/>
+              <a:t>Answers</a:t>
+            </a:r>
+            <a:endParaRPr lang="en-US" dirty="0"/>
+          </a:p>
+        </p:txBody>
+      </p:sp>
+      <p:sp>
+        <p:nvSpPr>
+          <p:cNvPr id="4" name="Marcador de pie de página 3"/>
+          <p:cNvSpPr>
+            <a:spLocks noGrp="1"/>
+          </p:cNvSpPr>
+          <p:nvPr>
+            <p:ph type="ftr" sz="quarter" idx="11"/>
+          </p:nvPr>
+        </p:nvSpPr>
+        <p:spPr/>
+        <p:txBody>
+          <a:bodyPr/>
+          <a:lstStyle/>
+          <a:p>
+            <a:r>
+              <a:rPr lang="es-ES" smtClean="0"/>
+              <a:t>IOSharp: .NET Micro Framework on Linux</a:t>
+            </a:r>
+            <a:endParaRPr lang="es-ES"/>
+          </a:p>
+        </p:txBody>
+      </p:sp>
+      <p:sp>
+        <p:nvSpPr>
+          <p:cNvPr id="5" name="Marcador de número de diapositiva 4"/>
+          <p:cNvSpPr>
+            <a:spLocks noGrp="1"/>
+          </p:cNvSpPr>
+          <p:nvPr>
+            <p:ph type="sldNum" sz="quarter" idx="12"/>
+          </p:nvPr>
+        </p:nvSpPr>
+        <p:spPr/>
+        <p:txBody>
+          <a:bodyPr/>
+          <a:lstStyle/>
+          <a:p>
+            <a:fld id="{8EE90C33-BF19-4C36-8633-00054130773A}" type="slidenum">
+              <a:rPr lang="es-ES" smtClean="0"/>
+              <a:t>22</a:t>
+            </a:fld>
+            <a:endParaRPr lang="es-ES"/>
+          </a:p>
+        </p:txBody>
+      </p:sp>
+      <p:sp>
+        <p:nvSpPr>
+          <p:cNvPr id="6" name="Marcador de contenido 2"/>
+          <p:cNvSpPr>
+            <a:spLocks noGrp="1"/>
+          </p:cNvSpPr>
+          <p:nvPr>
+            <p:ph idx="1"/>
+          </p:nvPr>
+        </p:nvSpPr>
+        <p:spPr>
+          <a:xfrm>
+            <a:off x="1942415" y="2133600"/>
+            <a:ext cx="6591985" cy="3777622"/>
+          </a:xfrm>
+        </p:spPr>
+        <p:txBody>
+          <a:bodyPr/>
+          <a:lstStyle/>
+          <a:p>
+            <a:endParaRPr lang="en-US" dirty="0" smtClean="0"/>
+          </a:p>
+          <a:p>
+            <a:endParaRPr lang="en-US" dirty="0"/>
+          </a:p>
+          <a:p>
+            <a:endParaRPr lang="en-US" dirty="0" smtClean="0"/>
+          </a:p>
+          <a:p>
+            <a:r>
+              <a:rPr lang="en-US" dirty="0" smtClean="0"/>
+              <a:t>Questions are guaranteed in life – Answers aren’t</a:t>
+            </a:r>
+            <a:endParaRPr lang="en-US" dirty="0"/>
           </a:p>
         </p:txBody>
       </p:sp>
@@ -12396,6 +12925,66 @@
     <p:extLst>
       <p:ext uri="{BB962C8B-B14F-4D97-AF65-F5344CB8AC3E}">
         <p14:creationId xmlns:p14="http://schemas.microsoft.com/office/powerpoint/2010/main" val="1345899272"/>
+      </p:ext>
+    </p:extLst>
+  </p:cSld>
+  <p:clrMapOvr>
+    <a:masterClrMapping/>
+  </p:clrMapOvr>
+  <p:timing>
+    <p:tnLst>
+      <p:par>
+        <p:cTn id="1" dur="indefinite" restart="never" nodeType="tmRoot"/>
+      </p:par>
+    </p:tnLst>
+  </p:timing>
+</p:sld>
+</file>
+
+<file path=ppt/slides/slide23.xml><?xml version="1.0" encoding="utf-8"?>
+<p:sld xmlns:a="http://schemas.openxmlformats.org/drawingml/2006/main" xmlns:r="http://schemas.openxmlformats.org/officeDocument/2006/relationships" xmlns:p="http://schemas.openxmlformats.org/presentationml/2006/main">
+  <p:cSld>
+    <p:spTree>
+      <p:nvGrpSpPr>
+        <p:cNvPr id="1" name=""/>
+        <p:cNvGrpSpPr/>
+        <p:nvPr/>
+      </p:nvGrpSpPr>
+      <p:grpSpPr>
+        <a:xfrm>
+          <a:off x="0" y="0"/>
+          <a:ext cx="0" cy="0"/>
+          <a:chOff x="0" y="0"/>
+          <a:chExt cx="0" cy="0"/>
+        </a:xfrm>
+      </p:grpSpPr>
+      <p:sp>
+        <p:nvSpPr>
+          <p:cNvPr id="4" name="Marcador de pie de página 3"/>
+          <p:cNvSpPr>
+            <a:spLocks noGrp="1"/>
+          </p:cNvSpPr>
+          <p:nvPr>
+            <p:ph type="ftr" sz="quarter" idx="11"/>
+          </p:nvPr>
+        </p:nvSpPr>
+        <p:spPr/>
+        <p:txBody>
+          <a:bodyPr/>
+          <a:lstStyle/>
+          <a:p>
+            <a:r>
+              <a:rPr lang="es-ES" smtClean="0"/>
+              <a:t>IOSharp: .NET Micro Framework on Linux</a:t>
+            </a:r>
+            <a:endParaRPr lang="es-ES" dirty="0"/>
+          </a:p>
+        </p:txBody>
+      </p:sp>
+    </p:spTree>
+    <p:extLst>
+      <p:ext uri="{BB962C8B-B14F-4D97-AF65-F5344CB8AC3E}">
+        <p14:creationId xmlns:p14="http://schemas.microsoft.com/office/powerpoint/2010/main" val="2382794041"/>
       </p:ext>
     </p:extLst>
   </p:cSld>
@@ -12497,7 +13086,7 @@
           <a:p>
             <a:r>
               <a:rPr lang="en-US" dirty="0" smtClean="0"/>
-              <a:t>Increasing usage of Linux in embedded systems</a:t>
+              <a:t>Increasing usage of Linux in embedded devices</a:t>
             </a:r>
           </a:p>
           <a:p>
@@ -13121,63 +13710,30 @@
           </a:p>
         </p:txBody>
       </p:sp>
-      <p:graphicFrame>
-        <p:nvGraphicFramePr>
-          <p:cNvPr id="7" name="Objeto 6"/>
-          <p:cNvGraphicFramePr>
-            <a:graphicFrameLocks noChangeAspect="1"/>
-          </p:cNvGraphicFramePr>
-          <p:nvPr>
-            <p:extLst>
-              <p:ext uri="{D42A27DB-BD31-4B8C-83A1-F6EECF244321}">
-                <p14:modId xmlns:p14="http://schemas.microsoft.com/office/powerpoint/2010/main" val="542921711"/>
-              </p:ext>
-            </p:extLst>
-          </p:nvPr>
-        </p:nvGraphicFramePr>
-        <p:xfrm>
-          <a:off x="2706150" y="1772816"/>
-          <a:ext cx="5067300" cy="3305175"/>
-        </p:xfrm>
-        <a:graphic>
-          <a:graphicData uri="http://schemas.openxmlformats.org/presentationml/2006/ole">
-            <mc:AlternateContent xmlns:mc="http://schemas.openxmlformats.org/markup-compatibility/2006">
-              <mc:Choice xmlns:v="urn:schemas-microsoft-com:vml" Requires="v">
-                <p:oleObj spid="_x0000_s2131" name="Visio" r:id="rId3" imgW="5067360" imgH="3305265" progId="Visio.Drawing.15">
-                  <p:embed/>
-                </p:oleObj>
-              </mc:Choice>
-              <mc:Fallback>
-                <p:oleObj name="Visio" r:id="rId3" imgW="5067360" imgH="3305265" progId="Visio.Drawing.15">
-                  <p:embed/>
-                  <p:pic>
-                    <p:nvPicPr>
-                      <p:cNvPr id="0" name=""/>
-                      <p:cNvPicPr/>
-                      <p:nvPr/>
-                    </p:nvPicPr>
-                    <p:blipFill>
-                      <a:blip r:embed="rId4"/>
-                      <a:stretch>
-                        <a:fillRect/>
-                      </a:stretch>
-                    </p:blipFill>
-                    <p:spPr>
-                      <a:xfrm>
-                        <a:off x="2706150" y="1772816"/>
-                        <a:ext cx="5067300" cy="3305175"/>
-                      </a:xfrm>
-                      <a:prstGeom prst="rect">
-                        <a:avLst/>
-                      </a:prstGeom>
-                    </p:spPr>
-                  </p:pic>
-                </p:oleObj>
-              </mc:Fallback>
-            </mc:AlternateContent>
-          </a:graphicData>
-        </a:graphic>
-      </p:graphicFrame>
+      <p:pic>
+        <p:nvPicPr>
+          <p:cNvPr id="3" name="Imagen 2"/>
+          <p:cNvPicPr>
+            <a:picLocks noChangeAspect="1"/>
+          </p:cNvPicPr>
+          <p:nvPr/>
+        </p:nvPicPr>
+        <p:blipFill>
+          <a:blip r:embed="rId2"/>
+          <a:stretch>
+            <a:fillRect/>
+          </a:stretch>
+        </p:blipFill>
+        <p:spPr>
+          <a:xfrm>
+            <a:off x="2554965" y="2060848"/>
+            <a:ext cx="5369669" cy="3168352"/>
+          </a:xfrm>
+          <a:prstGeom prst="rect">
+            <a:avLst/>
+          </a:prstGeom>
+        </p:spPr>
+      </p:pic>
     </p:spTree>
     <p:extLst>
       <p:ext uri="{BB962C8B-B14F-4D97-AF65-F5344CB8AC3E}">
@@ -13567,7 +14123,7 @@
           <a:graphicData uri="http://schemas.openxmlformats.org/presentationml/2006/ole">
             <mc:AlternateContent xmlns:mc="http://schemas.openxmlformats.org/markup-compatibility/2006">
               <mc:Choice xmlns:v="urn:schemas-microsoft-com:vml" Requires="v">
-                <p:oleObj spid="_x0000_s3149" name="Visio" r:id="rId3" imgW="10572660" imgH="6962865" progId="Visio.Drawing.15">
+                <p:oleObj spid="_x0000_s3184" name="Visio" r:id="rId3" imgW="10572660" imgH="6962865" progId="Visio.Drawing.15">
                   <p:embed/>
                 </p:oleObj>
               </mc:Choice>
@@ -13805,7 +14361,7 @@
           <a:graphicData uri="http://schemas.openxmlformats.org/presentationml/2006/ole">
             <mc:AlternateContent xmlns:mc="http://schemas.openxmlformats.org/markup-compatibility/2006">
               <mc:Choice xmlns:v="urn:schemas-microsoft-com:vml" Requires="v">
-                <p:oleObj spid="_x0000_s4164" name="Visio" r:id="rId3" imgW="4286250" imgH="1628775" progId="Visio.Drawing.15">
+                <p:oleObj spid="_x0000_s4199" name="Visio" r:id="rId3" imgW="4286250" imgH="1628775" progId="Visio.Drawing.15">
                   <p:embed/>
                 </p:oleObj>
               </mc:Choice>

--- a/ThesisDoc/IOSharp.pptx
+++ b/ThesisDoc/IOSharp.pptx
@@ -5,32 +5,33 @@
     <p:sldMasterId id="2147483821" r:id="rId1"/>
   </p:sldMasterIdLst>
   <p:notesMasterIdLst>
-    <p:notesMasterId r:id="rId25"/>
+    <p:notesMasterId r:id="rId26"/>
   </p:notesMasterIdLst>
   <p:sldIdLst>
     <p:sldId id="256" r:id="rId2"/>
     <p:sldId id="257" r:id="rId3"/>
     <p:sldId id="258" r:id="rId4"/>
-    <p:sldId id="260" r:id="rId5"/>
-    <p:sldId id="261" r:id="rId6"/>
-    <p:sldId id="272" r:id="rId7"/>
-    <p:sldId id="262" r:id="rId8"/>
-    <p:sldId id="273" r:id="rId9"/>
-    <p:sldId id="263" r:id="rId10"/>
-    <p:sldId id="264" r:id="rId11"/>
-    <p:sldId id="274" r:id="rId12"/>
-    <p:sldId id="265" r:id="rId13"/>
-    <p:sldId id="280" r:id="rId14"/>
-    <p:sldId id="281" r:id="rId15"/>
-    <p:sldId id="275" r:id="rId16"/>
-    <p:sldId id="267" r:id="rId17"/>
-    <p:sldId id="268" r:id="rId18"/>
-    <p:sldId id="269" r:id="rId19"/>
-    <p:sldId id="277" r:id="rId20"/>
-    <p:sldId id="282" r:id="rId21"/>
-    <p:sldId id="283" r:id="rId22"/>
-    <p:sldId id="271" r:id="rId23"/>
-    <p:sldId id="284" r:id="rId24"/>
+    <p:sldId id="285" r:id="rId5"/>
+    <p:sldId id="260" r:id="rId6"/>
+    <p:sldId id="261" r:id="rId7"/>
+    <p:sldId id="272" r:id="rId8"/>
+    <p:sldId id="262" r:id="rId9"/>
+    <p:sldId id="273" r:id="rId10"/>
+    <p:sldId id="263" r:id="rId11"/>
+    <p:sldId id="264" r:id="rId12"/>
+    <p:sldId id="274" r:id="rId13"/>
+    <p:sldId id="265" r:id="rId14"/>
+    <p:sldId id="286" r:id="rId15"/>
+    <p:sldId id="280" r:id="rId16"/>
+    <p:sldId id="281" r:id="rId17"/>
+    <p:sldId id="275" r:id="rId18"/>
+    <p:sldId id="267" r:id="rId19"/>
+    <p:sldId id="268" r:id="rId20"/>
+    <p:sldId id="269" r:id="rId21"/>
+    <p:sldId id="277" r:id="rId22"/>
+    <p:sldId id="282" r:id="rId23"/>
+    <p:sldId id="271" r:id="rId24"/>
+    <p:sldId id="284" r:id="rId25"/>
   </p:sldIdLst>
   <p:sldSz cx="9144000" cy="6858000" type="screen4x3"/>
   <p:notesSz cx="6858000" cy="9144000"/>
@@ -230,7 +231,7 @@
           <a:p>
             <a:fld id="{7372D0EB-124A-4188-9A04-F78DFD96931D}" type="datetimeFigureOut">
               <a:rPr lang="en-US" smtClean="0"/>
-              <a:t>2/10/2014</a:t>
+              <a:t>2/11/2014</a:t>
             </a:fld>
             <a:endParaRPr lang="en-US"/>
           </a:p>
@@ -731,7 +732,7 @@
           <a:p>
             <a:fld id="{0353FF77-1486-40B6-B94E-C1E50A1A5E63}" type="slidenum">
               <a:rPr lang="en-US" smtClean="0"/>
-              <a:t>22</a:t>
+              <a:t>23</a:t>
             </a:fld>
             <a:endParaRPr lang="en-US"/>
           </a:p>
@@ -968,7 +969,7 @@
           <a:p>
             <a:fld id="{9D3E2F9D-38DA-4D6F-8E02-326E69AF2943}" type="datetime1">
               <a:rPr lang="es-ES" smtClean="0"/>
-              <a:t>10/02/2014</a:t>
+              <a:t>11/02/2014</a:t>
             </a:fld>
             <a:endParaRPr lang="es-ES" dirty="0"/>
           </a:p>
@@ -1212,7 +1213,7 @@
           <a:p>
             <a:fld id="{A66FE1B6-4F57-4445-A278-A5087723B883}" type="datetime1">
               <a:rPr lang="es-ES" smtClean="0"/>
-              <a:t>10/02/2014</a:t>
+              <a:t>11/02/2014</a:t>
             </a:fld>
             <a:endParaRPr lang="es-ES"/>
           </a:p>
@@ -1234,10 +1235,22 @@
           <a:lstStyle/>
           <a:p>
             <a:r>
-              <a:rPr lang="es-ES" smtClean="0"/>
-              <a:t>IOSharp: .NET Micro Framework on Linux</a:t>
-            </a:r>
-            <a:endParaRPr lang="es-ES"/>
+              <a:rPr lang="es-ES" dirty="0" err="1" smtClean="0"/>
+              <a:t>IOSharp</a:t>
+            </a:r>
+            <a:r>
+              <a:rPr lang="es-ES" dirty="0" smtClean="0"/>
+              <a:t>: .NET Micro Framework </a:t>
+            </a:r>
+            <a:r>
+              <a:rPr lang="es-ES" dirty="0" err="1" smtClean="0"/>
+              <a:t>on</a:t>
+            </a:r>
+            <a:r>
+              <a:rPr lang="es-ES" dirty="0" smtClean="0"/>
+              <a:t> Linux</a:t>
+            </a:r>
+            <a:endParaRPr lang="es-ES" dirty="0"/>
           </a:p>
         </p:txBody>
       </p:sp>
@@ -1615,7 +1628,7 @@
           <a:p>
             <a:fld id="{F60366B5-A022-408C-B6C4-577A2E9117A4}" type="datetime1">
               <a:rPr lang="es-ES" smtClean="0"/>
-              <a:t>10/02/2014</a:t>
+              <a:t>11/02/2014</a:t>
             </a:fld>
             <a:endParaRPr lang="es-ES"/>
           </a:p>
@@ -1637,10 +1650,22 @@
           <a:lstStyle/>
           <a:p>
             <a:r>
-              <a:rPr lang="es-ES" smtClean="0"/>
-              <a:t>IOSharp: .NET Micro Framework on Linux</a:t>
-            </a:r>
-            <a:endParaRPr lang="es-ES"/>
+              <a:rPr lang="es-ES" dirty="0" err="1" smtClean="0"/>
+              <a:t>IOSharp</a:t>
+            </a:r>
+            <a:r>
+              <a:rPr lang="es-ES" dirty="0" smtClean="0"/>
+              <a:t>: .NET Micro Framework </a:t>
+            </a:r>
+            <a:r>
+              <a:rPr lang="es-ES" dirty="0" err="1" smtClean="0"/>
+              <a:t>on</a:t>
+            </a:r>
+            <a:r>
+              <a:rPr lang="es-ES" dirty="0" smtClean="0"/>
+              <a:t> Linux</a:t>
+            </a:r>
+            <a:endParaRPr lang="es-ES" dirty="0"/>
           </a:p>
         </p:txBody>
       </p:sp>
@@ -1953,7 +1978,7 @@
           <a:p>
             <a:fld id="{87D6D524-B0FA-4292-AD14-EDC17503A51D}" type="datetime1">
               <a:rPr lang="es-ES" smtClean="0"/>
-              <a:t>10/02/2014</a:t>
+              <a:t>11/02/2014</a:t>
             </a:fld>
             <a:endParaRPr lang="es-ES"/>
           </a:p>
@@ -1975,10 +2000,22 @@
           <a:lstStyle/>
           <a:p>
             <a:r>
-              <a:rPr lang="es-ES" smtClean="0"/>
-              <a:t>IOSharp: .NET Micro Framework on Linux</a:t>
-            </a:r>
-            <a:endParaRPr lang="es-ES"/>
+              <a:rPr lang="es-ES" dirty="0" err="1" smtClean="0"/>
+              <a:t>IOSharp</a:t>
+            </a:r>
+            <a:r>
+              <a:rPr lang="es-ES" dirty="0" smtClean="0"/>
+              <a:t>: .NET Micro Framework </a:t>
+            </a:r>
+            <a:r>
+              <a:rPr lang="es-ES" dirty="0" err="1" smtClean="0"/>
+              <a:t>on</a:t>
+            </a:r>
+            <a:r>
+              <a:rPr lang="es-ES" dirty="0" smtClean="0"/>
+              <a:t> Linux</a:t>
+            </a:r>
+            <a:endParaRPr lang="es-ES" dirty="0"/>
           </a:p>
         </p:txBody>
       </p:sp>
@@ -2275,7 +2312,7 @@
           <a:p>
             <a:fld id="{562FCECA-A66D-4047-8040-1EB238554101}" type="datetime1">
               <a:rPr lang="es-ES" smtClean="0"/>
-              <a:t>10/02/2014</a:t>
+              <a:t>11/02/2014</a:t>
             </a:fld>
             <a:endParaRPr lang="es-ES"/>
           </a:p>
@@ -2297,10 +2334,22 @@
           <a:lstStyle/>
           <a:p>
             <a:r>
-              <a:rPr lang="es-ES" smtClean="0"/>
-              <a:t>IOSharp: .NET Micro Framework on Linux</a:t>
-            </a:r>
-            <a:endParaRPr lang="es-ES"/>
+              <a:rPr lang="es-ES" dirty="0" err="1" smtClean="0"/>
+              <a:t>IOSharp</a:t>
+            </a:r>
+            <a:r>
+              <a:rPr lang="es-ES" dirty="0" smtClean="0"/>
+              <a:t>: .NET Micro Framework </a:t>
+            </a:r>
+            <a:r>
+              <a:rPr lang="es-ES" dirty="0" err="1" smtClean="0"/>
+              <a:t>on</a:t>
+            </a:r>
+            <a:r>
+              <a:rPr lang="es-ES" dirty="0" smtClean="0"/>
+              <a:t> Linux</a:t>
+            </a:r>
+            <a:endParaRPr lang="es-ES" dirty="0"/>
           </a:p>
         </p:txBody>
       </p:sp>
@@ -2673,7 +2722,7 @@
           <a:p>
             <a:fld id="{769DFE57-26CB-48BC-91AD-9E207F38B65C}" type="datetime1">
               <a:rPr lang="es-ES" smtClean="0"/>
-              <a:t>10/02/2014</a:t>
+              <a:t>11/02/2014</a:t>
             </a:fld>
             <a:endParaRPr lang="es-ES"/>
           </a:p>
@@ -2695,10 +2744,22 @@
           <a:lstStyle/>
           <a:p>
             <a:r>
-              <a:rPr lang="es-ES" smtClean="0"/>
-              <a:t>IOSharp: .NET Micro Framework on Linux</a:t>
-            </a:r>
-            <a:endParaRPr lang="es-ES"/>
+              <a:rPr lang="es-ES" dirty="0" err="1" smtClean="0"/>
+              <a:t>IOSharp</a:t>
+            </a:r>
+            <a:r>
+              <a:rPr lang="es-ES" dirty="0" smtClean="0"/>
+              <a:t>: .NET Micro Framework </a:t>
+            </a:r>
+            <a:r>
+              <a:rPr lang="es-ES" dirty="0" err="1" smtClean="0"/>
+              <a:t>on</a:t>
+            </a:r>
+            <a:r>
+              <a:rPr lang="es-ES" dirty="0" smtClean="0"/>
+              <a:t> Linux</a:t>
+            </a:r>
+            <a:endParaRPr lang="es-ES" dirty="0"/>
           </a:p>
         </p:txBody>
       </p:sp>
@@ -2932,7 +2993,7 @@
           <a:p>
             <a:fld id="{F92C9852-2065-40E2-8EB3-DADA6E88D2E4}" type="datetime1">
               <a:rPr lang="es-ES" smtClean="0"/>
-              <a:t>10/02/2014</a:t>
+              <a:t>11/02/2014</a:t>
             </a:fld>
             <a:endParaRPr lang="es-ES"/>
           </a:p>
@@ -2954,10 +3015,22 @@
           <a:lstStyle/>
           <a:p>
             <a:r>
-              <a:rPr lang="es-ES" smtClean="0"/>
-              <a:t>IOSharp: .NET Micro Framework on Linux</a:t>
-            </a:r>
-            <a:endParaRPr lang="es-ES"/>
+              <a:rPr lang="es-ES" dirty="0" err="1" smtClean="0"/>
+              <a:t>IOSharp</a:t>
+            </a:r>
+            <a:r>
+              <a:rPr lang="es-ES" dirty="0" smtClean="0"/>
+              <a:t>: .NET Micro Framework </a:t>
+            </a:r>
+            <a:r>
+              <a:rPr lang="es-ES" dirty="0" err="1" smtClean="0"/>
+              <a:t>on</a:t>
+            </a:r>
+            <a:r>
+              <a:rPr lang="es-ES" dirty="0" smtClean="0"/>
+              <a:t> Linux</a:t>
+            </a:r>
+            <a:endParaRPr lang="es-ES" dirty="0"/>
           </a:p>
         </p:txBody>
       </p:sp>
@@ -3196,7 +3269,7 @@
           <a:p>
             <a:fld id="{69939F70-6665-4FEA-B09D-F1DBBA1D2266}" type="datetime1">
               <a:rPr lang="es-ES" smtClean="0"/>
-              <a:t>10/02/2014</a:t>
+              <a:t>11/02/2014</a:t>
             </a:fld>
             <a:endParaRPr lang="es-ES"/>
           </a:p>
@@ -3218,10 +3291,22 @@
           <a:lstStyle/>
           <a:p>
             <a:r>
-              <a:rPr lang="es-ES" smtClean="0"/>
-              <a:t>IOSharp: .NET Micro Framework on Linux</a:t>
-            </a:r>
-            <a:endParaRPr lang="es-ES"/>
+              <a:rPr lang="es-ES" dirty="0" err="1" smtClean="0"/>
+              <a:t>IOSharp</a:t>
+            </a:r>
+            <a:r>
+              <a:rPr lang="es-ES" dirty="0" smtClean="0"/>
+              <a:t>: .NET Micro Framework </a:t>
+            </a:r>
+            <a:r>
+              <a:rPr lang="es-ES" dirty="0" err="1" smtClean="0"/>
+              <a:t>on</a:t>
+            </a:r>
+            <a:r>
+              <a:rPr lang="es-ES" dirty="0" smtClean="0"/>
+              <a:t> Linux</a:t>
+            </a:r>
+            <a:endParaRPr lang="es-ES" dirty="0"/>
           </a:p>
         </p:txBody>
       </p:sp>
@@ -3460,7 +3545,7 @@
           <a:p>
             <a:fld id="{C886E45F-F48B-47F5-A680-8D9C3D769D00}" type="datetime1">
               <a:rPr lang="es-ES" smtClean="0"/>
-              <a:t>10/02/2014</a:t>
+              <a:t>11/02/2014</a:t>
             </a:fld>
             <a:endParaRPr lang="es-ES"/>
           </a:p>
@@ -3837,7 +3922,7 @@
           <a:p>
             <a:fld id="{F3A88BA9-DB36-4996-99CF-7554617F1CC7}" type="datetime1">
               <a:rPr lang="es-ES" smtClean="0"/>
-              <a:t>10/02/2014</a:t>
+              <a:t>11/02/2014</a:t>
             </a:fld>
             <a:endParaRPr lang="es-ES"/>
           </a:p>
@@ -3863,10 +3948,22 @@
           </a:lstStyle>
           <a:p>
             <a:r>
-              <a:rPr lang="es-ES" smtClean="0"/>
-              <a:t>IOSharp: .NET Micro Framework on Linux</a:t>
-            </a:r>
-            <a:endParaRPr lang="es-ES"/>
+              <a:rPr lang="es-ES" dirty="0" err="1" smtClean="0"/>
+              <a:t>IOSharp</a:t>
+            </a:r>
+            <a:r>
+              <a:rPr lang="es-ES" dirty="0" smtClean="0"/>
+              <a:t>: .NET Micro Framework </a:t>
+            </a:r>
+            <a:r>
+              <a:rPr lang="es-ES" dirty="0" err="1" smtClean="0"/>
+              <a:t>on</a:t>
+            </a:r>
+            <a:r>
+              <a:rPr lang="es-ES" dirty="0" smtClean="0"/>
+              <a:t> Linux</a:t>
+            </a:r>
+            <a:endParaRPr lang="es-ES" dirty="0"/>
           </a:p>
         </p:txBody>
       </p:sp>
@@ -4166,7 +4263,7 @@
           <a:p>
             <a:fld id="{FFE94359-F0B4-4B76-BFCA-EDD95B71FCAC}" type="datetime1">
               <a:rPr lang="es-ES" smtClean="0"/>
-              <a:t>10/02/2014</a:t>
+              <a:t>11/02/2014</a:t>
             </a:fld>
             <a:endParaRPr lang="es-ES"/>
           </a:p>
@@ -4188,10 +4285,22 @@
           <a:lstStyle/>
           <a:p>
             <a:r>
-              <a:rPr lang="es-ES" smtClean="0"/>
-              <a:t>IOSharp: .NET Micro Framework on Linux</a:t>
-            </a:r>
-            <a:endParaRPr lang="es-ES"/>
+              <a:rPr lang="es-ES" dirty="0" err="1" smtClean="0"/>
+              <a:t>IOSharp</a:t>
+            </a:r>
+            <a:r>
+              <a:rPr lang="es-ES" dirty="0" smtClean="0"/>
+              <a:t>: .NET Micro Framework </a:t>
+            </a:r>
+            <a:r>
+              <a:rPr lang="es-ES" dirty="0" err="1" smtClean="0"/>
+              <a:t>on</a:t>
+            </a:r>
+            <a:r>
+              <a:rPr lang="es-ES" dirty="0" smtClean="0"/>
+              <a:t> Linux</a:t>
+            </a:r>
+            <a:endParaRPr lang="es-ES" dirty="0"/>
           </a:p>
         </p:txBody>
       </p:sp>
@@ -4625,7 +4734,7 @@
           <a:p>
             <a:fld id="{35834B84-D7F6-4436-97FD-521439A9BF19}" type="datetime1">
               <a:rPr lang="es-ES" smtClean="0"/>
-              <a:t>10/02/2014</a:t>
+              <a:t>11/02/2014</a:t>
             </a:fld>
             <a:endParaRPr lang="es-ES"/>
           </a:p>
@@ -4647,10 +4756,22 @@
           <a:lstStyle/>
           <a:p>
             <a:r>
-              <a:rPr lang="es-ES" smtClean="0"/>
-              <a:t>IOSharp: .NET Micro Framework on Linux</a:t>
-            </a:r>
-            <a:endParaRPr lang="es-ES"/>
+              <a:rPr lang="es-ES" dirty="0" err="1" smtClean="0"/>
+              <a:t>IOSharp</a:t>
+            </a:r>
+            <a:r>
+              <a:rPr lang="es-ES" dirty="0" smtClean="0"/>
+              <a:t>: .NET Micro Framework </a:t>
+            </a:r>
+            <a:r>
+              <a:rPr lang="es-ES" dirty="0" err="1" smtClean="0"/>
+              <a:t>on</a:t>
+            </a:r>
+            <a:r>
+              <a:rPr lang="es-ES" dirty="0" smtClean="0"/>
+              <a:t> Linux</a:t>
+            </a:r>
+            <a:endParaRPr lang="es-ES" dirty="0"/>
           </a:p>
         </p:txBody>
       </p:sp>
@@ -4837,7 +4958,7 @@
           <a:p>
             <a:fld id="{6C944476-9E3F-486C-BDC8-310F1AAD8AE6}" type="datetime1">
               <a:rPr lang="es-ES" smtClean="0"/>
-              <a:t>10/02/2014</a:t>
+              <a:t>11/02/2014</a:t>
             </a:fld>
             <a:endParaRPr lang="es-ES"/>
           </a:p>
@@ -4859,10 +4980,22 @@
           <a:lstStyle/>
           <a:p>
             <a:r>
-              <a:rPr lang="es-ES" smtClean="0"/>
-              <a:t>IOSharp: .NET Micro Framework on Linux</a:t>
-            </a:r>
-            <a:endParaRPr lang="es-ES"/>
+              <a:rPr lang="es-ES" dirty="0" err="1" smtClean="0"/>
+              <a:t>IOSharp</a:t>
+            </a:r>
+            <a:r>
+              <a:rPr lang="es-ES" dirty="0" smtClean="0"/>
+              <a:t>: .NET Micro Framework </a:t>
+            </a:r>
+            <a:r>
+              <a:rPr lang="es-ES" dirty="0" err="1" smtClean="0"/>
+              <a:t>on</a:t>
+            </a:r>
+            <a:r>
+              <a:rPr lang="es-ES" dirty="0" smtClean="0"/>
+              <a:t> Linux</a:t>
+            </a:r>
+            <a:endParaRPr lang="es-ES" dirty="0"/>
           </a:p>
         </p:txBody>
       </p:sp>
@@ -5016,7 +5149,7 @@
           <a:p>
             <a:fld id="{B95C774B-50AF-47D8-9EDF-9B6AFC85D210}" type="datetime1">
               <a:rPr lang="es-ES" smtClean="0"/>
-              <a:t>10/02/2014</a:t>
+              <a:t>11/02/2014</a:t>
             </a:fld>
             <a:endParaRPr lang="es-ES"/>
           </a:p>
@@ -5038,10 +5171,22 @@
           <a:lstStyle/>
           <a:p>
             <a:r>
-              <a:rPr lang="es-ES" smtClean="0"/>
-              <a:t>IOSharp: .NET Micro Framework on Linux</a:t>
-            </a:r>
-            <a:endParaRPr lang="es-ES"/>
+              <a:rPr lang="es-ES" dirty="0" err="1" smtClean="0"/>
+              <a:t>IOSharp</a:t>
+            </a:r>
+            <a:r>
+              <a:rPr lang="es-ES" dirty="0" smtClean="0"/>
+              <a:t>: .NET Micro Framework </a:t>
+            </a:r>
+            <a:r>
+              <a:rPr lang="es-ES" dirty="0" err="1" smtClean="0"/>
+              <a:t>on</a:t>
+            </a:r>
+            <a:r>
+              <a:rPr lang="es-ES" dirty="0" smtClean="0"/>
+              <a:t> Linux</a:t>
+            </a:r>
+            <a:endParaRPr lang="es-ES" dirty="0"/>
           </a:p>
         </p:txBody>
       </p:sp>
@@ -5351,7 +5496,7 @@
           <a:p>
             <a:fld id="{175269D3-134E-48AB-AA12-FE4B7076A3FD}" type="datetime1">
               <a:rPr lang="es-ES" smtClean="0"/>
-              <a:t>10/02/2014</a:t>
+              <a:t>11/02/2014</a:t>
             </a:fld>
             <a:endParaRPr lang="es-ES"/>
           </a:p>
@@ -5373,10 +5518,22 @@
           <a:lstStyle/>
           <a:p>
             <a:r>
-              <a:rPr lang="es-ES" smtClean="0"/>
-              <a:t>IOSharp: .NET Micro Framework on Linux</a:t>
-            </a:r>
-            <a:endParaRPr lang="es-ES"/>
+              <a:rPr lang="es-ES" dirty="0" err="1" smtClean="0"/>
+              <a:t>IOSharp</a:t>
+            </a:r>
+            <a:r>
+              <a:rPr lang="es-ES" dirty="0" smtClean="0"/>
+              <a:t>: .NET Micro Framework </a:t>
+            </a:r>
+            <a:r>
+              <a:rPr lang="es-ES" dirty="0" err="1" smtClean="0"/>
+              <a:t>on</a:t>
+            </a:r>
+            <a:r>
+              <a:rPr lang="es-ES" dirty="0" smtClean="0"/>
+              <a:t> Linux</a:t>
+            </a:r>
+            <a:endParaRPr lang="es-ES" dirty="0"/>
           </a:p>
         </p:txBody>
       </p:sp>
@@ -5698,7 +5855,7 @@
           <a:p>
             <a:fld id="{63F2DCCE-F6CE-4BB5-ABD4-6B29C74F5768}" type="datetime1">
               <a:rPr lang="es-ES" smtClean="0"/>
-              <a:t>10/02/2014</a:t>
+              <a:t>11/02/2014</a:t>
             </a:fld>
             <a:endParaRPr lang="es-ES"/>
           </a:p>
@@ -5720,10 +5877,22 @@
           <a:lstStyle/>
           <a:p>
             <a:r>
-              <a:rPr lang="es-ES" smtClean="0"/>
-              <a:t>IOSharp: .NET Micro Framework on Linux</a:t>
-            </a:r>
-            <a:endParaRPr lang="es-ES"/>
+              <a:rPr lang="es-ES" dirty="0" err="1" smtClean="0"/>
+              <a:t>IOSharp</a:t>
+            </a:r>
+            <a:r>
+              <a:rPr lang="es-ES" dirty="0" smtClean="0"/>
+              <a:t>: .NET Micro Framework </a:t>
+            </a:r>
+            <a:r>
+              <a:rPr lang="es-ES" dirty="0" err="1" smtClean="0"/>
+              <a:t>on</a:t>
+            </a:r>
+            <a:r>
+              <a:rPr lang="es-ES" dirty="0" smtClean="0"/>
+              <a:t> Linux</a:t>
+            </a:r>
+            <a:endParaRPr lang="es-ES" dirty="0"/>
           </a:p>
         </p:txBody>
       </p:sp>
@@ -7817,7 +7986,7 @@
           <a:p>
             <a:fld id="{0CD20DCD-2AE2-401E-BE39-52B8E760BC6B}" type="datetime1">
               <a:rPr lang="es-ES" smtClean="0"/>
-              <a:t>10/02/2014</a:t>
+              <a:t>11/02/2014</a:t>
             </a:fld>
             <a:endParaRPr lang="es-ES" dirty="0"/>
           </a:p>
@@ -7857,10 +8026,22 @@
           </a:lstStyle>
           <a:p>
             <a:r>
-              <a:rPr lang="es-ES" smtClean="0"/>
-              <a:t>IOSharp: .NET Micro Framework on Linux</a:t>
-            </a:r>
-            <a:endParaRPr lang="es-ES"/>
+              <a:rPr lang="es-ES" dirty="0" err="1" smtClean="0"/>
+              <a:t>IOSharp</a:t>
+            </a:r>
+            <a:r>
+              <a:rPr lang="es-ES" dirty="0" smtClean="0"/>
+              <a:t>: .NET Micro Framework </a:t>
+            </a:r>
+            <a:r>
+              <a:rPr lang="es-ES" dirty="0" err="1" smtClean="0"/>
+              <a:t>on</a:t>
+            </a:r>
+            <a:r>
+              <a:rPr lang="es-ES" dirty="0" smtClean="0"/>
+              <a:t> Linux</a:t>
+            </a:r>
+            <a:endParaRPr lang="es-ES" dirty="0"/>
           </a:p>
         </p:txBody>
       </p:sp>
@@ -8474,7 +8655,11 @@
           <a:p>
             <a:r>
               <a:rPr lang="en-US" dirty="0" smtClean="0"/>
-              <a:t>AUTHOR: Gerard </a:t>
+              <a:t>AUTHOR: </a:t>
+            </a:r>
+            <a:r>
+              <a:rPr lang="en-US" dirty="0" smtClean="0"/>
+              <a:t>Gerard </a:t>
             </a:r>
             <a:r>
               <a:rPr lang="en-US" dirty="0" err="1" smtClean="0"/>
@@ -8504,12 +8689,8 @@
               <a:t>DIRECTOR: </a:t>
             </a:r>
             <a:r>
-              <a:rPr lang="en-US" dirty="0"/>
-              <a:t>Jua</a:t>
-            </a:r>
-            <a:r>
               <a:rPr lang="en-US" dirty="0" smtClean="0"/>
-              <a:t>n </a:t>
+              <a:t>Juan </a:t>
             </a:r>
             <a:r>
               <a:rPr lang="en-US" dirty="0" err="1" smtClean="0"/>
@@ -8567,7 +8748,11 @@
             </a:r>
             <a:r>
               <a:rPr lang="es-ES" sz="1100" dirty="0" smtClean="0"/>
-              <a:t> Linux </a:t>
+              <a:t> </a:t>
+            </a:r>
+            <a:r>
+              <a:rPr lang="es-ES" sz="1100" dirty="0" smtClean="0"/>
+              <a:t>Linux </a:t>
             </a:r>
             <a:endParaRPr lang="es-ES" sz="1100" dirty="0"/>
           </a:p>
@@ -8627,7 +8812,7 @@
           <a:p>
             <a:r>
               <a:rPr lang="es-ES" dirty="0" smtClean="0"/>
-              <a:t>2.4.  UART</a:t>
+              <a:t>2.3.  SPI</a:t>
             </a:r>
             <a:endParaRPr lang="en-US" dirty="0"/>
           </a:p>
@@ -8635,53 +8820,7 @@
       </p:sp>
       <p:sp>
         <p:nvSpPr>
-          <p:cNvPr id="4" name="Marcador de pie de página 3"/>
-          <p:cNvSpPr>
-            <a:spLocks noGrp="1"/>
-          </p:cNvSpPr>
-          <p:nvPr>
-            <p:ph type="ftr" sz="quarter" idx="11"/>
-          </p:nvPr>
-        </p:nvSpPr>
-        <p:spPr/>
-        <p:txBody>
-          <a:bodyPr/>
-          <a:lstStyle/>
-          <a:p>
-            <a:r>
-              <a:rPr lang="es-ES" smtClean="0"/>
-              <a:t>IOSharp: .NET Micro Framework on Linux</a:t>
-            </a:r>
-            <a:endParaRPr lang="es-ES"/>
-          </a:p>
-        </p:txBody>
-      </p:sp>
-      <p:sp>
-        <p:nvSpPr>
-          <p:cNvPr id="5" name="Marcador de número de diapositiva 4"/>
-          <p:cNvSpPr>
-            <a:spLocks noGrp="1"/>
-          </p:cNvSpPr>
-          <p:nvPr>
-            <p:ph type="sldNum" sz="quarter" idx="12"/>
-          </p:nvPr>
-        </p:nvSpPr>
-        <p:spPr/>
-        <p:txBody>
-          <a:bodyPr/>
-          <a:lstStyle/>
-          <a:p>
-            <a:fld id="{8EE90C33-BF19-4C36-8633-00054130773A}" type="slidenum">
-              <a:rPr lang="es-ES" smtClean="0"/>
-              <a:t>10</a:t>
-            </a:fld>
-            <a:endParaRPr lang="es-ES"/>
-          </a:p>
-        </p:txBody>
-      </p:sp>
-      <p:sp>
-        <p:nvSpPr>
-          <p:cNvPr id="11" name="Marcador de contenido 2"/>
+          <p:cNvPr id="3" name="Marcador de contenido 2"/>
           <p:cNvSpPr>
             <a:spLocks noGrp="1"/>
           </p:cNvSpPr>
@@ -8701,7 +8840,15 @@
           <a:p>
             <a:r>
               <a:rPr lang="en-US" dirty="0" smtClean="0"/>
-              <a:t>NETMF and .NET Framework where compared</a:t>
+              <a:t>Implemented using the provided Linux Kernel</a:t>
+            </a:r>
+            <a:r>
+              <a:rPr lang="en-US" dirty="0"/>
+              <a:t> </a:t>
+            </a:r>
+            <a:r>
+              <a:rPr lang="en-US" dirty="0" smtClean="0"/>
+              <a:t>function</a:t>
             </a:r>
           </a:p>
           <a:p>
@@ -8712,100 +8859,193 @@
             <a:pPr lvl="1"/>
             <a:r>
               <a:rPr lang="en-US" dirty="0" smtClean="0"/>
-              <a:t>Same namespace </a:t>
-            </a:r>
-            <a:r>
-              <a:rPr lang="en-US" dirty="0" smtClean="0">
-                <a:sym typeface="Wingdings" panose="05000000000000000000" pitchFamily="2" charset="2"/>
-              </a:rPr>
-              <a:t> </a:t>
-            </a:r>
-            <a:r>
-              <a:rPr lang="en-US" dirty="0" err="1" smtClean="0">
-                <a:latin typeface="Consolas" panose="020B0609020204030204" pitchFamily="49" charset="0"/>
-                <a:cs typeface="Consolas" panose="020B0609020204030204" pitchFamily="49" charset="0"/>
-              </a:rPr>
-              <a:t>System.IO.Ports</a:t>
-            </a:r>
-            <a:endParaRPr lang="en-US" dirty="0" smtClean="0">
-              <a:latin typeface="Consolas" panose="020B0609020204030204" pitchFamily="49" charset="0"/>
-              <a:cs typeface="Consolas" panose="020B0609020204030204" pitchFamily="49" charset="0"/>
-            </a:endParaRPr>
+              <a:t>Included on </a:t>
+            </a:r>
+            <a:r>
+              <a:rPr lang="en-US" dirty="0" err="1" smtClean="0"/>
+              <a:t>IOSharp</a:t>
+            </a:r>
+            <a:r>
+              <a:rPr lang="en-US" dirty="0" smtClean="0"/>
+              <a:t>-C library</a:t>
+            </a:r>
           </a:p>
           <a:p>
             <a:pPr lvl="1"/>
-            <a:endParaRPr lang="en-US" dirty="0" smtClean="0">
-              <a:latin typeface="+mj-lt"/>
-              <a:cs typeface="Consolas" panose="020B0609020204030204" pitchFamily="49" charset="0"/>
-            </a:endParaRPr>
+            <a:endParaRPr lang="en-US" dirty="0" smtClean="0"/>
           </a:p>
           <a:p>
             <a:pPr lvl="1"/>
             <a:r>
-              <a:rPr lang="en-US" dirty="0" smtClean="0">
-                <a:latin typeface="+mj-lt"/>
-                <a:cs typeface="Consolas" panose="020B0609020204030204" pitchFamily="49" charset="0"/>
-              </a:rPr>
-              <a:t>Required methods for </a:t>
-            </a:r>
-            <a:r>
-              <a:rPr lang="en-US" dirty="0" err="1" smtClean="0">
-                <a:latin typeface="+mj-lt"/>
-                <a:cs typeface="Consolas" panose="020B0609020204030204" pitchFamily="49" charset="0"/>
-              </a:rPr>
-              <a:t>HomeSense</a:t>
-            </a:r>
-            <a:r>
-              <a:rPr lang="en-US" dirty="0" smtClean="0">
-                <a:latin typeface="+mj-lt"/>
-                <a:cs typeface="Consolas" panose="020B0609020204030204" pitchFamily="49" charset="0"/>
-              </a:rPr>
-              <a:t> in both implementations</a:t>
-            </a:r>
-          </a:p>
-          <a:p>
-            <a:pPr lvl="1"/>
-            <a:endParaRPr lang="en-US" dirty="0">
-              <a:latin typeface="+mj-lt"/>
-              <a:cs typeface="Consolas" panose="020B0609020204030204" pitchFamily="49" charset="0"/>
-            </a:endParaRPr>
-          </a:p>
-          <a:p>
-            <a:r>
-              <a:rPr lang="en-US" dirty="0" smtClean="0">
-                <a:latin typeface="+mj-lt"/>
-                <a:cs typeface="Consolas" panose="020B0609020204030204" pitchFamily="49" charset="0"/>
-              </a:rPr>
-              <a:t>Avoided a new reimplementation.</a:t>
-            </a:r>
-          </a:p>
-          <a:p>
-            <a:pPr lvl="1"/>
-            <a:r>
-              <a:rPr lang="en-US" dirty="0" err="1" smtClean="0">
-                <a:latin typeface="+mj-lt"/>
-                <a:cs typeface="Consolas" panose="020B0609020204030204" pitchFamily="49" charset="0"/>
-              </a:rPr>
+              <a:rPr lang="en-US" dirty="0" smtClean="0"/>
+              <a:t>P/Invoked from C#</a:t>
+            </a:r>
+            <a:endParaRPr lang="en-US" dirty="0"/>
+          </a:p>
+          <a:p>
+            <a:endParaRPr lang="en-US" dirty="0" smtClean="0"/>
+          </a:p>
+          <a:p>
+            <a:pPr marL="0" indent="0">
+              <a:buNone/>
+            </a:pPr>
+            <a:endParaRPr lang="en-US" dirty="0"/>
+          </a:p>
+        </p:txBody>
+      </p:sp>
+      <p:sp>
+        <p:nvSpPr>
+          <p:cNvPr id="4" name="Marcador de pie de página 3"/>
+          <p:cNvSpPr>
+            <a:spLocks noGrp="1"/>
+          </p:cNvSpPr>
+          <p:nvPr>
+            <p:ph type="ftr" sz="quarter" idx="11"/>
+          </p:nvPr>
+        </p:nvSpPr>
+        <p:spPr/>
+        <p:txBody>
+          <a:bodyPr/>
+          <a:lstStyle/>
+          <a:p>
+            <a:r>
+              <a:rPr lang="es-ES" dirty="0" err="1" smtClean="0"/>
               <a:t>IOSharp</a:t>
             </a:r>
             <a:r>
-              <a:rPr lang="en-US" dirty="0" smtClean="0">
-                <a:latin typeface="+mj-lt"/>
-                <a:cs typeface="Consolas" panose="020B0609020204030204" pitchFamily="49" charset="0"/>
-              </a:rPr>
-              <a:t> relays on Mono Serial Port (UART)</a:t>
-            </a:r>
-            <a:endParaRPr lang="en-US" dirty="0">
-              <a:latin typeface="+mj-lt"/>
-              <a:cs typeface="Consolas" panose="020B0609020204030204" pitchFamily="49" charset="0"/>
-            </a:endParaRPr>
+              <a:rPr lang="es-ES" dirty="0" smtClean="0"/>
+              <a:t>: .NET Micro Framework </a:t>
+            </a:r>
+            <a:r>
+              <a:rPr lang="es-ES" dirty="0" err="1" smtClean="0"/>
+              <a:t>on</a:t>
+            </a:r>
+            <a:r>
+              <a:rPr lang="es-ES" dirty="0" smtClean="0"/>
+              <a:t> Linux</a:t>
+            </a:r>
+            <a:endParaRPr lang="es-ES" dirty="0"/>
+          </a:p>
+        </p:txBody>
+      </p:sp>
+      <p:sp>
+        <p:nvSpPr>
+          <p:cNvPr id="5" name="Marcador de número de diapositiva 4"/>
+          <p:cNvSpPr>
+            <a:spLocks noGrp="1"/>
+          </p:cNvSpPr>
+          <p:nvPr>
+            <p:ph type="sldNum" sz="quarter" idx="12"/>
+          </p:nvPr>
+        </p:nvSpPr>
+        <p:spPr/>
+        <p:txBody>
+          <a:bodyPr/>
+          <a:lstStyle/>
+          <a:p>
+            <a:fld id="{8EE90C33-BF19-4C36-8633-00054130773A}" type="slidenum">
+              <a:rPr lang="es-ES" smtClean="0"/>
+              <a:t>10</a:t>
+            </a:fld>
+            <a:endParaRPr lang="es-ES"/>
+          </a:p>
+        </p:txBody>
+      </p:sp>
+      <p:graphicFrame>
+        <p:nvGraphicFramePr>
+          <p:cNvPr id="6" name="Objeto 5"/>
+          <p:cNvGraphicFramePr>
+            <a:graphicFrameLocks noChangeAspect="1"/>
+          </p:cNvGraphicFramePr>
+          <p:nvPr>
+            <p:extLst>
+              <p:ext uri="{D42A27DB-BD31-4B8C-83A1-F6EECF244321}">
+                <p14:modId xmlns:p14="http://schemas.microsoft.com/office/powerpoint/2010/main" val="1384627031"/>
+              </p:ext>
+            </p:extLst>
+          </p:nvPr>
+        </p:nvGraphicFramePr>
+        <p:xfrm>
+          <a:off x="3096674" y="3849655"/>
+          <a:ext cx="4286250" cy="1628775"/>
+        </p:xfrm>
+        <a:graphic>
+          <a:graphicData uri="http://schemas.openxmlformats.org/presentationml/2006/ole">
+            <mc:AlternateContent xmlns:mc="http://schemas.openxmlformats.org/markup-compatibility/2006">
+              <mc:Choice xmlns:v="urn:schemas-microsoft-com:vml" Requires="v">
+                <p:oleObj spid="_x0000_s4257" name="Visio" r:id="rId4" imgW="4286250" imgH="1628775" progId="Visio.Drawing.15">
+                  <p:embed/>
+                </p:oleObj>
+              </mc:Choice>
+              <mc:Fallback>
+                <p:oleObj name="Visio" r:id="rId4" imgW="4286250" imgH="1628775" progId="Visio.Drawing.15">
+                  <p:embed/>
+                  <p:pic>
+                    <p:nvPicPr>
+                      <p:cNvPr id="0" name=""/>
+                      <p:cNvPicPr/>
+                      <p:nvPr/>
+                    </p:nvPicPr>
+                    <p:blipFill>
+                      <a:blip r:embed="rId5"/>
+                      <a:stretch>
+                        <a:fillRect/>
+                      </a:stretch>
+                    </p:blipFill>
+                    <p:spPr>
+                      <a:xfrm>
+                        <a:off x="3096674" y="3849655"/>
+                        <a:ext cx="4286250" cy="1628775"/>
+                      </a:xfrm>
+                      <a:prstGeom prst="rect">
+                        <a:avLst/>
+                      </a:prstGeom>
+                    </p:spPr>
+                  </p:pic>
+                </p:oleObj>
+              </mc:Fallback>
+            </mc:AlternateContent>
+          </a:graphicData>
+        </a:graphic>
+      </p:graphicFrame>
+      <p:sp>
+        <p:nvSpPr>
+          <p:cNvPr id="7" name="CuadroTexto 6"/>
+          <p:cNvSpPr txBox="1"/>
+          <p:nvPr/>
+        </p:nvSpPr>
+        <p:spPr>
+          <a:xfrm>
+            <a:off x="3691627" y="5478430"/>
+            <a:ext cx="3096344" cy="306433"/>
+          </a:xfrm>
+          <a:prstGeom prst="rect">
+            <a:avLst/>
+          </a:prstGeom>
+          <a:noFill/>
+        </p:spPr>
+        <p:txBody>
+          <a:bodyPr wrap="square" rtlCol="0">
+            <a:spAutoFit/>
+          </a:bodyPr>
+          <a:lstStyle/>
+          <a:p>
+            <a:r>
+              <a:rPr lang="en-US" sz="1400" b="1" dirty="0" smtClean="0"/>
+              <a:t>Fig. 5: </a:t>
+            </a:r>
+            <a:r>
+              <a:rPr lang="en-US" sz="1400" dirty="0" smtClean="0"/>
+              <a:t>Master-Slave SPI example</a:t>
+            </a:r>
+            <a:endParaRPr lang="en-US" sz="1400" dirty="0"/>
           </a:p>
         </p:txBody>
       </p:sp>
     </p:spTree>
     <p:extLst>
       <p:ext uri="{BB962C8B-B14F-4D97-AF65-F5344CB8AC3E}">
-        <p14:creationId xmlns:p14="http://schemas.microsoft.com/office/powerpoint/2010/main" val="994268500"/>
+        <p14:creationId xmlns:p14="http://schemas.microsoft.com/office/powerpoint/2010/main" val="2475267576"/>
       </p:ext>
     </p:extLst>
   </p:cSld>
@@ -8855,8 +9095,8 @@
           <a:lstStyle/>
           <a:p>
             <a:r>
-              <a:rPr lang="en-US" dirty="0" smtClean="0"/>
-              <a:t>2.5.  Example</a:t>
+              <a:rPr lang="es-ES" dirty="0" smtClean="0"/>
+              <a:t>2.4.  UART</a:t>
             </a:r>
             <a:endParaRPr lang="en-US" dirty="0"/>
           </a:p>
@@ -8864,12 +9104,12 @@
       </p:sp>
       <p:sp>
         <p:nvSpPr>
-          <p:cNvPr id="3" name="Marcador de contenido 2"/>
-          <p:cNvSpPr>
-            <a:spLocks noGrp="1"/>
-          </p:cNvSpPr>
-          <p:nvPr>
-            <p:ph idx="1"/>
+          <p:cNvPr id="4" name="Marcador de pie de página 3"/>
+          <p:cNvSpPr>
+            <a:spLocks noGrp="1"/>
+          </p:cNvSpPr>
+          <p:nvPr>
+            <p:ph type="ftr" sz="quarter" idx="11"/>
           </p:nvPr>
         </p:nvSpPr>
         <p:spPr/>
@@ -8877,49 +9117,21 @@
           <a:bodyPr/>
           <a:lstStyle/>
           <a:p>
-            <a:endParaRPr lang="en-US" dirty="0" smtClean="0"/>
-          </a:p>
-          <a:p>
-            <a:endParaRPr lang="en-US" dirty="0"/>
-          </a:p>
-          <a:p>
-            <a:endParaRPr lang="en-US" dirty="0" smtClean="0"/>
-          </a:p>
-          <a:p>
-            <a:r>
-              <a:rPr lang="en-US" dirty="0" smtClean="0"/>
-              <a:t>Video showing </a:t>
-            </a:r>
-            <a:r>
-              <a:rPr lang="en-US" dirty="0" err="1" smtClean="0"/>
-              <a:t>HomeSense</a:t>
-            </a:r>
-            <a:r>
-              <a:rPr lang="en-US" dirty="0" smtClean="0"/>
-              <a:t> on Raspberry Pi</a:t>
-            </a:r>
-            <a:endParaRPr lang="en-US" dirty="0"/>
-          </a:p>
-        </p:txBody>
-      </p:sp>
-      <p:sp>
-        <p:nvSpPr>
-          <p:cNvPr id="4" name="Marcador de pie de página 3"/>
-          <p:cNvSpPr>
-            <a:spLocks noGrp="1"/>
-          </p:cNvSpPr>
-          <p:nvPr>
-            <p:ph type="ftr" sz="quarter" idx="11"/>
-          </p:nvPr>
-        </p:nvSpPr>
-        <p:spPr/>
-        <p:txBody>
-          <a:bodyPr/>
-          <a:lstStyle/>
-          <a:p>
-            <a:r>
-              <a:rPr lang="es-ES" smtClean="0"/>
-              <a:t>IOSharp: .NET Micro Framework on Linux</a:t>
+            <a:r>
+              <a:rPr lang="es-ES" dirty="0" err="1" smtClean="0"/>
+              <a:t>IOSharp</a:t>
+            </a:r>
+            <a:r>
+              <a:rPr lang="es-ES" dirty="0" smtClean="0"/>
+              <a:t>: .NET Micro Framework </a:t>
+            </a:r>
+            <a:r>
+              <a:rPr lang="es-ES" dirty="0" err="1" smtClean="0"/>
+              <a:t>on</a:t>
+            </a:r>
+            <a:r>
+              <a:rPr lang="es-ES" dirty="0" smtClean="0"/>
+              <a:t> Linux</a:t>
             </a:r>
             <a:endParaRPr lang="es-ES" dirty="0"/>
           </a:p>
@@ -8948,10 +9160,133 @@
           </a:p>
         </p:txBody>
       </p:sp>
+      <p:sp>
+        <p:nvSpPr>
+          <p:cNvPr id="11" name="Marcador de contenido 2"/>
+          <p:cNvSpPr>
+            <a:spLocks noGrp="1"/>
+          </p:cNvSpPr>
+          <p:nvPr>
+            <p:ph idx="1"/>
+          </p:nvPr>
+        </p:nvSpPr>
+        <p:spPr>
+          <a:xfrm>
+            <a:off x="1943807" y="1700808"/>
+            <a:ext cx="6591985" cy="3777622"/>
+          </a:xfrm>
+        </p:spPr>
+        <p:txBody>
+          <a:bodyPr/>
+          <a:lstStyle/>
+          <a:p>
+            <a:r>
+              <a:rPr lang="en-US" dirty="0" smtClean="0"/>
+              <a:t>NETMF and .NET Framework where compared</a:t>
+            </a:r>
+          </a:p>
+          <a:p>
+            <a:pPr lvl="1"/>
+            <a:endParaRPr lang="en-US" dirty="0" smtClean="0"/>
+          </a:p>
+          <a:p>
+            <a:pPr lvl="1"/>
+            <a:r>
+              <a:rPr lang="en-US" dirty="0" smtClean="0"/>
+              <a:t>Same namespace </a:t>
+            </a:r>
+            <a:r>
+              <a:rPr lang="en-US" dirty="0" smtClean="0">
+                <a:sym typeface="Wingdings" panose="05000000000000000000" pitchFamily="2" charset="2"/>
+              </a:rPr>
+              <a:t> </a:t>
+            </a:r>
+            <a:r>
+              <a:rPr lang="en-US" dirty="0" err="1" smtClean="0">
+                <a:latin typeface="Consolas" panose="020B0609020204030204" pitchFamily="49" charset="0"/>
+                <a:cs typeface="Consolas" panose="020B0609020204030204" pitchFamily="49" charset="0"/>
+              </a:rPr>
+              <a:t>System.IO.Ports</a:t>
+            </a:r>
+            <a:endParaRPr lang="en-US" dirty="0" smtClean="0">
+              <a:latin typeface="Consolas" panose="020B0609020204030204" pitchFamily="49" charset="0"/>
+              <a:cs typeface="Consolas" panose="020B0609020204030204" pitchFamily="49" charset="0"/>
+            </a:endParaRPr>
+          </a:p>
+          <a:p>
+            <a:pPr lvl="1"/>
+            <a:endParaRPr lang="en-US" dirty="0" smtClean="0">
+              <a:latin typeface="+mj-lt"/>
+              <a:cs typeface="Consolas" panose="020B0609020204030204" pitchFamily="49" charset="0"/>
+            </a:endParaRPr>
+          </a:p>
+          <a:p>
+            <a:pPr lvl="1"/>
+            <a:r>
+              <a:rPr lang="en-US" dirty="0" smtClean="0">
+                <a:latin typeface="+mj-lt"/>
+                <a:cs typeface="Consolas" panose="020B0609020204030204" pitchFamily="49" charset="0"/>
+              </a:rPr>
+              <a:t>Required methods for </a:t>
+            </a:r>
+            <a:r>
+              <a:rPr lang="en-US" dirty="0" err="1" smtClean="0">
+                <a:latin typeface="+mj-lt"/>
+                <a:cs typeface="Consolas" panose="020B0609020204030204" pitchFamily="49" charset="0"/>
+              </a:rPr>
+              <a:t>HomeSense</a:t>
+            </a:r>
+            <a:r>
+              <a:rPr lang="en-US" dirty="0" smtClean="0">
+                <a:latin typeface="+mj-lt"/>
+                <a:cs typeface="Consolas" panose="020B0609020204030204" pitchFamily="49" charset="0"/>
+              </a:rPr>
+              <a:t> in both implementations</a:t>
+            </a:r>
+          </a:p>
+          <a:p>
+            <a:pPr lvl="1"/>
+            <a:endParaRPr lang="en-US" dirty="0">
+              <a:latin typeface="+mj-lt"/>
+              <a:cs typeface="Consolas" panose="020B0609020204030204" pitchFamily="49" charset="0"/>
+            </a:endParaRPr>
+          </a:p>
+          <a:p>
+            <a:r>
+              <a:rPr lang="en-US" dirty="0" smtClean="0">
+                <a:latin typeface="+mj-lt"/>
+                <a:cs typeface="Consolas" panose="020B0609020204030204" pitchFamily="49" charset="0"/>
+              </a:rPr>
+              <a:t>Avoided a new reimplementation.</a:t>
+            </a:r>
+          </a:p>
+          <a:p>
+            <a:pPr lvl="1"/>
+            <a:r>
+              <a:rPr lang="en-US" dirty="0" err="1" smtClean="0">
+                <a:latin typeface="+mj-lt"/>
+                <a:cs typeface="Consolas" panose="020B0609020204030204" pitchFamily="49" charset="0"/>
+              </a:rPr>
+              <a:t>IOSharp</a:t>
+            </a:r>
+            <a:r>
+              <a:rPr lang="en-US" dirty="0" smtClean="0">
+                <a:latin typeface="+mj-lt"/>
+                <a:cs typeface="Consolas" panose="020B0609020204030204" pitchFamily="49" charset="0"/>
+              </a:rPr>
+              <a:t> relays on Mono Serial Port (UART)</a:t>
+            </a:r>
+            <a:endParaRPr lang="en-US" dirty="0">
+              <a:latin typeface="+mj-lt"/>
+              <a:cs typeface="Consolas" panose="020B0609020204030204" pitchFamily="49" charset="0"/>
+            </a:endParaRPr>
+          </a:p>
+        </p:txBody>
+      </p:sp>
     </p:spTree>
     <p:extLst>
       <p:ext uri="{BB962C8B-B14F-4D97-AF65-F5344CB8AC3E}">
-        <p14:creationId xmlns:p14="http://schemas.microsoft.com/office/powerpoint/2010/main" val="3360471616"/>
+        <p14:creationId xmlns:p14="http://schemas.microsoft.com/office/powerpoint/2010/main" val="994268500"/>
       </p:ext>
     </p:extLst>
   </p:cSld>
@@ -8995,6 +9330,198 @@
             <p:ph type="title"/>
           </p:nvPr>
         </p:nvSpPr>
+        <p:spPr/>
+        <p:txBody>
+          <a:bodyPr/>
+          <a:lstStyle/>
+          <a:p>
+            <a:r>
+              <a:rPr lang="en-US" dirty="0" smtClean="0"/>
+              <a:t>2.5.  Example</a:t>
+            </a:r>
+            <a:endParaRPr lang="en-US" dirty="0"/>
+          </a:p>
+        </p:txBody>
+      </p:sp>
+      <p:sp>
+        <p:nvSpPr>
+          <p:cNvPr id="3" name="Marcador de contenido 2"/>
+          <p:cNvSpPr>
+            <a:spLocks noGrp="1"/>
+          </p:cNvSpPr>
+          <p:nvPr>
+            <p:ph idx="1"/>
+          </p:nvPr>
+        </p:nvSpPr>
+        <p:spPr/>
+        <p:txBody>
+          <a:bodyPr/>
+          <a:lstStyle/>
+          <a:p>
+            <a:r>
+              <a:rPr lang="en-US" dirty="0" err="1" smtClean="0"/>
+              <a:t>HomeSense</a:t>
+            </a:r>
+            <a:r>
+              <a:rPr lang="en-US" dirty="0" smtClean="0"/>
+              <a:t> proves that the GPIO, SPI, UART and Interrupts are working on the </a:t>
+            </a:r>
+            <a:r>
+              <a:rPr lang="en-US" dirty="0" err="1" smtClean="0"/>
+              <a:t>IOSharp</a:t>
+            </a:r>
+            <a:r>
+              <a:rPr lang="en-US" dirty="0" smtClean="0"/>
+              <a:t> implementation</a:t>
+            </a:r>
+          </a:p>
+          <a:p>
+            <a:pPr lvl="1"/>
+            <a:r>
+              <a:rPr lang="en-US" dirty="0" smtClean="0"/>
+              <a:t>First milestone is accomplished</a:t>
+            </a:r>
+          </a:p>
+          <a:p>
+            <a:endParaRPr lang="en-US" dirty="0"/>
+          </a:p>
+          <a:p>
+            <a:r>
+              <a:rPr lang="en-US" dirty="0" smtClean="0"/>
+              <a:t>Video showing </a:t>
+            </a:r>
+            <a:r>
+              <a:rPr lang="en-US" dirty="0" err="1" smtClean="0"/>
+              <a:t>HomeSense</a:t>
+            </a:r>
+            <a:r>
+              <a:rPr lang="en-US" dirty="0" smtClean="0"/>
+              <a:t> on Raspberry Pi</a:t>
+            </a:r>
+          </a:p>
+          <a:p>
+            <a:endParaRPr lang="en-US" dirty="0"/>
+          </a:p>
+          <a:p>
+            <a:r>
+              <a:rPr lang="en-US" dirty="0" err="1"/>
+              <a:t>IOSharp</a:t>
+            </a:r>
+            <a:r>
+              <a:rPr lang="en-US" dirty="0"/>
+              <a:t> requires one more transmission than NETMF</a:t>
+            </a:r>
+          </a:p>
+          <a:p>
+            <a:endParaRPr lang="en-US" dirty="0"/>
+          </a:p>
+        </p:txBody>
+      </p:sp>
+      <p:sp>
+        <p:nvSpPr>
+          <p:cNvPr id="4" name="Marcador de pie de página 3"/>
+          <p:cNvSpPr>
+            <a:spLocks noGrp="1"/>
+          </p:cNvSpPr>
+          <p:nvPr>
+            <p:ph type="ftr" sz="quarter" idx="11"/>
+          </p:nvPr>
+        </p:nvSpPr>
+        <p:spPr/>
+        <p:txBody>
+          <a:bodyPr/>
+          <a:lstStyle/>
+          <a:p>
+            <a:r>
+              <a:rPr lang="es-ES" dirty="0" err="1" smtClean="0"/>
+              <a:t>IOSharp</a:t>
+            </a:r>
+            <a:r>
+              <a:rPr lang="es-ES" dirty="0" smtClean="0"/>
+              <a:t>: .NET Micro Framework </a:t>
+            </a:r>
+            <a:r>
+              <a:rPr lang="es-ES" dirty="0" err="1" smtClean="0"/>
+              <a:t>on</a:t>
+            </a:r>
+            <a:r>
+              <a:rPr lang="es-ES" dirty="0" smtClean="0"/>
+              <a:t> Linux</a:t>
+            </a:r>
+            <a:endParaRPr lang="es-ES" dirty="0"/>
+          </a:p>
+        </p:txBody>
+      </p:sp>
+      <p:sp>
+        <p:nvSpPr>
+          <p:cNvPr id="5" name="Marcador de número de diapositiva 4"/>
+          <p:cNvSpPr>
+            <a:spLocks noGrp="1"/>
+          </p:cNvSpPr>
+          <p:nvPr>
+            <p:ph type="sldNum" sz="quarter" idx="12"/>
+          </p:nvPr>
+        </p:nvSpPr>
+        <p:spPr/>
+        <p:txBody>
+          <a:bodyPr/>
+          <a:lstStyle/>
+          <a:p>
+            <a:fld id="{8EE90C33-BF19-4C36-8633-00054130773A}" type="slidenum">
+              <a:rPr lang="es-ES" smtClean="0"/>
+              <a:t>12</a:t>
+            </a:fld>
+            <a:endParaRPr lang="es-ES"/>
+          </a:p>
+        </p:txBody>
+      </p:sp>
+    </p:spTree>
+    <p:extLst>
+      <p:ext uri="{BB962C8B-B14F-4D97-AF65-F5344CB8AC3E}">
+        <p14:creationId xmlns:p14="http://schemas.microsoft.com/office/powerpoint/2010/main" val="3360471616"/>
+      </p:ext>
+    </p:extLst>
+  </p:cSld>
+  <p:clrMapOvr>
+    <a:masterClrMapping/>
+  </p:clrMapOvr>
+  <p:timing>
+    <p:tnLst>
+      <p:par>
+        <p:cTn id="1" dur="indefinite" restart="never" nodeType="tmRoot"/>
+      </p:par>
+    </p:tnLst>
+  </p:timing>
+</p:sld>
+</file>
+
+<file path=ppt/slides/slide13.xml><?xml version="1.0" encoding="utf-8"?>
+<p:sld xmlns:a="http://schemas.openxmlformats.org/drawingml/2006/main" xmlns:r="http://schemas.openxmlformats.org/officeDocument/2006/relationships" xmlns:p="http://schemas.openxmlformats.org/presentationml/2006/main">
+  <p:cSld>
+    <p:spTree>
+      <p:nvGrpSpPr>
+        <p:cNvPr id="1" name=""/>
+        <p:cNvGrpSpPr/>
+        <p:nvPr/>
+      </p:nvGrpSpPr>
+      <p:grpSpPr>
+        <a:xfrm>
+          <a:off x="0" y="0"/>
+          <a:ext cx="0" cy="0"/>
+          <a:chOff x="0" y="0"/>
+          <a:chExt cx="0" cy="0"/>
+        </a:xfrm>
+      </p:grpSpPr>
+      <p:sp>
+        <p:nvSpPr>
+          <p:cNvPr id="2" name="Título 1"/>
+          <p:cNvSpPr>
+            <a:spLocks noGrp="1"/>
+          </p:cNvSpPr>
+          <p:nvPr>
+            <p:ph type="title"/>
+          </p:nvPr>
+        </p:nvSpPr>
         <p:spPr>
           <a:xfrm>
             <a:off x="1945201" y="624110"/>
@@ -9045,7 +9572,7 @@
         </p:blipFill>
         <p:spPr>
           <a:xfrm>
-            <a:off x="1942415" y="4437112"/>
+            <a:off x="1931160" y="4019883"/>
             <a:ext cx="6591300" cy="1569357"/>
           </a:xfrm>
         </p:spPr>
@@ -9066,10 +9593,22 @@
           <a:lstStyle/>
           <a:p>
             <a:r>
-              <a:rPr lang="es-ES" smtClean="0"/>
-              <a:t>IOSharp: .NET Micro Framework on Linux</a:t>
-            </a:r>
-            <a:endParaRPr lang="es-ES"/>
+              <a:rPr lang="es-ES" dirty="0" err="1" smtClean="0"/>
+              <a:t>IOSharp</a:t>
+            </a:r>
+            <a:r>
+              <a:rPr lang="es-ES" dirty="0" smtClean="0"/>
+              <a:t>: .NET Micro Framework </a:t>
+            </a:r>
+            <a:r>
+              <a:rPr lang="es-ES" dirty="0" err="1" smtClean="0"/>
+              <a:t>on</a:t>
+            </a:r>
+            <a:r>
+              <a:rPr lang="es-ES" dirty="0" smtClean="0"/>
+              <a:t> Linux</a:t>
+            </a:r>
+            <a:endParaRPr lang="es-ES" dirty="0"/>
           </a:p>
         </p:txBody>
       </p:sp>
@@ -9090,7 +9629,7 @@
           <a:p>
             <a:fld id="{8EE90C33-BF19-4C36-8633-00054130773A}" type="slidenum">
               <a:rPr lang="es-ES" smtClean="0"/>
-              <a:t>12</a:t>
+              <a:t>13</a:t>
             </a:fld>
             <a:endParaRPr lang="es-ES"/>
           </a:p>
@@ -9348,9 +9887,6 @@
             </a:r>
           </a:p>
           <a:p>
-            <a:endParaRPr lang="en-US" dirty="0" smtClean="0"/>
-          </a:p>
-          <a:p>
             <a:r>
               <a:rPr lang="en-US" dirty="0" smtClean="0"/>
               <a:t>Use cases:</a:t>
@@ -9367,7 +9903,7 @@
             <a:pPr lvl="1"/>
             <a:r>
               <a:rPr lang="en-US" dirty="0" smtClean="0"/>
-              <a:t>Cross-Platform assembly generator</a:t>
+              <a:t>Cross-Platform development</a:t>
             </a:r>
             <a:endParaRPr lang="en-US" dirty="0"/>
           </a:p>
@@ -9402,6 +9938,44 @@
           </a:prstGeom>
         </p:spPr>
       </p:pic>
+      <p:sp>
+        <p:nvSpPr>
+          <p:cNvPr id="8" name="CuadroTexto 7"/>
+          <p:cNvSpPr txBox="1"/>
+          <p:nvPr/>
+        </p:nvSpPr>
+        <p:spPr>
+          <a:xfrm>
+            <a:off x="3392341" y="5607770"/>
+            <a:ext cx="3690762" cy="307777"/>
+          </a:xfrm>
+          <a:prstGeom prst="rect">
+            <a:avLst/>
+          </a:prstGeom>
+          <a:noFill/>
+        </p:spPr>
+        <p:txBody>
+          <a:bodyPr wrap="square" rtlCol="0">
+            <a:spAutoFit/>
+          </a:bodyPr>
+          <a:lstStyle/>
+          <a:p>
+            <a:r>
+              <a:rPr lang="en-US" sz="1400" b="1" dirty="0" smtClean="0"/>
+              <a:t>Fig. 6: </a:t>
+            </a:r>
+            <a:r>
+              <a:rPr lang="en-US" sz="1400" dirty="0" err="1" smtClean="0"/>
+              <a:t>AlterNative</a:t>
+            </a:r>
+            <a:r>
+              <a:rPr lang="en-US" sz="1400" dirty="0" smtClean="0"/>
+              <a:t> translation process</a:t>
+            </a:r>
+            <a:endParaRPr lang="en-US" sz="1400" dirty="0"/>
+          </a:p>
+        </p:txBody>
+      </p:sp>
     </p:spTree>
     <p:extLst>
       <p:ext uri="{BB962C8B-B14F-4D97-AF65-F5344CB8AC3E}">
@@ -9422,7 +9996,7 @@
 </p:sld>
 </file>
 
-<file path=ppt/slides/slide13.xml><?xml version="1.0" encoding="utf-8"?>
+<file path=ppt/slides/slide14.xml><?xml version="1.0" encoding="utf-8"?>
 <p:sld xmlns:a="http://schemas.openxmlformats.org/drawingml/2006/main" xmlns:r="http://schemas.openxmlformats.org/officeDocument/2006/relationships" xmlns:p="http://schemas.openxmlformats.org/presentationml/2006/main">
   <p:cSld>
     <p:spTree>
@@ -9449,6 +10023,202 @@
             <p:ph type="title"/>
           </p:nvPr>
         </p:nvSpPr>
+        <p:spPr/>
+        <p:txBody>
+          <a:bodyPr/>
+          <a:lstStyle/>
+          <a:p>
+            <a:r>
+              <a:rPr lang="en-US" dirty="0" smtClean="0"/>
+              <a:t>3.1.  Contributions</a:t>
+            </a:r>
+            <a:endParaRPr lang="en-US" dirty="0"/>
+          </a:p>
+        </p:txBody>
+      </p:sp>
+      <p:sp>
+        <p:nvSpPr>
+          <p:cNvPr id="3" name="Marcador de contenido 2"/>
+          <p:cNvSpPr>
+            <a:spLocks noGrp="1"/>
+          </p:cNvSpPr>
+          <p:nvPr>
+            <p:ph idx="1"/>
+          </p:nvPr>
+        </p:nvSpPr>
+        <p:spPr/>
+        <p:txBody>
+          <a:bodyPr/>
+          <a:lstStyle/>
+          <a:p>
+            <a:endParaRPr lang="en-US" dirty="0"/>
+          </a:p>
+          <a:p>
+            <a:r>
+              <a:rPr lang="en-US" dirty="0" smtClean="0"/>
+              <a:t>Make </a:t>
+            </a:r>
+            <a:r>
+              <a:rPr lang="en-US" dirty="0" err="1" smtClean="0"/>
+              <a:t>AlterNative</a:t>
+            </a:r>
+            <a:r>
+              <a:rPr lang="en-US" dirty="0" smtClean="0"/>
+              <a:t> compatible with Linux and </a:t>
+            </a:r>
+            <a:r>
+              <a:rPr lang="en-US" dirty="0" err="1" smtClean="0"/>
+              <a:t>MacOSX</a:t>
+            </a:r>
+            <a:endParaRPr lang="en-US" dirty="0" smtClean="0"/>
+          </a:p>
+          <a:p>
+            <a:endParaRPr lang="en-US" dirty="0"/>
+          </a:p>
+          <a:p>
+            <a:r>
+              <a:rPr lang="en-US" dirty="0" smtClean="0"/>
+              <a:t>Develop parts of the proprietary library for Linux</a:t>
+            </a:r>
+          </a:p>
+          <a:p>
+            <a:pPr lvl="1"/>
+            <a:r>
+              <a:rPr lang="en-US" dirty="0" err="1" smtClean="0"/>
+              <a:t>DateTime</a:t>
+            </a:r>
+            <a:endParaRPr lang="en-US" dirty="0" smtClean="0"/>
+          </a:p>
+          <a:p>
+            <a:pPr lvl="1"/>
+            <a:r>
+              <a:rPr lang="en-US" dirty="0" err="1" smtClean="0"/>
+              <a:t>TimeSpan</a:t>
+            </a:r>
+            <a:endParaRPr lang="en-US" dirty="0" smtClean="0"/>
+          </a:p>
+          <a:p>
+            <a:pPr lvl="1"/>
+            <a:r>
+              <a:rPr lang="en-US" dirty="0" smtClean="0"/>
+              <a:t>File</a:t>
+            </a:r>
+          </a:p>
+          <a:p>
+            <a:pPr lvl="1"/>
+            <a:r>
+              <a:rPr lang="en-US" dirty="0" smtClean="0"/>
+              <a:t>Encoding</a:t>
+            </a:r>
+            <a:endParaRPr lang="en-US" dirty="0"/>
+          </a:p>
+        </p:txBody>
+      </p:sp>
+      <p:sp>
+        <p:nvSpPr>
+          <p:cNvPr id="4" name="Marcador de pie de página 3"/>
+          <p:cNvSpPr>
+            <a:spLocks noGrp="1"/>
+          </p:cNvSpPr>
+          <p:nvPr>
+            <p:ph type="ftr" sz="quarter" idx="11"/>
+          </p:nvPr>
+        </p:nvSpPr>
+        <p:spPr/>
+        <p:txBody>
+          <a:bodyPr/>
+          <a:lstStyle/>
+          <a:p>
+            <a:r>
+              <a:rPr lang="es-ES" dirty="0" err="1" smtClean="0"/>
+              <a:t>IOSharp</a:t>
+            </a:r>
+            <a:r>
+              <a:rPr lang="es-ES" dirty="0" smtClean="0"/>
+              <a:t>: .NET Micro Framework </a:t>
+            </a:r>
+            <a:r>
+              <a:rPr lang="es-ES" dirty="0" err="1" smtClean="0"/>
+              <a:t>on</a:t>
+            </a:r>
+            <a:r>
+              <a:rPr lang="es-ES" dirty="0" smtClean="0"/>
+              <a:t> Linux</a:t>
+            </a:r>
+            <a:endParaRPr lang="es-ES" dirty="0"/>
+          </a:p>
+        </p:txBody>
+      </p:sp>
+      <p:sp>
+        <p:nvSpPr>
+          <p:cNvPr id="5" name="Marcador de número de diapositiva 4"/>
+          <p:cNvSpPr>
+            <a:spLocks noGrp="1"/>
+          </p:cNvSpPr>
+          <p:nvPr>
+            <p:ph type="sldNum" sz="quarter" idx="12"/>
+          </p:nvPr>
+        </p:nvSpPr>
+        <p:spPr/>
+        <p:txBody>
+          <a:bodyPr/>
+          <a:lstStyle/>
+          <a:p>
+            <a:fld id="{8EE90C33-BF19-4C36-8633-00054130773A}" type="slidenum">
+              <a:rPr lang="es-ES" smtClean="0"/>
+              <a:t>14</a:t>
+            </a:fld>
+            <a:endParaRPr lang="es-ES"/>
+          </a:p>
+        </p:txBody>
+      </p:sp>
+    </p:spTree>
+    <p:extLst>
+      <p:ext uri="{BB962C8B-B14F-4D97-AF65-F5344CB8AC3E}">
+        <p14:creationId xmlns:p14="http://schemas.microsoft.com/office/powerpoint/2010/main" val="1443747161"/>
+      </p:ext>
+    </p:extLst>
+  </p:cSld>
+  <p:clrMapOvr>
+    <a:masterClrMapping/>
+  </p:clrMapOvr>
+  <p:timing>
+    <p:tnLst>
+      <p:par>
+        <p:cTn id="1" dur="indefinite" restart="never" nodeType="tmRoot"/>
+      </p:par>
+    </p:tnLst>
+  </p:timing>
+</p:sld>
+</file>
+
+<file path=ppt/slides/slide15.xml><?xml version="1.0" encoding="utf-8"?>
+<p:sld xmlns:a="http://schemas.openxmlformats.org/drawingml/2006/main" xmlns:r="http://schemas.openxmlformats.org/officeDocument/2006/relationships" xmlns:p="http://schemas.openxmlformats.org/presentationml/2006/main">
+  <p:cSld>
+    <p:spTree>
+      <p:nvGrpSpPr>
+        <p:cNvPr id="1" name=""/>
+        <p:cNvGrpSpPr/>
+        <p:nvPr/>
+      </p:nvGrpSpPr>
+      <p:grpSpPr>
+        <a:xfrm>
+          <a:off x="0" y="0"/>
+          <a:ext cx="0" cy="0"/>
+          <a:chOff x="0" y="0"/>
+          <a:chExt cx="0" cy="0"/>
+        </a:xfrm>
+      </p:grpSpPr>
+      <p:sp>
+        <p:nvSpPr>
+          <p:cNvPr id="2" name="Título 1"/>
+          <p:cNvSpPr>
+            <a:spLocks noGrp="1"/>
+          </p:cNvSpPr>
+          <p:nvPr>
+            <p:ph type="title"/>
+          </p:nvPr>
+        </p:nvSpPr>
         <p:spPr>
           <a:xfrm>
             <a:off x="1945201" y="624110"/>
@@ -9460,8 +10230,12 @@
           <a:lstStyle/>
           <a:p>
             <a:r>
+              <a:rPr lang="en-US" dirty="0" smtClean="0"/>
+              <a:t>3.2.  </a:t>
+            </a:r>
+            <a:r>
               <a:rPr lang="en-US" dirty="0"/>
-              <a:t>3.1.  Translation</a:t>
+              <a:t>Translation</a:t>
             </a:r>
             <a:r>
               <a:rPr lang="es-ES" dirty="0"/>
@@ -9490,8 +10264,20 @@
           <a:lstStyle/>
           <a:p>
             <a:r>
-              <a:rPr lang="es-ES" smtClean="0"/>
-              <a:t>IOSharp: .NET Micro Framework on Linux</a:t>
+              <a:rPr lang="es-ES" dirty="0" err="1" smtClean="0"/>
+              <a:t>IOSharp</a:t>
+            </a:r>
+            <a:r>
+              <a:rPr lang="es-ES" dirty="0" smtClean="0"/>
+              <a:t>: .NET Micro Framework </a:t>
+            </a:r>
+            <a:r>
+              <a:rPr lang="es-ES" dirty="0" err="1" smtClean="0"/>
+              <a:t>on</a:t>
+            </a:r>
+            <a:r>
+              <a:rPr lang="es-ES" dirty="0" smtClean="0"/>
+              <a:t> Linux</a:t>
             </a:r>
             <a:endParaRPr lang="es-ES" dirty="0"/>
           </a:p>
@@ -9514,7 +10300,7 @@
           <a:p>
             <a:fld id="{8EE90C33-BF19-4C36-8633-00054130773A}" type="slidenum">
               <a:rPr lang="es-ES" smtClean="0"/>
-              <a:t>13</a:t>
+              <a:t>15</a:t>
             </a:fld>
             <a:endParaRPr lang="es-ES"/>
           </a:p>
@@ -9528,8 +10314,8 @@
         </p:nvSpPr>
         <p:spPr>
           <a:xfrm>
-            <a:off x="3060782" y="2231078"/>
-            <a:ext cx="3479754" cy="369332"/>
+            <a:off x="3042780" y="1449512"/>
+            <a:ext cx="4031498" cy="1754326"/>
           </a:xfrm>
           <a:prstGeom prst="rect">
             <a:avLst/>
@@ -9559,66 +10345,254 @@
               <a:buNone/>
             </a:pPr>
             <a:r>
-              <a:rPr lang="es-ES" dirty="0" err="1" smtClean="0">
+              <a:rPr lang="es-ES" sz="1600" dirty="0" err="1" smtClean="0">
+                <a:solidFill>
+                  <a:schemeClr val="accent2">
+                    <a:lumMod val="75000"/>
+                  </a:schemeClr>
+                </a:solidFill>
                 <a:latin typeface="Consolas" panose="020B0609020204030204" pitchFamily="49" charset="0"/>
                 <a:cs typeface="Consolas" panose="020B0609020204030204" pitchFamily="49" charset="0"/>
               </a:rPr>
               <a:t>void</a:t>
             </a:r>
             <a:r>
-              <a:rPr lang="es-ES" dirty="0" smtClean="0">
+              <a:rPr lang="es-ES" sz="1600" dirty="0" smtClean="0">
+                <a:solidFill>
+                  <a:schemeClr val="accent2">
+                    <a:lumMod val="75000"/>
+                  </a:schemeClr>
+                </a:solidFill>
                 <a:latin typeface="Consolas" panose="020B0609020204030204" pitchFamily="49" charset="0"/>
                 <a:cs typeface="Consolas" panose="020B0609020204030204" pitchFamily="49" charset="0"/>
               </a:rPr>
               <a:t> </a:t>
             </a:r>
             <a:r>
-              <a:rPr lang="es-ES" dirty="0" err="1" smtClean="0">
+              <a:rPr lang="es-ES" sz="1600" dirty="0" err="1" smtClean="0">
+                <a:solidFill>
+                  <a:schemeClr val="accent2">
+                    <a:lumMod val="75000"/>
+                  </a:schemeClr>
+                </a:solidFill>
                 <a:latin typeface="Consolas" panose="020B0609020204030204" pitchFamily="49" charset="0"/>
                 <a:cs typeface="Consolas" panose="020B0609020204030204" pitchFamily="49" charset="0"/>
               </a:rPr>
               <a:t>Main</a:t>
             </a:r>
             <a:r>
-              <a:rPr lang="es-ES" dirty="0" smtClean="0">
+              <a:rPr lang="es-ES" sz="1600" dirty="0" smtClean="0">
+                <a:solidFill>
+                  <a:schemeClr val="accent2">
+                    <a:lumMod val="75000"/>
+                  </a:schemeClr>
+                </a:solidFill>
                 <a:latin typeface="Consolas" panose="020B0609020204030204" pitchFamily="49" charset="0"/>
                 <a:cs typeface="Consolas" panose="020B0609020204030204" pitchFamily="49" charset="0"/>
               </a:rPr>
               <a:t>(</a:t>
             </a:r>
             <a:r>
-              <a:rPr lang="es-ES" dirty="0" err="1" smtClean="0">
+              <a:rPr lang="es-ES" sz="1600" dirty="0" err="1" smtClean="0">
+                <a:solidFill>
+                  <a:schemeClr val="accent2">
+                    <a:lumMod val="75000"/>
+                  </a:schemeClr>
+                </a:solidFill>
                 <a:latin typeface="Consolas" panose="020B0609020204030204" pitchFamily="49" charset="0"/>
                 <a:cs typeface="Consolas" panose="020B0609020204030204" pitchFamily="49" charset="0"/>
               </a:rPr>
               <a:t>string</a:t>
             </a:r>
             <a:r>
-              <a:rPr lang="es-ES" dirty="0" smtClean="0">
+              <a:rPr lang="es-ES" sz="1600" dirty="0" smtClean="0">
+                <a:solidFill>
+                  <a:schemeClr val="accent2">
+                    <a:lumMod val="75000"/>
+                  </a:schemeClr>
+                </a:solidFill>
                 <a:latin typeface="Consolas" panose="020B0609020204030204" pitchFamily="49" charset="0"/>
                 <a:cs typeface="Consolas" panose="020B0609020204030204" pitchFamily="49" charset="0"/>
               </a:rPr>
               <a:t>[] </a:t>
             </a:r>
             <a:r>
-              <a:rPr lang="es-ES" dirty="0" err="1" smtClean="0">
+              <a:rPr lang="es-ES" sz="1600" dirty="0" err="1" smtClean="0">
+                <a:solidFill>
+                  <a:schemeClr val="accent2">
+                    <a:lumMod val="75000"/>
+                  </a:schemeClr>
+                </a:solidFill>
                 <a:latin typeface="Consolas" panose="020B0609020204030204" pitchFamily="49" charset="0"/>
                 <a:cs typeface="Consolas" panose="020B0609020204030204" pitchFamily="49" charset="0"/>
               </a:rPr>
               <a:t>args</a:t>
             </a:r>
             <a:r>
-              <a:rPr lang="es-ES" dirty="0" smtClean="0">
+              <a:rPr lang="es-ES" sz="1600" dirty="0" smtClean="0">
+                <a:solidFill>
+                  <a:schemeClr val="accent2">
+                    <a:lumMod val="75000"/>
+                  </a:schemeClr>
+                </a:solidFill>
                 <a:latin typeface="Consolas" panose="020B0609020204030204" pitchFamily="49" charset="0"/>
                 <a:cs typeface="Consolas" panose="020B0609020204030204" pitchFamily="49" charset="0"/>
               </a:rPr>
-              <a:t>){}</a:t>
-            </a:r>
-            <a:endParaRPr lang="es-ES" dirty="0">
+              <a:t>)</a:t>
+            </a:r>
+            <a:r>
+              <a:rPr lang="es-ES" sz="1600" dirty="0" smtClean="0">
+                <a:latin typeface="Consolas" panose="020B0609020204030204" pitchFamily="49" charset="0"/>
+                <a:cs typeface="Consolas" panose="020B0609020204030204" pitchFamily="49" charset="0"/>
+              </a:rPr>
+              <a:t>{</a:t>
+            </a:r>
+          </a:p>
+          <a:p>
+            <a:pPr lvl="1"/>
+            <a:r>
+              <a:rPr lang="en-US" sz="1100" dirty="0" err="1" smtClean="0"/>
+              <a:t>Console.</a:t>
+            </a:r>
+            <a:r>
+              <a:rPr lang="en-US" sz="1100" b="1" dirty="0" err="1" smtClean="0"/>
+              <a:t>WriteLine</a:t>
+            </a:r>
+            <a:r>
+              <a:rPr lang="en-US" sz="1100" dirty="0" smtClean="0"/>
+              <a:t>("Write a String");</a:t>
+            </a:r>
+            <a:br>
+              <a:rPr lang="en-US" sz="1100" dirty="0" smtClean="0"/>
+            </a:br>
+            <a:r>
+              <a:rPr lang="en-US" sz="1100" dirty="0" smtClean="0"/>
+              <a:t>string line = </a:t>
+            </a:r>
+            <a:r>
+              <a:rPr lang="en-US" sz="1100" dirty="0" err="1" smtClean="0"/>
+              <a:t>Console.</a:t>
+            </a:r>
+            <a:r>
+              <a:rPr lang="en-US" sz="1100" b="1" dirty="0" err="1" smtClean="0"/>
+              <a:t>ReadLine</a:t>
+            </a:r>
+            <a:r>
+              <a:rPr lang="en-US" sz="1100" dirty="0" smtClean="0"/>
+              <a:t>();</a:t>
+            </a:r>
+            <a:br>
+              <a:rPr lang="en-US" sz="1100" dirty="0" smtClean="0"/>
+            </a:br>
+            <a:r>
+              <a:rPr lang="en-US" sz="1100" dirty="0" err="1" smtClean="0"/>
+              <a:t>Console.</a:t>
+            </a:r>
+            <a:r>
+              <a:rPr lang="en-US" sz="1100" b="1" dirty="0" err="1" smtClean="0"/>
+              <a:t>WriteLine</a:t>
+            </a:r>
+            <a:r>
+              <a:rPr lang="en-US" sz="1100" dirty="0" smtClean="0"/>
+              <a:t>("Read line: " + line);</a:t>
+            </a:r>
+            <a:br>
+              <a:rPr lang="en-US" sz="1100" dirty="0" smtClean="0"/>
+            </a:br>
+            <a:r>
+              <a:rPr lang="en-US" sz="1100" b="1" dirty="0" smtClean="0"/>
+              <a:t>byte</a:t>
+            </a:r>
+            <a:r>
+              <a:rPr lang="en-US" sz="1100" dirty="0"/>
+              <a:t>[] b = </a:t>
+            </a:r>
+            <a:r>
+              <a:rPr lang="en-US" sz="1100" b="1" dirty="0"/>
+              <a:t>new</a:t>
+            </a:r>
+            <a:r>
+              <a:rPr lang="en-US" sz="1100" dirty="0"/>
+              <a:t> </a:t>
+            </a:r>
+            <a:r>
+              <a:rPr lang="en-US" sz="1100" b="1" dirty="0"/>
+              <a:t>byte</a:t>
+            </a:r>
+            <a:r>
+              <a:rPr lang="en-US" sz="1100" dirty="0"/>
+              <a:t>[2];</a:t>
+            </a:r>
+            <a:br>
+              <a:rPr lang="en-US" sz="1100" dirty="0"/>
+            </a:br>
+            <a:r>
+              <a:rPr lang="en-US" sz="1100" dirty="0" smtClean="0"/>
+              <a:t>b[0</a:t>
+            </a:r>
+            <a:r>
+              <a:rPr lang="en-US" sz="1100" dirty="0"/>
+              <a:t>] = 0;</a:t>
+            </a:r>
+            <a:br>
+              <a:rPr lang="en-US" sz="1100" dirty="0"/>
+            </a:br>
+            <a:r>
+              <a:rPr lang="en-US" sz="1100" dirty="0" smtClean="0"/>
+              <a:t>b[1</a:t>
+            </a:r>
+            <a:r>
+              <a:rPr lang="en-US" sz="1100" dirty="0"/>
+              <a:t>] = 255;</a:t>
+            </a:r>
+            <a:br>
+              <a:rPr lang="en-US" sz="1100" dirty="0"/>
+            </a:br>
+            <a:r>
+              <a:rPr lang="en-US" sz="1100" dirty="0" err="1" smtClean="0"/>
+              <a:t>Console.</a:t>
+            </a:r>
+            <a:r>
+              <a:rPr lang="en-US" sz="1100" b="1" dirty="0" err="1" smtClean="0"/>
+              <a:t>WriteLine</a:t>
+            </a:r>
+            <a:r>
+              <a:rPr lang="en-US" sz="1100" dirty="0" smtClean="0"/>
+              <a:t>(Encoding.UTF8.</a:t>
+            </a:r>
+            <a:r>
+              <a:rPr lang="en-US" sz="1100" b="1" dirty="0" smtClean="0"/>
+              <a:t>GetString</a:t>
+            </a:r>
+            <a:r>
+              <a:rPr lang="en-US" sz="1100" dirty="0" smtClean="0"/>
+              <a:t>(b</a:t>
+            </a:r>
+            <a:r>
+              <a:rPr lang="en-US" sz="1100" dirty="0"/>
+              <a:t>));</a:t>
+            </a:r>
+            <a:endParaRPr lang="es-ES" sz="1400" dirty="0" smtClean="0">
               <a:latin typeface="Consolas" panose="020B0609020204030204" pitchFamily="49" charset="0"/>
               <a:cs typeface="Consolas" panose="020B0609020204030204" pitchFamily="49" charset="0"/>
             </a:endParaRPr>
           </a:p>
+          <a:p>
+            <a:pPr>
+              <a:buNone/>
+            </a:pPr>
+            <a:r>
+              <a:rPr lang="es-ES" sz="1600" dirty="0" smtClean="0">
+                <a:latin typeface="Consolas" panose="020B0609020204030204" pitchFamily="49" charset="0"/>
+                <a:cs typeface="Consolas" panose="020B0609020204030204" pitchFamily="49" charset="0"/>
+              </a:rPr>
+              <a:t>}</a:t>
+            </a:r>
+            <a:endParaRPr lang="es-ES" sz="1600" dirty="0">
+              <a:latin typeface="Consolas" panose="020B0609020204030204" pitchFamily="49" charset="0"/>
+              <a:cs typeface="Consolas" panose="020B0609020204030204" pitchFamily="49" charset="0"/>
+            </a:endParaRPr>
+          </a:p>
         </p:txBody>
       </p:sp>
       <p:sp>
@@ -9630,7 +10604,7 @@
         <p:spPr>
           <a:xfrm>
             <a:off x="3024778" y="4183443"/>
-            <a:ext cx="3551761" cy="369332"/>
+            <a:ext cx="4067502" cy="1800493"/>
           </a:xfrm>
           <a:prstGeom prst="rect">
             <a:avLst/>
@@ -9660,66 +10634,298 @@
               <a:buNone/>
             </a:pPr>
             <a:r>
-              <a:rPr lang="es-ES" dirty="0" err="1" smtClean="0">
+              <a:rPr lang="es-ES" sz="1600" dirty="0" err="1">
+                <a:solidFill>
+                  <a:schemeClr val="accent2">
+                    <a:lumMod val="75000"/>
+                  </a:schemeClr>
+                </a:solidFill>
                 <a:latin typeface="Consolas" panose="020B0609020204030204" pitchFamily="49" charset="0"/>
                 <a:cs typeface="Consolas" panose="020B0609020204030204" pitchFamily="49" charset="0"/>
               </a:rPr>
               <a:t>void</a:t>
             </a:r>
             <a:r>
-              <a:rPr lang="es-ES" dirty="0" smtClean="0">
+              <a:rPr lang="es-ES" sz="1600" dirty="0">
+                <a:solidFill>
+                  <a:schemeClr val="accent2">
+                    <a:lumMod val="75000"/>
+                  </a:schemeClr>
+                </a:solidFill>
                 <a:latin typeface="Consolas" panose="020B0609020204030204" pitchFamily="49" charset="0"/>
                 <a:cs typeface="Consolas" panose="020B0609020204030204" pitchFamily="49" charset="0"/>
               </a:rPr>
               <a:t> </a:t>
             </a:r>
             <a:r>
-              <a:rPr lang="es-ES" dirty="0" err="1" smtClean="0">
+              <a:rPr lang="es-ES" sz="1600" dirty="0" err="1">
+                <a:solidFill>
+                  <a:schemeClr val="accent2">
+                    <a:lumMod val="75000"/>
+                  </a:schemeClr>
+                </a:solidFill>
                 <a:latin typeface="Consolas" panose="020B0609020204030204" pitchFamily="49" charset="0"/>
                 <a:cs typeface="Consolas" panose="020B0609020204030204" pitchFamily="49" charset="0"/>
               </a:rPr>
               <a:t>Main</a:t>
             </a:r>
             <a:r>
-              <a:rPr lang="es-ES" dirty="0" smtClean="0">
+              <a:rPr lang="es-ES" sz="1600" dirty="0">
+                <a:solidFill>
+                  <a:schemeClr val="accent2">
+                    <a:lumMod val="75000"/>
+                  </a:schemeClr>
+                </a:solidFill>
                 <a:latin typeface="Consolas" panose="020B0609020204030204" pitchFamily="49" charset="0"/>
                 <a:cs typeface="Consolas" panose="020B0609020204030204" pitchFamily="49" charset="0"/>
               </a:rPr>
               <a:t>(</a:t>
             </a:r>
             <a:r>
-              <a:rPr lang="es-ES" dirty="0" err="1" smtClean="0">
+              <a:rPr lang="es-ES" sz="1600" dirty="0" err="1">
+                <a:solidFill>
+                  <a:schemeClr val="accent2">
+                    <a:lumMod val="75000"/>
+                  </a:schemeClr>
+                </a:solidFill>
                 <a:latin typeface="Consolas" panose="020B0609020204030204" pitchFamily="49" charset="0"/>
                 <a:cs typeface="Consolas" panose="020B0609020204030204" pitchFamily="49" charset="0"/>
               </a:rPr>
               <a:t>String</a:t>
             </a:r>
             <a:r>
-              <a:rPr lang="es-ES" dirty="0" smtClean="0">
+              <a:rPr lang="es-ES" sz="1600" dirty="0">
+                <a:solidFill>
+                  <a:schemeClr val="accent2">
+                    <a:lumMod val="75000"/>
+                  </a:schemeClr>
+                </a:solidFill>
                 <a:latin typeface="Consolas" panose="020B0609020204030204" pitchFamily="49" charset="0"/>
                 <a:cs typeface="Consolas" panose="020B0609020204030204" pitchFamily="49" charset="0"/>
               </a:rPr>
               <a:t> </a:t>
             </a:r>
             <a:r>
-              <a:rPr lang="es-ES" dirty="0" err="1" smtClean="0">
+              <a:rPr lang="es-ES" sz="1600" dirty="0" err="1">
+                <a:solidFill>
+                  <a:schemeClr val="accent2">
+                    <a:lumMod val="75000"/>
+                  </a:schemeClr>
+                </a:solidFill>
                 <a:latin typeface="Consolas" panose="020B0609020204030204" pitchFamily="49" charset="0"/>
                 <a:cs typeface="Consolas" panose="020B0609020204030204" pitchFamily="49" charset="0"/>
               </a:rPr>
               <a:t>args</a:t>
             </a:r>
             <a:r>
-              <a:rPr lang="es-ES" dirty="0" smtClean="0">
+              <a:rPr lang="es-ES" sz="1600" dirty="0">
+                <a:solidFill>
+                  <a:schemeClr val="accent2">
+                    <a:lumMod val="75000"/>
+                  </a:schemeClr>
+                </a:solidFill>
                 <a:latin typeface="Consolas" panose="020B0609020204030204" pitchFamily="49" charset="0"/>
                 <a:cs typeface="Consolas" panose="020B0609020204030204" pitchFamily="49" charset="0"/>
               </a:rPr>
-              <a:t>[]){}</a:t>
-            </a:r>
-            <a:endParaRPr lang="es-ES" dirty="0">
+              <a:t>[])</a:t>
+            </a:r>
+            <a:r>
+              <a:rPr lang="es-ES" sz="1600" dirty="0">
+                <a:latin typeface="Consolas" panose="020B0609020204030204" pitchFamily="49" charset="0"/>
+                <a:cs typeface="Consolas" panose="020B0609020204030204" pitchFamily="49" charset="0"/>
+              </a:rPr>
+              <a:t>{</a:t>
+            </a:r>
+          </a:p>
+          <a:p>
+            <a:pPr lvl="1"/>
+            <a:r>
+              <a:rPr lang="en-US" sz="1100" dirty="0" smtClean="0"/>
+              <a:t>Console</a:t>
+            </a:r>
+            <a:r>
+              <a:rPr lang="en-US" sz="1100" dirty="0"/>
+              <a:t>::</a:t>
+            </a:r>
+            <a:r>
+              <a:rPr lang="en-US" sz="1100" b="1" dirty="0" err="1"/>
+              <a:t>WriteLine</a:t>
+            </a:r>
+            <a:r>
+              <a:rPr lang="en-US" sz="1100" dirty="0"/>
+              <a:t>(</a:t>
+            </a:r>
+            <a:r>
+              <a:rPr lang="en-US" sz="1100" b="1" dirty="0"/>
+              <a:t>new</a:t>
+            </a:r>
+            <a:r>
+              <a:rPr lang="en-US" sz="1100" dirty="0"/>
+              <a:t> </a:t>
+            </a:r>
+            <a:r>
+              <a:rPr lang="en-US" sz="1100" b="1" dirty="0"/>
+              <a:t>String</a:t>
+            </a:r>
+            <a:r>
+              <a:rPr lang="en-US" sz="1100" dirty="0"/>
+              <a:t>("Write a String"));</a:t>
+            </a:r>
+            <a:br>
+              <a:rPr lang="en-US" sz="1100" dirty="0"/>
+            </a:br>
+            <a:r>
+              <a:rPr lang="en-US" sz="1100" dirty="0" smtClean="0"/>
+              <a:t>String</a:t>
+            </a:r>
+            <a:r>
+              <a:rPr lang="en-US" sz="1100" dirty="0"/>
+              <a:t>* line = Console::</a:t>
+            </a:r>
+            <a:r>
+              <a:rPr lang="en-US" sz="1100" b="1" dirty="0" err="1"/>
+              <a:t>ReadLine</a:t>
+            </a:r>
+            <a:r>
+              <a:rPr lang="en-US" sz="1100" dirty="0"/>
+              <a:t>();</a:t>
+            </a:r>
+            <a:br>
+              <a:rPr lang="en-US" sz="1100" dirty="0"/>
+            </a:br>
+            <a:r>
+              <a:rPr lang="en-US" sz="1100" dirty="0" smtClean="0"/>
+              <a:t>Console</a:t>
+            </a:r>
+            <a:r>
+              <a:rPr lang="en-US" sz="1100" dirty="0"/>
+              <a:t>::</a:t>
+            </a:r>
+            <a:r>
+              <a:rPr lang="en-US" sz="1100" b="1" dirty="0" err="1"/>
+              <a:t>WriteLine</a:t>
+            </a:r>
+            <a:r>
+              <a:rPr lang="en-US" sz="1100" dirty="0"/>
+              <a:t>(</a:t>
+            </a:r>
+            <a:r>
+              <a:rPr lang="en-US" sz="1100" b="1" dirty="0"/>
+              <a:t>new</a:t>
+            </a:r>
+            <a:r>
+              <a:rPr lang="en-US" sz="1100" dirty="0"/>
+              <a:t> </a:t>
+            </a:r>
+            <a:r>
+              <a:rPr lang="en-US" sz="1100" b="1" dirty="0"/>
+              <a:t>String</a:t>
+            </a:r>
+            <a:r>
+              <a:rPr lang="en-US" sz="1100" dirty="0"/>
+              <a:t>("Read line: ") + line);</a:t>
+            </a:r>
+            <a:br>
+              <a:rPr lang="en-US" sz="1100" dirty="0"/>
+            </a:br>
+            <a:r>
+              <a:rPr lang="en-US" sz="1100" dirty="0" smtClean="0"/>
+              <a:t>Array&lt;char</a:t>
+            </a:r>
+            <a:r>
+              <a:rPr lang="en-US" sz="1100" dirty="0"/>
+              <a:t>&gt;* b = </a:t>
+            </a:r>
+            <a:r>
+              <a:rPr lang="en-US" sz="1100" b="1" dirty="0"/>
+              <a:t>new</a:t>
+            </a:r>
+            <a:r>
+              <a:rPr lang="en-US" sz="1100" dirty="0"/>
+              <a:t> Array&lt;char&gt;(2);</a:t>
+            </a:r>
+            <a:br>
+              <a:rPr lang="en-US" sz="1100" dirty="0"/>
+            </a:br>
+            <a:r>
+              <a:rPr lang="en-US" sz="1100" dirty="0" smtClean="0"/>
+              <a:t>b-</a:t>
+            </a:r>
+            <a:r>
+              <a:rPr lang="en-US" sz="1100" dirty="0"/>
+              <a:t>&gt;</a:t>
+            </a:r>
+            <a:r>
+              <a:rPr lang="en-US" sz="1100" b="1" dirty="0" err="1"/>
+              <a:t>SetData</a:t>
+            </a:r>
+            <a:r>
+              <a:rPr lang="en-US" sz="1100" dirty="0"/>
+              <a:t>(0, 0);</a:t>
+            </a:r>
+            <a:br>
+              <a:rPr lang="en-US" sz="1100" dirty="0"/>
+            </a:br>
+            <a:r>
+              <a:rPr lang="en-US" sz="1100" dirty="0" smtClean="0"/>
+              <a:t>b-</a:t>
+            </a:r>
+            <a:r>
+              <a:rPr lang="en-US" sz="1100" dirty="0"/>
+              <a:t>&gt;</a:t>
+            </a:r>
+            <a:r>
+              <a:rPr lang="en-US" sz="1100" b="1" dirty="0" err="1"/>
+              <a:t>SetData</a:t>
+            </a:r>
+            <a:r>
+              <a:rPr lang="en-US" sz="1100" dirty="0"/>
+              <a:t>(1, 255);</a:t>
+            </a:r>
+            <a:br>
+              <a:rPr lang="en-US" sz="1100" dirty="0"/>
+            </a:br>
+            <a:r>
+              <a:rPr lang="en-US" sz="1100" dirty="0" smtClean="0"/>
+              <a:t>Console</a:t>
+            </a:r>
+            <a:r>
+              <a:rPr lang="en-US" sz="1100" dirty="0"/>
+              <a:t>::</a:t>
+            </a:r>
+            <a:r>
+              <a:rPr lang="en-US" sz="1100" b="1" dirty="0" err="1"/>
+              <a:t>WriteLine</a:t>
+            </a:r>
+            <a:r>
+              <a:rPr lang="en-US" sz="1100" dirty="0"/>
+              <a:t>(Encoding::UTF8-&gt;</a:t>
+            </a:r>
+            <a:r>
+              <a:rPr lang="en-US" sz="1100" b="1" dirty="0" err="1"/>
+              <a:t>GetString</a:t>
+            </a:r>
+            <a:r>
+              <a:rPr lang="en-US" sz="1100" dirty="0"/>
+              <a:t>(b));</a:t>
+            </a:r>
+            <a:endParaRPr lang="es-ES" sz="1100" dirty="0">
               <a:latin typeface="Consolas" panose="020B0609020204030204" pitchFamily="49" charset="0"/>
               <a:cs typeface="Consolas" panose="020B0609020204030204" pitchFamily="49" charset="0"/>
             </a:endParaRPr>
           </a:p>
+          <a:p>
+            <a:pPr>
+              <a:buNone/>
+            </a:pPr>
+            <a:r>
+              <a:rPr lang="es-ES" sz="1600" dirty="0">
+                <a:latin typeface="Consolas" panose="020B0609020204030204" pitchFamily="49" charset="0"/>
+                <a:cs typeface="Consolas" panose="020B0609020204030204" pitchFamily="49" charset="0"/>
+              </a:rPr>
+              <a:t>}</a:t>
+            </a:r>
+          </a:p>
         </p:txBody>
       </p:sp>
       <p:sp>
@@ -9730,8 +10936,8 @@
         </p:nvSpPr>
         <p:spPr>
           <a:xfrm>
-            <a:off x="4260599" y="2780928"/>
-            <a:ext cx="1080120" cy="1224136"/>
+            <a:off x="4746177" y="3293027"/>
+            <a:ext cx="624703" cy="801226"/>
           </a:xfrm>
           <a:prstGeom prst="downArrow">
             <a:avLst/>
@@ -9793,7 +10999,7 @@
                             </p:stCondLst>
                             <p:childTnLst>
                               <p:par>
-                                <p:cTn id="5" presetID="12" presetClass="entr" presetSubtype="4" fill="hold" grpId="0" nodeType="clickEffect">
+                                <p:cTn id="5" presetID="1" presetClass="entr" presetSubtype="0" fill="hold" grpId="0" nodeType="clickEffect">
                                   <p:stCondLst>
                                     <p:cond delay="0"/>
                                   </p:stCondLst>
@@ -9816,28 +11022,29 @@
                                         <p:strVal val="visible"/>
                                       </p:to>
                                     </p:set>
-                                    <p:animEffect transition="in" filter="slide(fromBottom)">
-                                      <p:cBhvr>
-                                        <p:cTn id="7" dur="500"/>
-                                        <p:tgtEl>
-                                          <p:spTgt spid="8"/>
-                                        </p:tgtEl>
-                                      </p:cBhvr>
-                                    </p:animEffect>
                                   </p:childTnLst>
                                 </p:cTn>
                               </p:par>
                             </p:childTnLst>
                           </p:cTn>
                         </p:par>
+                      </p:childTnLst>
+                    </p:cTn>
+                  </p:par>
+                  <p:par>
+                    <p:cTn id="7" fill="hold">
+                      <p:stCondLst>
+                        <p:cond delay="indefinite"/>
+                      </p:stCondLst>
+                      <p:childTnLst>
                         <p:par>
                           <p:cTn id="8" fill="hold">
                             <p:stCondLst>
-                              <p:cond delay="500"/>
+                              <p:cond delay="0"/>
                             </p:stCondLst>
                             <p:childTnLst>
                               <p:par>
-                                <p:cTn id="9" presetID="12" presetClass="entr" presetSubtype="4" fill="hold" grpId="0" nodeType="afterEffect">
+                                <p:cTn id="9" presetID="1" presetClass="entr" presetSubtype="0" fill="hold" grpId="0" nodeType="clickEffect">
                                   <p:stCondLst>
                                     <p:cond delay="0"/>
                                   </p:stCondLst>
@@ -9860,14 +11067,6 @@
                                         <p:strVal val="visible"/>
                                       </p:to>
                                     </p:set>
-                                    <p:animEffect transition="in" filter="slide(fromBottom)">
-                                      <p:cBhvr>
-                                        <p:cTn id="11" dur="500"/>
-                                        <p:tgtEl>
-                                          <p:spTgt spid="7"/>
-                                        </p:tgtEl>
-                                      </p:cBhvr>
-                                    </p:animEffect>
                                   </p:childTnLst>
                                 </p:cTn>
                               </p:par>
@@ -9906,7 +11105,7 @@
 </p:sld>
 </file>
 
-<file path=ppt/slides/slide14.xml><?xml version="1.0" encoding="utf-8"?>
+<file path=ppt/slides/slide16.xml><?xml version="1.0" encoding="utf-8"?>
 <p:sld xmlns:a="http://schemas.openxmlformats.org/drawingml/2006/main" xmlns:r="http://schemas.openxmlformats.org/officeDocument/2006/relationships" xmlns:p="http://schemas.openxmlformats.org/presentationml/2006/main">
   <p:cSld>
     <p:spTree>
@@ -9944,8 +11143,12 @@
           <a:lstStyle/>
           <a:p>
             <a:r>
+              <a:rPr lang="en-US" dirty="0" smtClean="0"/>
+              <a:t>3.2.  </a:t>
+            </a:r>
+            <a:r>
               <a:rPr lang="en-US" dirty="0"/>
-              <a:t>3.1.  Translation</a:t>
+              <a:t>Translation</a:t>
             </a:r>
             <a:r>
               <a:rPr lang="es-ES" dirty="0"/>
@@ -9974,8 +11177,20 @@
           <a:lstStyle/>
           <a:p>
             <a:r>
-              <a:rPr lang="es-ES" smtClean="0"/>
-              <a:t>IOSharp: .NET Micro Framework on Linux</a:t>
+              <a:rPr lang="es-ES" dirty="0" err="1" smtClean="0"/>
+              <a:t>IOSharp</a:t>
+            </a:r>
+            <a:r>
+              <a:rPr lang="es-ES" dirty="0" smtClean="0"/>
+              <a:t>: .NET Micro Framework </a:t>
+            </a:r>
+            <a:r>
+              <a:rPr lang="es-ES" dirty="0" err="1" smtClean="0"/>
+              <a:t>on</a:t>
+            </a:r>
+            <a:r>
+              <a:rPr lang="es-ES" dirty="0" smtClean="0"/>
+              <a:t> Linux</a:t>
             </a:r>
             <a:endParaRPr lang="es-ES" dirty="0"/>
           </a:p>
@@ -9998,7 +11213,7 @@
           <a:p>
             <a:fld id="{8EE90C33-BF19-4C36-8633-00054130773A}" type="slidenum">
               <a:rPr lang="es-ES" smtClean="0"/>
-              <a:t>14</a:t>
+              <a:t>16</a:t>
             </a:fld>
             <a:endParaRPr lang="es-ES"/>
           </a:p>
@@ -10012,7 +11227,7 @@
         </p:nvSpPr>
         <p:spPr>
           <a:xfrm>
-            <a:off x="1475656" y="5445224"/>
+            <a:off x="1475656" y="5593033"/>
             <a:ext cx="3091075" cy="338554"/>
           </a:xfrm>
           <a:prstGeom prst="rect">
@@ -10113,7 +11328,7 @@
         </p:nvSpPr>
         <p:spPr>
           <a:xfrm>
-            <a:off x="5796136" y="5445224"/>
+            <a:off x="5796136" y="5593033"/>
             <a:ext cx="3143764" cy="338554"/>
           </a:xfrm>
           <a:prstGeom prst="rect">
@@ -10214,7 +11429,7 @@
         </p:nvSpPr>
         <p:spPr>
           <a:xfrm rot="16200000">
-            <a:off x="4936357" y="5206162"/>
+            <a:off x="4936357" y="5353971"/>
             <a:ext cx="490153" cy="816676"/>
           </a:xfrm>
           <a:prstGeom prst="downArrow">
@@ -10632,6 +11847,40 @@
           </a:fontRef>
         </p:style>
       </p:cxnSp>
+      <p:sp>
+        <p:nvSpPr>
+          <p:cNvPr id="18" name="CuadroTexto 17"/>
+          <p:cNvSpPr txBox="1"/>
+          <p:nvPr/>
+        </p:nvSpPr>
+        <p:spPr>
+          <a:xfrm>
+            <a:off x="3302076" y="5229200"/>
+            <a:ext cx="3758714" cy="307777"/>
+          </a:xfrm>
+          <a:prstGeom prst="rect">
+            <a:avLst/>
+          </a:prstGeom>
+          <a:noFill/>
+        </p:spPr>
+        <p:txBody>
+          <a:bodyPr wrap="square" rtlCol="0">
+            <a:spAutoFit/>
+          </a:bodyPr>
+          <a:lstStyle/>
+          <a:p>
+            <a:r>
+              <a:rPr lang="en-US" sz="1400" b="1" dirty="0" smtClean="0"/>
+              <a:t>Fig. 7: </a:t>
+            </a:r>
+            <a:r>
+              <a:rPr lang="en-US" sz="1400" dirty="0" smtClean="0"/>
+              <a:t>AST conversions from C# to C++</a:t>
+            </a:r>
+            <a:endParaRPr lang="en-US" sz="1400" dirty="0"/>
+          </a:p>
+        </p:txBody>
+      </p:sp>
     </p:spTree>
     <p:extLst>
       <p:ext uri="{BB962C8B-B14F-4D97-AF65-F5344CB8AC3E}">
@@ -10969,7 +12218,7 @@
 </p:sld>
 </file>
 
-<file path=ppt/slides/slide15.xml><?xml version="1.0" encoding="utf-8"?>
+<file path=ppt/slides/slide17.xml><?xml version="1.0" encoding="utf-8"?>
 <p:sld xmlns:a="http://schemas.openxmlformats.org/drawingml/2006/main" xmlns:r="http://schemas.openxmlformats.org/officeDocument/2006/relationships" xmlns:p="http://schemas.openxmlformats.org/presentationml/2006/main">
   <p:cSld>
     <p:spTree>
@@ -11008,7 +12257,7 @@
           <a:p>
             <a:r>
               <a:rPr lang="en-US" dirty="0" smtClean="0"/>
-              <a:t>3.2.  </a:t>
+              <a:t>3.3.  </a:t>
             </a:r>
             <a:r>
               <a:rPr lang="en-US" dirty="0" err="1" smtClean="0"/>
@@ -11088,8 +12337,20 @@
           <a:lstStyle/>
           <a:p>
             <a:r>
-              <a:rPr lang="es-ES" smtClean="0"/>
-              <a:t>IOSharp: .NET Micro Framework on Linux</a:t>
+              <a:rPr lang="es-ES" dirty="0" err="1" smtClean="0"/>
+              <a:t>IOSharp</a:t>
+            </a:r>
+            <a:r>
+              <a:rPr lang="es-ES" dirty="0" smtClean="0"/>
+              <a:t>: .NET Micro Framework </a:t>
+            </a:r>
+            <a:r>
+              <a:rPr lang="es-ES" dirty="0" err="1" smtClean="0"/>
+              <a:t>on</a:t>
+            </a:r>
+            <a:r>
+              <a:rPr lang="es-ES" dirty="0" smtClean="0"/>
+              <a:t> Linux</a:t>
             </a:r>
             <a:endParaRPr lang="es-ES" dirty="0"/>
           </a:p>
@@ -11112,7 +12373,7 @@
           <a:p>
             <a:fld id="{8EE90C33-BF19-4C36-8633-00054130773A}" type="slidenum">
               <a:rPr lang="es-ES" smtClean="0"/>
-              <a:t>15</a:t>
+              <a:t>17</a:t>
             </a:fld>
             <a:endParaRPr lang="es-ES"/>
           </a:p>
@@ -11190,6 +12451,60 @@
           </a:prstGeom>
         </p:spPr>
       </p:pic>
+      <p:sp>
+        <p:nvSpPr>
+          <p:cNvPr id="10" name="CuadroTexto 9"/>
+          <p:cNvSpPr txBox="1"/>
+          <p:nvPr/>
+        </p:nvSpPr>
+        <p:spPr>
+          <a:xfrm>
+            <a:off x="2935895" y="5744640"/>
+            <a:ext cx="4607807" cy="307777"/>
+          </a:xfrm>
+          <a:prstGeom prst="rect">
+            <a:avLst/>
+          </a:prstGeom>
+          <a:noFill/>
+        </p:spPr>
+        <p:txBody>
+          <a:bodyPr wrap="square" rtlCol="0">
+            <a:spAutoFit/>
+          </a:bodyPr>
+          <a:lstStyle/>
+          <a:p>
+            <a:r>
+              <a:rPr lang="en-US" sz="1400" b="1" dirty="0" smtClean="0"/>
+              <a:t>Fig. 8: </a:t>
+            </a:r>
+            <a:r>
+              <a:rPr lang="en-US" sz="1400" dirty="0" smtClean="0"/>
+              <a:t>NETMF, </a:t>
+            </a:r>
+            <a:r>
+              <a:rPr lang="en-US" sz="1400" dirty="0" err="1" smtClean="0"/>
+              <a:t>IOSharp</a:t>
+            </a:r>
+            <a:r>
+              <a:rPr lang="en-US" sz="1400" dirty="0" smtClean="0"/>
+              <a:t> and </a:t>
+            </a:r>
+            <a:r>
+              <a:rPr lang="en-US" sz="1400" dirty="0" err="1" smtClean="0"/>
+              <a:t>IOSharp</a:t>
+            </a:r>
+            <a:r>
+              <a:rPr lang="en-US" sz="1400" dirty="0"/>
+              <a:t> </a:t>
+            </a:r>
+            <a:r>
+              <a:rPr lang="en-US" sz="1400" dirty="0" smtClean="0"/>
+              <a:t>C++ Stacks</a:t>
+            </a:r>
+            <a:endParaRPr lang="en-US" sz="1400" dirty="0"/>
+          </a:p>
+        </p:txBody>
+      </p:sp>
     </p:spTree>
     <p:extLst>
       <p:ext uri="{BB962C8B-B14F-4D97-AF65-F5344CB8AC3E}">
@@ -11368,345 +12683,6 @@
 </p:sld>
 </file>
 
-<file path=ppt/slides/slide16.xml><?xml version="1.0" encoding="utf-8"?>
-<p:sld xmlns:a="http://schemas.openxmlformats.org/drawingml/2006/main" xmlns:r="http://schemas.openxmlformats.org/officeDocument/2006/relationships" xmlns:p="http://schemas.openxmlformats.org/presentationml/2006/main">
-  <p:cSld>
-    <p:spTree>
-      <p:nvGrpSpPr>
-        <p:cNvPr id="1" name=""/>
-        <p:cNvGrpSpPr/>
-        <p:nvPr/>
-      </p:nvGrpSpPr>
-      <p:grpSpPr>
-        <a:xfrm>
-          <a:off x="0" y="0"/>
-          <a:ext cx="0" cy="0"/>
-          <a:chOff x="0" y="0"/>
-          <a:chExt cx="0" cy="0"/>
-        </a:xfrm>
-      </p:grpSpPr>
-      <p:sp>
-        <p:nvSpPr>
-          <p:cNvPr id="2" name="Título 1"/>
-          <p:cNvSpPr>
-            <a:spLocks noGrp="1"/>
-          </p:cNvSpPr>
-          <p:nvPr>
-            <p:ph type="title"/>
-          </p:nvPr>
-        </p:nvSpPr>
-        <p:spPr/>
-        <p:txBody>
-          <a:bodyPr/>
-          <a:lstStyle/>
-          <a:p>
-            <a:r>
-              <a:rPr lang="en-US" dirty="0" smtClean="0"/>
-              <a:t>3.3.  Example</a:t>
-            </a:r>
-            <a:endParaRPr lang="en-US" dirty="0"/>
-          </a:p>
-        </p:txBody>
-      </p:sp>
-      <p:sp>
-        <p:nvSpPr>
-          <p:cNvPr id="3" name="Marcador de contenido 2"/>
-          <p:cNvSpPr>
-            <a:spLocks noGrp="1"/>
-          </p:cNvSpPr>
-          <p:nvPr>
-            <p:ph idx="1"/>
-          </p:nvPr>
-        </p:nvSpPr>
-        <p:spPr/>
-        <p:txBody>
-          <a:bodyPr/>
-          <a:lstStyle/>
-          <a:p>
-            <a:endParaRPr lang="en-US" dirty="0" smtClean="0"/>
-          </a:p>
-          <a:p>
-            <a:endParaRPr lang="en-US" dirty="0"/>
-          </a:p>
-          <a:p>
-            <a:r>
-              <a:rPr lang="en-US" dirty="0" err="1" smtClean="0"/>
-              <a:t>AlterNative</a:t>
-            </a:r>
-            <a:r>
-              <a:rPr lang="en-US" dirty="0" smtClean="0"/>
-              <a:t> with the </a:t>
-            </a:r>
-            <a:r>
-              <a:rPr lang="en-US" dirty="0" err="1" smtClean="0"/>
-              <a:t>ILSpy</a:t>
-            </a:r>
-            <a:r>
-              <a:rPr lang="en-US" dirty="0" smtClean="0"/>
-              <a:t> interface</a:t>
-            </a:r>
-          </a:p>
-          <a:p>
-            <a:endParaRPr lang="en-US" dirty="0"/>
-          </a:p>
-          <a:p>
-            <a:r>
-              <a:rPr lang="en-US" dirty="0" smtClean="0"/>
-              <a:t>Translating the </a:t>
-            </a:r>
-            <a:r>
-              <a:rPr lang="en-US" dirty="0" err="1" smtClean="0"/>
-              <a:t>GPIOManager</a:t>
-            </a:r>
-            <a:r>
-              <a:rPr lang="en-US" dirty="0" smtClean="0"/>
-              <a:t> from </a:t>
-            </a:r>
-            <a:r>
-              <a:rPr lang="en-US" dirty="0" err="1" smtClean="0"/>
-              <a:t>IOSharp</a:t>
-            </a:r>
-            <a:r>
-              <a:rPr lang="en-US" dirty="0" smtClean="0"/>
-              <a:t> library</a:t>
-            </a:r>
-            <a:endParaRPr lang="en-US" dirty="0"/>
-          </a:p>
-        </p:txBody>
-      </p:sp>
-      <p:sp>
-        <p:nvSpPr>
-          <p:cNvPr id="4" name="Marcador de pie de página 3"/>
-          <p:cNvSpPr>
-            <a:spLocks noGrp="1"/>
-          </p:cNvSpPr>
-          <p:nvPr>
-            <p:ph type="ftr" sz="quarter" idx="11"/>
-          </p:nvPr>
-        </p:nvSpPr>
-        <p:spPr/>
-        <p:txBody>
-          <a:bodyPr/>
-          <a:lstStyle/>
-          <a:p>
-            <a:r>
-              <a:rPr lang="es-ES" smtClean="0"/>
-              <a:t>IOSharp: .NET Micro Framework on Linux</a:t>
-            </a:r>
-            <a:endParaRPr lang="es-ES"/>
-          </a:p>
-        </p:txBody>
-      </p:sp>
-      <p:sp>
-        <p:nvSpPr>
-          <p:cNvPr id="5" name="Marcador de número de diapositiva 4"/>
-          <p:cNvSpPr>
-            <a:spLocks noGrp="1"/>
-          </p:cNvSpPr>
-          <p:nvPr>
-            <p:ph type="sldNum" sz="quarter" idx="12"/>
-          </p:nvPr>
-        </p:nvSpPr>
-        <p:spPr/>
-        <p:txBody>
-          <a:bodyPr/>
-          <a:lstStyle/>
-          <a:p>
-            <a:fld id="{8EE90C33-BF19-4C36-8633-00054130773A}" type="slidenum">
-              <a:rPr lang="es-ES" smtClean="0"/>
-              <a:t>16</a:t>
-            </a:fld>
-            <a:endParaRPr lang="es-ES"/>
-          </a:p>
-        </p:txBody>
-      </p:sp>
-    </p:spTree>
-    <p:extLst>
-      <p:ext uri="{BB962C8B-B14F-4D97-AF65-F5344CB8AC3E}">
-        <p14:creationId xmlns:p14="http://schemas.microsoft.com/office/powerpoint/2010/main" val="2015990969"/>
-      </p:ext>
-    </p:extLst>
-  </p:cSld>
-  <p:clrMapOvr>
-    <a:masterClrMapping/>
-  </p:clrMapOvr>
-  <p:timing>
-    <p:tnLst>
-      <p:par>
-        <p:cTn id="1" dur="indefinite" restart="never" nodeType="tmRoot"/>
-      </p:par>
-    </p:tnLst>
-  </p:timing>
-</p:sld>
-</file>
-
-<file path=ppt/slides/slide17.xml><?xml version="1.0" encoding="utf-8"?>
-<p:sld xmlns:a="http://schemas.openxmlformats.org/drawingml/2006/main" xmlns:r="http://schemas.openxmlformats.org/officeDocument/2006/relationships" xmlns:p="http://schemas.openxmlformats.org/presentationml/2006/main">
-  <p:cSld>
-    <p:spTree>
-      <p:nvGrpSpPr>
-        <p:cNvPr id="1" name=""/>
-        <p:cNvGrpSpPr/>
-        <p:nvPr/>
-      </p:nvGrpSpPr>
-      <p:grpSpPr>
-        <a:xfrm>
-          <a:off x="0" y="0"/>
-          <a:ext cx="0" cy="0"/>
-          <a:chOff x="0" y="0"/>
-          <a:chExt cx="0" cy="0"/>
-        </a:xfrm>
-      </p:grpSpPr>
-      <p:sp>
-        <p:nvSpPr>
-          <p:cNvPr id="2" name="Título 1"/>
-          <p:cNvSpPr>
-            <a:spLocks noGrp="1"/>
-          </p:cNvSpPr>
-          <p:nvPr>
-            <p:ph type="title"/>
-          </p:nvPr>
-        </p:nvSpPr>
-        <p:spPr>
-          <a:xfrm>
-            <a:off x="1945201" y="624110"/>
-            <a:ext cx="6589199" cy="919069"/>
-          </a:xfrm>
-        </p:spPr>
-        <p:txBody>
-          <a:bodyPr/>
-          <a:lstStyle/>
-          <a:p>
-            <a:r>
-              <a:rPr lang="es-ES" dirty="0" smtClean="0"/>
-              <a:t>4.  Performance Test</a:t>
-            </a:r>
-            <a:endParaRPr lang="en-US" dirty="0"/>
-          </a:p>
-        </p:txBody>
-      </p:sp>
-      <p:sp>
-        <p:nvSpPr>
-          <p:cNvPr id="3" name="Marcador de contenido 2"/>
-          <p:cNvSpPr>
-            <a:spLocks noGrp="1"/>
-          </p:cNvSpPr>
-          <p:nvPr>
-            <p:ph idx="1"/>
-          </p:nvPr>
-        </p:nvSpPr>
-        <p:spPr>
-          <a:xfrm>
-            <a:off x="1942415" y="1700808"/>
-            <a:ext cx="6591985" cy="3777622"/>
-          </a:xfrm>
-        </p:spPr>
-        <p:txBody>
-          <a:bodyPr/>
-          <a:lstStyle/>
-          <a:p>
-            <a:r>
-              <a:rPr lang="en-US" dirty="0" smtClean="0"/>
-              <a:t>Evaluate the increased performance using </a:t>
-            </a:r>
-            <a:r>
-              <a:rPr lang="en-US" dirty="0" err="1" smtClean="0"/>
-              <a:t>AlterNative</a:t>
-            </a:r>
-            <a:endParaRPr lang="en-US" dirty="0"/>
-          </a:p>
-        </p:txBody>
-      </p:sp>
-      <p:sp>
-        <p:nvSpPr>
-          <p:cNvPr id="4" name="Marcador de pie de página 3"/>
-          <p:cNvSpPr>
-            <a:spLocks noGrp="1"/>
-          </p:cNvSpPr>
-          <p:nvPr>
-            <p:ph type="ftr" sz="quarter" idx="11"/>
-          </p:nvPr>
-        </p:nvSpPr>
-        <p:spPr/>
-        <p:txBody>
-          <a:bodyPr/>
-          <a:lstStyle/>
-          <a:p>
-            <a:r>
-              <a:rPr lang="es-ES" smtClean="0"/>
-              <a:t>IOSharp: .NET Micro Framework on Linux</a:t>
-            </a:r>
-            <a:endParaRPr lang="es-ES"/>
-          </a:p>
-        </p:txBody>
-      </p:sp>
-      <p:sp>
-        <p:nvSpPr>
-          <p:cNvPr id="5" name="Marcador de número de diapositiva 4"/>
-          <p:cNvSpPr>
-            <a:spLocks noGrp="1"/>
-          </p:cNvSpPr>
-          <p:nvPr>
-            <p:ph type="sldNum" sz="quarter" idx="12"/>
-          </p:nvPr>
-        </p:nvSpPr>
-        <p:spPr/>
-        <p:txBody>
-          <a:bodyPr/>
-          <a:lstStyle/>
-          <a:p>
-            <a:fld id="{8EE90C33-BF19-4C36-8633-00054130773A}" type="slidenum">
-              <a:rPr lang="es-ES" smtClean="0"/>
-              <a:t>17</a:t>
-            </a:fld>
-            <a:endParaRPr lang="es-ES"/>
-          </a:p>
-        </p:txBody>
-      </p:sp>
-      <p:pic>
-        <p:nvPicPr>
-          <p:cNvPr id="11" name="Imagen 10"/>
-          <p:cNvPicPr>
-            <a:picLocks noChangeAspect="1"/>
-          </p:cNvPicPr>
-          <p:nvPr/>
-        </p:nvPicPr>
-        <p:blipFill>
-          <a:blip r:embed="rId2"/>
-          <a:stretch>
-            <a:fillRect/>
-          </a:stretch>
-        </p:blipFill>
-        <p:spPr>
-          <a:xfrm>
-            <a:off x="3113767" y="2292714"/>
-            <a:ext cx="4249280" cy="3359187"/>
-          </a:xfrm>
-          <a:prstGeom prst="rect">
-            <a:avLst/>
-          </a:prstGeom>
-        </p:spPr>
-      </p:pic>
-    </p:spTree>
-    <p:extLst>
-      <p:ext uri="{BB962C8B-B14F-4D97-AF65-F5344CB8AC3E}">
-        <p14:creationId xmlns:p14="http://schemas.microsoft.com/office/powerpoint/2010/main" val="204124017"/>
-      </p:ext>
-    </p:extLst>
-  </p:cSld>
-  <p:clrMapOvr>
-    <a:masterClrMapping/>
-  </p:clrMapOvr>
-  <p:timing>
-    <p:tnLst>
-      <p:par>
-        <p:cTn id="1" dur="indefinite" restart="never" nodeType="tmRoot"/>
-      </p:par>
-    </p:tnLst>
-  </p:timing>
-</p:sld>
-</file>
-
 <file path=ppt/slides/slide18.xml><?xml version="1.0" encoding="utf-8"?>
 <p:sld xmlns:a="http://schemas.openxmlformats.org/drawingml/2006/main" xmlns:r="http://schemas.openxmlformats.org/officeDocument/2006/relationships" xmlns:p="http://schemas.openxmlformats.org/presentationml/2006/main">
   <p:cSld>
@@ -11741,7 +12717,7 @@
           <a:p>
             <a:r>
               <a:rPr lang="en-US" dirty="0" smtClean="0"/>
-              <a:t>4.1.  Example</a:t>
+              <a:t>3.4.  Example</a:t>
             </a:r>
             <a:endParaRPr lang="en-US" dirty="0"/>
           </a:p>
@@ -11768,15 +12744,49 @@
             <a:endParaRPr lang="en-US" dirty="0"/>
           </a:p>
           <a:p>
-            <a:endParaRPr lang="en-US" dirty="0" smtClean="0"/>
-          </a:p>
-          <a:p>
+            <a:r>
+              <a:rPr lang="en-US" dirty="0" err="1" smtClean="0"/>
+              <a:t>AlterNative</a:t>
+            </a:r>
             <a:r>
               <a:rPr lang="en-US" dirty="0" smtClean="0"/>
-              <a:t>Performance test using the10K GPIO iterations</a:t>
-            </a:r>
+              <a:t> with the </a:t>
+            </a:r>
+            <a:r>
+              <a:rPr lang="en-US" dirty="0" err="1" smtClean="0"/>
+              <a:t>ILSpy</a:t>
+            </a:r>
+            <a:r>
+              <a:rPr lang="en-US" dirty="0" smtClean="0"/>
+              <a:t> interface</a:t>
+            </a:r>
+          </a:p>
+          <a:p>
             <a:endParaRPr lang="en-US" dirty="0"/>
           </a:p>
+          <a:p>
+            <a:r>
+              <a:rPr lang="en-US" dirty="0" smtClean="0"/>
+              <a:t>Translating the </a:t>
+            </a:r>
+            <a:r>
+              <a:rPr lang="en-US" dirty="0" err="1" smtClean="0"/>
+              <a:t>GPIOManager</a:t>
+            </a:r>
+            <a:r>
+              <a:rPr lang="en-US" dirty="0" smtClean="0"/>
+              <a:t> from </a:t>
+            </a:r>
+            <a:r>
+              <a:rPr lang="en-US" dirty="0" err="1" smtClean="0"/>
+              <a:t>IOSharp</a:t>
+            </a:r>
+            <a:r>
+              <a:rPr lang="en-US" dirty="0" smtClean="0"/>
+              <a:t> library</a:t>
+            </a:r>
+            <a:endParaRPr lang="en-US" dirty="0"/>
+          </a:p>
         </p:txBody>
       </p:sp>
       <p:sp>
@@ -11795,10 +12805,22 @@
           <a:lstStyle/>
           <a:p>
             <a:r>
-              <a:rPr lang="es-ES" smtClean="0"/>
-              <a:t>IOSharp: .NET Micro Framework on Linux</a:t>
-            </a:r>
-            <a:endParaRPr lang="es-ES"/>
+              <a:rPr lang="es-ES" dirty="0" err="1" smtClean="0"/>
+              <a:t>IOSharp</a:t>
+            </a:r>
+            <a:r>
+              <a:rPr lang="es-ES" dirty="0" smtClean="0"/>
+              <a:t>: .NET Micro Framework </a:t>
+            </a:r>
+            <a:r>
+              <a:rPr lang="es-ES" dirty="0" err="1" smtClean="0"/>
+              <a:t>on</a:t>
+            </a:r>
+            <a:r>
+              <a:rPr lang="es-ES" dirty="0" smtClean="0"/>
+              <a:t> Linux</a:t>
+            </a:r>
+            <a:endParaRPr lang="es-ES" dirty="0"/>
           </a:p>
         </p:txBody>
       </p:sp>
@@ -11828,7 +12850,7 @@
     </p:spTree>
     <p:extLst>
       <p:ext uri="{BB962C8B-B14F-4D97-AF65-F5344CB8AC3E}">
-        <p14:creationId xmlns:p14="http://schemas.microsoft.com/office/powerpoint/2010/main" val="4154510114"/>
+        <p14:creationId xmlns:p14="http://schemas.microsoft.com/office/powerpoint/2010/main" val="2015990969"/>
       </p:ext>
     </p:extLst>
   </p:cSld>
@@ -11872,129 +12894,88 @@
             <p:ph type="title"/>
           </p:nvPr>
         </p:nvSpPr>
-        <p:spPr/>
+        <p:spPr>
+          <a:xfrm>
+            <a:off x="1945201" y="624110"/>
+            <a:ext cx="6589199" cy="919069"/>
+          </a:xfrm>
+        </p:spPr>
         <p:txBody>
           <a:bodyPr/>
           <a:lstStyle/>
           <a:p>
             <a:r>
+              <a:rPr lang="es-ES" dirty="0" smtClean="0"/>
+              <a:t>4.  Performance Test</a:t>
+            </a:r>
+            <a:endParaRPr lang="en-US" dirty="0"/>
+          </a:p>
+        </p:txBody>
+      </p:sp>
+      <p:sp>
+        <p:nvSpPr>
+          <p:cNvPr id="3" name="Marcador de contenido 2"/>
+          <p:cNvSpPr>
+            <a:spLocks noGrp="1"/>
+          </p:cNvSpPr>
+          <p:nvPr>
+            <p:ph idx="1"/>
+          </p:nvPr>
+        </p:nvSpPr>
+        <p:spPr>
+          <a:xfrm>
+            <a:off x="1942415" y="1700808"/>
+            <a:ext cx="6591985" cy="3777622"/>
+          </a:xfrm>
+        </p:spPr>
+        <p:txBody>
+          <a:bodyPr/>
+          <a:lstStyle/>
+          <a:p>
+            <a:r>
               <a:rPr lang="en-US" dirty="0" smtClean="0"/>
-              <a:t>5.  Conclusions</a:t>
-            </a:r>
-            <a:endParaRPr lang="en-US" dirty="0"/>
-          </a:p>
-        </p:txBody>
-      </p:sp>
-      <p:sp>
-        <p:nvSpPr>
-          <p:cNvPr id="3" name="Marcador de contenido 2"/>
-          <p:cNvSpPr>
-            <a:spLocks noGrp="1"/>
-          </p:cNvSpPr>
-          <p:nvPr>
-            <p:ph idx="1"/>
-          </p:nvPr>
-        </p:nvSpPr>
-        <p:spPr/>
-        <p:txBody>
-          <a:bodyPr/>
-          <a:lstStyle/>
-          <a:p>
-            <a:r>
-              <a:rPr lang="en-US" dirty="0" err="1" smtClean="0"/>
-              <a:t>IOSharp</a:t>
-            </a:r>
-            <a:r>
-              <a:rPr lang="en-US" dirty="0" smtClean="0"/>
-              <a:t> implementation supports</a:t>
-            </a:r>
-          </a:p>
-          <a:p>
-            <a:pPr lvl="1"/>
-            <a:r>
-              <a:rPr lang="en-US" dirty="0" smtClean="0"/>
-              <a:t>GPIO with Interrupts</a:t>
-            </a:r>
-          </a:p>
-          <a:p>
-            <a:pPr lvl="1"/>
-            <a:r>
-              <a:rPr lang="en-US" dirty="0" smtClean="0"/>
-              <a:t>SPI</a:t>
-            </a:r>
-          </a:p>
-          <a:p>
-            <a:pPr lvl="1"/>
-            <a:r>
-              <a:rPr lang="en-US" dirty="0" smtClean="0"/>
-              <a:t>UART</a:t>
-            </a:r>
-          </a:p>
-          <a:p>
-            <a:pPr lvl="1"/>
-            <a:endParaRPr lang="en-US" dirty="0"/>
-          </a:p>
-          <a:p>
+              <a:t>Evaluate the increased performance using </a:t>
+            </a:r>
             <a:r>
               <a:rPr lang="en-US" dirty="0" err="1" smtClean="0"/>
               <a:t>AlterNative</a:t>
             </a:r>
-            <a:r>
-              <a:rPr lang="en-US" dirty="0" smtClean="0"/>
-              <a:t> part shows</a:t>
-            </a:r>
-          </a:p>
-          <a:p>
-            <a:pPr lvl="1"/>
-            <a:r>
-              <a:rPr lang="en-US" dirty="0" smtClean="0"/>
-              <a:t>Improvement on </a:t>
-            </a:r>
-            <a:r>
-              <a:rPr lang="en-US" dirty="0" err="1" smtClean="0"/>
+            <a:endParaRPr lang="en-US" dirty="0"/>
+          </a:p>
+        </p:txBody>
+      </p:sp>
+      <p:sp>
+        <p:nvSpPr>
+          <p:cNvPr id="4" name="Marcador de pie de página 3"/>
+          <p:cNvSpPr>
+            <a:spLocks noGrp="1"/>
+          </p:cNvSpPr>
+          <p:nvPr>
+            <p:ph type="ftr" sz="quarter" idx="11"/>
+          </p:nvPr>
+        </p:nvSpPr>
+        <p:spPr/>
+        <p:txBody>
+          <a:bodyPr/>
+          <a:lstStyle/>
+          <a:p>
+            <a:r>
+              <a:rPr lang="es-ES" dirty="0" err="1" smtClean="0"/>
               <a:t>IOSharp</a:t>
             </a:r>
             <a:r>
-              <a:rPr lang="en-US" dirty="0" smtClean="0"/>
-              <a:t> performance</a:t>
-            </a:r>
-          </a:p>
-          <a:p>
-            <a:pPr lvl="1"/>
-            <a:r>
-              <a:rPr lang="en-US" dirty="0" smtClean="0"/>
-              <a:t>Cross-Platform with</a:t>
-            </a:r>
-          </a:p>
-          <a:p>
-            <a:pPr lvl="1"/>
-            <a:endParaRPr lang="en-US" dirty="0"/>
-          </a:p>
-          <a:p>
-            <a:endParaRPr lang="en-US" dirty="0"/>
-          </a:p>
-        </p:txBody>
-      </p:sp>
-      <p:sp>
-        <p:nvSpPr>
-          <p:cNvPr id="4" name="Marcador de pie de página 3"/>
-          <p:cNvSpPr>
-            <a:spLocks noGrp="1"/>
-          </p:cNvSpPr>
-          <p:nvPr>
-            <p:ph type="ftr" sz="quarter" idx="11"/>
-          </p:nvPr>
-        </p:nvSpPr>
-        <p:spPr/>
-        <p:txBody>
-          <a:bodyPr/>
-          <a:lstStyle/>
-          <a:p>
-            <a:r>
-              <a:rPr lang="es-ES" smtClean="0"/>
-              <a:t>IOSharp: .NET Micro Framework on Linux</a:t>
-            </a:r>
-            <a:endParaRPr lang="es-ES"/>
+              <a:rPr lang="es-ES" dirty="0" smtClean="0"/>
+              <a:t>: .NET Micro Framework </a:t>
+            </a:r>
+            <a:r>
+              <a:rPr lang="es-ES" dirty="0" err="1" smtClean="0"/>
+              <a:t>on</a:t>
+            </a:r>
+            <a:r>
+              <a:rPr lang="es-ES" dirty="0" smtClean="0"/>
+              <a:t> Linux</a:t>
+            </a:r>
+            <a:endParaRPr lang="es-ES" dirty="0"/>
           </a:p>
         </p:txBody>
       </p:sp>
@@ -12021,10 +13002,69 @@
           </a:p>
         </p:txBody>
       </p:sp>
+      <p:pic>
+        <p:nvPicPr>
+          <p:cNvPr id="11" name="Imagen 10"/>
+          <p:cNvPicPr>
+            <a:picLocks noChangeAspect="1"/>
+          </p:cNvPicPr>
+          <p:nvPr/>
+        </p:nvPicPr>
+        <p:blipFill>
+          <a:blip r:embed="rId2"/>
+          <a:stretch>
+            <a:fillRect/>
+          </a:stretch>
+        </p:blipFill>
+        <p:spPr>
+          <a:xfrm>
+            <a:off x="2195736" y="2286036"/>
+            <a:ext cx="4249280" cy="3359187"/>
+          </a:xfrm>
+          <a:prstGeom prst="rect">
+            <a:avLst/>
+          </a:prstGeom>
+        </p:spPr>
+      </p:pic>
+      <p:sp>
+        <p:nvSpPr>
+          <p:cNvPr id="8" name="CuadroTexto 7"/>
+          <p:cNvSpPr txBox="1"/>
+          <p:nvPr/>
+        </p:nvSpPr>
+        <p:spPr>
+          <a:xfrm>
+            <a:off x="6454572" y="3488575"/>
+            <a:ext cx="2333150" cy="954107"/>
+          </a:xfrm>
+          <a:prstGeom prst="rect">
+            <a:avLst/>
+          </a:prstGeom>
+          <a:noFill/>
+        </p:spPr>
+        <p:txBody>
+          <a:bodyPr wrap="square" rtlCol="0">
+            <a:spAutoFit/>
+          </a:bodyPr>
+          <a:lstStyle/>
+          <a:p>
+            <a:pPr algn="just"/>
+            <a:r>
+              <a:rPr lang="en-US" sz="1400" b="1" dirty="0" smtClean="0"/>
+              <a:t>Fig. 9: </a:t>
+            </a:r>
+            <a:r>
+              <a:rPr lang="en-US" sz="1400" dirty="0" smtClean="0"/>
+              <a:t>Graph showing the speedup of the C++ version in front of the Mono one. 62% of gain.</a:t>
+            </a:r>
+            <a:endParaRPr lang="en-US" sz="1400" dirty="0"/>
+          </a:p>
+        </p:txBody>
+      </p:sp>
     </p:spTree>
     <p:extLst>
       <p:ext uri="{BB962C8B-B14F-4D97-AF65-F5344CB8AC3E}">
-        <p14:creationId xmlns:p14="http://schemas.microsoft.com/office/powerpoint/2010/main" val="3976270818"/>
+        <p14:creationId xmlns:p14="http://schemas.microsoft.com/office/powerpoint/2010/main" val="204124017"/>
       </p:ext>
     </p:extLst>
   </p:cSld>
@@ -12100,8 +13140,8 @@
         </p:nvSpPr>
         <p:spPr>
           <a:xfrm>
-            <a:off x="1942415" y="1412776"/>
-            <a:ext cx="6591985" cy="4536504"/>
+            <a:off x="1942415" y="1340768"/>
+            <a:ext cx="6591985" cy="4824536"/>
           </a:xfrm>
         </p:spPr>
         <p:txBody>
@@ -12112,25 +13152,15 @@
           <a:p>
             <a:r>
               <a:rPr lang="en-US" noProof="1" smtClean="0"/>
-              <a:t>1.  </a:t>
-            </a:r>
-            <a:r>
-              <a:rPr lang="en-US" noProof="1" smtClean="0"/>
-              <a:t>Introduction							3</a:t>
-            </a:r>
-            <a:endParaRPr lang="en-US" noProof="1" smtClean="0"/>
+              <a:t>1.  Introduction							3</a:t>
+            </a:r>
           </a:p>
           <a:p>
             <a:pPr lvl="1"/>
             <a:r>
               <a:rPr lang="en-US" dirty="0" smtClean="0"/>
-              <a:t>1.1.  .NET Micro </a:t>
-            </a:r>
-            <a:r>
-              <a:rPr lang="en-US" dirty="0" smtClean="0"/>
-              <a:t>Framework					4</a:t>
-            </a:r>
-            <a:endParaRPr lang="en-US" dirty="0" smtClean="0"/>
+              <a:t>1.1.  .NET Micro Framework					5</a:t>
+            </a:r>
           </a:p>
           <a:p>
             <a:r>
@@ -12143,67 +13173,43 @@
             </a:r>
             <a:r>
               <a:rPr lang="en-US" dirty="0" smtClean="0"/>
-              <a:t>								5</a:t>
+              <a:t>								6</a:t>
             </a:r>
           </a:p>
           <a:p>
             <a:pPr lvl="1"/>
             <a:r>
               <a:rPr lang="en-US" dirty="0" smtClean="0"/>
-              <a:t>2.1.  GPIO							7</a:t>
+              <a:t>2.1.  GPIO							8</a:t>
             </a:r>
           </a:p>
           <a:p>
             <a:pPr lvl="1"/>
             <a:r>
               <a:rPr lang="en-US" dirty="0" smtClean="0"/>
-              <a:t>2.2</a:t>
-            </a:r>
+              <a:t>2.2.  Interrupts							9</a:t>
+            </a:r>
+          </a:p>
+          <a:p>
+            <a:pPr lvl="1"/>
             <a:r>
               <a:rPr lang="en-US" dirty="0" smtClean="0"/>
-              <a:t>.  </a:t>
-            </a:r>
+              <a:t>2.3.  SPI								10</a:t>
+            </a:r>
+          </a:p>
+          <a:p>
+            <a:pPr lvl="1"/>
             <a:r>
               <a:rPr lang="en-US" dirty="0" smtClean="0"/>
-              <a:t>Interrupts							8</a:t>
-            </a:r>
-            <a:endParaRPr lang="en-US" dirty="0" smtClean="0"/>
+              <a:t>2.4.  UART							11</a:t>
+            </a:r>
           </a:p>
           <a:p>
             <a:pPr lvl="1"/>
             <a:r>
               <a:rPr lang="en-US" dirty="0" smtClean="0"/>
-              <a:t>2.3.  </a:t>
-            </a:r>
-            <a:r>
-              <a:rPr lang="en-US" dirty="0" smtClean="0"/>
-              <a:t>SPI								9</a:t>
-            </a:r>
-            <a:endParaRPr lang="en-US" dirty="0" smtClean="0"/>
-          </a:p>
-          <a:p>
-            <a:pPr lvl="1"/>
-            <a:r>
-              <a:rPr lang="en-US" dirty="0" smtClean="0"/>
-              <a:t>2.4.  </a:t>
-            </a:r>
-            <a:r>
-              <a:rPr lang="en-US" dirty="0" smtClean="0"/>
-              <a:t>UART							10</a:t>
-            </a:r>
-            <a:endParaRPr lang="en-US" dirty="0" smtClean="0"/>
-          </a:p>
-          <a:p>
-            <a:pPr lvl="1"/>
-            <a:r>
-              <a:rPr lang="en-US" dirty="0" smtClean="0"/>
-              <a:t>2.5.  </a:t>
-            </a:r>
-            <a:r>
-              <a:rPr lang="en-US" dirty="0" smtClean="0"/>
-              <a:t>Example							11</a:t>
-            </a:r>
-            <a:endParaRPr lang="en-US" dirty="0" smtClean="0"/>
+              <a:t>2.5.  Example							12</a:t>
+            </a:r>
           </a:p>
           <a:p>
             <a:r>
@@ -12216,21 +13222,22 @@
             </a:r>
             <a:r>
               <a:rPr lang="en-US" dirty="0" smtClean="0"/>
-              <a:t>							12</a:t>
-            </a:r>
-            <a:endParaRPr lang="en-US" dirty="0" smtClean="0"/>
+              <a:t>							13</a:t>
+            </a:r>
           </a:p>
           <a:p>
             <a:pPr lvl="1"/>
             <a:r>
               <a:rPr lang="en-US" dirty="0" smtClean="0"/>
-              <a:t>3.1.  Translation </a:t>
-            </a:r>
+              <a:t>3.1.  Contributions						14</a:t>
+            </a:r>
+          </a:p>
+          <a:p>
+            <a:pPr lvl="1"/>
             <a:r>
               <a:rPr lang="en-US" dirty="0" smtClean="0"/>
-              <a:t>process					13</a:t>
-            </a:r>
-            <a:endParaRPr lang="en-US" dirty="0" smtClean="0"/>
+              <a:t>3.1.  Translation process					15</a:t>
+            </a:r>
           </a:p>
           <a:p>
             <a:pPr lvl="1"/>
@@ -12244,70 +13251,41 @@
             </a:r>
             <a:r>
               <a:rPr lang="en-US" dirty="0" smtClean="0"/>
-              <a:t> C</a:t>
-            </a:r>
+              <a:t> C++						17</a:t>
+            </a:r>
+          </a:p>
+          <a:p>
+            <a:pPr lvl="1"/>
             <a:r>
               <a:rPr lang="en-US" dirty="0" smtClean="0"/>
-              <a:t>++						15</a:t>
-            </a:r>
-            <a:endParaRPr lang="en-US" dirty="0" smtClean="0"/>
+              <a:t>3.3.  Example							18</a:t>
+            </a:r>
+          </a:p>
+          <a:p>
+            <a:r>
+              <a:rPr lang="en-US" dirty="0" smtClean="0"/>
+              <a:t>4.  Performance Test						19</a:t>
+            </a:r>
           </a:p>
           <a:p>
             <a:pPr lvl="1"/>
             <a:r>
               <a:rPr lang="en-US" dirty="0" smtClean="0"/>
-              <a:t>3.3.  </a:t>
-            </a:r>
+              <a:t>4.1.  Example							20</a:t>
+            </a:r>
+          </a:p>
+          <a:p>
             <a:r>
               <a:rPr lang="en-US" dirty="0" smtClean="0"/>
-              <a:t>Example							16</a:t>
-            </a:r>
-            <a:endParaRPr lang="en-US" dirty="0" smtClean="0"/>
+              <a:t>5.  Conclusions							21</a:t>
+            </a:r>
+            <a:endParaRPr lang="en-US" dirty="0"/>
           </a:p>
           <a:p>
             <a:r>
               <a:rPr lang="en-US" dirty="0" smtClean="0"/>
-              <a:t>4.  Performance </a:t>
-            </a:r>
-            <a:r>
-              <a:rPr lang="en-US" dirty="0" smtClean="0"/>
-              <a:t>Test						17</a:t>
-            </a:r>
-            <a:endParaRPr lang="en-US" dirty="0" smtClean="0"/>
-          </a:p>
-          <a:p>
-            <a:pPr lvl="1"/>
-            <a:r>
-              <a:rPr lang="en-US" dirty="0" smtClean="0"/>
-              <a:t>4.1.  </a:t>
-            </a:r>
-            <a:r>
-              <a:rPr lang="en-US" dirty="0" smtClean="0"/>
-              <a:t>Example							18</a:t>
-            </a:r>
-            <a:endParaRPr lang="en-US" dirty="0" smtClean="0"/>
-          </a:p>
-          <a:p>
-            <a:r>
-              <a:rPr lang="en-US" dirty="0" smtClean="0"/>
-              <a:t>5.  </a:t>
-            </a:r>
-            <a:r>
-              <a:rPr lang="en-US" dirty="0" smtClean="0"/>
-              <a:t>Conclusions							19</a:t>
-            </a:r>
-            <a:endParaRPr lang="en-US" dirty="0"/>
-          </a:p>
-          <a:p>
-            <a:r>
-              <a:rPr lang="en-US" dirty="0" smtClean="0"/>
-              <a:t>6.  Questions &amp; </a:t>
-            </a:r>
-            <a:r>
-              <a:rPr lang="en-US" dirty="0" smtClean="0"/>
-              <a:t>Answers					22</a:t>
-            </a:r>
-            <a:endParaRPr lang="en-US" dirty="0" smtClean="0"/>
+              <a:t>6.  Questions &amp; Answers					23</a:t>
+            </a:r>
           </a:p>
           <a:p>
             <a:endParaRPr lang="es-ES" dirty="0" smtClean="0"/>
@@ -12337,10 +13315,22 @@
           <a:lstStyle/>
           <a:p>
             <a:r>
-              <a:rPr lang="es-ES" smtClean="0"/>
-              <a:t>IOSharp: .NET Micro Framework on Linux</a:t>
-            </a:r>
-            <a:endParaRPr lang="es-ES"/>
+              <a:rPr lang="es-ES" dirty="0" err="1" smtClean="0"/>
+              <a:t>IOSharp</a:t>
+            </a:r>
+            <a:r>
+              <a:rPr lang="es-ES" dirty="0" smtClean="0"/>
+              <a:t>: .NET Micro Framework </a:t>
+            </a:r>
+            <a:r>
+              <a:rPr lang="es-ES" dirty="0" err="1" smtClean="0"/>
+              <a:t>on</a:t>
+            </a:r>
+            <a:r>
+              <a:rPr lang="es-ES" dirty="0" smtClean="0"/>
+              <a:t> Linux</a:t>
+            </a:r>
+            <a:endParaRPr lang="es-ES" dirty="0"/>
           </a:p>
         </p:txBody>
       </p:sp>
@@ -12421,7 +13411,7 @@
           <a:p>
             <a:r>
               <a:rPr lang="en-US" dirty="0" smtClean="0"/>
-              <a:t>5.  Conclusions II</a:t>
+              <a:t>4.1.  Example</a:t>
             </a:r>
             <a:endParaRPr lang="en-US" dirty="0"/>
           </a:p>
@@ -12439,7 +13429,7 @@
         </p:nvSpPr>
         <p:spPr>
           <a:xfrm>
-            <a:off x="2267744" y="1905000"/>
+            <a:off x="1960040" y="2125113"/>
             <a:ext cx="6591985" cy="3777622"/>
           </a:xfrm>
         </p:spPr>
@@ -12447,101 +13437,49 @@
           <a:bodyPr/>
           <a:lstStyle/>
           <a:p>
-            <a:pPr marL="0" indent="0">
-              <a:buNone/>
-            </a:pPr>
-            <a:r>
-              <a:rPr lang="en-US" b="1" dirty="0" smtClean="0"/>
-              <a:t>Future Work</a:t>
-            </a:r>
-          </a:p>
-          <a:p>
-            <a:pPr lvl="2"/>
-            <a:r>
-              <a:rPr lang="en-US" sz="1800" dirty="0" err="1" smtClean="0"/>
+            <a:endParaRPr lang="en-US" dirty="0" smtClean="0"/>
+          </a:p>
+          <a:p>
+            <a:r>
+              <a:rPr lang="en-US" dirty="0" smtClean="0"/>
+              <a:t>Performance test using the10K GPIO iterations</a:t>
+            </a:r>
+            <a:endParaRPr lang="en-US" dirty="0"/>
+          </a:p>
+        </p:txBody>
+      </p:sp>
+      <p:sp>
+        <p:nvSpPr>
+          <p:cNvPr id="4" name="Marcador de pie de página 3"/>
+          <p:cNvSpPr>
+            <a:spLocks noGrp="1"/>
+          </p:cNvSpPr>
+          <p:nvPr>
+            <p:ph type="ftr" sz="quarter" idx="11"/>
+          </p:nvPr>
+        </p:nvSpPr>
+        <p:spPr/>
+        <p:txBody>
+          <a:bodyPr/>
+          <a:lstStyle/>
+          <a:p>
+            <a:r>
+              <a:rPr lang="es-ES" dirty="0" err="1" smtClean="0"/>
               <a:t>IOSharp</a:t>
             </a:r>
             <a:r>
-              <a:rPr lang="en-US" sz="1800" dirty="0" smtClean="0"/>
-              <a:t>:</a:t>
-            </a:r>
-          </a:p>
-          <a:p>
-            <a:pPr lvl="3"/>
-            <a:r>
-              <a:rPr lang="en-US" sz="1600" dirty="0" smtClean="0"/>
-              <a:t>Add new protocols</a:t>
-            </a:r>
-          </a:p>
-          <a:p>
-            <a:pPr lvl="3"/>
-            <a:r>
-              <a:rPr lang="en-US" sz="1600" dirty="0" smtClean="0"/>
-              <a:t>Performance optimization</a:t>
-            </a:r>
-          </a:p>
-          <a:p>
-            <a:pPr lvl="2"/>
-            <a:endParaRPr lang="en-US" sz="1800" b="1" dirty="0"/>
-          </a:p>
-          <a:p>
-            <a:pPr lvl="2"/>
-            <a:r>
-              <a:rPr lang="en-US" sz="1800" dirty="0" err="1" smtClean="0"/>
-              <a:t>AlterNative</a:t>
-            </a:r>
-            <a:r>
-              <a:rPr lang="en-US" sz="1800" dirty="0" smtClean="0"/>
-              <a:t>:</a:t>
-            </a:r>
-          </a:p>
-          <a:p>
-            <a:pPr lvl="3"/>
-            <a:r>
-              <a:rPr lang="en-US" sz="1600" dirty="0" smtClean="0"/>
-              <a:t>Garbage Collector</a:t>
-            </a:r>
-          </a:p>
-          <a:p>
-            <a:pPr lvl="3"/>
-            <a:r>
-              <a:rPr lang="en-US" sz="1600" dirty="0" smtClean="0"/>
-              <a:t>Continuous Integration</a:t>
-            </a:r>
-          </a:p>
-          <a:p>
-            <a:pPr lvl="3"/>
-            <a:r>
-              <a:rPr lang="en-US" sz="1600" dirty="0" smtClean="0"/>
-              <a:t>Extend capabilities</a:t>
-            </a:r>
-            <a:endParaRPr lang="en-US" sz="1600" dirty="0"/>
-          </a:p>
-          <a:p>
-            <a:endParaRPr lang="en-US" dirty="0"/>
-          </a:p>
-        </p:txBody>
-      </p:sp>
-      <p:sp>
-        <p:nvSpPr>
-          <p:cNvPr id="4" name="Marcador de pie de página 3"/>
-          <p:cNvSpPr>
-            <a:spLocks noGrp="1"/>
-          </p:cNvSpPr>
-          <p:nvPr>
-            <p:ph type="ftr" sz="quarter" idx="11"/>
-          </p:nvPr>
-        </p:nvSpPr>
-        <p:spPr/>
-        <p:txBody>
-          <a:bodyPr/>
-          <a:lstStyle/>
-          <a:p>
-            <a:r>
-              <a:rPr lang="es-ES" smtClean="0"/>
-              <a:t>IOSharp: .NET Micro Framework on Linux</a:t>
-            </a:r>
-            <a:endParaRPr lang="es-ES"/>
+              <a:rPr lang="es-ES" dirty="0" smtClean="0"/>
+              <a:t>: .NET Micro Framework </a:t>
+            </a:r>
+            <a:r>
+              <a:rPr lang="es-ES" dirty="0" err="1" smtClean="0"/>
+              <a:t>on</a:t>
+            </a:r>
+            <a:r>
+              <a:rPr lang="es-ES" dirty="0" smtClean="0"/>
+              <a:t> Linux</a:t>
+            </a:r>
+            <a:endParaRPr lang="es-ES" dirty="0"/>
           </a:p>
         </p:txBody>
       </p:sp>
@@ -12568,10 +13506,68 @@
           </a:p>
         </p:txBody>
       </p:sp>
+      <p:pic>
+        <p:nvPicPr>
+          <p:cNvPr id="6" name="Imagen 5"/>
+          <p:cNvPicPr>
+            <a:picLocks noChangeAspect="1"/>
+          </p:cNvPicPr>
+          <p:nvPr/>
+        </p:nvPicPr>
+        <p:blipFill>
+          <a:blip r:embed="rId2"/>
+          <a:stretch>
+            <a:fillRect/>
+          </a:stretch>
+        </p:blipFill>
+        <p:spPr>
+          <a:xfrm>
+            <a:off x="1458082" y="3774177"/>
+            <a:ext cx="7418578" cy="1820781"/>
+          </a:xfrm>
+          <a:prstGeom prst="rect">
+            <a:avLst/>
+          </a:prstGeom>
+        </p:spPr>
+      </p:pic>
+      <p:sp>
+        <p:nvSpPr>
+          <p:cNvPr id="7" name="CuadroTexto 6"/>
+          <p:cNvSpPr txBox="1"/>
+          <p:nvPr/>
+        </p:nvSpPr>
+        <p:spPr>
+          <a:xfrm>
+            <a:off x="1499765" y="5682922"/>
+            <a:ext cx="7512533" cy="307777"/>
+          </a:xfrm>
+          <a:prstGeom prst="rect">
+            <a:avLst/>
+          </a:prstGeom>
+          <a:noFill/>
+        </p:spPr>
+        <p:txBody>
+          <a:bodyPr wrap="square" rtlCol="0">
+            <a:spAutoFit/>
+          </a:bodyPr>
+          <a:lstStyle/>
+          <a:p>
+            <a:r>
+              <a:rPr lang="en-US" sz="1400" b="1" dirty="0" smtClean="0"/>
+              <a:t>Fig. 10: </a:t>
+            </a:r>
+            <a:r>
+              <a:rPr lang="en-US" sz="1400" dirty="0" smtClean="0"/>
+              <a:t>Time comparison between Mono and C++ in 10K iterations of an Output Port</a:t>
+            </a:r>
+            <a:endParaRPr lang="en-US" sz="1400" dirty="0"/>
+          </a:p>
+        </p:txBody>
+      </p:sp>
     </p:spTree>
     <p:extLst>
       <p:ext uri="{BB962C8B-B14F-4D97-AF65-F5344CB8AC3E}">
-        <p14:creationId xmlns:p14="http://schemas.microsoft.com/office/powerpoint/2010/main" val="16182100"/>
+        <p14:creationId xmlns:p14="http://schemas.microsoft.com/office/powerpoint/2010/main" val="4154510114"/>
       </p:ext>
     </p:extLst>
   </p:cSld>
@@ -12622,7 +13618,7 @@
           <a:p>
             <a:r>
               <a:rPr lang="en-US" dirty="0" smtClean="0"/>
-              <a:t>5.  Conclusions III</a:t>
+              <a:t>5.  Conclusions</a:t>
             </a:r>
             <a:endParaRPr lang="en-US" dirty="0"/>
           </a:p>
@@ -12638,88 +13634,65 @@
             <p:ph idx="1"/>
           </p:nvPr>
         </p:nvSpPr>
-        <p:spPr>
-          <a:xfrm>
-            <a:off x="2267744" y="1905000"/>
-            <a:ext cx="6591985" cy="3777622"/>
-          </a:xfrm>
-        </p:spPr>
+        <p:spPr/>
         <p:txBody>
           <a:bodyPr/>
           <a:lstStyle/>
           <a:p>
-            <a:pPr marL="0" indent="0">
-              <a:buNone/>
-            </a:pPr>
-            <a:r>
-              <a:rPr lang="en-US" b="1" dirty="0"/>
-              <a:t>Environmental Impact</a:t>
-            </a:r>
-            <a:endParaRPr lang="en-US" b="1" dirty="0" smtClean="0"/>
-          </a:p>
-          <a:p>
-            <a:pPr lvl="2"/>
-            <a:r>
-              <a:rPr lang="en-US" sz="1800" dirty="0" err="1" smtClean="0"/>
+            <a:r>
+              <a:rPr lang="en-US" dirty="0" err="1" smtClean="0"/>
               <a:t>IOSharp</a:t>
             </a:r>
             <a:r>
-              <a:rPr lang="en-US" sz="1800" dirty="0" smtClean="0"/>
-              <a:t>:</a:t>
-            </a:r>
-          </a:p>
-          <a:p>
-            <a:pPr lvl="3"/>
-            <a:r>
-              <a:rPr lang="en-US" sz="1600" dirty="0" smtClean="0"/>
-              <a:t>Add new protocols</a:t>
-            </a:r>
-          </a:p>
-          <a:p>
-            <a:pPr lvl="3"/>
-            <a:r>
-              <a:rPr lang="en-US" sz="1600" dirty="0" smtClean="0"/>
-              <a:t>Performance optimization</a:t>
-            </a:r>
-          </a:p>
-          <a:p>
-            <a:pPr lvl="2"/>
-            <a:endParaRPr lang="en-US" sz="1800" b="1" dirty="0"/>
-          </a:p>
-          <a:p>
-            <a:pPr lvl="2"/>
-            <a:r>
-              <a:rPr lang="en-US" sz="1800" dirty="0" err="1" smtClean="0"/>
+              <a:rPr lang="en-US" dirty="0" smtClean="0"/>
+              <a:t> implementation supports</a:t>
+            </a:r>
+          </a:p>
+          <a:p>
+            <a:pPr lvl="1"/>
+            <a:r>
+              <a:rPr lang="en-US" dirty="0" smtClean="0"/>
+              <a:t>GPIO with Interrupts</a:t>
+            </a:r>
+          </a:p>
+          <a:p>
+            <a:pPr lvl="1"/>
+            <a:r>
+              <a:rPr lang="en-US" dirty="0" smtClean="0"/>
+              <a:t>SPI</a:t>
+            </a:r>
+          </a:p>
+          <a:p>
+            <a:pPr lvl="1"/>
+            <a:r>
+              <a:rPr lang="en-US" dirty="0" smtClean="0"/>
+              <a:t>UART</a:t>
+            </a:r>
+          </a:p>
+          <a:p>
+            <a:pPr lvl="1"/>
+            <a:endParaRPr lang="en-US" dirty="0" smtClean="0"/>
+          </a:p>
+          <a:p>
+            <a:pPr lvl="1"/>
+            <a:endParaRPr lang="en-US" dirty="0"/>
+          </a:p>
+          <a:p>
+            <a:r>
+              <a:rPr lang="en-US" dirty="0" err="1" smtClean="0"/>
               <a:t>AlterNative</a:t>
             </a:r>
             <a:r>
-              <a:rPr lang="en-US" sz="1800" dirty="0" smtClean="0"/>
-              <a:t>:</a:t>
-            </a:r>
-          </a:p>
-          <a:p>
-            <a:pPr lvl="3"/>
-            <a:r>
-              <a:rPr lang="en-US" sz="1600" dirty="0" smtClean="0"/>
-              <a:t>Garbage Collector</a:t>
-            </a:r>
-          </a:p>
-          <a:p>
-            <a:pPr lvl="3"/>
-            <a:r>
-              <a:rPr lang="en-US" sz="1600" dirty="0" smtClean="0"/>
-              <a:t>Continuous Integration</a:t>
-            </a:r>
-          </a:p>
-          <a:p>
-            <a:pPr lvl="3"/>
-            <a:r>
-              <a:rPr lang="en-US" sz="1600" dirty="0" smtClean="0"/>
-              <a:t>Extend capabilities</a:t>
-            </a:r>
-            <a:endParaRPr lang="en-US" sz="1600" dirty="0"/>
-          </a:p>
-          <a:p>
+              <a:rPr lang="en-US" dirty="0" smtClean="0"/>
+              <a:t> part shows</a:t>
+            </a:r>
+          </a:p>
+          <a:p>
+            <a:pPr lvl="1"/>
+            <a:r>
+              <a:rPr lang="en-US" dirty="0" smtClean="0"/>
+              <a:t>Performance improvement</a:t>
+            </a:r>
             <a:endParaRPr lang="en-US" dirty="0"/>
           </a:p>
         </p:txBody>
@@ -12740,10 +13713,22 @@
           <a:lstStyle/>
           <a:p>
             <a:r>
-              <a:rPr lang="es-ES" smtClean="0"/>
-              <a:t>IOSharp: .NET Micro Framework on Linux</a:t>
-            </a:r>
-            <a:endParaRPr lang="es-ES"/>
+              <a:rPr lang="es-ES" dirty="0" err="1" smtClean="0"/>
+              <a:t>IOSharp</a:t>
+            </a:r>
+            <a:r>
+              <a:rPr lang="es-ES" dirty="0" smtClean="0"/>
+              <a:t>: .NET Micro Framework </a:t>
+            </a:r>
+            <a:r>
+              <a:rPr lang="es-ES" dirty="0" err="1" smtClean="0"/>
+              <a:t>on</a:t>
+            </a:r>
+            <a:r>
+              <a:rPr lang="es-ES" dirty="0" smtClean="0"/>
+              <a:t> Linux</a:t>
+            </a:r>
+            <a:endParaRPr lang="es-ES" dirty="0"/>
           </a:p>
         </p:txBody>
       </p:sp>
@@ -12773,7 +13758,7 @@
     </p:spTree>
     <p:extLst>
       <p:ext uri="{BB962C8B-B14F-4D97-AF65-F5344CB8AC3E}">
-        <p14:creationId xmlns:p14="http://schemas.microsoft.com/office/powerpoint/2010/main" val="2144032195"/>
+        <p14:creationId xmlns:p14="http://schemas.microsoft.com/office/powerpoint/2010/main" val="3976270818"/>
       </p:ext>
     </p:extLst>
   </p:cSld>
@@ -12824,40 +13809,247 @@
           <a:p>
             <a:r>
               <a:rPr lang="en-US" dirty="0" smtClean="0"/>
-              <a:t>6.  Questions</a:t>
+              <a:t>5.  Conclusions II</a:t>
+            </a:r>
+            <a:endParaRPr lang="en-US" dirty="0"/>
+          </a:p>
+        </p:txBody>
+      </p:sp>
+      <mc:AlternateContent xmlns:mc="http://schemas.openxmlformats.org/markup-compatibility/2006" xmlns:a14="http://schemas.microsoft.com/office/drawing/2010/main">
+        <mc:Choice Requires="a14">
+          <p:sp>
+            <p:nvSpPr>
+              <p:cNvPr id="3" name="Marcador de contenido 2"/>
+              <p:cNvSpPr>
+                <a:spLocks noGrp="1"/>
+              </p:cNvSpPr>
+              <p:nvPr>
+                <p:ph idx="1"/>
+              </p:nvPr>
+            </p:nvSpPr>
+            <p:spPr>
+              <a:xfrm>
+                <a:off x="2267744" y="1905000"/>
+                <a:ext cx="6591985" cy="3777622"/>
+              </a:xfrm>
+            </p:spPr>
+            <p:txBody>
+              <a:bodyPr>
+                <a:normAutofit/>
+              </a:bodyPr>
+              <a:lstStyle/>
+              <a:p>
+                <a:pPr marL="0" indent="0">
+                  <a:buNone/>
+                </a:pPr>
+                <a:r>
+                  <a:rPr lang="en-US" b="1" dirty="0" smtClean="0"/>
+                  <a:t>Future Work</a:t>
+                </a:r>
+              </a:p>
+              <a:p>
+                <a:pPr lvl="2"/>
+                <a:r>
+                  <a:rPr lang="en-US" sz="1800" dirty="0" err="1" smtClean="0"/>
+                  <a:t>IOSharp</a:t>
+                </a:r>
+                <a:r>
+                  <a:rPr lang="en-US" sz="1800" dirty="0" smtClean="0"/>
+                  <a:t>:</a:t>
+                </a:r>
+              </a:p>
+              <a:p>
+                <a:pPr lvl="3"/>
+                <a:r>
+                  <a:rPr lang="es-ES" sz="1600" dirty="0" smtClean="0"/>
+                  <a:t>New </a:t>
+                </a:r>
+                <a:r>
+                  <a:rPr lang="en-US" sz="1600" dirty="0" smtClean="0"/>
+                  <a:t>protocols</a:t>
+                </a:r>
+                <a:r>
+                  <a:rPr lang="es-ES" sz="1600" dirty="0" smtClean="0"/>
+                  <a:t>, </a:t>
+                </a:r>
+                <a:r>
+                  <a:rPr lang="en-US" sz="1600" dirty="0" smtClean="0"/>
+                  <a:t>i.e.</a:t>
+                </a:r>
+                <a:r>
+                  <a:rPr lang="es-ES" sz="1600" dirty="0" smtClean="0"/>
+                  <a:t> </a:t>
+                </a:r>
+                <a14:m>
+                  <m:oMath xmlns:m="http://schemas.openxmlformats.org/officeDocument/2006/math">
+                    <m:sSup>
+                      <m:sSupPr>
+                        <m:ctrlPr>
+                          <a:rPr lang="es-ES" sz="1600" b="0" i="1" smtClean="0">
+                            <a:latin typeface="Cambria Math" panose="02040503050406030204" pitchFamily="18" charset="0"/>
+                          </a:rPr>
+                        </m:ctrlPr>
+                      </m:sSupPr>
+                      <m:e>
+                        <m:r>
+                          <a:rPr lang="es-ES" sz="1600" b="0" i="1" smtClean="0">
+                            <a:latin typeface="Cambria Math" panose="02040503050406030204" pitchFamily="18" charset="0"/>
+                          </a:rPr>
+                          <m:t>𝐼</m:t>
+                        </m:r>
+                      </m:e>
+                      <m:sup>
+                        <m:r>
+                          <a:rPr lang="es-ES" sz="1600" b="0" i="1" smtClean="0">
+                            <a:latin typeface="Cambria Math" panose="02040503050406030204" pitchFamily="18" charset="0"/>
+                          </a:rPr>
+                          <m:t>2</m:t>
+                        </m:r>
+                      </m:sup>
+                    </m:sSup>
+                    <m:r>
+                      <a:rPr lang="es-ES" sz="1600" b="0" i="1" smtClean="0">
+                        <a:latin typeface="Cambria Math" panose="02040503050406030204" pitchFamily="18" charset="0"/>
+                      </a:rPr>
+                      <m:t>𝐶</m:t>
+                    </m:r>
+                  </m:oMath>
+                </a14:m>
+                <a:r>
+                  <a:rPr lang="es-ES" sz="1600" dirty="0" smtClean="0"/>
+                  <a:t> and </a:t>
+                </a:r>
+                <a14:m>
+                  <m:oMath xmlns:m="http://schemas.openxmlformats.org/officeDocument/2006/math">
+                    <m:r>
+                      <a:rPr lang="es-ES" sz="1600" b="0" i="1" smtClean="0">
+                        <a:latin typeface="Cambria Math" panose="02040503050406030204" pitchFamily="18" charset="0"/>
+                      </a:rPr>
+                      <m:t>𝑃𝑊𝑀</m:t>
+                    </m:r>
+                  </m:oMath>
+                </a14:m>
+                <a:endParaRPr lang="es-ES" sz="1600" dirty="0" smtClean="0"/>
+              </a:p>
+              <a:p>
+                <a:pPr lvl="3"/>
+                <a:r>
+                  <a:rPr lang="en-US" sz="1600" dirty="0" smtClean="0"/>
+                  <a:t>Performance optimization</a:t>
+                </a:r>
+              </a:p>
+              <a:p>
+                <a:pPr lvl="2"/>
+                <a:endParaRPr lang="en-US" sz="1800" b="1" dirty="0"/>
+              </a:p>
+              <a:p>
+                <a:pPr lvl="2"/>
+                <a:r>
+                  <a:rPr lang="en-US" sz="1800" dirty="0" err="1" smtClean="0"/>
+                  <a:t>AlterNative</a:t>
+                </a:r>
+                <a:r>
+                  <a:rPr lang="en-US" sz="1800" dirty="0" smtClean="0"/>
+                  <a:t>:</a:t>
+                </a:r>
+              </a:p>
+              <a:p>
+                <a:pPr lvl="3"/>
+                <a:r>
+                  <a:rPr lang="en-US" sz="1600" dirty="0" smtClean="0"/>
+                  <a:t>Garbage Collector</a:t>
+                </a:r>
+              </a:p>
+              <a:p>
+                <a:pPr lvl="3"/>
+                <a:r>
+                  <a:rPr lang="en-US" sz="1600" dirty="0" smtClean="0"/>
+                  <a:t>Continuous Integration</a:t>
+                </a:r>
+              </a:p>
+              <a:p>
+                <a:pPr lvl="3"/>
+                <a:r>
+                  <a:rPr lang="en-US" sz="1600" dirty="0" smtClean="0"/>
+                  <a:t>Extend C# language capabilities</a:t>
+                </a:r>
+              </a:p>
+              <a:p>
+                <a:endParaRPr lang="en-US" dirty="0"/>
+              </a:p>
+            </p:txBody>
+          </p:sp>
+        </mc:Choice>
+        <mc:Fallback xmlns="">
+          <p:sp>
+            <p:nvSpPr>
+              <p:cNvPr id="3" name="Marcador de contenido 2"/>
+              <p:cNvSpPr>
+                <a:spLocks noGrp="1" noRot="1" noChangeAspect="1" noMove="1" noResize="1" noEditPoints="1" noAdjustHandles="1" noChangeArrowheads="1" noChangeShapeType="1" noTextEdit="1"/>
+              </p:cNvSpPr>
+              <p:nvPr>
+                <p:ph idx="1"/>
+              </p:nvPr>
+            </p:nvSpPr>
+            <p:spPr>
+              <a:xfrm>
+                <a:off x="2267744" y="1905000"/>
+                <a:ext cx="6591985" cy="3777622"/>
+              </a:xfrm>
+              <a:blipFill rotWithShape="0">
+                <a:blip r:embed="rId2"/>
+                <a:stretch>
+                  <a:fillRect l="-740" t="-969"/>
+                </a:stretch>
+              </a:blipFill>
+            </p:spPr>
+            <p:txBody>
+              <a:bodyPr/>
+              <a:lstStyle/>
+              <a:p>
+                <a:r>
+                  <a:rPr lang="en-US">
+                    <a:noFill/>
+                  </a:rPr>
+                  <a:t> </a:t>
+                </a:r>
+              </a:p>
+            </p:txBody>
+          </p:sp>
+        </mc:Fallback>
+      </mc:AlternateContent>
+      <p:sp>
+        <p:nvSpPr>
+          <p:cNvPr id="4" name="Marcador de pie de página 3"/>
+          <p:cNvSpPr>
+            <a:spLocks noGrp="1"/>
+          </p:cNvSpPr>
+          <p:nvPr>
+            <p:ph type="ftr" sz="quarter" idx="11"/>
+          </p:nvPr>
+        </p:nvSpPr>
+        <p:spPr/>
+        <p:txBody>
+          <a:bodyPr/>
+          <a:lstStyle/>
+          <a:p>
+            <a:r>
+              <a:rPr lang="es-ES" dirty="0" err="1" smtClean="0"/>
+              <a:t>IOSharp</a:t>
             </a:r>
             <a:r>
               <a:rPr lang="es-ES" dirty="0" smtClean="0"/>
-              <a:t> &amp; </a:t>
-            </a:r>
-            <a:r>
-              <a:rPr lang="en-US" dirty="0" smtClean="0"/>
-              <a:t>Answers</a:t>
-            </a:r>
-            <a:endParaRPr lang="en-US" dirty="0"/>
-          </a:p>
-        </p:txBody>
-      </p:sp>
-      <p:sp>
-        <p:nvSpPr>
-          <p:cNvPr id="4" name="Marcador de pie de página 3"/>
-          <p:cNvSpPr>
-            <a:spLocks noGrp="1"/>
-          </p:cNvSpPr>
-          <p:nvPr>
-            <p:ph type="ftr" sz="quarter" idx="11"/>
-          </p:nvPr>
-        </p:nvSpPr>
-        <p:spPr/>
-        <p:txBody>
-          <a:bodyPr/>
-          <a:lstStyle/>
-          <a:p>
-            <a:r>
-              <a:rPr lang="es-ES" smtClean="0"/>
-              <a:t>IOSharp: .NET Micro Framework on Linux</a:t>
-            </a:r>
-            <a:endParaRPr lang="es-ES"/>
+              <a:t>: .NET Micro Framework </a:t>
+            </a:r>
+            <a:r>
+              <a:rPr lang="es-ES" dirty="0" err="1" smtClean="0"/>
+              <a:t>on</a:t>
+            </a:r>
+            <a:r>
+              <a:rPr lang="es-ES" dirty="0" smtClean="0"/>
+              <a:t> Linux</a:t>
+            </a:r>
+            <a:endParaRPr lang="es-ES" dirty="0"/>
           </a:p>
         </p:txBody>
       </p:sp>
@@ -12884,47 +14076,10 @@
           </a:p>
         </p:txBody>
       </p:sp>
-      <p:sp>
-        <p:nvSpPr>
-          <p:cNvPr id="6" name="Marcador de contenido 2"/>
-          <p:cNvSpPr>
-            <a:spLocks noGrp="1"/>
-          </p:cNvSpPr>
-          <p:nvPr>
-            <p:ph idx="1"/>
-          </p:nvPr>
-        </p:nvSpPr>
-        <p:spPr>
-          <a:xfrm>
-            <a:off x="1942415" y="2133600"/>
-            <a:ext cx="6591985" cy="3777622"/>
-          </a:xfrm>
-        </p:spPr>
-        <p:txBody>
-          <a:bodyPr/>
-          <a:lstStyle/>
-          <a:p>
-            <a:endParaRPr lang="en-US" dirty="0" smtClean="0"/>
-          </a:p>
-          <a:p>
-            <a:endParaRPr lang="en-US" dirty="0"/>
-          </a:p>
-          <a:p>
-            <a:endParaRPr lang="en-US" dirty="0" smtClean="0"/>
-          </a:p>
-          <a:p>
-            <a:r>
-              <a:rPr lang="en-US" dirty="0" smtClean="0"/>
-              <a:t>Questions are guaranteed in life – Answers aren’t</a:t>
-            </a:r>
-            <a:endParaRPr lang="en-US" dirty="0"/>
-          </a:p>
-        </p:txBody>
-      </p:sp>
     </p:spTree>
     <p:extLst>
       <p:ext uri="{BB962C8B-B14F-4D97-AF65-F5344CB8AC3E}">
-        <p14:creationId xmlns:p14="http://schemas.microsoft.com/office/powerpoint/2010/main" val="1345899272"/>
+        <p14:creationId xmlns:p14="http://schemas.microsoft.com/office/powerpoint/2010/main" val="16182100"/>
       </p:ext>
     </p:extLst>
   </p:cSld>
@@ -12960,6 +14115,37 @@
       </p:grpSpPr>
       <p:sp>
         <p:nvSpPr>
+          <p:cNvPr id="2" name="Título 1"/>
+          <p:cNvSpPr>
+            <a:spLocks noGrp="1"/>
+          </p:cNvSpPr>
+          <p:nvPr>
+            <p:ph type="title"/>
+          </p:nvPr>
+        </p:nvSpPr>
+        <p:spPr/>
+        <p:txBody>
+          <a:bodyPr/>
+          <a:lstStyle/>
+          <a:p>
+            <a:r>
+              <a:rPr lang="en-US" dirty="0" smtClean="0"/>
+              <a:t>6.  Questions</a:t>
+            </a:r>
+            <a:r>
+              <a:rPr lang="es-ES" dirty="0" smtClean="0"/>
+              <a:t> &amp; </a:t>
+            </a:r>
+            <a:r>
+              <a:rPr lang="en-US" dirty="0" smtClean="0"/>
+              <a:t>Answers</a:t>
+            </a:r>
+            <a:endParaRPr lang="en-US" dirty="0"/>
+          </a:p>
+        </p:txBody>
+      </p:sp>
+      <p:sp>
+        <p:nvSpPr>
           <p:cNvPr id="4" name="Marcador de pie de página 3"/>
           <p:cNvSpPr>
             <a:spLocks noGrp="1"/>
@@ -12974,8 +14160,152 @@
           <a:lstStyle/>
           <a:p>
             <a:r>
+              <a:rPr lang="es-ES" dirty="0" err="1" smtClean="0"/>
+              <a:t>IOSharp</a:t>
+            </a:r>
+            <a:r>
+              <a:rPr lang="es-ES" dirty="0" smtClean="0"/>
+              <a:t>: .NET Micro Framework </a:t>
+            </a:r>
+            <a:r>
+              <a:rPr lang="es-ES" dirty="0" err="1" smtClean="0"/>
+              <a:t>on</a:t>
+            </a:r>
+            <a:r>
+              <a:rPr lang="es-ES" dirty="0" smtClean="0"/>
+              <a:t> Linux</a:t>
+            </a:r>
+            <a:endParaRPr lang="es-ES" dirty="0"/>
+          </a:p>
+        </p:txBody>
+      </p:sp>
+      <p:sp>
+        <p:nvSpPr>
+          <p:cNvPr id="5" name="Marcador de número de diapositiva 4"/>
+          <p:cNvSpPr>
+            <a:spLocks noGrp="1"/>
+          </p:cNvSpPr>
+          <p:nvPr>
+            <p:ph type="sldNum" sz="quarter" idx="12"/>
+          </p:nvPr>
+        </p:nvSpPr>
+        <p:spPr/>
+        <p:txBody>
+          <a:bodyPr/>
+          <a:lstStyle/>
+          <a:p>
+            <a:fld id="{8EE90C33-BF19-4C36-8633-00054130773A}" type="slidenum">
               <a:rPr lang="es-ES" smtClean="0"/>
-              <a:t>IOSharp: .NET Micro Framework on Linux</a:t>
+              <a:t>23</a:t>
+            </a:fld>
+            <a:endParaRPr lang="es-ES"/>
+          </a:p>
+        </p:txBody>
+      </p:sp>
+      <p:sp>
+        <p:nvSpPr>
+          <p:cNvPr id="6" name="Marcador de contenido 2"/>
+          <p:cNvSpPr>
+            <a:spLocks noGrp="1"/>
+          </p:cNvSpPr>
+          <p:nvPr>
+            <p:ph idx="1"/>
+          </p:nvPr>
+        </p:nvSpPr>
+        <p:spPr>
+          <a:xfrm>
+            <a:off x="1942415" y="2133600"/>
+            <a:ext cx="6591985" cy="3777622"/>
+          </a:xfrm>
+        </p:spPr>
+        <p:txBody>
+          <a:bodyPr/>
+          <a:lstStyle/>
+          <a:p>
+            <a:endParaRPr lang="en-US" dirty="0" smtClean="0"/>
+          </a:p>
+          <a:p>
+            <a:endParaRPr lang="en-US" dirty="0"/>
+          </a:p>
+          <a:p>
+            <a:endParaRPr lang="en-US" dirty="0" smtClean="0"/>
+          </a:p>
+          <a:p>
+            <a:r>
+              <a:rPr lang="en-US" dirty="0" smtClean="0"/>
+              <a:t>Questions are guaranteed in life – Answers aren’t</a:t>
+            </a:r>
+            <a:endParaRPr lang="en-US" dirty="0"/>
+          </a:p>
+        </p:txBody>
+      </p:sp>
+    </p:spTree>
+    <p:extLst>
+      <p:ext uri="{BB962C8B-B14F-4D97-AF65-F5344CB8AC3E}">
+        <p14:creationId xmlns:p14="http://schemas.microsoft.com/office/powerpoint/2010/main" val="1345899272"/>
+      </p:ext>
+    </p:extLst>
+  </p:cSld>
+  <p:clrMapOvr>
+    <a:masterClrMapping/>
+  </p:clrMapOvr>
+  <p:timing>
+    <p:tnLst>
+      <p:par>
+        <p:cTn id="1" dur="indefinite" restart="never" nodeType="tmRoot"/>
+      </p:par>
+    </p:tnLst>
+  </p:timing>
+</p:sld>
+</file>
+
+<file path=ppt/slides/slide24.xml><?xml version="1.0" encoding="utf-8"?>
+<p:sld xmlns:a="http://schemas.openxmlformats.org/drawingml/2006/main" xmlns:r="http://schemas.openxmlformats.org/officeDocument/2006/relationships" xmlns:p="http://schemas.openxmlformats.org/presentationml/2006/main">
+  <p:cSld>
+    <p:spTree>
+      <p:nvGrpSpPr>
+        <p:cNvPr id="1" name=""/>
+        <p:cNvGrpSpPr/>
+        <p:nvPr/>
+      </p:nvGrpSpPr>
+      <p:grpSpPr>
+        <a:xfrm>
+          <a:off x="0" y="0"/>
+          <a:ext cx="0" cy="0"/>
+          <a:chOff x="0" y="0"/>
+          <a:chExt cx="0" cy="0"/>
+        </a:xfrm>
+      </p:grpSpPr>
+      <p:sp>
+        <p:nvSpPr>
+          <p:cNvPr id="4" name="Marcador de pie de página 3"/>
+          <p:cNvSpPr>
+            <a:spLocks noGrp="1"/>
+          </p:cNvSpPr>
+          <p:nvPr>
+            <p:ph type="ftr" sz="quarter" idx="11"/>
+          </p:nvPr>
+        </p:nvSpPr>
+        <p:spPr/>
+        <p:txBody>
+          <a:bodyPr/>
+          <a:lstStyle/>
+          <a:p>
+            <a:r>
+              <a:rPr lang="es-ES" dirty="0" err="1" smtClean="0"/>
+              <a:t>IOSharp</a:t>
+            </a:r>
+            <a:r>
+              <a:rPr lang="es-ES" dirty="0" smtClean="0"/>
+              <a:t>: .NET Micro Framework </a:t>
+            </a:r>
+            <a:r>
+              <a:rPr lang="es-ES" dirty="0" err="1" smtClean="0"/>
+              <a:t>on</a:t>
+            </a:r>
+            <a:r>
+              <a:rPr lang="es-ES" dirty="0" smtClean="0"/>
+              <a:t> Linux</a:t>
             </a:r>
             <a:endParaRPr lang="es-ES" dirty="0"/>
           </a:p>
@@ -13072,41 +14402,17 @@
             </a:r>
           </a:p>
           <a:p>
-            <a:endParaRPr lang="en-US" dirty="0" smtClean="0"/>
-          </a:p>
-          <a:p>
             <a:r>
               <a:rPr lang="en-US" dirty="0" smtClean="0"/>
               <a:t>Cost reduction on hardware production</a:t>
             </a:r>
           </a:p>
           <a:p>
-            <a:endParaRPr lang="en-US" dirty="0" smtClean="0"/>
-          </a:p>
-          <a:p>
             <a:r>
               <a:rPr lang="en-US" dirty="0" smtClean="0"/>
               <a:t>Increasing usage of Linux in embedded devices</a:t>
             </a:r>
           </a:p>
-          <a:p>
-            <a:endParaRPr lang="en-US" dirty="0"/>
-          </a:p>
-          <a:p>
-            <a:r>
-              <a:rPr lang="en-US" dirty="0" smtClean="0"/>
-              <a:t>Cross-Platform source code generation</a:t>
-            </a:r>
-          </a:p>
-          <a:p>
-            <a:endParaRPr lang="en-US" dirty="0" smtClean="0"/>
-          </a:p>
-          <a:p>
-            <a:r>
-              <a:rPr lang="en-US" dirty="0" smtClean="0"/>
-              <a:t>Performance increase on translation</a:t>
-            </a:r>
-          </a:p>
         </p:txBody>
       </p:sp>
       <p:sp>
@@ -13125,10 +14431,22 @@
           <a:lstStyle/>
           <a:p>
             <a:r>
-              <a:rPr lang="es-ES" smtClean="0"/>
-              <a:t>IOSharp: .NET Micro Framework on Linux</a:t>
-            </a:r>
-            <a:endParaRPr lang="es-ES"/>
+              <a:rPr lang="es-ES" dirty="0" err="1" smtClean="0"/>
+              <a:t>IOSharp</a:t>
+            </a:r>
+            <a:r>
+              <a:rPr lang="es-ES" dirty="0" smtClean="0"/>
+              <a:t>: .NET Micro Framework </a:t>
+            </a:r>
+            <a:r>
+              <a:rPr lang="es-ES" dirty="0" err="1" smtClean="0"/>
+              <a:t>on</a:t>
+            </a:r>
+            <a:r>
+              <a:rPr lang="es-ES" dirty="0" smtClean="0"/>
+              <a:t> Linux</a:t>
+            </a:r>
+            <a:endParaRPr lang="es-ES" dirty="0"/>
           </a:p>
         </p:txBody>
       </p:sp>
@@ -13152,6 +14470,82 @@
               <a:t>3</a:t>
             </a:fld>
             <a:endParaRPr lang="es-ES"/>
+          </a:p>
+        </p:txBody>
+      </p:sp>
+      <p:pic>
+        <p:nvPicPr>
+          <p:cNvPr id="5122" name="Picture 2" descr="http://linuxemb.wdfiles.com/local--files/tesis-c1/embedded_OS_sourcing_trends.jpg"/>
+          <p:cNvPicPr>
+            <a:picLocks noChangeAspect="1" noChangeArrowheads="1"/>
+          </p:cNvPicPr>
+          <p:nvPr/>
+        </p:nvPicPr>
+        <p:blipFill>
+          <a:blip r:embed="rId2">
+            <a:extLst>
+              <a:ext uri="{28A0092B-C50C-407E-A947-70E740481C1C}">
+                <a14:useLocalDpi xmlns:a14="http://schemas.microsoft.com/office/drawing/2010/main" val="0"/>
+              </a:ext>
+            </a:extLst>
+          </a:blip>
+          <a:srcRect/>
+          <a:stretch>
+            <a:fillRect/>
+          </a:stretch>
+        </p:blipFill>
+        <p:spPr bwMode="auto">
+          <a:xfrm>
+            <a:off x="2267744" y="2871382"/>
+            <a:ext cx="3973346" cy="3289760"/>
+          </a:xfrm>
+          <a:prstGeom prst="rect">
+            <a:avLst/>
+          </a:prstGeom>
+          <a:noFill/>
+          <a:extLst>
+            <a:ext uri="{909E8E84-426E-40DD-AFC4-6F175D3DCCD1}">
+              <a14:hiddenFill xmlns:a14="http://schemas.microsoft.com/office/drawing/2010/main">
+                <a:solidFill>
+                  <a:srgbClr val="FFFFFF"/>
+                </a:solidFill>
+              </a14:hiddenFill>
+            </a:ext>
+          </a:extLst>
+        </p:spPr>
+      </p:pic>
+      <p:sp>
+        <p:nvSpPr>
+          <p:cNvPr id="7" name="CuadroTexto 6"/>
+          <p:cNvSpPr txBox="1"/>
+          <p:nvPr/>
+        </p:nvSpPr>
+        <p:spPr>
+          <a:xfrm>
+            <a:off x="6433914" y="3933056"/>
+            <a:ext cx="1839457" cy="738664"/>
+          </a:xfrm>
+          <a:prstGeom prst="rect">
+            <a:avLst/>
+          </a:prstGeom>
+          <a:noFill/>
+        </p:spPr>
+        <p:txBody>
+          <a:bodyPr wrap="square" rtlCol="0">
+            <a:spAutoFit/>
+          </a:bodyPr>
+          <a:lstStyle/>
+          <a:p>
+            <a:pPr algn="just"/>
+            <a:r>
+              <a:rPr lang="en-US" sz="1400" b="1" dirty="0" smtClean="0"/>
+              <a:t>Fig. 1:</a:t>
+            </a:r>
+            <a:r>
+              <a:rPr lang="en-US" sz="1400" dirty="0" smtClean="0"/>
+              <a:t> Linux growth between 2003 and 2007</a:t>
+            </a:r>
+            <a:endParaRPr lang="en-US" sz="1400" dirty="0"/>
           </a:p>
         </p:txBody>
       </p:sp>
@@ -13205,7 +14599,7 @@
         <p:spPr>
           <a:xfrm>
             <a:off x="1945201" y="624110"/>
-            <a:ext cx="6589199" cy="860674"/>
+            <a:ext cx="6589199" cy="788666"/>
           </a:xfrm>
         </p:spPr>
         <p:txBody>
@@ -13213,10 +14607,10 @@
           <a:lstStyle/>
           <a:p>
             <a:r>
-              <a:rPr lang="es-ES" dirty="0" smtClean="0"/>
-              <a:t>1.1.  .NET Micro Framework</a:t>
-            </a:r>
-            <a:endParaRPr lang="en-US" dirty="0"/>
+              <a:rPr lang="en-US" noProof="1" smtClean="0"/>
+              <a:t>1.  Introduction II</a:t>
+            </a:r>
+            <a:endParaRPr lang="en-US" noProof="1"/>
           </a:p>
         </p:txBody>
       </p:sp>
@@ -13232,7 +14626,7 @@
         </p:nvSpPr>
         <p:spPr>
           <a:xfrm>
-            <a:off x="1942415" y="1700808"/>
+            <a:off x="1943807" y="1700808"/>
             <a:ext cx="6591985" cy="3777622"/>
           </a:xfrm>
         </p:spPr>
@@ -13240,37 +14634,60 @@
           <a:bodyPr/>
           <a:lstStyle/>
           <a:p>
-            <a:r>
-              <a:rPr lang="en-US" dirty="0" smtClean="0"/>
-              <a:t>Virtual Machine running on the bare metal</a:t>
-            </a:r>
-          </a:p>
-          <a:p>
-            <a:endParaRPr lang="en-US" dirty="0"/>
-          </a:p>
-          <a:p>
-            <a:r>
-              <a:rPr lang="en-US" dirty="0" smtClean="0"/>
-              <a:t>Designed for resource-constrained devices</a:t>
-            </a:r>
-          </a:p>
-          <a:p>
             <a:pPr marL="0" indent="0">
               <a:buNone/>
             </a:pPr>
-            <a:endParaRPr lang="en-US" dirty="0"/>
+            <a:endParaRPr lang="en-US" b="1" dirty="0"/>
+          </a:p>
+          <a:p>
+            <a:pPr marL="0" indent="0">
+              <a:buNone/>
+            </a:pPr>
+            <a:r>
+              <a:rPr lang="en-US" b="1" dirty="0" smtClean="0"/>
+              <a:t>Objectives</a:t>
+            </a:r>
+          </a:p>
+          <a:p>
+            <a:pPr marL="0" indent="0">
+              <a:buNone/>
+            </a:pPr>
+            <a:endParaRPr lang="en-US" b="1" dirty="0" smtClean="0"/>
           </a:p>
           <a:p>
             <a:r>
               <a:rPr lang="en-US" dirty="0" smtClean="0"/>
-              <a:t>Multiple I/O Ports and Protocols</a:t>
+              <a:t>Deploy NETMF programs on any Linux device</a:t>
+            </a:r>
+          </a:p>
+          <a:p>
+            <a:pPr lvl="1"/>
+            <a:r>
+              <a:rPr lang="en-US" dirty="0" smtClean="0"/>
+              <a:t>Run </a:t>
+            </a:r>
+            <a:r>
+              <a:rPr lang="en-US" dirty="0" err="1" smtClean="0"/>
+              <a:t>HomeSense</a:t>
+            </a:r>
+            <a:r>
+              <a:rPr lang="en-US" dirty="0" smtClean="0"/>
+              <a:t> gateway on Raspberry Pi</a:t>
             </a:r>
           </a:p>
           <a:p>
             <a:endParaRPr lang="en-US" dirty="0" smtClean="0"/>
           </a:p>
           <a:p>
-            <a:endParaRPr lang="en-US" dirty="0"/>
+            <a:r>
+              <a:rPr lang="en-US" dirty="0" smtClean="0"/>
+              <a:t>Performance increase using a translation tool called </a:t>
+            </a:r>
+            <a:r>
+              <a:rPr lang="en-US" dirty="0" err="1" smtClean="0"/>
+              <a:t>AlterNative</a:t>
+            </a:r>
+            <a:endParaRPr lang="en-US" dirty="0" smtClean="0"/>
           </a:p>
         </p:txBody>
       </p:sp>
@@ -13290,10 +14707,22 @@
           <a:lstStyle/>
           <a:p>
             <a:r>
-              <a:rPr lang="es-ES" smtClean="0"/>
-              <a:t>IOSharp: .NET Micro Framework on Linux</a:t>
-            </a:r>
-            <a:endParaRPr lang="es-ES"/>
+              <a:rPr lang="es-ES" dirty="0" err="1" smtClean="0"/>
+              <a:t>IOSharp</a:t>
+            </a:r>
+            <a:r>
+              <a:rPr lang="es-ES" dirty="0" smtClean="0"/>
+              <a:t>: .NET Micro Framework </a:t>
+            </a:r>
+            <a:r>
+              <a:rPr lang="es-ES" dirty="0" err="1" smtClean="0"/>
+              <a:t>on</a:t>
+            </a:r>
+            <a:r>
+              <a:rPr lang="es-ES" dirty="0" smtClean="0"/>
+              <a:t> Linux</a:t>
+            </a:r>
+            <a:endParaRPr lang="es-ES" dirty="0"/>
           </a:p>
         </p:txBody>
       </p:sp>
@@ -13320,40 +14749,10 @@
           </a:p>
         </p:txBody>
       </p:sp>
-      <p:pic>
-        <p:nvPicPr>
-          <p:cNvPr id="10" name="Imagen 9"/>
-          <p:cNvPicPr>
-            <a:picLocks noChangeAspect="1"/>
-          </p:cNvPicPr>
-          <p:nvPr/>
-        </p:nvPicPr>
-        <p:blipFill>
-          <a:blip r:embed="rId2">
-            <a:extLst>
-              <a:ext uri="{28A0092B-C50C-407E-A947-70E740481C1C}">
-                <a14:useLocalDpi xmlns:a14="http://schemas.microsoft.com/office/drawing/2010/main" val="0"/>
-              </a:ext>
-            </a:extLst>
-          </a:blip>
-          <a:stretch>
-            <a:fillRect/>
-          </a:stretch>
-        </p:blipFill>
-        <p:spPr>
-          <a:xfrm>
-            <a:off x="2646627" y="3866673"/>
-            <a:ext cx="5183560" cy="1794575"/>
-          </a:xfrm>
-          <a:prstGeom prst="rect">
-            <a:avLst/>
-          </a:prstGeom>
-        </p:spPr>
-      </p:pic>
     </p:spTree>
     <p:extLst>
       <p:ext uri="{BB962C8B-B14F-4D97-AF65-F5344CB8AC3E}">
-        <p14:creationId xmlns:p14="http://schemas.microsoft.com/office/powerpoint/2010/main" val="3568355991"/>
+        <p14:creationId xmlns:p14="http://schemas.microsoft.com/office/powerpoint/2010/main" val="1224662062"/>
       </p:ext>
     </p:extLst>
   </p:cSld>
@@ -13397,6 +14796,259 @@
             <p:ph type="title"/>
           </p:nvPr>
         </p:nvSpPr>
+        <p:spPr>
+          <a:xfrm>
+            <a:off x="1945201" y="624110"/>
+            <a:ext cx="6589199" cy="860674"/>
+          </a:xfrm>
+        </p:spPr>
+        <p:txBody>
+          <a:bodyPr/>
+          <a:lstStyle/>
+          <a:p>
+            <a:r>
+              <a:rPr lang="es-ES" dirty="0" smtClean="0"/>
+              <a:t>1.1.  .NET Micro Framework</a:t>
+            </a:r>
+            <a:endParaRPr lang="en-US" dirty="0"/>
+          </a:p>
+        </p:txBody>
+      </p:sp>
+      <p:sp>
+        <p:nvSpPr>
+          <p:cNvPr id="3" name="Marcador de contenido 2"/>
+          <p:cNvSpPr>
+            <a:spLocks noGrp="1"/>
+          </p:cNvSpPr>
+          <p:nvPr>
+            <p:ph idx="1"/>
+          </p:nvPr>
+        </p:nvSpPr>
+        <p:spPr>
+          <a:xfrm>
+            <a:off x="1942415" y="1700808"/>
+            <a:ext cx="6591985" cy="3777622"/>
+          </a:xfrm>
+        </p:spPr>
+        <p:txBody>
+          <a:bodyPr/>
+          <a:lstStyle/>
+          <a:p>
+            <a:r>
+              <a:rPr lang="en-US" dirty="0" smtClean="0"/>
+              <a:t>Virtual Machine running on the bare metal</a:t>
+            </a:r>
+          </a:p>
+          <a:p>
+            <a:endParaRPr lang="en-US" dirty="0"/>
+          </a:p>
+          <a:p>
+            <a:r>
+              <a:rPr lang="en-US" dirty="0" smtClean="0"/>
+              <a:t>Designed for resource-constrained devices</a:t>
+            </a:r>
+          </a:p>
+          <a:p>
+            <a:pPr marL="0" indent="0">
+              <a:buNone/>
+            </a:pPr>
+            <a:endParaRPr lang="en-US" dirty="0"/>
+          </a:p>
+          <a:p>
+            <a:r>
+              <a:rPr lang="en-US" dirty="0" smtClean="0"/>
+              <a:t>Multiple I/O Ports and Protocols</a:t>
+            </a:r>
+          </a:p>
+          <a:p>
+            <a:endParaRPr lang="en-US" dirty="0" smtClean="0"/>
+          </a:p>
+          <a:p>
+            <a:endParaRPr lang="en-US" dirty="0"/>
+          </a:p>
+        </p:txBody>
+      </p:sp>
+      <p:sp>
+        <p:nvSpPr>
+          <p:cNvPr id="4" name="Marcador de pie de página 3"/>
+          <p:cNvSpPr>
+            <a:spLocks noGrp="1"/>
+          </p:cNvSpPr>
+          <p:nvPr>
+            <p:ph type="ftr" sz="quarter" idx="11"/>
+          </p:nvPr>
+        </p:nvSpPr>
+        <p:spPr/>
+        <p:txBody>
+          <a:bodyPr/>
+          <a:lstStyle/>
+          <a:p>
+            <a:r>
+              <a:rPr lang="es-ES" dirty="0" err="1" smtClean="0"/>
+              <a:t>IOSharp</a:t>
+            </a:r>
+            <a:r>
+              <a:rPr lang="es-ES" dirty="0" smtClean="0"/>
+              <a:t>: .NET Micro Framework </a:t>
+            </a:r>
+            <a:r>
+              <a:rPr lang="es-ES" dirty="0" err="1" smtClean="0"/>
+              <a:t>on</a:t>
+            </a:r>
+            <a:r>
+              <a:rPr lang="es-ES" dirty="0" smtClean="0"/>
+              <a:t> Linux</a:t>
+            </a:r>
+            <a:endParaRPr lang="es-ES" dirty="0"/>
+          </a:p>
+        </p:txBody>
+      </p:sp>
+      <p:sp>
+        <p:nvSpPr>
+          <p:cNvPr id="5" name="Marcador de número de diapositiva 4"/>
+          <p:cNvSpPr>
+            <a:spLocks noGrp="1"/>
+          </p:cNvSpPr>
+          <p:nvPr>
+            <p:ph type="sldNum" sz="quarter" idx="12"/>
+          </p:nvPr>
+        </p:nvSpPr>
+        <p:spPr/>
+        <p:txBody>
+          <a:bodyPr/>
+          <a:lstStyle/>
+          <a:p>
+            <a:fld id="{8EE90C33-BF19-4C36-8633-00054130773A}" type="slidenum">
+              <a:rPr lang="es-ES" smtClean="0"/>
+              <a:t>5</a:t>
+            </a:fld>
+            <a:endParaRPr lang="es-ES"/>
+          </a:p>
+        </p:txBody>
+      </p:sp>
+      <p:pic>
+        <p:nvPicPr>
+          <p:cNvPr id="10" name="Imagen 9"/>
+          <p:cNvPicPr>
+            <a:picLocks noChangeAspect="1"/>
+          </p:cNvPicPr>
+          <p:nvPr/>
+        </p:nvPicPr>
+        <p:blipFill>
+          <a:blip r:embed="rId2">
+            <a:extLst>
+              <a:ext uri="{28A0092B-C50C-407E-A947-70E740481C1C}">
+                <a14:useLocalDpi xmlns:a14="http://schemas.microsoft.com/office/drawing/2010/main" val="0"/>
+              </a:ext>
+            </a:extLst>
+          </a:blip>
+          <a:stretch>
+            <a:fillRect/>
+          </a:stretch>
+        </p:blipFill>
+        <p:spPr>
+          <a:xfrm>
+            <a:off x="2646627" y="3866673"/>
+            <a:ext cx="5183560" cy="1794575"/>
+          </a:xfrm>
+          <a:prstGeom prst="rect">
+            <a:avLst/>
+          </a:prstGeom>
+        </p:spPr>
+      </p:pic>
+      <p:sp>
+        <p:nvSpPr>
+          <p:cNvPr id="8" name="CuadroTexto 7"/>
+          <p:cNvSpPr txBox="1"/>
+          <p:nvPr/>
+        </p:nvSpPr>
+        <p:spPr>
+          <a:xfrm>
+            <a:off x="2294520" y="5644764"/>
+            <a:ext cx="5887773" cy="307777"/>
+          </a:xfrm>
+          <a:prstGeom prst="rect">
+            <a:avLst/>
+          </a:prstGeom>
+          <a:noFill/>
+        </p:spPr>
+        <p:txBody>
+          <a:bodyPr wrap="square" rtlCol="0">
+            <a:spAutoFit/>
+          </a:bodyPr>
+          <a:lstStyle/>
+          <a:p>
+            <a:r>
+              <a:rPr lang="en-US" sz="1400" b="1" dirty="0" smtClean="0"/>
+              <a:t>Fig. 2: </a:t>
+            </a:r>
+            <a:r>
+              <a:rPr lang="en-US" sz="1400" dirty="0" err="1" smtClean="0"/>
+              <a:t>Netudino</a:t>
+            </a:r>
+            <a:r>
+              <a:rPr lang="en-US" sz="1400" dirty="0" smtClean="0"/>
+              <a:t> Plus, Mini and FEZ </a:t>
+            </a:r>
+            <a:r>
+              <a:rPr lang="en-US" sz="1400" dirty="0" err="1" smtClean="0"/>
+              <a:t>Cerbuino</a:t>
+            </a:r>
+            <a:r>
+              <a:rPr lang="en-US" sz="1400" dirty="0" smtClean="0"/>
+              <a:t>. Arduino form factor</a:t>
+            </a:r>
+            <a:endParaRPr lang="en-US" sz="1400" dirty="0"/>
+          </a:p>
+        </p:txBody>
+      </p:sp>
+    </p:spTree>
+    <p:extLst>
+      <p:ext uri="{BB962C8B-B14F-4D97-AF65-F5344CB8AC3E}">
+        <p14:creationId xmlns:p14="http://schemas.microsoft.com/office/powerpoint/2010/main" val="3568355991"/>
+      </p:ext>
+    </p:extLst>
+  </p:cSld>
+  <p:clrMapOvr>
+    <a:masterClrMapping/>
+  </p:clrMapOvr>
+  <p:timing>
+    <p:tnLst>
+      <p:par>
+        <p:cTn id="1" dur="indefinite" restart="never" nodeType="tmRoot"/>
+      </p:par>
+    </p:tnLst>
+  </p:timing>
+</p:sld>
+</file>
+
+<file path=ppt/slides/slide6.xml><?xml version="1.0" encoding="utf-8"?>
+<p:sld xmlns:a="http://schemas.openxmlformats.org/drawingml/2006/main" xmlns:r="http://schemas.openxmlformats.org/officeDocument/2006/relationships" xmlns:p="http://schemas.openxmlformats.org/presentationml/2006/main">
+  <p:cSld>
+    <p:spTree>
+      <p:nvGrpSpPr>
+        <p:cNvPr id="1" name=""/>
+        <p:cNvGrpSpPr/>
+        <p:nvPr/>
+      </p:nvGrpSpPr>
+      <p:grpSpPr>
+        <a:xfrm>
+          <a:off x="0" y="0"/>
+          <a:ext cx="0" cy="0"/>
+          <a:chOff x="0" y="0"/>
+          <a:chExt cx="0" cy="0"/>
+        </a:xfrm>
+      </p:grpSpPr>
+      <p:sp>
+        <p:nvSpPr>
+          <p:cNvPr id="2" name="Título 1"/>
+          <p:cNvSpPr>
+            <a:spLocks noGrp="1"/>
+          </p:cNvSpPr>
+          <p:nvPr>
+            <p:ph type="title"/>
+          </p:nvPr>
+        </p:nvSpPr>
         <p:spPr/>
         <p:txBody>
           <a:bodyPr/>
@@ -13477,8 +15129,12 @@
           </a:p>
           <a:p>
             <a:r>
+              <a:rPr lang="en-US" smtClean="0"/>
+              <a:t>Requires </a:t>
+            </a:r>
+            <a:r>
               <a:rPr lang="en-US" dirty="0" smtClean="0"/>
-              <a:t>Required an underlying Linux</a:t>
+              <a:t>an underlying Linux</a:t>
             </a:r>
           </a:p>
           <a:p>
@@ -13536,10 +15192,22 @@
           <a:lstStyle/>
           <a:p>
             <a:r>
-              <a:rPr lang="es-ES" smtClean="0"/>
-              <a:t>IOSharp: .NET Micro Framework on Linux</a:t>
-            </a:r>
-            <a:endParaRPr lang="es-ES"/>
+              <a:rPr lang="es-ES" dirty="0" err="1" smtClean="0"/>
+              <a:t>IOSharp</a:t>
+            </a:r>
+            <a:r>
+              <a:rPr lang="es-ES" dirty="0" smtClean="0"/>
+              <a:t>: .NET Micro Framework </a:t>
+            </a:r>
+            <a:r>
+              <a:rPr lang="es-ES" dirty="0" err="1" smtClean="0"/>
+              <a:t>on</a:t>
+            </a:r>
+            <a:r>
+              <a:rPr lang="es-ES" dirty="0" smtClean="0"/>
+              <a:t> Linux</a:t>
+            </a:r>
+            <a:endParaRPr lang="es-ES" dirty="0"/>
           </a:p>
         </p:txBody>
       </p:sp>
@@ -13560,7 +15228,7 @@
           <a:p>
             <a:fld id="{8EE90C33-BF19-4C36-8633-00054130773A}" type="slidenum">
               <a:rPr lang="es-ES" smtClean="0"/>
-              <a:t>5</a:t>
+              <a:t>6</a:t>
             </a:fld>
             <a:endParaRPr lang="es-ES"/>
           </a:p>
@@ -13616,144 +15284,6 @@
 </p:sld>
 </file>
 
-<file path=ppt/slides/slide6.xml><?xml version="1.0" encoding="utf-8"?>
-<p:sld xmlns:a="http://schemas.openxmlformats.org/drawingml/2006/main" xmlns:r="http://schemas.openxmlformats.org/officeDocument/2006/relationships" xmlns:p="http://schemas.openxmlformats.org/presentationml/2006/main">
-  <p:cSld>
-    <p:spTree>
-      <p:nvGrpSpPr>
-        <p:cNvPr id="1" name=""/>
-        <p:cNvGrpSpPr/>
-        <p:nvPr/>
-      </p:nvGrpSpPr>
-      <p:grpSpPr>
-        <a:xfrm>
-          <a:off x="0" y="0"/>
-          <a:ext cx="0" cy="0"/>
-          <a:chOff x="0" y="0"/>
-          <a:chExt cx="0" cy="0"/>
-        </a:xfrm>
-      </p:grpSpPr>
-      <p:sp>
-        <p:nvSpPr>
-          <p:cNvPr id="2" name="Título 1"/>
-          <p:cNvSpPr>
-            <a:spLocks noGrp="1"/>
-          </p:cNvSpPr>
-          <p:nvPr>
-            <p:ph type="title"/>
-          </p:nvPr>
-        </p:nvSpPr>
-        <p:spPr/>
-        <p:txBody>
-          <a:bodyPr/>
-          <a:lstStyle/>
-          <a:p>
-            <a:r>
-              <a:rPr lang="es-ES" dirty="0" smtClean="0"/>
-              <a:t>2.  </a:t>
-            </a:r>
-            <a:r>
-              <a:rPr lang="es-ES" dirty="0" err="1" smtClean="0"/>
-              <a:t>IOSharp</a:t>
-            </a:r>
-            <a:r>
-              <a:rPr lang="es-ES" dirty="0" smtClean="0"/>
-              <a:t> II</a:t>
-            </a:r>
-            <a:endParaRPr lang="en-US" dirty="0"/>
-          </a:p>
-        </p:txBody>
-      </p:sp>
-      <p:sp>
-        <p:nvSpPr>
-          <p:cNvPr id="4" name="Marcador de pie de página 3"/>
-          <p:cNvSpPr>
-            <a:spLocks noGrp="1"/>
-          </p:cNvSpPr>
-          <p:nvPr>
-            <p:ph type="ftr" sz="quarter" idx="11"/>
-          </p:nvPr>
-        </p:nvSpPr>
-        <p:spPr/>
-        <p:txBody>
-          <a:bodyPr/>
-          <a:lstStyle/>
-          <a:p>
-            <a:r>
-              <a:rPr lang="es-ES" smtClean="0"/>
-              <a:t>IOSharp: .NET Micro Framework on Linux</a:t>
-            </a:r>
-            <a:endParaRPr lang="es-ES"/>
-          </a:p>
-        </p:txBody>
-      </p:sp>
-      <p:sp>
-        <p:nvSpPr>
-          <p:cNvPr id="5" name="Marcador de número de diapositiva 4"/>
-          <p:cNvSpPr>
-            <a:spLocks noGrp="1"/>
-          </p:cNvSpPr>
-          <p:nvPr>
-            <p:ph type="sldNum" sz="quarter" idx="12"/>
-          </p:nvPr>
-        </p:nvSpPr>
-        <p:spPr/>
-        <p:txBody>
-          <a:bodyPr/>
-          <a:lstStyle/>
-          <a:p>
-            <a:fld id="{8EE90C33-BF19-4C36-8633-00054130773A}" type="slidenum">
-              <a:rPr lang="es-ES" smtClean="0"/>
-              <a:t>6</a:t>
-            </a:fld>
-            <a:endParaRPr lang="es-ES"/>
-          </a:p>
-        </p:txBody>
-      </p:sp>
-      <p:pic>
-        <p:nvPicPr>
-          <p:cNvPr id="3" name="Imagen 2"/>
-          <p:cNvPicPr>
-            <a:picLocks noChangeAspect="1"/>
-          </p:cNvPicPr>
-          <p:nvPr/>
-        </p:nvPicPr>
-        <p:blipFill>
-          <a:blip r:embed="rId2"/>
-          <a:stretch>
-            <a:fillRect/>
-          </a:stretch>
-        </p:blipFill>
-        <p:spPr>
-          <a:xfrm>
-            <a:off x="2554965" y="2060848"/>
-            <a:ext cx="5369669" cy="3168352"/>
-          </a:xfrm>
-          <a:prstGeom prst="rect">
-            <a:avLst/>
-          </a:prstGeom>
-        </p:spPr>
-      </p:pic>
-    </p:spTree>
-    <p:extLst>
-      <p:ext uri="{BB962C8B-B14F-4D97-AF65-F5344CB8AC3E}">
-        <p14:creationId xmlns:p14="http://schemas.microsoft.com/office/powerpoint/2010/main" val="365177257"/>
-      </p:ext>
-    </p:extLst>
-  </p:cSld>
-  <p:clrMapOvr>
-    <a:masterClrMapping/>
-  </p:clrMapOvr>
-  <p:timing>
-    <p:tnLst>
-      <p:par>
-        <p:cTn id="1" dur="indefinite" restart="never" nodeType="tmRoot"/>
-      </p:par>
-    </p:tnLst>
-  </p:timing>
-</p:sld>
-</file>
-
 <file path=ppt/slides/slide7.xml><?xml version="1.0" encoding="utf-8"?>
 <p:sld xmlns:a="http://schemas.openxmlformats.org/drawingml/2006/main" xmlns:r="http://schemas.openxmlformats.org/officeDocument/2006/relationships" xmlns:p="http://schemas.openxmlformats.org/presentationml/2006/main">
   <p:cSld>
@@ -13787,8 +15317,16 @@
           <a:lstStyle/>
           <a:p>
             <a:r>
-              <a:rPr lang="en-US" dirty="0" smtClean="0"/>
-              <a:t>2.1.  GPIO</a:t>
+              <a:rPr lang="es-ES" dirty="0" smtClean="0"/>
+              <a:t>2.  </a:t>
+            </a:r>
+            <a:r>
+              <a:rPr lang="es-ES" dirty="0" err="1" smtClean="0"/>
+              <a:t>IOSharp</a:t>
+            </a:r>
+            <a:r>
+              <a:rPr lang="es-ES" dirty="0" smtClean="0"/>
+              <a:t> II</a:t>
             </a:r>
             <a:endParaRPr lang="en-US" dirty="0"/>
           </a:p>
@@ -13796,127 +15334,6 @@
       </p:sp>
       <p:sp>
         <p:nvSpPr>
-          <p:cNvPr id="3" name="Marcador de contenido 2"/>
-          <p:cNvSpPr>
-            <a:spLocks noGrp="1"/>
-          </p:cNvSpPr>
-          <p:nvPr>
-            <p:ph idx="1"/>
-          </p:nvPr>
-        </p:nvSpPr>
-        <p:spPr>
-          <a:xfrm>
-            <a:off x="1945936" y="1700808"/>
-            <a:ext cx="6591985" cy="3777622"/>
-          </a:xfrm>
-        </p:spPr>
-        <p:txBody>
-          <a:bodyPr>
-            <a:normAutofit/>
-          </a:bodyPr>
-          <a:lstStyle/>
-          <a:p>
-            <a:endParaRPr lang="en-US" dirty="0" smtClean="0"/>
-          </a:p>
-          <a:p>
-            <a:r>
-              <a:rPr lang="en-US" dirty="0" smtClean="0"/>
-              <a:t>I/O Ports are controlled and enabled or disabled through the file system</a:t>
-            </a:r>
-          </a:p>
-          <a:p>
-            <a:endParaRPr lang="en-US" dirty="0" smtClean="0"/>
-          </a:p>
-          <a:p>
-            <a:pPr lvl="1"/>
-            <a:r>
-              <a:rPr lang="en-US" dirty="0" smtClean="0"/>
-              <a:t>SYSFS </a:t>
-            </a:r>
-            <a:r>
-              <a:rPr lang="en-US" dirty="0" smtClean="0">
-                <a:sym typeface="Wingdings" panose="05000000000000000000" pitchFamily="2" charset="2"/>
-              </a:rPr>
-              <a:t> </a:t>
-            </a:r>
-            <a:r>
-              <a:rPr lang="en-US" dirty="0" smtClean="0">
-                <a:latin typeface="Consolas" panose="020B0609020204030204" pitchFamily="49" charset="0"/>
-                <a:cs typeface="Consolas" panose="020B0609020204030204" pitchFamily="49" charset="0"/>
-                <a:sym typeface="Wingdings" panose="05000000000000000000" pitchFamily="2" charset="2"/>
-              </a:rPr>
-              <a:t>/sys/class/</a:t>
-            </a:r>
-            <a:r>
-              <a:rPr lang="en-US" dirty="0" err="1" smtClean="0">
-                <a:latin typeface="Consolas" panose="020B0609020204030204" pitchFamily="49" charset="0"/>
-                <a:cs typeface="Consolas" panose="020B0609020204030204" pitchFamily="49" charset="0"/>
-                <a:sym typeface="Wingdings" panose="05000000000000000000" pitchFamily="2" charset="2"/>
-              </a:rPr>
-              <a:t>gpio</a:t>
-            </a:r>
-            <a:r>
-              <a:rPr lang="en-US" dirty="0" smtClean="0">
-                <a:latin typeface="Consolas" panose="020B0609020204030204" pitchFamily="49" charset="0"/>
-                <a:cs typeface="Consolas" panose="020B0609020204030204" pitchFamily="49" charset="0"/>
-                <a:sym typeface="Wingdings" panose="05000000000000000000" pitchFamily="2" charset="2"/>
-              </a:rPr>
-              <a:t>/</a:t>
-            </a:r>
-          </a:p>
-          <a:p>
-            <a:pPr lvl="1"/>
-            <a:endParaRPr lang="en-US" dirty="0" smtClean="0">
-              <a:latin typeface="Consolas" panose="020B0609020204030204" pitchFamily="49" charset="0"/>
-              <a:cs typeface="Consolas" panose="020B0609020204030204" pitchFamily="49" charset="0"/>
-              <a:sym typeface="Wingdings" panose="05000000000000000000" pitchFamily="2" charset="2"/>
-            </a:endParaRPr>
-          </a:p>
-          <a:p>
-            <a:pPr lvl="1"/>
-            <a:r>
-              <a:rPr lang="en-US" dirty="0" smtClean="0">
-                <a:latin typeface="Consolas" panose="020B0609020204030204" pitchFamily="49" charset="0"/>
-                <a:cs typeface="Consolas" panose="020B0609020204030204" pitchFamily="49" charset="0"/>
-                <a:sym typeface="Wingdings" panose="05000000000000000000" pitchFamily="2" charset="2"/>
-              </a:rPr>
-              <a:t>Direction</a:t>
-            </a:r>
-          </a:p>
-          <a:p>
-            <a:pPr lvl="1"/>
-            <a:endParaRPr lang="en-US" dirty="0" smtClean="0">
-              <a:latin typeface="Consolas" panose="020B0609020204030204" pitchFamily="49" charset="0"/>
-              <a:cs typeface="Consolas" panose="020B0609020204030204" pitchFamily="49" charset="0"/>
-              <a:sym typeface="Wingdings" panose="05000000000000000000" pitchFamily="2" charset="2"/>
-            </a:endParaRPr>
-          </a:p>
-          <a:p>
-            <a:pPr lvl="1"/>
-            <a:r>
-              <a:rPr lang="en-US" dirty="0" smtClean="0">
-                <a:latin typeface="Consolas" panose="020B0609020204030204" pitchFamily="49" charset="0"/>
-                <a:cs typeface="Consolas" panose="020B0609020204030204" pitchFamily="49" charset="0"/>
-                <a:sym typeface="Wingdings" panose="05000000000000000000" pitchFamily="2" charset="2"/>
-              </a:rPr>
-              <a:t>State</a:t>
-            </a:r>
-            <a:endParaRPr lang="en-US" dirty="0">
-              <a:latin typeface="Consolas" panose="020B0609020204030204" pitchFamily="49" charset="0"/>
-              <a:cs typeface="Consolas" panose="020B0609020204030204" pitchFamily="49" charset="0"/>
-              <a:sym typeface="Wingdings" panose="05000000000000000000" pitchFamily="2" charset="2"/>
-            </a:endParaRPr>
-          </a:p>
-          <a:p>
-            <a:endParaRPr lang="en-US" dirty="0">
-              <a:latin typeface="Consolas" panose="020B0609020204030204" pitchFamily="49" charset="0"/>
-              <a:cs typeface="Consolas" panose="020B0609020204030204" pitchFamily="49" charset="0"/>
-            </a:endParaRPr>
-          </a:p>
-        </p:txBody>
-      </p:sp>
-      <p:sp>
-        <p:nvSpPr>
           <p:cNvPr id="4" name="Marcador de pie de página 3"/>
           <p:cNvSpPr>
             <a:spLocks noGrp="1"/>
@@ -13931,10 +15348,22 @@
           <a:lstStyle/>
           <a:p>
             <a:r>
-              <a:rPr lang="es-ES" smtClean="0"/>
-              <a:t>IOSharp: .NET Micro Framework on Linux</a:t>
-            </a:r>
-            <a:endParaRPr lang="es-ES"/>
+              <a:rPr lang="es-ES" dirty="0" err="1" smtClean="0"/>
+              <a:t>IOSharp</a:t>
+            </a:r>
+            <a:r>
+              <a:rPr lang="es-ES" dirty="0" smtClean="0"/>
+              <a:t>: .NET Micro Framework </a:t>
+            </a:r>
+            <a:r>
+              <a:rPr lang="es-ES" dirty="0" err="1" smtClean="0"/>
+              <a:t>on</a:t>
+            </a:r>
+            <a:r>
+              <a:rPr lang="es-ES" dirty="0" smtClean="0"/>
+              <a:t> Linux</a:t>
+            </a:r>
+            <a:endParaRPr lang="es-ES" dirty="0"/>
           </a:p>
         </p:txBody>
       </p:sp>
@@ -13961,10 +15390,100 @@
           </a:p>
         </p:txBody>
       </p:sp>
+      <p:pic>
+        <p:nvPicPr>
+          <p:cNvPr id="7" name="Imagen 6"/>
+          <p:cNvPicPr>
+            <a:picLocks noChangeAspect="1"/>
+          </p:cNvPicPr>
+          <p:nvPr/>
+        </p:nvPicPr>
+        <p:blipFill>
+          <a:blip r:embed="rId2"/>
+          <a:stretch>
+            <a:fillRect/>
+          </a:stretch>
+        </p:blipFill>
+        <p:spPr>
+          <a:xfrm>
+            <a:off x="4932040" y="1934274"/>
+            <a:ext cx="3980168" cy="3499644"/>
+          </a:xfrm>
+          <a:prstGeom prst="rect">
+            <a:avLst/>
+          </a:prstGeom>
+        </p:spPr>
+      </p:pic>
+      <p:pic>
+        <p:nvPicPr>
+          <p:cNvPr id="8" name="Imagen 7"/>
+          <p:cNvPicPr>
+            <a:picLocks noChangeAspect="1"/>
+          </p:cNvPicPr>
+          <p:nvPr/>
+        </p:nvPicPr>
+        <p:blipFill>
+          <a:blip r:embed="rId3"/>
+          <a:stretch>
+            <a:fillRect/>
+          </a:stretch>
+        </p:blipFill>
+        <p:spPr>
+          <a:xfrm>
+            <a:off x="827584" y="2459960"/>
+            <a:ext cx="3965178" cy="2448272"/>
+          </a:xfrm>
+          <a:prstGeom prst="rect">
+            <a:avLst/>
+          </a:prstGeom>
+        </p:spPr>
+      </p:pic>
+      <p:sp>
+        <p:nvSpPr>
+          <p:cNvPr id="9" name="CuadroTexto 8"/>
+          <p:cNvSpPr txBox="1"/>
+          <p:nvPr/>
+        </p:nvSpPr>
+        <p:spPr>
+          <a:xfrm>
+            <a:off x="2195736" y="5477086"/>
+            <a:ext cx="5887773" cy="307777"/>
+          </a:xfrm>
+          <a:prstGeom prst="rect">
+            <a:avLst/>
+          </a:prstGeom>
+          <a:noFill/>
+        </p:spPr>
+        <p:txBody>
+          <a:bodyPr wrap="square" rtlCol="0">
+            <a:spAutoFit/>
+          </a:bodyPr>
+          <a:lstStyle/>
+          <a:p>
+            <a:r>
+              <a:rPr lang="en-US" sz="1400" b="1" dirty="0" smtClean="0"/>
+              <a:t>Fig. 3: </a:t>
+            </a:r>
+            <a:r>
+              <a:rPr lang="en-US" sz="1400" dirty="0" smtClean="0"/>
+              <a:t>Original NETMF stack compared with </a:t>
+            </a:r>
+            <a:r>
+              <a:rPr lang="en-US" sz="1400" dirty="0" err="1" smtClean="0"/>
+              <a:t>IOSharp</a:t>
+            </a:r>
+            <a:r>
+              <a:rPr lang="en-US" sz="1400" dirty="0" smtClean="0"/>
+              <a:t> stack</a:t>
+            </a:r>
+            <a:endParaRPr lang="en-US" sz="1400" dirty="0"/>
+          </a:p>
+        </p:txBody>
+      </p:sp>
     </p:spTree>
     <p:extLst>
       <p:ext uri="{BB962C8B-B14F-4D97-AF65-F5344CB8AC3E}">
-        <p14:creationId xmlns:p14="http://schemas.microsoft.com/office/powerpoint/2010/main" val="446041234"/>
+        <p14:creationId xmlns:p14="http://schemas.microsoft.com/office/powerpoint/2010/main" val="365177257"/>
       </p:ext>
     </p:extLst>
   </p:cSld>
@@ -14015,7 +15534,7 @@
           <a:p>
             <a:r>
               <a:rPr lang="en-US" dirty="0" smtClean="0"/>
-              <a:t>2.2.  Interrupts</a:t>
+              <a:t>2.1.  GPIO</a:t>
             </a:r>
             <a:endParaRPr lang="en-US" dirty="0"/>
           </a:p>
@@ -14033,46 +15552,151 @@
         </p:nvSpPr>
         <p:spPr>
           <a:xfrm>
-            <a:off x="1942415" y="1700808"/>
-            <a:ext cx="6591985" cy="3777622"/>
+            <a:off x="1945936" y="1700808"/>
+            <a:ext cx="6591985" cy="4248472"/>
           </a:xfrm>
         </p:spPr>
         <p:txBody>
+          <a:bodyPr>
+            <a:normAutofit/>
+          </a:bodyPr>
+          <a:lstStyle/>
+          <a:p>
+            <a:r>
+              <a:rPr lang="en-US" dirty="0" smtClean="0"/>
+              <a:t>Used to read or write simple High or Low States on a Pin</a:t>
+            </a:r>
+          </a:p>
+          <a:p>
+            <a:endParaRPr lang="en-US" dirty="0" smtClean="0"/>
+          </a:p>
+          <a:p>
+            <a:r>
+              <a:rPr lang="en-US" dirty="0" smtClean="0"/>
+              <a:t>I/O Ports are controlled and enabled or disabled through the file system</a:t>
+            </a:r>
+          </a:p>
+          <a:p>
+            <a:endParaRPr lang="en-US" dirty="0" smtClean="0"/>
+          </a:p>
+          <a:p>
+            <a:pPr lvl="1"/>
+            <a:r>
+              <a:rPr lang="en-US" dirty="0" smtClean="0"/>
+              <a:t>SYSFS </a:t>
+            </a:r>
+            <a:r>
+              <a:rPr lang="en-US" dirty="0" smtClean="0">
+                <a:sym typeface="Wingdings" panose="05000000000000000000" pitchFamily="2" charset="2"/>
+              </a:rPr>
+              <a:t> </a:t>
+            </a:r>
+            <a:r>
+              <a:rPr lang="en-US" dirty="0" smtClean="0">
+                <a:latin typeface="Consolas" panose="020B0609020204030204" pitchFamily="49" charset="0"/>
+                <a:cs typeface="Consolas" panose="020B0609020204030204" pitchFamily="49" charset="0"/>
+                <a:sym typeface="Wingdings" panose="05000000000000000000" pitchFamily="2" charset="2"/>
+              </a:rPr>
+              <a:t>/sys/class/</a:t>
+            </a:r>
+            <a:r>
+              <a:rPr lang="en-US" dirty="0" err="1" smtClean="0">
+                <a:latin typeface="Consolas" panose="020B0609020204030204" pitchFamily="49" charset="0"/>
+                <a:cs typeface="Consolas" panose="020B0609020204030204" pitchFamily="49" charset="0"/>
+                <a:sym typeface="Wingdings" panose="05000000000000000000" pitchFamily="2" charset="2"/>
+              </a:rPr>
+              <a:t>gpio</a:t>
+            </a:r>
+            <a:r>
+              <a:rPr lang="en-US" dirty="0" smtClean="0">
+                <a:latin typeface="Consolas" panose="020B0609020204030204" pitchFamily="49" charset="0"/>
+                <a:cs typeface="Consolas" panose="020B0609020204030204" pitchFamily="49" charset="0"/>
+                <a:sym typeface="Wingdings" panose="05000000000000000000" pitchFamily="2" charset="2"/>
+              </a:rPr>
+              <a:t>/</a:t>
+            </a:r>
+          </a:p>
+          <a:p>
+            <a:pPr lvl="1"/>
+            <a:endParaRPr lang="en-US" dirty="0" smtClean="0">
+              <a:latin typeface="Consolas" panose="020B0609020204030204" pitchFamily="49" charset="0"/>
+              <a:cs typeface="Consolas" panose="020B0609020204030204" pitchFamily="49" charset="0"/>
+              <a:sym typeface="Wingdings" panose="05000000000000000000" pitchFamily="2" charset="2"/>
+            </a:endParaRPr>
+          </a:p>
+          <a:p>
+            <a:pPr lvl="1"/>
+            <a:r>
+              <a:rPr lang="en-US" dirty="0" smtClean="0">
+                <a:latin typeface="Consolas" panose="020B0609020204030204" pitchFamily="49" charset="0"/>
+                <a:cs typeface="Consolas" panose="020B0609020204030204" pitchFamily="49" charset="0"/>
+                <a:sym typeface="Wingdings" panose="05000000000000000000" pitchFamily="2" charset="2"/>
+              </a:rPr>
+              <a:t>Direction</a:t>
+            </a:r>
+          </a:p>
+          <a:p>
+            <a:pPr lvl="1"/>
+            <a:endParaRPr lang="en-US" dirty="0" smtClean="0">
+              <a:latin typeface="Consolas" panose="020B0609020204030204" pitchFamily="49" charset="0"/>
+              <a:cs typeface="Consolas" panose="020B0609020204030204" pitchFamily="49" charset="0"/>
+              <a:sym typeface="Wingdings" panose="05000000000000000000" pitchFamily="2" charset="2"/>
+            </a:endParaRPr>
+          </a:p>
+          <a:p>
+            <a:pPr lvl="1"/>
+            <a:r>
+              <a:rPr lang="en-US" dirty="0" smtClean="0">
+                <a:latin typeface="Consolas" panose="020B0609020204030204" pitchFamily="49" charset="0"/>
+                <a:cs typeface="Consolas" panose="020B0609020204030204" pitchFamily="49" charset="0"/>
+                <a:sym typeface="Wingdings" panose="05000000000000000000" pitchFamily="2" charset="2"/>
+              </a:rPr>
+              <a:t>State</a:t>
+            </a:r>
+            <a:endParaRPr lang="en-US" dirty="0">
+              <a:latin typeface="Consolas" panose="020B0609020204030204" pitchFamily="49" charset="0"/>
+              <a:cs typeface="Consolas" panose="020B0609020204030204" pitchFamily="49" charset="0"/>
+              <a:sym typeface="Wingdings" panose="05000000000000000000" pitchFamily="2" charset="2"/>
+            </a:endParaRPr>
+          </a:p>
+          <a:p>
+            <a:endParaRPr lang="en-US" dirty="0">
+              <a:latin typeface="Consolas" panose="020B0609020204030204" pitchFamily="49" charset="0"/>
+              <a:cs typeface="Consolas" panose="020B0609020204030204" pitchFamily="49" charset="0"/>
+            </a:endParaRPr>
+          </a:p>
+        </p:txBody>
+      </p:sp>
+      <p:sp>
+        <p:nvSpPr>
+          <p:cNvPr id="4" name="Marcador de pie de página 3"/>
+          <p:cNvSpPr>
+            <a:spLocks noGrp="1"/>
+          </p:cNvSpPr>
+          <p:nvPr>
+            <p:ph type="ftr" sz="quarter" idx="11"/>
+          </p:nvPr>
+        </p:nvSpPr>
+        <p:spPr/>
+        <p:txBody>
           <a:bodyPr/>
           <a:lstStyle/>
           <a:p>
             <a:r>
-              <a:rPr lang="en-US" dirty="0" smtClean="0"/>
-              <a:t>Polling from a GPIO using the Poll function</a:t>
-            </a:r>
-          </a:p>
-          <a:p>
-            <a:r>
-              <a:rPr lang="en-US" dirty="0" smtClean="0"/>
-              <a:t>P/Invokes are required for cross-language calls</a:t>
-            </a:r>
-            <a:endParaRPr lang="en-US" dirty="0"/>
-          </a:p>
-        </p:txBody>
-      </p:sp>
-      <p:sp>
-        <p:nvSpPr>
-          <p:cNvPr id="4" name="Marcador de pie de página 3"/>
-          <p:cNvSpPr>
-            <a:spLocks noGrp="1"/>
-          </p:cNvSpPr>
-          <p:nvPr>
-            <p:ph type="ftr" sz="quarter" idx="11"/>
-          </p:nvPr>
-        </p:nvSpPr>
-        <p:spPr/>
-        <p:txBody>
-          <a:bodyPr/>
-          <a:lstStyle/>
-          <a:p>
-            <a:r>
-              <a:rPr lang="es-ES" smtClean="0"/>
-              <a:t>IOSharp: .NET Micro Framework on Linux</a:t>
+              <a:rPr lang="es-ES" dirty="0" err="1" smtClean="0"/>
+              <a:t>IOSharp</a:t>
+            </a:r>
+            <a:r>
+              <a:rPr lang="es-ES" dirty="0" smtClean="0"/>
+              <a:t>: .NET Micro Framework </a:t>
+            </a:r>
+            <a:r>
+              <a:rPr lang="es-ES" dirty="0" err="1" smtClean="0"/>
+              <a:t>on</a:t>
+            </a:r>
+            <a:r>
+              <a:rPr lang="es-ES" dirty="0" smtClean="0"/>
+              <a:t> Linux</a:t>
             </a:r>
             <a:endParaRPr lang="es-ES" dirty="0"/>
           </a:p>
@@ -14101,67 +15725,10 @@
           </a:p>
         </p:txBody>
       </p:sp>
-      <p:graphicFrame>
-        <p:nvGraphicFramePr>
-          <p:cNvPr id="6" name="Objeto 5"/>
-          <p:cNvGraphicFramePr>
-            <a:graphicFrameLocks noChangeAspect="1"/>
-          </p:cNvGraphicFramePr>
-          <p:nvPr>
-            <p:extLst>
-              <p:ext uri="{D42A27DB-BD31-4B8C-83A1-F6EECF244321}">
-                <p14:modId xmlns:p14="http://schemas.microsoft.com/office/powerpoint/2010/main" val="171863356"/>
-              </p:ext>
-            </p:extLst>
-          </p:nvPr>
-        </p:nvGraphicFramePr>
-        <p:xfrm>
-          <a:off x="2622455" y="2562379"/>
-          <a:ext cx="5231904" cy="3445700"/>
-        </p:xfrm>
-        <a:graphic>
-          <a:graphicData uri="http://schemas.openxmlformats.org/presentationml/2006/ole">
-            <mc:AlternateContent xmlns:mc="http://schemas.openxmlformats.org/markup-compatibility/2006">
-              <mc:Choice xmlns:v="urn:schemas-microsoft-com:vml" Requires="v">
-                <p:oleObj spid="_x0000_s3184" name="Visio" r:id="rId3" imgW="10572660" imgH="6962865" progId="Visio.Drawing.15">
-                  <p:embed/>
-                </p:oleObj>
-              </mc:Choice>
-              <mc:Fallback>
-                <p:oleObj name="Visio" r:id="rId3" imgW="10572660" imgH="6962865" progId="Visio.Drawing.15">
-                  <p:embed/>
-                  <p:pic>
-                    <p:nvPicPr>
-                      <p:cNvPr id="0" name=""/>
-                      <p:cNvPicPr/>
-                      <p:nvPr/>
-                    </p:nvPicPr>
-                    <p:blipFill>
-                      <a:blip r:embed="rId4"/>
-                      <a:stretch>
-                        <a:fillRect/>
-                      </a:stretch>
-                    </p:blipFill>
-                    <p:spPr>
-                      <a:xfrm>
-                        <a:off x="2622455" y="2562379"/>
-                        <a:ext cx="5231904" cy="3445700"/>
-                      </a:xfrm>
-                      <a:prstGeom prst="rect">
-                        <a:avLst/>
-                      </a:prstGeom>
-                    </p:spPr>
-                  </p:pic>
-                </p:oleObj>
-              </mc:Fallback>
-            </mc:AlternateContent>
-          </a:graphicData>
-        </a:graphic>
-      </p:graphicFrame>
     </p:spTree>
     <p:extLst>
       <p:ext uri="{BB962C8B-B14F-4D97-AF65-F5344CB8AC3E}">
-        <p14:creationId xmlns:p14="http://schemas.microsoft.com/office/powerpoint/2010/main" val="261971407"/>
+        <p14:creationId xmlns:p14="http://schemas.microsoft.com/office/powerpoint/2010/main" val="446041234"/>
       </p:ext>
     </p:extLst>
   </p:cSld>
@@ -14211,8 +15778,8 @@
           <a:lstStyle/>
           <a:p>
             <a:r>
-              <a:rPr lang="es-ES" dirty="0" smtClean="0"/>
-              <a:t>2.3.  SPI</a:t>
+              <a:rPr lang="en-US" dirty="0" smtClean="0"/>
+              <a:t>2.2.  Interrupts</a:t>
             </a:r>
             <a:endParaRPr lang="en-US" dirty="0"/>
           </a:p>
@@ -14230,7 +15797,7 @@
         </p:nvSpPr>
         <p:spPr>
           <a:xfrm>
-            <a:off x="1943807" y="1700808"/>
+            <a:off x="1942415" y="1700808"/>
             <a:ext cx="6591985" cy="3777622"/>
           </a:xfrm>
         </p:spPr>
@@ -14240,79 +15807,50 @@
           <a:p>
             <a:r>
               <a:rPr lang="en-US" dirty="0" smtClean="0"/>
-              <a:t>Implemented using the provided Linux Kernel</a:t>
-            </a:r>
-            <a:r>
-              <a:rPr lang="en-US" dirty="0"/>
-              <a:t> </a:t>
-            </a:r>
+              <a:t>Polling from a GPIO using the Poll function</a:t>
+            </a:r>
+          </a:p>
+          <a:p>
             <a:r>
               <a:rPr lang="en-US" dirty="0" smtClean="0"/>
-              <a:t>function</a:t>
-            </a:r>
-          </a:p>
-          <a:p>
-            <a:pPr lvl="1"/>
-            <a:endParaRPr lang="en-US" dirty="0" smtClean="0"/>
-          </a:p>
-          <a:p>
-            <a:pPr lvl="1"/>
-            <a:r>
-              <a:rPr lang="en-US" dirty="0" smtClean="0"/>
-              <a:t>Included on </a:t>
-            </a:r>
-            <a:r>
-              <a:rPr lang="en-US" dirty="0" err="1" smtClean="0"/>
+              <a:t>P/Invokes are required for cross-language calls</a:t>
+            </a:r>
+            <a:endParaRPr lang="en-US" dirty="0"/>
+          </a:p>
+        </p:txBody>
+      </p:sp>
+      <p:sp>
+        <p:nvSpPr>
+          <p:cNvPr id="4" name="Marcador de pie de página 3"/>
+          <p:cNvSpPr>
+            <a:spLocks noGrp="1"/>
+          </p:cNvSpPr>
+          <p:nvPr>
+            <p:ph type="ftr" sz="quarter" idx="11"/>
+          </p:nvPr>
+        </p:nvSpPr>
+        <p:spPr/>
+        <p:txBody>
+          <a:bodyPr/>
+          <a:lstStyle/>
+          <a:p>
+            <a:r>
+              <a:rPr lang="es-ES" dirty="0" err="1" smtClean="0"/>
               <a:t>IOSharp</a:t>
             </a:r>
             <a:r>
-              <a:rPr lang="en-US" dirty="0" smtClean="0"/>
-              <a:t>-C library</a:t>
-            </a:r>
-          </a:p>
-          <a:p>
-            <a:pPr lvl="1"/>
-            <a:endParaRPr lang="en-US" dirty="0" smtClean="0"/>
-          </a:p>
-          <a:p>
-            <a:pPr lvl="1"/>
-            <a:r>
-              <a:rPr lang="en-US" dirty="0" smtClean="0"/>
-              <a:t>P/Invoked from C#</a:t>
-            </a:r>
-            <a:endParaRPr lang="en-US" dirty="0"/>
-          </a:p>
-          <a:p>
-            <a:endParaRPr lang="en-US" dirty="0" smtClean="0"/>
-          </a:p>
-          <a:p>
-            <a:pPr marL="0" indent="0">
-              <a:buNone/>
-            </a:pPr>
-            <a:endParaRPr lang="en-US" dirty="0"/>
-          </a:p>
-        </p:txBody>
-      </p:sp>
-      <p:sp>
-        <p:nvSpPr>
-          <p:cNvPr id="4" name="Marcador de pie de página 3"/>
-          <p:cNvSpPr>
-            <a:spLocks noGrp="1"/>
-          </p:cNvSpPr>
-          <p:nvPr>
-            <p:ph type="ftr" sz="quarter" idx="11"/>
-          </p:nvPr>
-        </p:nvSpPr>
-        <p:spPr/>
-        <p:txBody>
-          <a:bodyPr/>
-          <a:lstStyle/>
-          <a:p>
-            <a:r>
-              <a:rPr lang="es-ES" smtClean="0"/>
-              <a:t>IOSharp: .NET Micro Framework on Linux</a:t>
-            </a:r>
-            <a:endParaRPr lang="es-ES"/>
+              <a:rPr lang="es-ES" dirty="0" smtClean="0"/>
+              <a:t>: .NET Micro Framework </a:t>
+            </a:r>
+            <a:r>
+              <a:rPr lang="es-ES" dirty="0" err="1" smtClean="0"/>
+              <a:t>on</a:t>
+            </a:r>
+            <a:r>
+              <a:rPr lang="es-ES" dirty="0" smtClean="0"/>
+              <a:t> Linux</a:t>
+            </a:r>
+            <a:endParaRPr lang="es-ES" dirty="0"/>
           </a:p>
         </p:txBody>
       </p:sp>
@@ -14348,25 +15886,25 @@
           <p:nvPr>
             <p:extLst>
               <p:ext uri="{D42A27DB-BD31-4B8C-83A1-F6EECF244321}">
-                <p14:modId xmlns:p14="http://schemas.microsoft.com/office/powerpoint/2010/main" val="1384627031"/>
+                <p14:modId xmlns:p14="http://schemas.microsoft.com/office/powerpoint/2010/main" val="4056316056"/>
               </p:ext>
             </p:extLst>
           </p:nvPr>
         </p:nvGraphicFramePr>
         <p:xfrm>
-          <a:off x="3096674" y="3849655"/>
-          <a:ext cx="4286250" cy="1628775"/>
+          <a:off x="2184707" y="2562379"/>
+          <a:ext cx="5231904" cy="3445700"/>
         </p:xfrm>
         <a:graphic>
           <a:graphicData uri="http://schemas.openxmlformats.org/presentationml/2006/ole">
             <mc:AlternateContent xmlns:mc="http://schemas.openxmlformats.org/markup-compatibility/2006">
               <mc:Choice xmlns:v="urn:schemas-microsoft-com:vml" Requires="v">
-                <p:oleObj spid="_x0000_s4199" name="Visio" r:id="rId3" imgW="4286250" imgH="1628775" progId="Visio.Drawing.15">
+                <p:oleObj spid="_x0000_s3242" name="Visio" r:id="rId4" imgW="10572660" imgH="6962865" progId="Visio.Drawing.15">
                   <p:embed/>
                 </p:oleObj>
               </mc:Choice>
               <mc:Fallback>
-                <p:oleObj name="Visio" r:id="rId3" imgW="4286250" imgH="1628775" progId="Visio.Drawing.15">
+                <p:oleObj name="Visio" r:id="rId4" imgW="10572660" imgH="6962865" progId="Visio.Drawing.15">
                   <p:embed/>
                   <p:pic>
                     <p:nvPicPr>
@@ -14375,15 +15913,15 @@
                       <p:nvPr/>
                     </p:nvPicPr>
                     <p:blipFill>
-                      <a:blip r:embed="rId4"/>
+                      <a:blip r:embed="rId5"/>
                       <a:stretch>
                         <a:fillRect/>
                       </a:stretch>
                     </p:blipFill>
                     <p:spPr>
                       <a:xfrm>
-                        <a:off x="3096674" y="3849655"/>
-                        <a:ext cx="4286250" cy="1628775"/>
+                        <a:off x="2184707" y="2562379"/>
+                        <a:ext cx="5231904" cy="3445700"/>
                       </a:xfrm>
                       <a:prstGeom prst="rect">
                         <a:avLst/>
@@ -14396,10 +15934,45 @@
           </a:graphicData>
         </a:graphic>
       </p:graphicFrame>
+      <p:sp>
+        <p:nvSpPr>
+          <p:cNvPr id="7" name="CuadroTexto 6"/>
+          <p:cNvSpPr txBox="1"/>
+          <p:nvPr/>
+        </p:nvSpPr>
+        <p:spPr>
+          <a:xfrm>
+            <a:off x="7524329" y="4005064"/>
+            <a:ext cx="1512168" cy="738664"/>
+          </a:xfrm>
+          <a:prstGeom prst="rect">
+            <a:avLst/>
+          </a:prstGeom>
+          <a:noFill/>
+        </p:spPr>
+        <p:txBody>
+          <a:bodyPr wrap="square" rtlCol="0">
+            <a:spAutoFit/>
+          </a:bodyPr>
+          <a:lstStyle/>
+          <a:p>
+            <a:pPr algn="just"/>
+            <a:r>
+              <a:rPr lang="en-US" sz="1400" b="1" dirty="0" smtClean="0"/>
+              <a:t>Fig. 4: </a:t>
+            </a:r>
+            <a:r>
+              <a:rPr lang="en-US" sz="1400" dirty="0" smtClean="0"/>
+              <a:t>flow diagram for an Interrupt Port</a:t>
+            </a:r>
+            <a:endParaRPr lang="en-US" sz="1400" dirty="0"/>
+          </a:p>
+        </p:txBody>
+      </p:sp>
     </p:spTree>
     <p:extLst>
       <p:ext uri="{BB962C8B-B14F-4D97-AF65-F5344CB8AC3E}">
-        <p14:creationId xmlns:p14="http://schemas.microsoft.com/office/powerpoint/2010/main" val="2475267576"/>
+        <p14:creationId xmlns:p14="http://schemas.microsoft.com/office/powerpoint/2010/main" val="261971407"/>
       </p:ext>
     </p:extLst>
   </p:cSld>

--- a/ThesisDoc/IOSharp.pptx
+++ b/ThesisDoc/IOSharp.pptx
@@ -5,7 +5,7 @@
     <p:sldMasterId id="2147483821" r:id="rId1"/>
   </p:sldMasterIdLst>
   <p:notesMasterIdLst>
-    <p:notesMasterId r:id="rId26"/>
+    <p:notesMasterId r:id="rId27"/>
   </p:notesMasterIdLst>
   <p:sldIdLst>
     <p:sldId id="256" r:id="rId2"/>
@@ -15,23 +15,24 @@
     <p:sldId id="260" r:id="rId6"/>
     <p:sldId id="261" r:id="rId7"/>
     <p:sldId id="272" r:id="rId8"/>
-    <p:sldId id="262" r:id="rId9"/>
-    <p:sldId id="273" r:id="rId10"/>
-    <p:sldId id="263" r:id="rId11"/>
-    <p:sldId id="264" r:id="rId12"/>
-    <p:sldId id="274" r:id="rId13"/>
-    <p:sldId id="265" r:id="rId14"/>
-    <p:sldId id="286" r:id="rId15"/>
-    <p:sldId id="280" r:id="rId16"/>
-    <p:sldId id="281" r:id="rId17"/>
-    <p:sldId id="275" r:id="rId18"/>
-    <p:sldId id="267" r:id="rId19"/>
-    <p:sldId id="268" r:id="rId20"/>
-    <p:sldId id="269" r:id="rId21"/>
-    <p:sldId id="277" r:id="rId22"/>
-    <p:sldId id="282" r:id="rId23"/>
-    <p:sldId id="271" r:id="rId24"/>
-    <p:sldId id="284" r:id="rId25"/>
+    <p:sldId id="287" r:id="rId9"/>
+    <p:sldId id="262" r:id="rId10"/>
+    <p:sldId id="273" r:id="rId11"/>
+    <p:sldId id="263" r:id="rId12"/>
+    <p:sldId id="264" r:id="rId13"/>
+    <p:sldId id="274" r:id="rId14"/>
+    <p:sldId id="265" r:id="rId15"/>
+    <p:sldId id="286" r:id="rId16"/>
+    <p:sldId id="280" r:id="rId17"/>
+    <p:sldId id="281" r:id="rId18"/>
+    <p:sldId id="275" r:id="rId19"/>
+    <p:sldId id="267" r:id="rId20"/>
+    <p:sldId id="268" r:id="rId21"/>
+    <p:sldId id="269" r:id="rId22"/>
+    <p:sldId id="277" r:id="rId23"/>
+    <p:sldId id="282" r:id="rId24"/>
+    <p:sldId id="271" r:id="rId25"/>
+    <p:sldId id="284" r:id="rId26"/>
   </p:sldIdLst>
   <p:sldSz cx="9144000" cy="6858000" type="screen4x3"/>
   <p:notesSz cx="6858000" cy="9144000"/>
@@ -231,7 +232,7 @@
           <a:p>
             <a:fld id="{7372D0EB-124A-4188-9A04-F78DFD96931D}" type="datetimeFigureOut">
               <a:rPr lang="en-US" smtClean="0"/>
-              <a:t>2/11/2014</a:t>
+              <a:t>2/12/2014</a:t>
             </a:fld>
             <a:endParaRPr lang="en-US"/>
           </a:p>
@@ -732,7 +733,7 @@
           <a:p>
             <a:fld id="{0353FF77-1486-40B6-B94E-C1E50A1A5E63}" type="slidenum">
               <a:rPr lang="en-US" smtClean="0"/>
-              <a:t>23</a:t>
+              <a:t>24</a:t>
             </a:fld>
             <a:endParaRPr lang="en-US"/>
           </a:p>
@@ -969,7 +970,7 @@
           <a:p>
             <a:fld id="{9D3E2F9D-38DA-4D6F-8E02-326E69AF2943}" type="datetime1">
               <a:rPr lang="es-ES" smtClean="0"/>
-              <a:t>11/02/2014</a:t>
+              <a:t>12/02/2014</a:t>
             </a:fld>
             <a:endParaRPr lang="es-ES" dirty="0"/>
           </a:p>
@@ -1213,7 +1214,7 @@
           <a:p>
             <a:fld id="{A66FE1B6-4F57-4445-A278-A5087723B883}" type="datetime1">
               <a:rPr lang="es-ES" smtClean="0"/>
-              <a:t>11/02/2014</a:t>
+              <a:t>12/02/2014</a:t>
             </a:fld>
             <a:endParaRPr lang="es-ES"/>
           </a:p>
@@ -1628,7 +1629,7 @@
           <a:p>
             <a:fld id="{F60366B5-A022-408C-B6C4-577A2E9117A4}" type="datetime1">
               <a:rPr lang="es-ES" smtClean="0"/>
-              <a:t>11/02/2014</a:t>
+              <a:t>12/02/2014</a:t>
             </a:fld>
             <a:endParaRPr lang="es-ES"/>
           </a:p>
@@ -1978,7 +1979,7 @@
           <a:p>
             <a:fld id="{87D6D524-B0FA-4292-AD14-EDC17503A51D}" type="datetime1">
               <a:rPr lang="es-ES" smtClean="0"/>
-              <a:t>11/02/2014</a:t>
+              <a:t>12/02/2014</a:t>
             </a:fld>
             <a:endParaRPr lang="es-ES"/>
           </a:p>
@@ -2312,7 +2313,7 @@
           <a:p>
             <a:fld id="{562FCECA-A66D-4047-8040-1EB238554101}" type="datetime1">
               <a:rPr lang="es-ES" smtClean="0"/>
-              <a:t>11/02/2014</a:t>
+              <a:t>12/02/2014</a:t>
             </a:fld>
             <a:endParaRPr lang="es-ES"/>
           </a:p>
@@ -2722,7 +2723,7 @@
           <a:p>
             <a:fld id="{769DFE57-26CB-48BC-91AD-9E207F38B65C}" type="datetime1">
               <a:rPr lang="es-ES" smtClean="0"/>
-              <a:t>11/02/2014</a:t>
+              <a:t>12/02/2014</a:t>
             </a:fld>
             <a:endParaRPr lang="es-ES"/>
           </a:p>
@@ -2993,7 +2994,7 @@
           <a:p>
             <a:fld id="{F92C9852-2065-40E2-8EB3-DADA6E88D2E4}" type="datetime1">
               <a:rPr lang="es-ES" smtClean="0"/>
-              <a:t>11/02/2014</a:t>
+              <a:t>12/02/2014</a:t>
             </a:fld>
             <a:endParaRPr lang="es-ES"/>
           </a:p>
@@ -3269,7 +3270,7 @@
           <a:p>
             <a:fld id="{69939F70-6665-4FEA-B09D-F1DBBA1D2266}" type="datetime1">
               <a:rPr lang="es-ES" smtClean="0"/>
-              <a:t>11/02/2014</a:t>
+              <a:t>12/02/2014</a:t>
             </a:fld>
             <a:endParaRPr lang="es-ES"/>
           </a:p>
@@ -3545,7 +3546,7 @@
           <a:p>
             <a:fld id="{C886E45F-F48B-47F5-A680-8D9C3D769D00}" type="datetime1">
               <a:rPr lang="es-ES" smtClean="0"/>
-              <a:t>11/02/2014</a:t>
+              <a:t>12/02/2014</a:t>
             </a:fld>
             <a:endParaRPr lang="es-ES"/>
           </a:p>
@@ -3922,7 +3923,7 @@
           <a:p>
             <a:fld id="{F3A88BA9-DB36-4996-99CF-7554617F1CC7}" type="datetime1">
               <a:rPr lang="es-ES" smtClean="0"/>
-              <a:t>11/02/2014</a:t>
+              <a:t>12/02/2014</a:t>
             </a:fld>
             <a:endParaRPr lang="es-ES"/>
           </a:p>
@@ -4263,7 +4264,7 @@
           <a:p>
             <a:fld id="{FFE94359-F0B4-4B76-BFCA-EDD95B71FCAC}" type="datetime1">
               <a:rPr lang="es-ES" smtClean="0"/>
-              <a:t>11/02/2014</a:t>
+              <a:t>12/02/2014</a:t>
             </a:fld>
             <a:endParaRPr lang="es-ES"/>
           </a:p>
@@ -4734,7 +4735,7 @@
           <a:p>
             <a:fld id="{35834B84-D7F6-4436-97FD-521439A9BF19}" type="datetime1">
               <a:rPr lang="es-ES" smtClean="0"/>
-              <a:t>11/02/2014</a:t>
+              <a:t>12/02/2014</a:t>
             </a:fld>
             <a:endParaRPr lang="es-ES"/>
           </a:p>
@@ -4958,7 +4959,7 @@
           <a:p>
             <a:fld id="{6C944476-9E3F-486C-BDC8-310F1AAD8AE6}" type="datetime1">
               <a:rPr lang="es-ES" smtClean="0"/>
-              <a:t>11/02/2014</a:t>
+              <a:t>12/02/2014</a:t>
             </a:fld>
             <a:endParaRPr lang="es-ES"/>
           </a:p>
@@ -5149,7 +5150,7 @@
           <a:p>
             <a:fld id="{B95C774B-50AF-47D8-9EDF-9B6AFC85D210}" type="datetime1">
               <a:rPr lang="es-ES" smtClean="0"/>
-              <a:t>11/02/2014</a:t>
+              <a:t>12/02/2014</a:t>
             </a:fld>
             <a:endParaRPr lang="es-ES"/>
           </a:p>
@@ -5496,7 +5497,7 @@
           <a:p>
             <a:fld id="{175269D3-134E-48AB-AA12-FE4B7076A3FD}" type="datetime1">
               <a:rPr lang="es-ES" smtClean="0"/>
-              <a:t>11/02/2014</a:t>
+              <a:t>12/02/2014</a:t>
             </a:fld>
             <a:endParaRPr lang="es-ES"/>
           </a:p>
@@ -5855,7 +5856,7 @@
           <a:p>
             <a:fld id="{63F2DCCE-F6CE-4BB5-ABD4-6B29C74F5768}" type="datetime1">
               <a:rPr lang="es-ES" smtClean="0"/>
-              <a:t>11/02/2014</a:t>
+              <a:t>12/02/2014</a:t>
             </a:fld>
             <a:endParaRPr lang="es-ES"/>
           </a:p>
@@ -7986,7 +7987,7 @@
           <a:p>
             <a:fld id="{0CD20DCD-2AE2-401E-BE39-52B8E760BC6B}" type="datetime1">
               <a:rPr lang="es-ES" smtClean="0"/>
-              <a:t>11/02/2014</a:t>
+              <a:t>12/02/2014</a:t>
             </a:fld>
             <a:endParaRPr lang="es-ES" dirty="0"/>
           </a:p>
@@ -8655,11 +8656,7 @@
           <a:p>
             <a:r>
               <a:rPr lang="en-US" dirty="0" smtClean="0"/>
-              <a:t>AUTHOR: </a:t>
-            </a:r>
-            <a:r>
-              <a:rPr lang="en-US" dirty="0" smtClean="0"/>
-              <a:t>Gerard </a:t>
+              <a:t>AUTHOR: Gerard </a:t>
             </a:r>
             <a:r>
               <a:rPr lang="en-US" dirty="0" err="1" smtClean="0"/>
@@ -8686,11 +8683,7 @@
           <a:p>
             <a:r>
               <a:rPr lang="en-US" dirty="0" smtClean="0"/>
-              <a:t>DIRECTOR: </a:t>
-            </a:r>
-            <a:r>
-              <a:rPr lang="en-US" dirty="0" smtClean="0"/>
-              <a:t>Juan </a:t>
+              <a:t>DIRECTOR: Juan </a:t>
             </a:r>
             <a:r>
               <a:rPr lang="en-US" dirty="0" err="1" smtClean="0"/>
@@ -8748,11 +8741,7 @@
             </a:r>
             <a:r>
               <a:rPr lang="es-ES" sz="1100" dirty="0" smtClean="0"/>
-              <a:t> </a:t>
-            </a:r>
-            <a:r>
-              <a:rPr lang="es-ES" sz="1100" dirty="0" smtClean="0"/>
-              <a:t>Linux </a:t>
+              <a:t> Linux </a:t>
             </a:r>
             <a:endParaRPr lang="es-ES" sz="1100" dirty="0"/>
           </a:p>
@@ -8811,8 +8800,8 @@
           <a:lstStyle/>
           <a:p>
             <a:r>
-              <a:rPr lang="es-ES" dirty="0" smtClean="0"/>
-              <a:t>2.3.  SPI</a:t>
+              <a:rPr lang="en-US" dirty="0" smtClean="0"/>
+              <a:t>2.2.  Interrupts</a:t>
             </a:r>
             <a:endParaRPr lang="en-US" dirty="0"/>
           </a:p>
@@ -8830,7 +8819,7 @@
         </p:nvSpPr>
         <p:spPr>
           <a:xfrm>
-            <a:off x="1943807" y="1700808"/>
+            <a:off x="1942415" y="1700808"/>
             <a:ext cx="6591985" cy="3777622"/>
           </a:xfrm>
         </p:spPr>
@@ -8840,55 +8829,14 @@
           <a:p>
             <a:r>
               <a:rPr lang="en-US" dirty="0" smtClean="0"/>
-              <a:t>Implemented using the provided Linux Kernel</a:t>
-            </a:r>
-            <a:r>
-              <a:rPr lang="en-US" dirty="0"/>
-              <a:t> </a:t>
-            </a:r>
+              <a:t>Polling from a GPIO using the Poll function</a:t>
+            </a:r>
+          </a:p>
+          <a:p>
             <a:r>
               <a:rPr lang="en-US" dirty="0" smtClean="0"/>
-              <a:t>function</a:t>
-            </a:r>
-          </a:p>
-          <a:p>
-            <a:pPr lvl="1"/>
-            <a:endParaRPr lang="en-US" dirty="0" smtClean="0"/>
-          </a:p>
-          <a:p>
-            <a:pPr lvl="1"/>
-            <a:r>
-              <a:rPr lang="en-US" dirty="0" smtClean="0"/>
-              <a:t>Included on </a:t>
-            </a:r>
-            <a:r>
-              <a:rPr lang="en-US" dirty="0" err="1" smtClean="0"/>
-              <a:t>IOSharp</a:t>
-            </a:r>
-            <a:r>
-              <a:rPr lang="en-US" dirty="0" smtClean="0"/>
-              <a:t>-C library</a:t>
-            </a:r>
-          </a:p>
-          <a:p>
-            <a:pPr lvl="1"/>
-            <a:endParaRPr lang="en-US" dirty="0" smtClean="0"/>
-          </a:p>
-          <a:p>
-            <a:pPr lvl="1"/>
-            <a:r>
-              <a:rPr lang="en-US" dirty="0" smtClean="0"/>
-              <a:t>P/Invoked from C#</a:t>
-            </a:r>
-            <a:endParaRPr lang="en-US" dirty="0"/>
-          </a:p>
-          <a:p>
-            <a:endParaRPr lang="en-US" dirty="0" smtClean="0"/>
-          </a:p>
-          <a:p>
-            <a:pPr marL="0" indent="0">
-              <a:buNone/>
-            </a:pPr>
+              <a:t>P/Invokes are required for cross-language calls</a:t>
+            </a:r>
             <a:endParaRPr lang="en-US" dirty="0"/>
           </a:p>
         </p:txBody>
@@ -8960,25 +8908,25 @@
           <p:nvPr>
             <p:extLst>
               <p:ext uri="{D42A27DB-BD31-4B8C-83A1-F6EECF244321}">
-                <p14:modId xmlns:p14="http://schemas.microsoft.com/office/powerpoint/2010/main" val="1384627031"/>
+                <p14:modId xmlns:p14="http://schemas.microsoft.com/office/powerpoint/2010/main" val="4056316056"/>
               </p:ext>
             </p:extLst>
           </p:nvPr>
         </p:nvGraphicFramePr>
         <p:xfrm>
-          <a:off x="3096674" y="3849655"/>
-          <a:ext cx="4286250" cy="1628775"/>
+          <a:off x="2184707" y="2562379"/>
+          <a:ext cx="5231904" cy="3445700"/>
         </p:xfrm>
         <a:graphic>
           <a:graphicData uri="http://schemas.openxmlformats.org/presentationml/2006/ole">
             <mc:AlternateContent xmlns:mc="http://schemas.openxmlformats.org/markup-compatibility/2006">
               <mc:Choice xmlns:v="urn:schemas-microsoft-com:vml" Requires="v">
-                <p:oleObj spid="_x0000_s4257" name="Visio" r:id="rId4" imgW="4286250" imgH="1628775" progId="Visio.Drawing.15">
+                <p:oleObj spid="_x0000_s3249" name="Visio" r:id="rId3" imgW="10572660" imgH="6962865" progId="Visio.Drawing.15">
                   <p:embed/>
                 </p:oleObj>
               </mc:Choice>
               <mc:Fallback>
-                <p:oleObj name="Visio" r:id="rId4" imgW="4286250" imgH="1628775" progId="Visio.Drawing.15">
+                <p:oleObj name="Visio" r:id="rId3" imgW="10572660" imgH="6962865" progId="Visio.Drawing.15">
                   <p:embed/>
                   <p:pic>
                     <p:nvPicPr>
@@ -8987,15 +8935,15 @@
                       <p:nvPr/>
                     </p:nvPicPr>
                     <p:blipFill>
-                      <a:blip r:embed="rId5"/>
+                      <a:blip r:embed="rId4"/>
                       <a:stretch>
                         <a:fillRect/>
                       </a:stretch>
                     </p:blipFill>
                     <p:spPr>
                       <a:xfrm>
-                        <a:off x="3096674" y="3849655"/>
-                        <a:ext cx="4286250" cy="1628775"/>
+                        <a:off x="2184707" y="2562379"/>
+                        <a:ext cx="5231904" cy="3445700"/>
                       </a:xfrm>
                       <a:prstGeom prst="rect">
                         <a:avLst/>
@@ -9016,8 +8964,8 @@
         </p:nvSpPr>
         <p:spPr>
           <a:xfrm>
-            <a:off x="3691627" y="5478430"/>
-            <a:ext cx="3096344" cy="306433"/>
+            <a:off x="7524329" y="4005064"/>
+            <a:ext cx="1512168" cy="738664"/>
           </a:xfrm>
           <a:prstGeom prst="rect">
             <a:avLst/>
@@ -9030,13 +8978,14 @@
           </a:bodyPr>
           <a:lstStyle/>
           <a:p>
+            <a:pPr algn="just"/>
             <a:r>
               <a:rPr lang="en-US" sz="1400" b="1" dirty="0" smtClean="0"/>
-              <a:t>Fig. 5: </a:t>
+              <a:t>Fig. 4: </a:t>
             </a:r>
             <a:r>
               <a:rPr lang="en-US" sz="1400" dirty="0" smtClean="0"/>
-              <a:t>Master-Slave SPI example</a:t>
+              <a:t>flow diagram for an Interrupt Port</a:t>
             </a:r>
             <a:endParaRPr lang="en-US" sz="1400" dirty="0"/>
           </a:p>
@@ -9045,7 +8994,7 @@
     </p:spTree>
     <p:extLst>
       <p:ext uri="{BB962C8B-B14F-4D97-AF65-F5344CB8AC3E}">
-        <p14:creationId xmlns:p14="http://schemas.microsoft.com/office/powerpoint/2010/main" val="2475267576"/>
+        <p14:creationId xmlns:p14="http://schemas.microsoft.com/office/powerpoint/2010/main" val="261971407"/>
       </p:ext>
     </p:extLst>
   </p:cSld>
@@ -9096,7 +9045,7 @@
           <a:p>
             <a:r>
               <a:rPr lang="es-ES" dirty="0" smtClean="0"/>
-              <a:t>2.4.  UART</a:t>
+              <a:t>2.3.  SPI</a:t>
             </a:r>
             <a:endParaRPr lang="en-US" dirty="0"/>
           </a:p>
@@ -9104,65 +9053,7 @@
       </p:sp>
       <p:sp>
         <p:nvSpPr>
-          <p:cNvPr id="4" name="Marcador de pie de página 3"/>
-          <p:cNvSpPr>
-            <a:spLocks noGrp="1"/>
-          </p:cNvSpPr>
-          <p:nvPr>
-            <p:ph type="ftr" sz="quarter" idx="11"/>
-          </p:nvPr>
-        </p:nvSpPr>
-        <p:spPr/>
-        <p:txBody>
-          <a:bodyPr/>
-          <a:lstStyle/>
-          <a:p>
-            <a:r>
-              <a:rPr lang="es-ES" dirty="0" err="1" smtClean="0"/>
-              <a:t>IOSharp</a:t>
-            </a:r>
-            <a:r>
-              <a:rPr lang="es-ES" dirty="0" smtClean="0"/>
-              <a:t>: .NET Micro Framework </a:t>
-            </a:r>
-            <a:r>
-              <a:rPr lang="es-ES" dirty="0" err="1" smtClean="0"/>
-              <a:t>on</a:t>
-            </a:r>
-            <a:r>
-              <a:rPr lang="es-ES" dirty="0" smtClean="0"/>
-              <a:t> Linux</a:t>
-            </a:r>
-            <a:endParaRPr lang="es-ES" dirty="0"/>
-          </a:p>
-        </p:txBody>
-      </p:sp>
-      <p:sp>
-        <p:nvSpPr>
-          <p:cNvPr id="5" name="Marcador de número de diapositiva 4"/>
-          <p:cNvSpPr>
-            <a:spLocks noGrp="1"/>
-          </p:cNvSpPr>
-          <p:nvPr>
-            <p:ph type="sldNum" sz="quarter" idx="12"/>
-          </p:nvPr>
-        </p:nvSpPr>
-        <p:spPr/>
-        <p:txBody>
-          <a:bodyPr/>
-          <a:lstStyle/>
-          <a:p>
-            <a:fld id="{8EE90C33-BF19-4C36-8633-00054130773A}" type="slidenum">
-              <a:rPr lang="es-ES" smtClean="0"/>
-              <a:t>11</a:t>
-            </a:fld>
-            <a:endParaRPr lang="es-ES"/>
-          </a:p>
-        </p:txBody>
-      </p:sp>
-      <p:sp>
-        <p:nvSpPr>
-          <p:cNvPr id="11" name="Marcador de contenido 2"/>
+          <p:cNvPr id="3" name="Marcador de contenido 2"/>
           <p:cNvSpPr>
             <a:spLocks noGrp="1"/>
           </p:cNvSpPr>
@@ -9182,7 +9073,15 @@
           <a:p>
             <a:r>
               <a:rPr lang="en-US" dirty="0" smtClean="0"/>
-              <a:t>NETMF and .NET Framework where compared</a:t>
+              <a:t>Implemented using the provided Linux Kernel</a:t>
+            </a:r>
+            <a:r>
+              <a:rPr lang="en-US" dirty="0"/>
+              <a:t> </a:t>
+            </a:r>
+            <a:r>
+              <a:rPr lang="en-US" dirty="0" smtClean="0"/>
+              <a:t>function</a:t>
             </a:r>
           </a:p>
           <a:p>
@@ -9193,100 +9092,193 @@
             <a:pPr lvl="1"/>
             <a:r>
               <a:rPr lang="en-US" dirty="0" smtClean="0"/>
-              <a:t>Same namespace </a:t>
-            </a:r>
-            <a:r>
-              <a:rPr lang="en-US" dirty="0" smtClean="0">
-                <a:sym typeface="Wingdings" panose="05000000000000000000" pitchFamily="2" charset="2"/>
-              </a:rPr>
-              <a:t> </a:t>
-            </a:r>
-            <a:r>
-              <a:rPr lang="en-US" dirty="0" err="1" smtClean="0">
-                <a:latin typeface="Consolas" panose="020B0609020204030204" pitchFamily="49" charset="0"/>
-                <a:cs typeface="Consolas" panose="020B0609020204030204" pitchFamily="49" charset="0"/>
-              </a:rPr>
-              <a:t>System.IO.Ports</a:t>
-            </a:r>
-            <a:endParaRPr lang="en-US" dirty="0" smtClean="0">
-              <a:latin typeface="Consolas" panose="020B0609020204030204" pitchFamily="49" charset="0"/>
-              <a:cs typeface="Consolas" panose="020B0609020204030204" pitchFamily="49" charset="0"/>
-            </a:endParaRPr>
+              <a:t>Included on </a:t>
+            </a:r>
+            <a:r>
+              <a:rPr lang="en-US" dirty="0" err="1" smtClean="0"/>
+              <a:t>IOSharp</a:t>
+            </a:r>
+            <a:r>
+              <a:rPr lang="en-US" dirty="0" smtClean="0"/>
+              <a:t>-C library</a:t>
+            </a:r>
           </a:p>
           <a:p>
             <a:pPr lvl="1"/>
-            <a:endParaRPr lang="en-US" dirty="0" smtClean="0">
-              <a:latin typeface="+mj-lt"/>
-              <a:cs typeface="Consolas" panose="020B0609020204030204" pitchFamily="49" charset="0"/>
-            </a:endParaRPr>
+            <a:endParaRPr lang="en-US" dirty="0" smtClean="0"/>
           </a:p>
           <a:p>
             <a:pPr lvl="1"/>
             <a:r>
-              <a:rPr lang="en-US" dirty="0" smtClean="0">
-                <a:latin typeface="+mj-lt"/>
-                <a:cs typeface="Consolas" panose="020B0609020204030204" pitchFamily="49" charset="0"/>
-              </a:rPr>
-              <a:t>Required methods for </a:t>
-            </a:r>
-            <a:r>
-              <a:rPr lang="en-US" dirty="0" err="1" smtClean="0">
-                <a:latin typeface="+mj-lt"/>
-                <a:cs typeface="Consolas" panose="020B0609020204030204" pitchFamily="49" charset="0"/>
-              </a:rPr>
-              <a:t>HomeSense</a:t>
-            </a:r>
-            <a:r>
-              <a:rPr lang="en-US" dirty="0" smtClean="0">
-                <a:latin typeface="+mj-lt"/>
-                <a:cs typeface="Consolas" panose="020B0609020204030204" pitchFamily="49" charset="0"/>
-              </a:rPr>
-              <a:t> in both implementations</a:t>
-            </a:r>
-          </a:p>
-          <a:p>
-            <a:pPr lvl="1"/>
-            <a:endParaRPr lang="en-US" dirty="0">
-              <a:latin typeface="+mj-lt"/>
-              <a:cs typeface="Consolas" panose="020B0609020204030204" pitchFamily="49" charset="0"/>
-            </a:endParaRPr>
-          </a:p>
-          <a:p>
-            <a:r>
-              <a:rPr lang="en-US" dirty="0" smtClean="0">
-                <a:latin typeface="+mj-lt"/>
-                <a:cs typeface="Consolas" panose="020B0609020204030204" pitchFamily="49" charset="0"/>
-              </a:rPr>
-              <a:t>Avoided a new reimplementation.</a:t>
-            </a:r>
-          </a:p>
-          <a:p>
-            <a:pPr lvl="1"/>
-            <a:r>
-              <a:rPr lang="en-US" dirty="0" err="1" smtClean="0">
-                <a:latin typeface="+mj-lt"/>
-                <a:cs typeface="Consolas" panose="020B0609020204030204" pitchFamily="49" charset="0"/>
-              </a:rPr>
+              <a:rPr lang="en-US" dirty="0" smtClean="0"/>
+              <a:t>P/Invoked from C#</a:t>
+            </a:r>
+            <a:endParaRPr lang="en-US" dirty="0"/>
+          </a:p>
+          <a:p>
+            <a:endParaRPr lang="en-US" dirty="0" smtClean="0"/>
+          </a:p>
+          <a:p>
+            <a:pPr marL="0" indent="0">
+              <a:buNone/>
+            </a:pPr>
+            <a:endParaRPr lang="en-US" dirty="0"/>
+          </a:p>
+        </p:txBody>
+      </p:sp>
+      <p:sp>
+        <p:nvSpPr>
+          <p:cNvPr id="4" name="Marcador de pie de página 3"/>
+          <p:cNvSpPr>
+            <a:spLocks noGrp="1"/>
+          </p:cNvSpPr>
+          <p:nvPr>
+            <p:ph type="ftr" sz="quarter" idx="11"/>
+          </p:nvPr>
+        </p:nvSpPr>
+        <p:spPr/>
+        <p:txBody>
+          <a:bodyPr/>
+          <a:lstStyle/>
+          <a:p>
+            <a:r>
+              <a:rPr lang="es-ES" dirty="0" err="1" smtClean="0"/>
               <a:t>IOSharp</a:t>
             </a:r>
             <a:r>
-              <a:rPr lang="en-US" dirty="0" smtClean="0">
-                <a:latin typeface="+mj-lt"/>
-                <a:cs typeface="Consolas" panose="020B0609020204030204" pitchFamily="49" charset="0"/>
-              </a:rPr>
-              <a:t> relays on Mono Serial Port (UART)</a:t>
-            </a:r>
-            <a:endParaRPr lang="en-US" dirty="0">
-              <a:latin typeface="+mj-lt"/>
-              <a:cs typeface="Consolas" panose="020B0609020204030204" pitchFamily="49" charset="0"/>
-            </a:endParaRPr>
+              <a:rPr lang="es-ES" dirty="0" smtClean="0"/>
+              <a:t>: .NET Micro Framework </a:t>
+            </a:r>
+            <a:r>
+              <a:rPr lang="es-ES" dirty="0" err="1" smtClean="0"/>
+              <a:t>on</a:t>
+            </a:r>
+            <a:r>
+              <a:rPr lang="es-ES" dirty="0" smtClean="0"/>
+              <a:t> Linux</a:t>
+            </a:r>
+            <a:endParaRPr lang="es-ES" dirty="0"/>
+          </a:p>
+        </p:txBody>
+      </p:sp>
+      <p:sp>
+        <p:nvSpPr>
+          <p:cNvPr id="5" name="Marcador de número de diapositiva 4"/>
+          <p:cNvSpPr>
+            <a:spLocks noGrp="1"/>
+          </p:cNvSpPr>
+          <p:nvPr>
+            <p:ph type="sldNum" sz="quarter" idx="12"/>
+          </p:nvPr>
+        </p:nvSpPr>
+        <p:spPr/>
+        <p:txBody>
+          <a:bodyPr/>
+          <a:lstStyle/>
+          <a:p>
+            <a:fld id="{8EE90C33-BF19-4C36-8633-00054130773A}" type="slidenum">
+              <a:rPr lang="es-ES" smtClean="0"/>
+              <a:t>11</a:t>
+            </a:fld>
+            <a:endParaRPr lang="es-ES"/>
+          </a:p>
+        </p:txBody>
+      </p:sp>
+      <p:graphicFrame>
+        <p:nvGraphicFramePr>
+          <p:cNvPr id="6" name="Objeto 5"/>
+          <p:cNvGraphicFramePr>
+            <a:graphicFrameLocks noChangeAspect="1"/>
+          </p:cNvGraphicFramePr>
+          <p:nvPr>
+            <p:extLst>
+              <p:ext uri="{D42A27DB-BD31-4B8C-83A1-F6EECF244321}">
+                <p14:modId xmlns:p14="http://schemas.microsoft.com/office/powerpoint/2010/main" val="1384627031"/>
+              </p:ext>
+            </p:extLst>
+          </p:nvPr>
+        </p:nvGraphicFramePr>
+        <p:xfrm>
+          <a:off x="3096674" y="3849655"/>
+          <a:ext cx="4286250" cy="1628775"/>
+        </p:xfrm>
+        <a:graphic>
+          <a:graphicData uri="http://schemas.openxmlformats.org/presentationml/2006/ole">
+            <mc:AlternateContent xmlns:mc="http://schemas.openxmlformats.org/markup-compatibility/2006">
+              <mc:Choice xmlns:v="urn:schemas-microsoft-com:vml" Requires="v">
+                <p:oleObj spid="_x0000_s4264" name="Visio" r:id="rId3" imgW="4286250" imgH="1628775" progId="Visio.Drawing.15">
+                  <p:embed/>
+                </p:oleObj>
+              </mc:Choice>
+              <mc:Fallback>
+                <p:oleObj name="Visio" r:id="rId3" imgW="4286250" imgH="1628775" progId="Visio.Drawing.15">
+                  <p:embed/>
+                  <p:pic>
+                    <p:nvPicPr>
+                      <p:cNvPr id="0" name=""/>
+                      <p:cNvPicPr/>
+                      <p:nvPr/>
+                    </p:nvPicPr>
+                    <p:blipFill>
+                      <a:blip r:embed="rId4"/>
+                      <a:stretch>
+                        <a:fillRect/>
+                      </a:stretch>
+                    </p:blipFill>
+                    <p:spPr>
+                      <a:xfrm>
+                        <a:off x="3096674" y="3849655"/>
+                        <a:ext cx="4286250" cy="1628775"/>
+                      </a:xfrm>
+                      <a:prstGeom prst="rect">
+                        <a:avLst/>
+                      </a:prstGeom>
+                    </p:spPr>
+                  </p:pic>
+                </p:oleObj>
+              </mc:Fallback>
+            </mc:AlternateContent>
+          </a:graphicData>
+        </a:graphic>
+      </p:graphicFrame>
+      <p:sp>
+        <p:nvSpPr>
+          <p:cNvPr id="7" name="CuadroTexto 6"/>
+          <p:cNvSpPr txBox="1"/>
+          <p:nvPr/>
+        </p:nvSpPr>
+        <p:spPr>
+          <a:xfrm>
+            <a:off x="3691627" y="5478430"/>
+            <a:ext cx="3096344" cy="306433"/>
+          </a:xfrm>
+          <a:prstGeom prst="rect">
+            <a:avLst/>
+          </a:prstGeom>
+          <a:noFill/>
+        </p:spPr>
+        <p:txBody>
+          <a:bodyPr wrap="square" rtlCol="0">
+            <a:spAutoFit/>
+          </a:bodyPr>
+          <a:lstStyle/>
+          <a:p>
+            <a:r>
+              <a:rPr lang="en-US" sz="1400" b="1" dirty="0" smtClean="0"/>
+              <a:t>Fig. 5: </a:t>
+            </a:r>
+            <a:r>
+              <a:rPr lang="en-US" sz="1400" dirty="0" smtClean="0"/>
+              <a:t>Master-Slave SPI example</a:t>
+            </a:r>
+            <a:endParaRPr lang="en-US" sz="1400" dirty="0"/>
           </a:p>
         </p:txBody>
       </p:sp>
     </p:spTree>
     <p:extLst>
       <p:ext uri="{BB962C8B-B14F-4D97-AF65-F5344CB8AC3E}">
-        <p14:creationId xmlns:p14="http://schemas.microsoft.com/office/powerpoint/2010/main" val="994268500"/>
+        <p14:creationId xmlns:p14="http://schemas.microsoft.com/office/powerpoint/2010/main" val="2475267576"/>
       </p:ext>
     </p:extLst>
   </p:cSld>
@@ -9336,83 +9328,9 @@
           <a:lstStyle/>
           <a:p>
             <a:r>
-              <a:rPr lang="en-US" dirty="0" smtClean="0"/>
-              <a:t>2.5.  Example</a:t>
-            </a:r>
-            <a:endParaRPr lang="en-US" dirty="0"/>
-          </a:p>
-        </p:txBody>
-      </p:sp>
-      <p:sp>
-        <p:nvSpPr>
-          <p:cNvPr id="3" name="Marcador de contenido 2"/>
-          <p:cNvSpPr>
-            <a:spLocks noGrp="1"/>
-          </p:cNvSpPr>
-          <p:nvPr>
-            <p:ph idx="1"/>
-          </p:nvPr>
-        </p:nvSpPr>
-        <p:spPr/>
-        <p:txBody>
-          <a:bodyPr/>
-          <a:lstStyle/>
-          <a:p>
-            <a:r>
-              <a:rPr lang="en-US" dirty="0" err="1" smtClean="0"/>
-              <a:t>HomeSense</a:t>
-            </a:r>
-            <a:r>
-              <a:rPr lang="en-US" dirty="0" smtClean="0"/>
-              <a:t> proves that the GPIO, SPI, UART and Interrupts are working on the </a:t>
-            </a:r>
-            <a:r>
-              <a:rPr lang="en-US" dirty="0" err="1" smtClean="0"/>
-              <a:t>IOSharp</a:t>
-            </a:r>
-            <a:r>
-              <a:rPr lang="en-US" dirty="0" smtClean="0"/>
-              <a:t> implementation</a:t>
-            </a:r>
-          </a:p>
-          <a:p>
-            <a:pPr lvl="1"/>
-            <a:r>
-              <a:rPr lang="en-US" dirty="0" smtClean="0"/>
-              <a:t>First milestone is accomplished</a:t>
-            </a:r>
-          </a:p>
-          <a:p>
-            <a:endParaRPr lang="en-US" dirty="0"/>
-          </a:p>
-          <a:p>
-            <a:r>
-              <a:rPr lang="en-US" dirty="0" smtClean="0"/>
-              <a:t>Video showing </a:t>
-            </a:r>
-            <a:r>
-              <a:rPr lang="en-US" dirty="0" err="1" smtClean="0"/>
-              <a:t>HomeSense</a:t>
-            </a:r>
-            <a:r>
-              <a:rPr lang="en-US" dirty="0" smtClean="0"/>
-              <a:t> on Raspberry Pi</a:t>
-            </a:r>
-          </a:p>
-          <a:p>
-            <a:endParaRPr lang="en-US" dirty="0"/>
-          </a:p>
-          <a:p>
-            <a:r>
-              <a:rPr lang="en-US" dirty="0" err="1"/>
-              <a:t>IOSharp</a:t>
-            </a:r>
-            <a:r>
-              <a:rPr lang="en-US" dirty="0"/>
-              <a:t> requires one more transmission than NETMF</a:t>
-            </a:r>
-          </a:p>
-          <a:p>
+              <a:rPr lang="es-ES" dirty="0" smtClean="0"/>
+              <a:t>2.4.  UART</a:t>
+            </a:r>
             <a:endParaRPr lang="en-US" dirty="0"/>
           </a:p>
         </p:txBody>
@@ -9475,10 +9393,133 @@
           </a:p>
         </p:txBody>
       </p:sp>
+      <p:sp>
+        <p:nvSpPr>
+          <p:cNvPr id="11" name="Marcador de contenido 2"/>
+          <p:cNvSpPr>
+            <a:spLocks noGrp="1"/>
+          </p:cNvSpPr>
+          <p:nvPr>
+            <p:ph idx="1"/>
+          </p:nvPr>
+        </p:nvSpPr>
+        <p:spPr>
+          <a:xfrm>
+            <a:off x="1943807" y="1700808"/>
+            <a:ext cx="6591985" cy="3777622"/>
+          </a:xfrm>
+        </p:spPr>
+        <p:txBody>
+          <a:bodyPr/>
+          <a:lstStyle/>
+          <a:p>
+            <a:r>
+              <a:rPr lang="en-US" dirty="0" smtClean="0"/>
+              <a:t>NETMF and .NET Framework where compared</a:t>
+            </a:r>
+          </a:p>
+          <a:p>
+            <a:pPr lvl="1"/>
+            <a:endParaRPr lang="en-US" dirty="0" smtClean="0"/>
+          </a:p>
+          <a:p>
+            <a:pPr lvl="1"/>
+            <a:r>
+              <a:rPr lang="en-US" dirty="0" smtClean="0"/>
+              <a:t>Same namespace </a:t>
+            </a:r>
+            <a:r>
+              <a:rPr lang="en-US" dirty="0" smtClean="0">
+                <a:sym typeface="Wingdings" panose="05000000000000000000" pitchFamily="2" charset="2"/>
+              </a:rPr>
+              <a:t> </a:t>
+            </a:r>
+            <a:r>
+              <a:rPr lang="en-US" dirty="0" err="1" smtClean="0">
+                <a:latin typeface="Consolas" panose="020B0609020204030204" pitchFamily="49" charset="0"/>
+                <a:cs typeface="Consolas" panose="020B0609020204030204" pitchFamily="49" charset="0"/>
+              </a:rPr>
+              <a:t>System.IO.Ports</a:t>
+            </a:r>
+            <a:endParaRPr lang="en-US" dirty="0" smtClean="0">
+              <a:latin typeface="Consolas" panose="020B0609020204030204" pitchFamily="49" charset="0"/>
+              <a:cs typeface="Consolas" panose="020B0609020204030204" pitchFamily="49" charset="0"/>
+            </a:endParaRPr>
+          </a:p>
+          <a:p>
+            <a:pPr lvl="1"/>
+            <a:endParaRPr lang="en-US" dirty="0" smtClean="0">
+              <a:latin typeface="+mj-lt"/>
+              <a:cs typeface="Consolas" panose="020B0609020204030204" pitchFamily="49" charset="0"/>
+            </a:endParaRPr>
+          </a:p>
+          <a:p>
+            <a:pPr lvl="1"/>
+            <a:r>
+              <a:rPr lang="en-US" dirty="0" smtClean="0">
+                <a:latin typeface="+mj-lt"/>
+                <a:cs typeface="Consolas" panose="020B0609020204030204" pitchFamily="49" charset="0"/>
+              </a:rPr>
+              <a:t>Required methods for </a:t>
+            </a:r>
+            <a:r>
+              <a:rPr lang="en-US" dirty="0" err="1" smtClean="0">
+                <a:latin typeface="+mj-lt"/>
+                <a:cs typeface="Consolas" panose="020B0609020204030204" pitchFamily="49" charset="0"/>
+              </a:rPr>
+              <a:t>HomeSense</a:t>
+            </a:r>
+            <a:r>
+              <a:rPr lang="en-US" dirty="0" smtClean="0">
+                <a:latin typeface="+mj-lt"/>
+                <a:cs typeface="Consolas" panose="020B0609020204030204" pitchFamily="49" charset="0"/>
+              </a:rPr>
+              <a:t> in both implementations</a:t>
+            </a:r>
+          </a:p>
+          <a:p>
+            <a:pPr lvl="1"/>
+            <a:endParaRPr lang="en-US" dirty="0">
+              <a:latin typeface="+mj-lt"/>
+              <a:cs typeface="Consolas" panose="020B0609020204030204" pitchFamily="49" charset="0"/>
+            </a:endParaRPr>
+          </a:p>
+          <a:p>
+            <a:r>
+              <a:rPr lang="en-US" dirty="0" smtClean="0">
+                <a:latin typeface="+mj-lt"/>
+                <a:cs typeface="Consolas" panose="020B0609020204030204" pitchFamily="49" charset="0"/>
+              </a:rPr>
+              <a:t>Avoided a new reimplementation.</a:t>
+            </a:r>
+          </a:p>
+          <a:p>
+            <a:pPr lvl="1"/>
+            <a:r>
+              <a:rPr lang="en-US" dirty="0" err="1" smtClean="0">
+                <a:latin typeface="+mj-lt"/>
+                <a:cs typeface="Consolas" panose="020B0609020204030204" pitchFamily="49" charset="0"/>
+              </a:rPr>
+              <a:t>IOSharp</a:t>
+            </a:r>
+            <a:r>
+              <a:rPr lang="en-US" dirty="0" smtClean="0">
+                <a:latin typeface="+mj-lt"/>
+                <a:cs typeface="Consolas" panose="020B0609020204030204" pitchFamily="49" charset="0"/>
+              </a:rPr>
+              <a:t> relays on Mono Serial Port (UART)</a:t>
+            </a:r>
+            <a:endParaRPr lang="en-US" dirty="0">
+              <a:latin typeface="+mj-lt"/>
+              <a:cs typeface="Consolas" panose="020B0609020204030204" pitchFamily="49" charset="0"/>
+            </a:endParaRPr>
+          </a:p>
+        </p:txBody>
+      </p:sp>
     </p:spTree>
     <p:extLst>
       <p:ext uri="{BB962C8B-B14F-4D97-AF65-F5344CB8AC3E}">
-        <p14:creationId xmlns:p14="http://schemas.microsoft.com/office/powerpoint/2010/main" val="3360471616"/>
+        <p14:creationId xmlns:p14="http://schemas.microsoft.com/office/powerpoint/2010/main" val="994268500"/>
       </p:ext>
     </p:extLst>
   </p:cSld>
@@ -9522,6 +9563,198 @@
             <p:ph type="title"/>
           </p:nvPr>
         </p:nvSpPr>
+        <p:spPr/>
+        <p:txBody>
+          <a:bodyPr/>
+          <a:lstStyle/>
+          <a:p>
+            <a:r>
+              <a:rPr lang="en-US" dirty="0" smtClean="0"/>
+              <a:t>2.5.  Example</a:t>
+            </a:r>
+            <a:endParaRPr lang="en-US" dirty="0"/>
+          </a:p>
+        </p:txBody>
+      </p:sp>
+      <p:sp>
+        <p:nvSpPr>
+          <p:cNvPr id="3" name="Marcador de contenido 2"/>
+          <p:cNvSpPr>
+            <a:spLocks noGrp="1"/>
+          </p:cNvSpPr>
+          <p:nvPr>
+            <p:ph idx="1"/>
+          </p:nvPr>
+        </p:nvSpPr>
+        <p:spPr/>
+        <p:txBody>
+          <a:bodyPr/>
+          <a:lstStyle/>
+          <a:p>
+            <a:r>
+              <a:rPr lang="en-US" dirty="0" err="1" smtClean="0"/>
+              <a:t>HomeSense</a:t>
+            </a:r>
+            <a:r>
+              <a:rPr lang="en-US" dirty="0" smtClean="0"/>
+              <a:t> proves that the GPIO, SPI, UART and Interrupts are working on the </a:t>
+            </a:r>
+            <a:r>
+              <a:rPr lang="en-US" dirty="0" err="1" smtClean="0"/>
+              <a:t>IOSharp</a:t>
+            </a:r>
+            <a:r>
+              <a:rPr lang="en-US" dirty="0" smtClean="0"/>
+              <a:t> implementation</a:t>
+            </a:r>
+          </a:p>
+          <a:p>
+            <a:pPr lvl="1"/>
+            <a:r>
+              <a:rPr lang="en-US" dirty="0" smtClean="0"/>
+              <a:t>First milestone is accomplished</a:t>
+            </a:r>
+          </a:p>
+          <a:p>
+            <a:endParaRPr lang="en-US" dirty="0"/>
+          </a:p>
+          <a:p>
+            <a:r>
+              <a:rPr lang="en-US" dirty="0" smtClean="0"/>
+              <a:t>Video showing </a:t>
+            </a:r>
+            <a:r>
+              <a:rPr lang="en-US" dirty="0" err="1" smtClean="0"/>
+              <a:t>HomeSense</a:t>
+            </a:r>
+            <a:r>
+              <a:rPr lang="en-US" dirty="0" smtClean="0"/>
+              <a:t> on Raspberry Pi</a:t>
+            </a:r>
+          </a:p>
+          <a:p>
+            <a:endParaRPr lang="en-US" dirty="0"/>
+          </a:p>
+          <a:p>
+            <a:r>
+              <a:rPr lang="en-US" dirty="0" err="1"/>
+              <a:t>IOSharp</a:t>
+            </a:r>
+            <a:r>
+              <a:rPr lang="en-US" dirty="0"/>
+              <a:t> requires one more transmission than NETMF</a:t>
+            </a:r>
+          </a:p>
+          <a:p>
+            <a:endParaRPr lang="en-US" dirty="0"/>
+          </a:p>
+        </p:txBody>
+      </p:sp>
+      <p:sp>
+        <p:nvSpPr>
+          <p:cNvPr id="4" name="Marcador de pie de página 3"/>
+          <p:cNvSpPr>
+            <a:spLocks noGrp="1"/>
+          </p:cNvSpPr>
+          <p:nvPr>
+            <p:ph type="ftr" sz="quarter" idx="11"/>
+          </p:nvPr>
+        </p:nvSpPr>
+        <p:spPr/>
+        <p:txBody>
+          <a:bodyPr/>
+          <a:lstStyle/>
+          <a:p>
+            <a:r>
+              <a:rPr lang="es-ES" dirty="0" err="1" smtClean="0"/>
+              <a:t>IOSharp</a:t>
+            </a:r>
+            <a:r>
+              <a:rPr lang="es-ES" dirty="0" smtClean="0"/>
+              <a:t>: .NET Micro Framework </a:t>
+            </a:r>
+            <a:r>
+              <a:rPr lang="es-ES" dirty="0" err="1" smtClean="0"/>
+              <a:t>on</a:t>
+            </a:r>
+            <a:r>
+              <a:rPr lang="es-ES" dirty="0" smtClean="0"/>
+              <a:t> Linux</a:t>
+            </a:r>
+            <a:endParaRPr lang="es-ES" dirty="0"/>
+          </a:p>
+        </p:txBody>
+      </p:sp>
+      <p:sp>
+        <p:nvSpPr>
+          <p:cNvPr id="5" name="Marcador de número de diapositiva 4"/>
+          <p:cNvSpPr>
+            <a:spLocks noGrp="1"/>
+          </p:cNvSpPr>
+          <p:nvPr>
+            <p:ph type="sldNum" sz="quarter" idx="12"/>
+          </p:nvPr>
+        </p:nvSpPr>
+        <p:spPr/>
+        <p:txBody>
+          <a:bodyPr/>
+          <a:lstStyle/>
+          <a:p>
+            <a:fld id="{8EE90C33-BF19-4C36-8633-00054130773A}" type="slidenum">
+              <a:rPr lang="es-ES" smtClean="0"/>
+              <a:t>13</a:t>
+            </a:fld>
+            <a:endParaRPr lang="es-ES"/>
+          </a:p>
+        </p:txBody>
+      </p:sp>
+    </p:spTree>
+    <p:extLst>
+      <p:ext uri="{BB962C8B-B14F-4D97-AF65-F5344CB8AC3E}">
+        <p14:creationId xmlns:p14="http://schemas.microsoft.com/office/powerpoint/2010/main" val="3360471616"/>
+      </p:ext>
+    </p:extLst>
+  </p:cSld>
+  <p:clrMapOvr>
+    <a:masterClrMapping/>
+  </p:clrMapOvr>
+  <p:timing>
+    <p:tnLst>
+      <p:par>
+        <p:cTn id="1" dur="indefinite" restart="never" nodeType="tmRoot"/>
+      </p:par>
+    </p:tnLst>
+  </p:timing>
+</p:sld>
+</file>
+
+<file path=ppt/slides/slide14.xml><?xml version="1.0" encoding="utf-8"?>
+<p:sld xmlns:a="http://schemas.openxmlformats.org/drawingml/2006/main" xmlns:r="http://schemas.openxmlformats.org/officeDocument/2006/relationships" xmlns:p="http://schemas.openxmlformats.org/presentationml/2006/main">
+  <p:cSld>
+    <p:spTree>
+      <p:nvGrpSpPr>
+        <p:cNvPr id="1" name=""/>
+        <p:cNvGrpSpPr/>
+        <p:nvPr/>
+      </p:nvGrpSpPr>
+      <p:grpSpPr>
+        <a:xfrm>
+          <a:off x="0" y="0"/>
+          <a:ext cx="0" cy="0"/>
+          <a:chOff x="0" y="0"/>
+          <a:chExt cx="0" cy="0"/>
+        </a:xfrm>
+      </p:grpSpPr>
+      <p:sp>
+        <p:nvSpPr>
+          <p:cNvPr id="2" name="Título 1"/>
+          <p:cNvSpPr>
+            <a:spLocks noGrp="1"/>
+          </p:cNvSpPr>
+          <p:nvPr>
+            <p:ph type="title"/>
+          </p:nvPr>
+        </p:nvSpPr>
         <p:spPr>
           <a:xfrm>
             <a:off x="1945201" y="624110"/>
@@ -9629,7 +9862,7 @@
           <a:p>
             <a:fld id="{8EE90C33-BF19-4C36-8633-00054130773A}" type="slidenum">
               <a:rPr lang="es-ES" smtClean="0"/>
-              <a:t>13</a:t>
+              <a:t>14</a:t>
             </a:fld>
             <a:endParaRPr lang="es-ES"/>
           </a:p>
@@ -9996,7 +10229,7 @@
 </p:sld>
 </file>
 
-<file path=ppt/slides/slide14.xml><?xml version="1.0" encoding="utf-8"?>
+<file path=ppt/slides/slide15.xml><?xml version="1.0" encoding="utf-8"?>
 <p:sld xmlns:a="http://schemas.openxmlformats.org/drawingml/2006/main" xmlns:r="http://schemas.openxmlformats.org/officeDocument/2006/relationships" xmlns:p="http://schemas.openxmlformats.org/presentationml/2006/main">
   <p:cSld>
     <p:spTree>
@@ -10078,7 +10311,7 @@
           <a:p>
             <a:r>
               <a:rPr lang="en-US" dirty="0" smtClean="0"/>
-              <a:t>Develop parts of the proprietary library for Linux</a:t>
+              <a:t>Develop parts of the proprietary library</a:t>
             </a:r>
           </a:p>
           <a:p>
@@ -10166,7 +10399,7 @@
           <a:p>
             <a:fld id="{8EE90C33-BF19-4C36-8633-00054130773A}" type="slidenum">
               <a:rPr lang="es-ES" smtClean="0"/>
-              <a:t>14</a:t>
+              <a:t>15</a:t>
             </a:fld>
             <a:endParaRPr lang="es-ES"/>
           </a:p>
@@ -10192,7 +10425,7 @@
 </p:sld>
 </file>
 
-<file path=ppt/slides/slide15.xml><?xml version="1.0" encoding="utf-8"?>
+<file path=ppt/slides/slide16.xml><?xml version="1.0" encoding="utf-8"?>
 <p:sld xmlns:a="http://schemas.openxmlformats.org/drawingml/2006/main" xmlns:r="http://schemas.openxmlformats.org/officeDocument/2006/relationships" xmlns:p="http://schemas.openxmlformats.org/presentationml/2006/main">
   <p:cSld>
     <p:spTree>
@@ -10300,7 +10533,7 @@
           <a:p>
             <a:fld id="{8EE90C33-BF19-4C36-8633-00054130773A}" type="slidenum">
               <a:rPr lang="es-ES" smtClean="0"/>
-              <a:t>15</a:t>
+              <a:t>16</a:t>
             </a:fld>
             <a:endParaRPr lang="es-ES"/>
           </a:p>
@@ -11105,7 +11338,7 @@
 </p:sld>
 </file>
 
-<file path=ppt/slides/slide16.xml><?xml version="1.0" encoding="utf-8"?>
+<file path=ppt/slides/slide17.xml><?xml version="1.0" encoding="utf-8"?>
 <p:sld xmlns:a="http://schemas.openxmlformats.org/drawingml/2006/main" xmlns:r="http://schemas.openxmlformats.org/officeDocument/2006/relationships" xmlns:p="http://schemas.openxmlformats.org/presentationml/2006/main">
   <p:cSld>
     <p:spTree>
@@ -11213,7 +11446,7 @@
           <a:p>
             <a:fld id="{8EE90C33-BF19-4C36-8633-00054130773A}" type="slidenum">
               <a:rPr lang="es-ES" smtClean="0"/>
-              <a:t>16</a:t>
+              <a:t>17</a:t>
             </a:fld>
             <a:endParaRPr lang="es-ES"/>
           </a:p>
@@ -12218,7 +12451,7 @@
 </p:sld>
 </file>
 
-<file path=ppt/slides/slide17.xml><?xml version="1.0" encoding="utf-8"?>
+<file path=ppt/slides/slide18.xml><?xml version="1.0" encoding="utf-8"?>
 <p:sld xmlns:a="http://schemas.openxmlformats.org/drawingml/2006/main" xmlns:r="http://schemas.openxmlformats.org/officeDocument/2006/relationships" xmlns:p="http://schemas.openxmlformats.org/presentationml/2006/main">
   <p:cSld>
     <p:spTree>
@@ -12373,7 +12606,7 @@
           <a:p>
             <a:fld id="{8EE90C33-BF19-4C36-8633-00054130773A}" type="slidenum">
               <a:rPr lang="es-ES" smtClean="0"/>
-              <a:t>17</a:t>
+              <a:t>18</a:t>
             </a:fld>
             <a:endParaRPr lang="es-ES"/>
           </a:p>
@@ -12683,8 +12916,8 @@
 </p:sld>
 </file>
 
-<file path=ppt/slides/slide18.xml><?xml version="1.0" encoding="utf-8"?>
-<p:sld xmlns:a="http://schemas.openxmlformats.org/drawingml/2006/main" xmlns:r="http://schemas.openxmlformats.org/officeDocument/2006/relationships" xmlns:p="http://schemas.openxmlformats.org/presentationml/2006/main">
+<file path=ppt/slides/slide19.xml><?xml version="1.0" encoding="utf-8"?>
+<p:sld xmlns:a="http://schemas.openxmlformats.org/drawingml/2006/main" xmlns:r="http://schemas.openxmlformats.org/officeDocument/2006/relationships" xmlns:p="http://schemas.openxmlformats.org/presentationml/2006/main" show="0">
   <p:cSld>
     <p:spTree>
       <p:nvGrpSpPr>
@@ -12841,7 +13074,7 @@
           <a:p>
             <a:fld id="{8EE90C33-BF19-4C36-8633-00054130773A}" type="slidenum">
               <a:rPr lang="es-ES" smtClean="0"/>
-              <a:t>18</a:t>
+              <a:t>19</a:t>
             </a:fld>
             <a:endParaRPr lang="es-ES"/>
           </a:p>
@@ -12857,220 +13090,14 @@
   <p:clrMapOvr>
     <a:masterClrMapping/>
   </p:clrMapOvr>
-  <p:timing>
-    <p:tnLst>
-      <p:par>
-        <p:cTn id="1" dur="indefinite" restart="never" nodeType="tmRoot"/>
-      </p:par>
-    </p:tnLst>
-  </p:timing>
-</p:sld>
-</file>
-
-<file path=ppt/slides/slide19.xml><?xml version="1.0" encoding="utf-8"?>
-<p:sld xmlns:a="http://schemas.openxmlformats.org/drawingml/2006/main" xmlns:r="http://schemas.openxmlformats.org/officeDocument/2006/relationships" xmlns:p="http://schemas.openxmlformats.org/presentationml/2006/main">
-  <p:cSld>
-    <p:spTree>
-      <p:nvGrpSpPr>
-        <p:cNvPr id="1" name=""/>
-        <p:cNvGrpSpPr/>
-        <p:nvPr/>
-      </p:nvGrpSpPr>
-      <p:grpSpPr>
-        <a:xfrm>
-          <a:off x="0" y="0"/>
-          <a:ext cx="0" cy="0"/>
-          <a:chOff x="0" y="0"/>
-          <a:chExt cx="0" cy="0"/>
-        </a:xfrm>
-      </p:grpSpPr>
-      <p:sp>
-        <p:nvSpPr>
-          <p:cNvPr id="2" name="Título 1"/>
-          <p:cNvSpPr>
-            <a:spLocks noGrp="1"/>
-          </p:cNvSpPr>
-          <p:nvPr>
-            <p:ph type="title"/>
-          </p:nvPr>
-        </p:nvSpPr>
-        <p:spPr>
-          <a:xfrm>
-            <a:off x="1945201" y="624110"/>
-            <a:ext cx="6589199" cy="919069"/>
-          </a:xfrm>
-        </p:spPr>
-        <p:txBody>
-          <a:bodyPr/>
-          <a:lstStyle/>
-          <a:p>
-            <a:r>
-              <a:rPr lang="es-ES" dirty="0" smtClean="0"/>
-              <a:t>4.  Performance Test</a:t>
-            </a:r>
-            <a:endParaRPr lang="en-US" dirty="0"/>
-          </a:p>
-        </p:txBody>
-      </p:sp>
-      <p:sp>
-        <p:nvSpPr>
-          <p:cNvPr id="3" name="Marcador de contenido 2"/>
-          <p:cNvSpPr>
-            <a:spLocks noGrp="1"/>
-          </p:cNvSpPr>
-          <p:nvPr>
-            <p:ph idx="1"/>
-          </p:nvPr>
-        </p:nvSpPr>
-        <p:spPr>
-          <a:xfrm>
-            <a:off x="1942415" y="1700808"/>
-            <a:ext cx="6591985" cy="3777622"/>
-          </a:xfrm>
-        </p:spPr>
-        <p:txBody>
-          <a:bodyPr/>
-          <a:lstStyle/>
-          <a:p>
-            <a:r>
-              <a:rPr lang="en-US" dirty="0" smtClean="0"/>
-              <a:t>Evaluate the increased performance using </a:t>
-            </a:r>
-            <a:r>
-              <a:rPr lang="en-US" dirty="0" err="1" smtClean="0"/>
-              <a:t>AlterNative</a:t>
-            </a:r>
-            <a:endParaRPr lang="en-US" dirty="0"/>
-          </a:p>
-        </p:txBody>
-      </p:sp>
-      <p:sp>
-        <p:nvSpPr>
-          <p:cNvPr id="4" name="Marcador de pie de página 3"/>
-          <p:cNvSpPr>
-            <a:spLocks noGrp="1"/>
-          </p:cNvSpPr>
-          <p:nvPr>
-            <p:ph type="ftr" sz="quarter" idx="11"/>
-          </p:nvPr>
-        </p:nvSpPr>
-        <p:spPr/>
-        <p:txBody>
-          <a:bodyPr/>
-          <a:lstStyle/>
-          <a:p>
-            <a:r>
-              <a:rPr lang="es-ES" dirty="0" err="1" smtClean="0"/>
-              <a:t>IOSharp</a:t>
-            </a:r>
-            <a:r>
-              <a:rPr lang="es-ES" dirty="0" smtClean="0"/>
-              <a:t>: .NET Micro Framework </a:t>
-            </a:r>
-            <a:r>
-              <a:rPr lang="es-ES" dirty="0" err="1" smtClean="0"/>
-              <a:t>on</a:t>
-            </a:r>
-            <a:r>
-              <a:rPr lang="es-ES" dirty="0" smtClean="0"/>
-              <a:t> Linux</a:t>
-            </a:r>
-            <a:endParaRPr lang="es-ES" dirty="0"/>
-          </a:p>
-        </p:txBody>
-      </p:sp>
-      <p:sp>
-        <p:nvSpPr>
-          <p:cNvPr id="5" name="Marcador de número de diapositiva 4"/>
-          <p:cNvSpPr>
-            <a:spLocks noGrp="1"/>
-          </p:cNvSpPr>
-          <p:nvPr>
-            <p:ph type="sldNum" sz="quarter" idx="12"/>
-          </p:nvPr>
-        </p:nvSpPr>
-        <p:spPr/>
-        <p:txBody>
-          <a:bodyPr/>
-          <a:lstStyle/>
-          <a:p>
-            <a:fld id="{8EE90C33-BF19-4C36-8633-00054130773A}" type="slidenum">
-              <a:rPr lang="es-ES" smtClean="0"/>
-              <a:t>19</a:t>
-            </a:fld>
-            <a:endParaRPr lang="es-ES"/>
-          </a:p>
-        </p:txBody>
-      </p:sp>
-      <p:pic>
-        <p:nvPicPr>
-          <p:cNvPr id="11" name="Imagen 10"/>
-          <p:cNvPicPr>
-            <a:picLocks noChangeAspect="1"/>
-          </p:cNvPicPr>
-          <p:nvPr/>
-        </p:nvPicPr>
-        <p:blipFill>
-          <a:blip r:embed="rId2"/>
-          <a:stretch>
-            <a:fillRect/>
-          </a:stretch>
-        </p:blipFill>
-        <p:spPr>
-          <a:xfrm>
-            <a:off x="2195736" y="2286036"/>
-            <a:ext cx="4249280" cy="3359187"/>
-          </a:xfrm>
-          <a:prstGeom prst="rect">
-            <a:avLst/>
-          </a:prstGeom>
-        </p:spPr>
-      </p:pic>
-      <p:sp>
-        <p:nvSpPr>
-          <p:cNvPr id="8" name="CuadroTexto 7"/>
-          <p:cNvSpPr txBox="1"/>
-          <p:nvPr/>
-        </p:nvSpPr>
-        <p:spPr>
-          <a:xfrm>
-            <a:off x="6454572" y="3488575"/>
-            <a:ext cx="2333150" cy="954107"/>
-          </a:xfrm>
-          <a:prstGeom prst="rect">
-            <a:avLst/>
-          </a:prstGeom>
-          <a:noFill/>
-        </p:spPr>
-        <p:txBody>
-          <a:bodyPr wrap="square" rtlCol="0">
-            <a:spAutoFit/>
-          </a:bodyPr>
-          <a:lstStyle/>
-          <a:p>
-            <a:pPr algn="just"/>
-            <a:r>
-              <a:rPr lang="en-US" sz="1400" b="1" dirty="0" smtClean="0"/>
-              <a:t>Fig. 9: </a:t>
-            </a:r>
-            <a:r>
-              <a:rPr lang="en-US" sz="1400" dirty="0" smtClean="0"/>
-              <a:t>Graph showing the speedup of the C++ version in front of the Mono one. 62% of gain.</a:t>
-            </a:r>
-            <a:endParaRPr lang="en-US" sz="1400" dirty="0"/>
-          </a:p>
-        </p:txBody>
-      </p:sp>
-    </p:spTree>
-    <p:extLst>
-      <p:ext uri="{BB962C8B-B14F-4D97-AF65-F5344CB8AC3E}">
-        <p14:creationId xmlns:p14="http://schemas.microsoft.com/office/powerpoint/2010/main" val="204124017"/>
-      </p:ext>
-    </p:extLst>
-  </p:cSld>
-  <p:clrMapOvr>
-    <a:masterClrMapping/>
-  </p:clrMapOvr>
+  <mc:AlternateContent xmlns:mc="http://schemas.openxmlformats.org/markup-compatibility/2006" xmlns:p14="http://schemas.microsoft.com/office/powerpoint/2010/main">
+    <mc:Choice Requires="p14">
+      <p:transition spd="slow" p14:dur="2000"/>
+    </mc:Choice>
+    <mc:Fallback xmlns="">
+      <p:transition spd="slow"/>
+    </mc:Fallback>
+  </mc:AlternateContent>
   <p:timing>
     <p:tnLst>
       <p:par>
@@ -13140,32 +13167,33 @@
         </p:nvSpPr>
         <p:spPr>
           <a:xfrm>
-            <a:off x="1942415" y="1340768"/>
-            <a:ext cx="6591985" cy="4824536"/>
+            <a:off x="1958872" y="2370136"/>
+            <a:ext cx="5941953" cy="2808312"/>
           </a:xfrm>
         </p:spPr>
         <p:txBody>
           <a:bodyPr>
-            <a:normAutofit fontScale="77500" lnSpcReduction="20000"/>
+            <a:normAutofit/>
           </a:bodyPr>
           <a:lstStyle/>
           <a:p>
             <a:r>
               <a:rPr lang="en-US" noProof="1" smtClean="0"/>
-              <a:t>1.  Introduction							3</a:t>
-            </a:r>
-          </a:p>
-          <a:p>
-            <a:pPr lvl="1"/>
+              <a:t>1.  Introduction							</a:t>
+            </a:r>
+            <a:r>
+              <a:rPr lang="en-US" noProof="1" smtClean="0"/>
+              <a:t>3</a:t>
+            </a:r>
+          </a:p>
+          <a:p>
             <a:r>
               <a:rPr lang="en-US" dirty="0" smtClean="0"/>
-              <a:t>1.1.  .NET Micro Framework					5</a:t>
-            </a:r>
-          </a:p>
-          <a:p>
+              <a:t>2</a:t>
+            </a:r>
             <a:r>
               <a:rPr lang="en-US" dirty="0" smtClean="0"/>
-              <a:t>2.  </a:t>
+              <a:t>.  </a:t>
             </a:r>
             <a:r>
               <a:rPr lang="en-US" dirty="0" err="1" smtClean="0"/>
@@ -13173,48 +13201,21 @@
             </a:r>
             <a:r>
               <a:rPr lang="en-US" dirty="0" smtClean="0"/>
-              <a:t>								6</a:t>
-            </a:r>
-          </a:p>
-          <a:p>
-            <a:pPr lvl="1"/>
+              <a:t>								</a:t>
+            </a:r>
             <a:r>
               <a:rPr lang="en-US" dirty="0" smtClean="0"/>
-              <a:t>2.1.  GPIO							8</a:t>
-            </a:r>
-          </a:p>
-          <a:p>
-            <a:pPr lvl="1"/>
+              <a:t>6</a:t>
+            </a:r>
+          </a:p>
+          <a:p>
             <a:r>
               <a:rPr lang="en-US" dirty="0" smtClean="0"/>
-              <a:t>2.2.  Interrupts							9</a:t>
-            </a:r>
-          </a:p>
-          <a:p>
-            <a:pPr lvl="1"/>
+              <a:t>3</a:t>
+            </a:r>
             <a:r>
               <a:rPr lang="en-US" dirty="0" smtClean="0"/>
-              <a:t>2.3.  SPI								10</a:t>
-            </a:r>
-          </a:p>
-          <a:p>
-            <a:pPr lvl="1"/>
-            <a:r>
-              <a:rPr lang="en-US" dirty="0" smtClean="0"/>
-              <a:t>2.4.  UART							11</a:t>
-            </a:r>
-          </a:p>
-          <a:p>
-            <a:pPr lvl="1"/>
-            <a:r>
-              <a:rPr lang="en-US" dirty="0" smtClean="0"/>
-              <a:t>2.5.  Example							12</a:t>
-            </a:r>
-          </a:p>
-          <a:p>
-            <a:r>
-              <a:rPr lang="en-US" dirty="0" smtClean="0"/>
-              <a:t>3.  </a:t>
+              <a:t>.  </a:t>
             </a:r>
             <a:r>
               <a:rPr lang="en-US" dirty="0" err="1" smtClean="0"/>
@@ -13226,68 +13227,35 @@
             </a:r>
           </a:p>
           <a:p>
-            <a:pPr lvl="1"/>
             <a:r>
               <a:rPr lang="en-US" dirty="0" smtClean="0"/>
-              <a:t>3.1.  Contributions						14</a:t>
-            </a:r>
-          </a:p>
-          <a:p>
-            <a:pPr lvl="1"/>
+              <a:t>4</a:t>
+            </a:r>
             <a:r>
               <a:rPr lang="en-US" dirty="0" smtClean="0"/>
-              <a:t>3.1.  Translation process					15</a:t>
-            </a:r>
-          </a:p>
-          <a:p>
-            <a:pPr lvl="1"/>
+              <a:t>.  Performance Test						19</a:t>
+            </a:r>
+          </a:p>
+          <a:p>
             <a:r>
               <a:rPr lang="en-US" dirty="0" smtClean="0"/>
-              <a:t>3.2.  </a:t>
-            </a:r>
-            <a:r>
-              <a:rPr lang="en-US" dirty="0" err="1" smtClean="0"/>
-              <a:t>IOSharp</a:t>
+              <a:t>5</a:t>
             </a:r>
             <a:r>
               <a:rPr lang="en-US" dirty="0" smtClean="0"/>
-              <a:t> C++						17</a:t>
-            </a:r>
-          </a:p>
-          <a:p>
-            <a:pPr lvl="1"/>
+              <a:t>.  Conclusions							21</a:t>
+            </a:r>
+            <a:endParaRPr lang="en-US" dirty="0"/>
+          </a:p>
+          <a:p>
             <a:r>
               <a:rPr lang="en-US" dirty="0" smtClean="0"/>
-              <a:t>3.3.  Example							18</a:t>
-            </a:r>
-          </a:p>
-          <a:p>
+              <a:t>6.  Questions &amp; Answers					</a:t>
+            </a:r>
             <a:r>
               <a:rPr lang="en-US" dirty="0" smtClean="0"/>
-              <a:t>4.  Performance Test						19</a:t>
-            </a:r>
-          </a:p>
-          <a:p>
-            <a:pPr lvl="1"/>
-            <a:r>
-              <a:rPr lang="en-US" dirty="0" smtClean="0"/>
-              <a:t>4.1.  Example							20</a:t>
-            </a:r>
-          </a:p>
-          <a:p>
-            <a:r>
-              <a:rPr lang="en-US" dirty="0" smtClean="0"/>
-              <a:t>5.  Conclusions							21</a:t>
-            </a:r>
-            <a:endParaRPr lang="en-US" dirty="0"/>
-          </a:p>
-          <a:p>
-            <a:r>
-              <a:rPr lang="en-US" dirty="0" smtClean="0"/>
-              <a:t>6.  Questions &amp; Answers					23</a:t>
-            </a:r>
-          </a:p>
-          <a:p>
+              <a:t>23</a:t>
+            </a:r>
             <a:endParaRPr lang="es-ES" dirty="0" smtClean="0"/>
           </a:p>
           <a:p>
@@ -13404,32 +13372,37 @@
             <p:ph type="title"/>
           </p:nvPr>
         </p:nvSpPr>
-        <p:spPr/>
-        <p:txBody>
-          <a:bodyPr/>
-          <a:lstStyle/>
-          <a:p>
-            <a:r>
-              <a:rPr lang="en-US" dirty="0" smtClean="0"/>
-              <a:t>4.1.  Example</a:t>
-            </a:r>
-            <a:endParaRPr lang="en-US" dirty="0"/>
-          </a:p>
-        </p:txBody>
-      </p:sp>
-      <p:sp>
-        <p:nvSpPr>
-          <p:cNvPr id="3" name="Marcador de contenido 2"/>
-          <p:cNvSpPr>
-            <a:spLocks noGrp="1"/>
-          </p:cNvSpPr>
-          <p:nvPr>
-            <p:ph idx="1"/>
-          </p:nvPr>
-        </p:nvSpPr>
         <p:spPr>
           <a:xfrm>
-            <a:off x="1960040" y="2125113"/>
+            <a:off x="1945201" y="624110"/>
+            <a:ext cx="6589199" cy="919069"/>
+          </a:xfrm>
+        </p:spPr>
+        <p:txBody>
+          <a:bodyPr/>
+          <a:lstStyle/>
+          <a:p>
+            <a:r>
+              <a:rPr lang="es-ES" dirty="0" smtClean="0"/>
+              <a:t>4.  Performance Test</a:t>
+            </a:r>
+            <a:endParaRPr lang="en-US" dirty="0"/>
+          </a:p>
+        </p:txBody>
+      </p:sp>
+      <p:sp>
+        <p:nvSpPr>
+          <p:cNvPr id="3" name="Marcador de contenido 2"/>
+          <p:cNvSpPr>
+            <a:spLocks noGrp="1"/>
+          </p:cNvSpPr>
+          <p:nvPr>
+            <p:ph idx="1"/>
+          </p:nvPr>
+        </p:nvSpPr>
+        <p:spPr>
+          <a:xfrm>
+            <a:off x="1942415" y="1700808"/>
             <a:ext cx="6591985" cy="3777622"/>
           </a:xfrm>
         </p:spPr>
@@ -13437,12 +13410,13 @@
           <a:bodyPr/>
           <a:lstStyle/>
           <a:p>
-            <a:endParaRPr lang="en-US" dirty="0" smtClean="0"/>
-          </a:p>
-          <a:p>
             <a:r>
               <a:rPr lang="en-US" dirty="0" smtClean="0"/>
-              <a:t>Performance test using the10K GPIO iterations</a:t>
+              <a:t>Evaluate the increased performance using </a:t>
+            </a:r>
+            <a:r>
+              <a:rPr lang="en-US" dirty="0" err="1" smtClean="0"/>
+              <a:t>AlterNative</a:t>
             </a:r>
             <a:endParaRPr lang="en-US" dirty="0"/>
           </a:p>
@@ -13508,7 +13482,7 @@
       </p:sp>
       <p:pic>
         <p:nvPicPr>
-          <p:cNvPr id="6" name="Imagen 5"/>
+          <p:cNvPr id="11" name="Imagen 10"/>
           <p:cNvPicPr>
             <a:picLocks noChangeAspect="1"/>
           </p:cNvPicPr>
@@ -13522,8 +13496,8 @@
         </p:blipFill>
         <p:spPr>
           <a:xfrm>
-            <a:off x="1458082" y="3774177"/>
-            <a:ext cx="7418578" cy="1820781"/>
+            <a:off x="2195736" y="2286036"/>
+            <a:ext cx="4249280" cy="3359187"/>
           </a:xfrm>
           <a:prstGeom prst="rect">
             <a:avLst/>
@@ -13532,14 +13506,14 @@
       </p:pic>
       <p:sp>
         <p:nvSpPr>
-          <p:cNvPr id="7" name="CuadroTexto 6"/>
+          <p:cNvPr id="8" name="CuadroTexto 7"/>
           <p:cNvSpPr txBox="1"/>
           <p:nvPr/>
         </p:nvSpPr>
         <p:spPr>
           <a:xfrm>
-            <a:off x="1499765" y="5682922"/>
-            <a:ext cx="7512533" cy="307777"/>
+            <a:off x="6454572" y="3488575"/>
+            <a:ext cx="2333150" cy="954107"/>
           </a:xfrm>
           <a:prstGeom prst="rect">
             <a:avLst/>
@@ -13552,13 +13526,14 @@
           </a:bodyPr>
           <a:lstStyle/>
           <a:p>
+            <a:pPr algn="just"/>
             <a:r>
               <a:rPr lang="en-US" sz="1400" b="1" dirty="0" smtClean="0"/>
-              <a:t>Fig. 10: </a:t>
+              <a:t>Fig. 9: </a:t>
             </a:r>
             <a:r>
               <a:rPr lang="en-US" sz="1400" dirty="0" smtClean="0"/>
-              <a:t>Time comparison between Mono and C++ in 10K iterations of an Output Port</a:t>
+              <a:t>Graph showing the speedup of the C++ version in front of the Mono one. 62% of gain.</a:t>
             </a:r>
             <a:endParaRPr lang="en-US" sz="1400" dirty="0"/>
           </a:p>
@@ -13567,7 +13542,7 @@
     </p:spTree>
     <p:extLst>
       <p:ext uri="{BB962C8B-B14F-4D97-AF65-F5344CB8AC3E}">
-        <p14:creationId xmlns:p14="http://schemas.microsoft.com/office/powerpoint/2010/main" val="4154510114"/>
+        <p14:creationId xmlns:p14="http://schemas.microsoft.com/office/powerpoint/2010/main" val="204124017"/>
       </p:ext>
     </p:extLst>
   </p:cSld>
@@ -13618,7 +13593,7 @@
           <a:p>
             <a:r>
               <a:rPr lang="en-US" dirty="0" smtClean="0"/>
-              <a:t>5.  Conclusions</a:t>
+              <a:t>4.1.  Example</a:t>
             </a:r>
             <a:endParaRPr lang="en-US" dirty="0"/>
           </a:p>
@@ -13634,64 +13609,22 @@
             <p:ph idx="1"/>
           </p:nvPr>
         </p:nvSpPr>
-        <p:spPr/>
+        <p:spPr>
+          <a:xfrm>
+            <a:off x="1960040" y="2125113"/>
+            <a:ext cx="6591985" cy="3777622"/>
+          </a:xfrm>
+        </p:spPr>
         <p:txBody>
           <a:bodyPr/>
           <a:lstStyle/>
           <a:p>
-            <a:r>
-              <a:rPr lang="en-US" dirty="0" err="1" smtClean="0"/>
-              <a:t>IOSharp</a:t>
-            </a:r>
+            <a:endParaRPr lang="en-US" dirty="0" smtClean="0"/>
+          </a:p>
+          <a:p>
             <a:r>
               <a:rPr lang="en-US" dirty="0" smtClean="0"/>
-              <a:t> implementation supports</a:t>
-            </a:r>
-          </a:p>
-          <a:p>
-            <a:pPr lvl="1"/>
-            <a:r>
-              <a:rPr lang="en-US" dirty="0" smtClean="0"/>
-              <a:t>GPIO with Interrupts</a:t>
-            </a:r>
-          </a:p>
-          <a:p>
-            <a:pPr lvl="1"/>
-            <a:r>
-              <a:rPr lang="en-US" dirty="0" smtClean="0"/>
-              <a:t>SPI</a:t>
-            </a:r>
-          </a:p>
-          <a:p>
-            <a:pPr lvl="1"/>
-            <a:r>
-              <a:rPr lang="en-US" dirty="0" smtClean="0"/>
-              <a:t>UART</a:t>
-            </a:r>
-          </a:p>
-          <a:p>
-            <a:pPr lvl="1"/>
-            <a:endParaRPr lang="en-US" dirty="0" smtClean="0"/>
-          </a:p>
-          <a:p>
-            <a:pPr lvl="1"/>
-            <a:endParaRPr lang="en-US" dirty="0"/>
-          </a:p>
-          <a:p>
-            <a:r>
-              <a:rPr lang="en-US" dirty="0" err="1" smtClean="0"/>
-              <a:t>AlterNative</a:t>
-            </a:r>
-            <a:r>
-              <a:rPr lang="en-US" dirty="0" smtClean="0"/>
-              <a:t> part shows</a:t>
-            </a:r>
-          </a:p>
-          <a:p>
-            <a:pPr lvl="1"/>
-            <a:r>
-              <a:rPr lang="en-US" dirty="0" smtClean="0"/>
-              <a:t>Performance improvement</a:t>
+              <a:t>Performance test using the10K GPIO iterations</a:t>
             </a:r>
             <a:endParaRPr lang="en-US" dirty="0"/>
           </a:p>
@@ -13755,10 +13688,68 @@
           </a:p>
         </p:txBody>
       </p:sp>
+      <p:pic>
+        <p:nvPicPr>
+          <p:cNvPr id="6" name="Imagen 5"/>
+          <p:cNvPicPr>
+            <a:picLocks noChangeAspect="1"/>
+          </p:cNvPicPr>
+          <p:nvPr/>
+        </p:nvPicPr>
+        <p:blipFill>
+          <a:blip r:embed="rId2"/>
+          <a:stretch>
+            <a:fillRect/>
+          </a:stretch>
+        </p:blipFill>
+        <p:spPr>
+          <a:xfrm>
+            <a:off x="1458082" y="3774177"/>
+            <a:ext cx="7418578" cy="1820781"/>
+          </a:xfrm>
+          <a:prstGeom prst="rect">
+            <a:avLst/>
+          </a:prstGeom>
+        </p:spPr>
+      </p:pic>
+      <p:sp>
+        <p:nvSpPr>
+          <p:cNvPr id="7" name="CuadroTexto 6"/>
+          <p:cNvSpPr txBox="1"/>
+          <p:nvPr/>
+        </p:nvSpPr>
+        <p:spPr>
+          <a:xfrm>
+            <a:off x="1499765" y="5682922"/>
+            <a:ext cx="7512533" cy="307777"/>
+          </a:xfrm>
+          <a:prstGeom prst="rect">
+            <a:avLst/>
+          </a:prstGeom>
+          <a:noFill/>
+        </p:spPr>
+        <p:txBody>
+          <a:bodyPr wrap="square" rtlCol="0">
+            <a:spAutoFit/>
+          </a:bodyPr>
+          <a:lstStyle/>
+          <a:p>
+            <a:r>
+              <a:rPr lang="en-US" sz="1400" b="1" dirty="0" smtClean="0"/>
+              <a:t>Fig. 10: </a:t>
+            </a:r>
+            <a:r>
+              <a:rPr lang="en-US" sz="1400" dirty="0" smtClean="0"/>
+              <a:t>Time comparison between Mono and C++ in 10K iterations of an Output Port</a:t>
+            </a:r>
+            <a:endParaRPr lang="en-US" sz="1400" dirty="0"/>
+          </a:p>
+        </p:txBody>
+      </p:sp>
     </p:spTree>
     <p:extLst>
       <p:ext uri="{BB962C8B-B14F-4D97-AF65-F5344CB8AC3E}">
-        <p14:creationId xmlns:p14="http://schemas.microsoft.com/office/powerpoint/2010/main" val="3976270818"/>
+        <p14:creationId xmlns:p14="http://schemas.microsoft.com/office/powerpoint/2010/main" val="4154510114"/>
       </p:ext>
     </p:extLst>
   </p:cSld>
@@ -13809,6 +13800,197 @@
           <a:p>
             <a:r>
               <a:rPr lang="en-US" dirty="0" smtClean="0"/>
+              <a:t>5.  Conclusions</a:t>
+            </a:r>
+            <a:endParaRPr lang="en-US" dirty="0"/>
+          </a:p>
+        </p:txBody>
+      </p:sp>
+      <p:sp>
+        <p:nvSpPr>
+          <p:cNvPr id="3" name="Marcador de contenido 2"/>
+          <p:cNvSpPr>
+            <a:spLocks noGrp="1"/>
+          </p:cNvSpPr>
+          <p:nvPr>
+            <p:ph idx="1"/>
+          </p:nvPr>
+        </p:nvSpPr>
+        <p:spPr/>
+        <p:txBody>
+          <a:bodyPr/>
+          <a:lstStyle/>
+          <a:p>
+            <a:r>
+              <a:rPr lang="en-US" dirty="0" err="1" smtClean="0"/>
+              <a:t>IOSharp</a:t>
+            </a:r>
+            <a:r>
+              <a:rPr lang="en-US" dirty="0" smtClean="0"/>
+              <a:t> implementation supports</a:t>
+            </a:r>
+          </a:p>
+          <a:p>
+            <a:pPr lvl="1"/>
+            <a:r>
+              <a:rPr lang="en-US" dirty="0" smtClean="0"/>
+              <a:t>GPIO with Interrupts</a:t>
+            </a:r>
+          </a:p>
+          <a:p>
+            <a:pPr lvl="1"/>
+            <a:r>
+              <a:rPr lang="en-US" dirty="0" smtClean="0"/>
+              <a:t>SPI</a:t>
+            </a:r>
+          </a:p>
+          <a:p>
+            <a:pPr lvl="1"/>
+            <a:r>
+              <a:rPr lang="en-US" dirty="0" smtClean="0"/>
+              <a:t>UART</a:t>
+            </a:r>
+          </a:p>
+          <a:p>
+            <a:pPr lvl="1"/>
+            <a:endParaRPr lang="en-US" dirty="0" smtClean="0"/>
+          </a:p>
+          <a:p>
+            <a:pPr lvl="1"/>
+            <a:endParaRPr lang="en-US" dirty="0"/>
+          </a:p>
+          <a:p>
+            <a:r>
+              <a:rPr lang="en-US" dirty="0" err="1" smtClean="0"/>
+              <a:t>AlterNative</a:t>
+            </a:r>
+            <a:r>
+              <a:rPr lang="en-US" dirty="0" smtClean="0"/>
+              <a:t> part shows</a:t>
+            </a:r>
+          </a:p>
+          <a:p>
+            <a:pPr lvl="1"/>
+            <a:r>
+              <a:rPr lang="en-US" dirty="0" smtClean="0"/>
+              <a:t>Performance improvement</a:t>
+            </a:r>
+            <a:endParaRPr lang="en-US" dirty="0"/>
+          </a:p>
+        </p:txBody>
+      </p:sp>
+      <p:sp>
+        <p:nvSpPr>
+          <p:cNvPr id="4" name="Marcador de pie de página 3"/>
+          <p:cNvSpPr>
+            <a:spLocks noGrp="1"/>
+          </p:cNvSpPr>
+          <p:nvPr>
+            <p:ph type="ftr" sz="quarter" idx="11"/>
+          </p:nvPr>
+        </p:nvSpPr>
+        <p:spPr/>
+        <p:txBody>
+          <a:bodyPr/>
+          <a:lstStyle/>
+          <a:p>
+            <a:r>
+              <a:rPr lang="es-ES" dirty="0" err="1" smtClean="0"/>
+              <a:t>IOSharp</a:t>
+            </a:r>
+            <a:r>
+              <a:rPr lang="es-ES" dirty="0" smtClean="0"/>
+              <a:t>: .NET Micro Framework </a:t>
+            </a:r>
+            <a:r>
+              <a:rPr lang="es-ES" dirty="0" err="1" smtClean="0"/>
+              <a:t>on</a:t>
+            </a:r>
+            <a:r>
+              <a:rPr lang="es-ES" dirty="0" smtClean="0"/>
+              <a:t> Linux</a:t>
+            </a:r>
+            <a:endParaRPr lang="es-ES" dirty="0"/>
+          </a:p>
+        </p:txBody>
+      </p:sp>
+      <p:sp>
+        <p:nvSpPr>
+          <p:cNvPr id="5" name="Marcador de número de diapositiva 4"/>
+          <p:cNvSpPr>
+            <a:spLocks noGrp="1"/>
+          </p:cNvSpPr>
+          <p:nvPr>
+            <p:ph type="sldNum" sz="quarter" idx="12"/>
+          </p:nvPr>
+        </p:nvSpPr>
+        <p:spPr/>
+        <p:txBody>
+          <a:bodyPr/>
+          <a:lstStyle/>
+          <a:p>
+            <a:fld id="{8EE90C33-BF19-4C36-8633-00054130773A}" type="slidenum">
+              <a:rPr lang="es-ES" smtClean="0"/>
+              <a:t>22</a:t>
+            </a:fld>
+            <a:endParaRPr lang="es-ES"/>
+          </a:p>
+        </p:txBody>
+      </p:sp>
+    </p:spTree>
+    <p:extLst>
+      <p:ext uri="{BB962C8B-B14F-4D97-AF65-F5344CB8AC3E}">
+        <p14:creationId xmlns:p14="http://schemas.microsoft.com/office/powerpoint/2010/main" val="3976270818"/>
+      </p:ext>
+    </p:extLst>
+  </p:cSld>
+  <p:clrMapOvr>
+    <a:masterClrMapping/>
+  </p:clrMapOvr>
+  <p:timing>
+    <p:tnLst>
+      <p:par>
+        <p:cTn id="1" dur="indefinite" restart="never" nodeType="tmRoot"/>
+      </p:par>
+    </p:tnLst>
+  </p:timing>
+</p:sld>
+</file>
+
+<file path=ppt/slides/slide23.xml><?xml version="1.0" encoding="utf-8"?>
+<p:sld xmlns:a="http://schemas.openxmlformats.org/drawingml/2006/main" xmlns:r="http://schemas.openxmlformats.org/officeDocument/2006/relationships" xmlns:p="http://schemas.openxmlformats.org/presentationml/2006/main">
+  <p:cSld>
+    <p:spTree>
+      <p:nvGrpSpPr>
+        <p:cNvPr id="1" name=""/>
+        <p:cNvGrpSpPr/>
+        <p:nvPr/>
+      </p:nvGrpSpPr>
+      <p:grpSpPr>
+        <a:xfrm>
+          <a:off x="0" y="0"/>
+          <a:ext cx="0" cy="0"/>
+          <a:chOff x="0" y="0"/>
+          <a:chExt cx="0" cy="0"/>
+        </a:xfrm>
+      </p:grpSpPr>
+      <p:sp>
+        <p:nvSpPr>
+          <p:cNvPr id="2" name="Título 1"/>
+          <p:cNvSpPr>
+            <a:spLocks noGrp="1"/>
+          </p:cNvSpPr>
+          <p:nvPr>
+            <p:ph type="title"/>
+          </p:nvPr>
+        </p:nvSpPr>
+        <p:spPr/>
+        <p:txBody>
+          <a:bodyPr/>
+          <a:lstStyle/>
+          <a:p>
+            <a:r>
+              <a:rPr lang="en-US" dirty="0" smtClean="0"/>
               <a:t>5.  Conclusions II</a:t>
             </a:r>
             <a:endParaRPr lang="en-US" dirty="0"/>
@@ -13848,36 +14030,36 @@
                 </a:r>
               </a:p>
               <a:p>
-                <a:pPr lvl="2"/>
+                <a:pPr lvl="1"/>
                 <a:r>
-                  <a:rPr lang="en-US" sz="1800" dirty="0" err="1" smtClean="0"/>
+                  <a:rPr lang="en-US" sz="2000" dirty="0" err="1" smtClean="0"/>
                   <a:t>IOSharp</a:t>
                 </a:r>
                 <a:r>
-                  <a:rPr lang="en-US" sz="1800" dirty="0" smtClean="0"/>
+                  <a:rPr lang="en-US" sz="2000" dirty="0" smtClean="0"/>
                   <a:t>:</a:t>
                 </a:r>
               </a:p>
               <a:p>
-                <a:pPr lvl="3"/>
+                <a:pPr lvl="2"/>
                 <a:r>
-                  <a:rPr lang="es-ES" sz="1600" dirty="0" smtClean="0"/>
+                  <a:rPr lang="es-ES" sz="1800" dirty="0" smtClean="0"/>
                   <a:t>New </a:t>
                 </a:r>
                 <a:r>
-                  <a:rPr lang="en-US" sz="1600" dirty="0" smtClean="0"/>
+                  <a:rPr lang="en-US" sz="1800" dirty="0" smtClean="0"/>
                   <a:t>protocols</a:t>
                 </a:r>
                 <a:r>
-                  <a:rPr lang="es-ES" sz="1600" dirty="0" smtClean="0"/>
+                  <a:rPr lang="es-ES" sz="1800" dirty="0" smtClean="0"/>
                   <a:t>, </a:t>
                 </a:r>
                 <a:r>
-                  <a:rPr lang="en-US" sz="1600" dirty="0" smtClean="0"/>
+                  <a:rPr lang="en-US" sz="1800" dirty="0" smtClean="0"/>
                   <a:t>i.e.</a:t>
                 </a:r>
                 <a:r>
-                  <a:rPr lang="es-ES" sz="1600" dirty="0" smtClean="0"/>
+                  <a:rPr lang="es-ES" sz="1800" dirty="0" smtClean="0"/>
                   <a:t> </a:t>
                 </a:r>
                 <a14:m>
@@ -13885,14 +14067,14 @@
                     <m:sSup>
                       <m:sSupPr>
                         <m:ctrlPr>
-                          <a:rPr lang="es-ES" sz="1600" b="0" i="1" smtClean="0">
+                          <a:rPr lang="es-ES" sz="1800" b="0" i="1" smtClean="0">
                             <a:latin typeface="Cambria Math" panose="02040503050406030204" pitchFamily="18" charset="0"/>
                           </a:rPr>
                         </m:ctrlPr>
                       </m:sSupPr>
                       <m:e>
                         <m:r>
-                          <a:rPr lang="es-ES" sz="1600" b="0" i="1" smtClean="0">
+                          <a:rPr lang="es-ES" sz="1800" b="0" i="1" smtClean="0">
                             <a:latin typeface="Cambria Math" panose="02040503050406030204" pitchFamily="18" charset="0"/>
                           </a:rPr>
                           <m:t>𝐼</m:t>
@@ -13900,7 +14082,7 @@
                       </m:e>
                       <m:sup>
                         <m:r>
-                          <a:rPr lang="es-ES" sz="1600" b="0" i="1" smtClean="0">
+                          <a:rPr lang="es-ES" sz="1800" b="0" i="1" smtClean="0">
                             <a:latin typeface="Cambria Math" panose="02040503050406030204" pitchFamily="18" charset="0"/>
                           </a:rPr>
                           <m:t>2</m:t>
@@ -13908,7 +14090,7 @@
                       </m:sup>
                     </m:sSup>
                     <m:r>
-                      <a:rPr lang="es-ES" sz="1600" b="0" i="1" smtClean="0">
+                      <a:rPr lang="es-ES" sz="1800" b="0" i="1" smtClean="0">
                         <a:latin typeface="Cambria Math" panose="02040503050406030204" pitchFamily="18" charset="0"/>
                       </a:rPr>
                       <m:t>𝐶</m:t>
@@ -13916,61 +14098,61 @@
                   </m:oMath>
                 </a14:m>
                 <a:r>
-                  <a:rPr lang="es-ES" sz="1600" dirty="0" smtClean="0"/>
+                  <a:rPr lang="es-ES" sz="1800" dirty="0" smtClean="0"/>
                   <a:t> and </a:t>
                 </a:r>
                 <a14:m>
                   <m:oMath xmlns:m="http://schemas.openxmlformats.org/officeDocument/2006/math">
                     <m:r>
-                      <a:rPr lang="es-ES" sz="1600" b="0" i="1" smtClean="0">
+                      <a:rPr lang="es-ES" sz="1800" b="0" i="1" smtClean="0">
                         <a:latin typeface="Cambria Math" panose="02040503050406030204" pitchFamily="18" charset="0"/>
                       </a:rPr>
                       <m:t>𝑃𝑊𝑀</m:t>
                     </m:r>
                   </m:oMath>
                 </a14:m>
-                <a:endParaRPr lang="es-ES" sz="1600" dirty="0" smtClean="0"/>
+                <a:endParaRPr lang="es-ES" sz="1800" dirty="0" smtClean="0"/>
               </a:p>
               <a:p>
-                <a:pPr lvl="3"/>
+                <a:pPr lvl="2"/>
                 <a:r>
-                  <a:rPr lang="en-US" sz="1600" dirty="0" smtClean="0"/>
+                  <a:rPr lang="en-US" sz="1800" dirty="0" smtClean="0"/>
                   <a:t>Performance optimization</a:t>
                 </a:r>
               </a:p>
               <a:p>
-                <a:pPr lvl="2"/>
-                <a:endParaRPr lang="en-US" sz="1800" b="1" dirty="0"/>
+                <a:pPr lvl="1"/>
+                <a:endParaRPr lang="en-US" sz="2000" b="1" dirty="0"/>
+              </a:p>
+              <a:p>
+                <a:pPr lvl="1"/>
+                <a:r>
+                  <a:rPr lang="en-US" sz="2000" dirty="0" err="1" smtClean="0"/>
+                  <a:t>AlterNative</a:t>
+                </a:r>
+                <a:r>
+                  <a:rPr lang="en-US" sz="2000" dirty="0" smtClean="0"/>
+                  <a:t>:</a:t>
+                </a:r>
               </a:p>
               <a:p>
                 <a:pPr lvl="2"/>
                 <a:r>
-                  <a:rPr lang="en-US" sz="1800" dirty="0" err="1" smtClean="0"/>
-                  <a:t>AlterNative</a:t>
-                </a:r>
-                <a:r>
                   <a:rPr lang="en-US" sz="1800" dirty="0" smtClean="0"/>
-                  <a:t>:</a:t>
-                </a:r>
-              </a:p>
-              <a:p>
-                <a:pPr lvl="3"/>
-                <a:r>
-                  <a:rPr lang="en-US" sz="1600" dirty="0" smtClean="0"/>
                   <a:t>Garbage Collector</a:t>
                 </a:r>
               </a:p>
               <a:p>
-                <a:pPr lvl="3"/>
+                <a:pPr lvl="2"/>
                 <a:r>
-                  <a:rPr lang="en-US" sz="1600" dirty="0" smtClean="0"/>
+                  <a:rPr lang="en-US" sz="1800" dirty="0" smtClean="0"/>
                   <a:t>Continuous Integration</a:t>
                 </a:r>
               </a:p>
               <a:p>
-                <a:pPr lvl="3"/>
+                <a:pPr lvl="2"/>
                 <a:r>
-                  <a:rPr lang="en-US" sz="1600" dirty="0" smtClean="0"/>
+                  <a:rPr lang="en-US" sz="1800" dirty="0" smtClean="0"/>
                   <a:t>Extend C# language capabilities</a:t>
                 </a:r>
               </a:p>
@@ -14070,7 +14252,7 @@
           <a:p>
             <a:fld id="{8EE90C33-BF19-4C36-8633-00054130773A}" type="slidenum">
               <a:rPr lang="es-ES" smtClean="0"/>
-              <a:t>22</a:t>
+              <a:t>23</a:t>
             </a:fld>
             <a:endParaRPr lang="es-ES"/>
           </a:p>
@@ -14096,7 +14278,7 @@
 </p:sld>
 </file>
 
-<file path=ppt/slides/slide23.xml><?xml version="1.0" encoding="utf-8"?>
+<file path=ppt/slides/slide24.xml><?xml version="1.0" encoding="utf-8"?>
 <p:sld xmlns:a="http://schemas.openxmlformats.org/drawingml/2006/main" xmlns:r="http://schemas.openxmlformats.org/officeDocument/2006/relationships" xmlns:p="http://schemas.openxmlformats.org/presentationml/2006/main">
   <p:cSld>
     <p:spTree>
@@ -14196,7 +14378,7 @@
           <a:p>
             <a:fld id="{8EE90C33-BF19-4C36-8633-00054130773A}" type="slidenum">
               <a:rPr lang="es-ES" smtClean="0"/>
-              <a:t>23</a:t>
+              <a:t>24</a:t>
             </a:fld>
             <a:endParaRPr lang="es-ES"/>
           </a:p>
@@ -14259,7 +14441,7 @@
 </p:sld>
 </file>
 
-<file path=ppt/slides/slide24.xml><?xml version="1.0" encoding="utf-8"?>
+<file path=ppt/slides/slide25.xml><?xml version="1.0" encoding="utf-8"?>
 <p:sld xmlns:a="http://schemas.openxmlformats.org/drawingml/2006/main" xmlns:r="http://schemas.openxmlformats.org/officeDocument/2006/relationships" xmlns:p="http://schemas.openxmlformats.org/presentationml/2006/main">
   <p:cSld>
     <p:spTree>
@@ -15023,7 +15205,7 @@
 </file>
 
 <file path=ppt/slides/slide6.xml><?xml version="1.0" encoding="utf-8"?>
-<p:sld xmlns:a="http://schemas.openxmlformats.org/drawingml/2006/main" xmlns:r="http://schemas.openxmlformats.org/officeDocument/2006/relationships" xmlns:p="http://schemas.openxmlformats.org/presentationml/2006/main">
+<p:sld xmlns:a="http://schemas.openxmlformats.org/drawingml/2006/main" xmlns:r="http://schemas.openxmlformats.org/officeDocument/2006/relationships" xmlns:p="http://schemas.openxmlformats.org/presentationml/2006/main" show="0">
   <p:cSld>
     <p:spTree>
       <p:nvGrpSpPr>
@@ -15129,12 +15311,8 @@
           </a:p>
           <a:p>
             <a:r>
-              <a:rPr lang="en-US" smtClean="0"/>
-              <a:t>Requires </a:t>
-            </a:r>
-            <a:r>
               <a:rPr lang="en-US" dirty="0" smtClean="0"/>
-              <a:t>an underlying Linux</a:t>
+              <a:t>Requires an underlying Linux</a:t>
             </a:r>
           </a:p>
           <a:p>
@@ -15274,6 +15452,14 @@
   <p:clrMapOvr>
     <a:masterClrMapping/>
   </p:clrMapOvr>
+  <mc:AlternateContent xmlns:mc="http://schemas.openxmlformats.org/markup-compatibility/2006">
+    <mc:Choice xmlns:p14="http://schemas.microsoft.com/office/powerpoint/2010/main" Requires="p14">
+      <p:transition spd="slow" p14:dur="2000"/>
+    </mc:Choice>
+    <mc:Fallback>
+      <p:transition spd="slow"/>
+    </mc:Fallback>
+  </mc:AlternateContent>
   <p:timing>
     <p:tnLst>
       <p:par>
@@ -15324,10 +15510,6 @@
               <a:rPr lang="es-ES" dirty="0" err="1" smtClean="0"/>
               <a:t>IOSharp</a:t>
             </a:r>
-            <a:r>
-              <a:rPr lang="es-ES" dirty="0" smtClean="0"/>
-              <a:t> II</a:t>
-            </a:r>
             <a:endParaRPr lang="en-US" dirty="0"/>
           </a:p>
         </p:txBody>
@@ -15406,7 +15588,7 @@
         </p:blipFill>
         <p:spPr>
           <a:xfrm>
-            <a:off x="4932040" y="1934274"/>
+            <a:off x="4932040" y="2300594"/>
             <a:ext cx="3980168" cy="3499644"/>
           </a:xfrm>
           <a:prstGeom prst="rect">
@@ -15430,7 +15612,7 @@
         </p:blipFill>
         <p:spPr>
           <a:xfrm>
-            <a:off x="827584" y="2459960"/>
+            <a:off x="889205" y="3333344"/>
             <a:ext cx="3965178" cy="2448272"/>
           </a:xfrm>
           <a:prstGeom prst="rect">
@@ -15446,7 +15628,7 @@
         </p:nvSpPr>
         <p:spPr>
           <a:xfrm>
-            <a:off x="2195736" y="5477086"/>
+            <a:off x="1475656" y="5804824"/>
             <a:ext cx="5887773" cy="307777"/>
           </a:xfrm>
           <a:prstGeom prst="rect">
@@ -15477,6 +15659,123 @@
               <a:t> stack</a:t>
             </a:r>
             <a:endParaRPr lang="en-US" sz="1400" dirty="0"/>
+          </a:p>
+        </p:txBody>
+      </p:sp>
+      <p:sp>
+        <p:nvSpPr>
+          <p:cNvPr id="3" name="CuadroTexto 2"/>
+          <p:cNvSpPr txBox="1"/>
+          <p:nvPr/>
+        </p:nvSpPr>
+        <p:spPr>
+          <a:xfrm>
+            <a:off x="889204" y="1592113"/>
+            <a:ext cx="3898819" cy="1856919"/>
+          </a:xfrm>
+          <a:prstGeom prst="rect">
+            <a:avLst/>
+          </a:prstGeom>
+          <a:noFill/>
+        </p:spPr>
+        <p:txBody>
+          <a:bodyPr wrap="square" rtlCol="0">
+            <a:spAutoFit/>
+          </a:bodyPr>
+          <a:lstStyle/>
+          <a:p>
+            <a:pPr marL="285750" indent="-285750" defTabSz="457200">
+              <a:spcBef>
+                <a:spcPts val="1000"/>
+              </a:spcBef>
+              <a:buClr>
+                <a:schemeClr val="accent1"/>
+              </a:buClr>
+              <a:buFont typeface="Wingdings 3" charset="2"/>
+              <a:buChar char=""/>
+            </a:pPr>
+            <a:r>
+              <a:rPr lang="en-US" sz="1600" dirty="0">
+                <a:solidFill>
+                  <a:schemeClr val="tx1">
+                    <a:lumMod val="75000"/>
+                    <a:lumOff val="25000"/>
+                  </a:schemeClr>
+                </a:solidFill>
+              </a:rPr>
+              <a:t>NETMF implementation on a High-Level basis</a:t>
+            </a:r>
+          </a:p>
+          <a:p>
+            <a:pPr marL="742950" lvl="1" indent="-285750" defTabSz="457200">
+              <a:spcBef>
+                <a:spcPts val="1000"/>
+              </a:spcBef>
+              <a:buClr>
+                <a:schemeClr val="accent1"/>
+              </a:buClr>
+              <a:buFont typeface="Wingdings 3" charset="2"/>
+              <a:buChar char=""/>
+            </a:pPr>
+            <a:r>
+              <a:rPr lang="en-US" sz="1600" dirty="0">
+                <a:solidFill>
+                  <a:schemeClr val="tx1">
+                    <a:lumMod val="75000"/>
+                    <a:lumOff val="25000"/>
+                  </a:schemeClr>
+                </a:solidFill>
+              </a:rPr>
+              <a:t>C# with Mono on Linux</a:t>
+            </a:r>
+          </a:p>
+          <a:p>
+            <a:pPr marL="742950" lvl="1" indent="-285750" defTabSz="457200">
+              <a:spcBef>
+                <a:spcPts val="1000"/>
+              </a:spcBef>
+              <a:buClr>
+                <a:schemeClr val="accent1"/>
+              </a:buClr>
+              <a:buFont typeface="Wingdings 3" charset="2"/>
+              <a:buChar char=""/>
+            </a:pPr>
+            <a:r>
+              <a:rPr lang="en-US" sz="1600" dirty="0">
+                <a:solidFill>
+                  <a:schemeClr val="tx1">
+                    <a:lumMod val="75000"/>
+                    <a:lumOff val="25000"/>
+                  </a:schemeClr>
+                </a:solidFill>
+              </a:rPr>
+              <a:t>C library for interfacing </a:t>
+            </a:r>
+            <a:r>
+              <a:rPr lang="en-US" sz="1600" dirty="0" smtClean="0">
+                <a:solidFill>
+                  <a:schemeClr val="tx1">
+                    <a:lumMod val="75000"/>
+                    <a:lumOff val="25000"/>
+                  </a:schemeClr>
+                </a:solidFill>
+              </a:rPr>
+              <a:t>with communication </a:t>
+            </a:r>
+            <a:r>
+              <a:rPr lang="en-US" sz="1600" dirty="0">
+                <a:solidFill>
+                  <a:schemeClr val="tx1">
+                    <a:lumMod val="75000"/>
+                    <a:lumOff val="25000"/>
+                  </a:schemeClr>
+                </a:solidFill>
+              </a:rPr>
+              <a:t>protocols</a:t>
+            </a:r>
+          </a:p>
+          <a:p>
+            <a:endParaRPr lang="en-US" dirty="0"/>
           </a:p>
         </p:txBody>
       </p:sp>
@@ -15532,11 +15831,7 @@
           <a:bodyPr/>
           <a:lstStyle/>
           <a:p>
-            <a:r>
-              <a:rPr lang="en-US" dirty="0" smtClean="0"/>
-              <a:t>2.1.  GPIO</a:t>
-            </a:r>
-            <a:endParaRPr lang="en-US" dirty="0"/>
+            <a:endParaRPr lang="en-US"/>
           </a:p>
         </p:txBody>
       </p:sp>
@@ -15550,120 +15845,12 @@
             <p:ph idx="1"/>
           </p:nvPr>
         </p:nvSpPr>
-        <p:spPr>
-          <a:xfrm>
-            <a:off x="1945936" y="1700808"/>
-            <a:ext cx="6591985" cy="4248472"/>
-          </a:xfrm>
-        </p:spPr>
-        <p:txBody>
-          <a:bodyPr>
-            <a:normAutofit/>
-          </a:bodyPr>
-          <a:lstStyle/>
-          <a:p>
-            <a:r>
-              <a:rPr lang="en-US" dirty="0" smtClean="0"/>
-              <a:t>Used to read or write simple High or Low States on a Pin</a:t>
-            </a:r>
-          </a:p>
-          <a:p>
-            <a:endParaRPr lang="en-US" dirty="0" smtClean="0"/>
-          </a:p>
-          <a:p>
-            <a:r>
-              <a:rPr lang="en-US" dirty="0" smtClean="0"/>
-              <a:t>I/O Ports are controlled and enabled or disabled through the file system</a:t>
-            </a:r>
-          </a:p>
-          <a:p>
-            <a:endParaRPr lang="en-US" dirty="0" smtClean="0"/>
-          </a:p>
-          <a:p>
-            <a:pPr lvl="1"/>
-            <a:r>
-              <a:rPr lang="en-US" dirty="0" smtClean="0"/>
-              <a:t>SYSFS </a:t>
-            </a:r>
-            <a:r>
-              <a:rPr lang="en-US" dirty="0" smtClean="0">
-                <a:sym typeface="Wingdings" panose="05000000000000000000" pitchFamily="2" charset="2"/>
-              </a:rPr>
-              <a:t> </a:t>
-            </a:r>
-            <a:r>
-              <a:rPr lang="en-US" dirty="0" smtClean="0">
-                <a:latin typeface="Consolas" panose="020B0609020204030204" pitchFamily="49" charset="0"/>
-                <a:cs typeface="Consolas" panose="020B0609020204030204" pitchFamily="49" charset="0"/>
-                <a:sym typeface="Wingdings" panose="05000000000000000000" pitchFamily="2" charset="2"/>
-              </a:rPr>
-              <a:t>/sys/class/</a:t>
-            </a:r>
-            <a:r>
-              <a:rPr lang="en-US" dirty="0" err="1" smtClean="0">
-                <a:latin typeface="Consolas" panose="020B0609020204030204" pitchFamily="49" charset="0"/>
-                <a:cs typeface="Consolas" panose="020B0609020204030204" pitchFamily="49" charset="0"/>
-                <a:sym typeface="Wingdings" panose="05000000000000000000" pitchFamily="2" charset="2"/>
-              </a:rPr>
-              <a:t>gpio</a:t>
-            </a:r>
-            <a:r>
-              <a:rPr lang="en-US" dirty="0" smtClean="0">
-                <a:latin typeface="Consolas" panose="020B0609020204030204" pitchFamily="49" charset="0"/>
-                <a:cs typeface="Consolas" panose="020B0609020204030204" pitchFamily="49" charset="0"/>
-                <a:sym typeface="Wingdings" panose="05000000000000000000" pitchFamily="2" charset="2"/>
-              </a:rPr>
-              <a:t>/</a:t>
-            </a:r>
-          </a:p>
-          <a:p>
-            <a:pPr lvl="1"/>
-            <a:endParaRPr lang="en-US" dirty="0" smtClean="0">
-              <a:latin typeface="Consolas" panose="020B0609020204030204" pitchFamily="49" charset="0"/>
-              <a:cs typeface="Consolas" panose="020B0609020204030204" pitchFamily="49" charset="0"/>
-              <a:sym typeface="Wingdings" panose="05000000000000000000" pitchFamily="2" charset="2"/>
-            </a:endParaRPr>
-          </a:p>
-          <a:p>
-            <a:pPr lvl="1"/>
-            <a:r>
-              <a:rPr lang="en-US" dirty="0" smtClean="0">
-                <a:latin typeface="Consolas" panose="020B0609020204030204" pitchFamily="49" charset="0"/>
-                <a:cs typeface="Consolas" panose="020B0609020204030204" pitchFamily="49" charset="0"/>
-                <a:sym typeface="Wingdings" panose="05000000000000000000" pitchFamily="2" charset="2"/>
-              </a:rPr>
-              <a:t>Direction</a:t>
-            </a:r>
-          </a:p>
-          <a:p>
-            <a:pPr lvl="1"/>
-            <a:endParaRPr lang="en-US" dirty="0" smtClean="0">
-              <a:latin typeface="Consolas" panose="020B0609020204030204" pitchFamily="49" charset="0"/>
-              <a:cs typeface="Consolas" panose="020B0609020204030204" pitchFamily="49" charset="0"/>
-              <a:sym typeface="Wingdings" panose="05000000000000000000" pitchFamily="2" charset="2"/>
-            </a:endParaRPr>
-          </a:p>
-          <a:p>
-            <a:pPr lvl="1"/>
-            <a:r>
-              <a:rPr lang="en-US" dirty="0" smtClean="0">
-                <a:latin typeface="Consolas" panose="020B0609020204030204" pitchFamily="49" charset="0"/>
-                <a:cs typeface="Consolas" panose="020B0609020204030204" pitchFamily="49" charset="0"/>
-                <a:sym typeface="Wingdings" panose="05000000000000000000" pitchFamily="2" charset="2"/>
-              </a:rPr>
-              <a:t>State</a:t>
-            </a:r>
-            <a:endParaRPr lang="en-US" dirty="0">
-              <a:latin typeface="Consolas" panose="020B0609020204030204" pitchFamily="49" charset="0"/>
-              <a:cs typeface="Consolas" panose="020B0609020204030204" pitchFamily="49" charset="0"/>
-              <a:sym typeface="Wingdings" panose="05000000000000000000" pitchFamily="2" charset="2"/>
-            </a:endParaRPr>
-          </a:p>
-          <a:p>
-            <a:endParaRPr lang="en-US" dirty="0">
-              <a:latin typeface="Consolas" panose="020B0609020204030204" pitchFamily="49" charset="0"/>
-              <a:cs typeface="Consolas" panose="020B0609020204030204" pitchFamily="49" charset="0"/>
-            </a:endParaRPr>
+        <p:spPr/>
+        <p:txBody>
+          <a:bodyPr/>
+          <a:lstStyle/>
+          <a:p>
+            <a:endParaRPr lang="en-US"/>
           </a:p>
         </p:txBody>
       </p:sp>
@@ -15683,20 +15870,8 @@
           <a:lstStyle/>
           <a:p>
             <a:r>
-              <a:rPr lang="es-ES" dirty="0" err="1" smtClean="0"/>
-              <a:t>IOSharp</a:t>
-            </a:r>
-            <a:r>
-              <a:rPr lang="es-ES" dirty="0" smtClean="0"/>
-              <a:t>: .NET Micro Framework </a:t>
-            </a:r>
-            <a:r>
-              <a:rPr lang="es-ES" dirty="0" err="1" smtClean="0"/>
-              <a:t>on</a:t>
-            </a:r>
-            <a:r>
-              <a:rPr lang="es-ES" dirty="0" smtClean="0"/>
-              <a:t> Linux</a:t>
+              <a:rPr lang="es-ES" smtClean="0"/>
+              <a:t>IOSharp: .NET Micro Framework on Linux</a:t>
             </a:r>
             <a:endParaRPr lang="es-ES" dirty="0"/>
           </a:p>
@@ -15728,20 +15903,13 @@
     </p:spTree>
     <p:extLst>
       <p:ext uri="{BB962C8B-B14F-4D97-AF65-F5344CB8AC3E}">
-        <p14:creationId xmlns:p14="http://schemas.microsoft.com/office/powerpoint/2010/main" val="446041234"/>
+        <p14:creationId xmlns:p14="http://schemas.microsoft.com/office/powerpoint/2010/main" val="469477942"/>
       </p:ext>
     </p:extLst>
   </p:cSld>
   <p:clrMapOvr>
     <a:masterClrMapping/>
   </p:clrMapOvr>
-  <p:timing>
-    <p:tnLst>
-      <p:par>
-        <p:cTn id="1" dur="indefinite" restart="never" nodeType="tmRoot"/>
-      </p:par>
-    </p:tnLst>
-  </p:timing>
 </p:sld>
 </file>
 
@@ -15779,7 +15947,7 @@
           <a:p>
             <a:r>
               <a:rPr lang="en-US" dirty="0" smtClean="0"/>
-              <a:t>2.2.  Interrupts</a:t>
+              <a:t>2.1.  GPIO</a:t>
             </a:r>
             <a:endParaRPr lang="en-US" dirty="0"/>
           </a:p>
@@ -15797,25 +15965,118 @@
         </p:nvSpPr>
         <p:spPr>
           <a:xfrm>
-            <a:off x="1942415" y="1700808"/>
-            <a:ext cx="6591985" cy="3777622"/>
+            <a:off x="1945936" y="1700808"/>
+            <a:ext cx="6591985" cy="4248472"/>
           </a:xfrm>
         </p:spPr>
         <p:txBody>
-          <a:bodyPr/>
+          <a:bodyPr>
+            <a:normAutofit/>
+          </a:bodyPr>
           <a:lstStyle/>
           <a:p>
             <a:r>
               <a:rPr lang="en-US" dirty="0" smtClean="0"/>
-              <a:t>Polling from a GPIO using the Poll function</a:t>
-            </a:r>
+              <a:t>Used to read or write simple High or Low States on a Pin</a:t>
+            </a:r>
+          </a:p>
+          <a:p>
+            <a:endParaRPr lang="en-US" dirty="0" smtClean="0"/>
           </a:p>
           <a:p>
             <a:r>
               <a:rPr lang="en-US" dirty="0" smtClean="0"/>
-              <a:t>P/Invokes are required for cross-language calls</a:t>
-            </a:r>
-            <a:endParaRPr lang="en-US" dirty="0"/>
+              <a:t>I/O Ports are controlled and enabled or disabled through the file system</a:t>
+            </a:r>
+          </a:p>
+          <a:p>
+            <a:endParaRPr lang="en-US" dirty="0" smtClean="0"/>
+          </a:p>
+          <a:p>
+            <a:pPr lvl="1"/>
+            <a:r>
+              <a:rPr lang="en-US" dirty="0" smtClean="0"/>
+              <a:t>SYSFS </a:t>
+            </a:r>
+            <a:r>
+              <a:rPr lang="en-US" dirty="0" smtClean="0">
+                <a:sym typeface="Wingdings" panose="05000000000000000000" pitchFamily="2" charset="2"/>
+              </a:rPr>
+              <a:t> </a:t>
+            </a:r>
+            <a:r>
+              <a:rPr lang="en-US" dirty="0" smtClean="0">
+                <a:latin typeface="Consolas" panose="020B0609020204030204" pitchFamily="49" charset="0"/>
+                <a:cs typeface="Consolas" panose="020B0609020204030204" pitchFamily="49" charset="0"/>
+                <a:sym typeface="Wingdings" panose="05000000000000000000" pitchFamily="2" charset="2"/>
+              </a:rPr>
+              <a:t>/sys/class/</a:t>
+            </a:r>
+            <a:r>
+              <a:rPr lang="en-US" dirty="0" err="1" smtClean="0">
+                <a:latin typeface="Consolas" panose="020B0609020204030204" pitchFamily="49" charset="0"/>
+                <a:cs typeface="Consolas" panose="020B0609020204030204" pitchFamily="49" charset="0"/>
+                <a:sym typeface="Wingdings" panose="05000000000000000000" pitchFamily="2" charset="2"/>
+              </a:rPr>
+              <a:t>gpio</a:t>
+            </a:r>
+            <a:r>
+              <a:rPr lang="en-US" dirty="0" smtClean="0">
+                <a:latin typeface="Consolas" panose="020B0609020204030204" pitchFamily="49" charset="0"/>
+                <a:cs typeface="Consolas" panose="020B0609020204030204" pitchFamily="49" charset="0"/>
+                <a:sym typeface="Wingdings" panose="05000000000000000000" pitchFamily="2" charset="2"/>
+              </a:rPr>
+              <a:t>/</a:t>
+            </a:r>
+          </a:p>
+          <a:p>
+            <a:pPr lvl="1"/>
+            <a:endParaRPr lang="en-US" dirty="0" smtClean="0">
+              <a:latin typeface="Consolas" panose="020B0609020204030204" pitchFamily="49" charset="0"/>
+              <a:cs typeface="Consolas" panose="020B0609020204030204" pitchFamily="49" charset="0"/>
+              <a:sym typeface="Wingdings" panose="05000000000000000000" pitchFamily="2" charset="2"/>
+            </a:endParaRPr>
+          </a:p>
+          <a:p>
+            <a:pPr lvl="1"/>
+            <a:r>
+              <a:rPr lang="en-US" dirty="0" smtClean="0">
+                <a:latin typeface="Consolas" panose="020B0609020204030204" pitchFamily="49" charset="0"/>
+                <a:cs typeface="Consolas" panose="020B0609020204030204" pitchFamily="49" charset="0"/>
+                <a:sym typeface="Wingdings" panose="05000000000000000000" pitchFamily="2" charset="2"/>
+              </a:rPr>
+              <a:t>Direction</a:t>
+            </a:r>
+          </a:p>
+          <a:p>
+            <a:pPr lvl="1"/>
+            <a:endParaRPr lang="en-US" dirty="0" smtClean="0">
+              <a:latin typeface="Consolas" panose="020B0609020204030204" pitchFamily="49" charset="0"/>
+              <a:cs typeface="Consolas" panose="020B0609020204030204" pitchFamily="49" charset="0"/>
+              <a:sym typeface="Wingdings" panose="05000000000000000000" pitchFamily="2" charset="2"/>
+            </a:endParaRPr>
+          </a:p>
+          <a:p>
+            <a:pPr lvl="1"/>
+            <a:r>
+              <a:rPr lang="en-US" dirty="0" smtClean="0">
+                <a:latin typeface="Consolas" panose="020B0609020204030204" pitchFamily="49" charset="0"/>
+                <a:cs typeface="Consolas" panose="020B0609020204030204" pitchFamily="49" charset="0"/>
+                <a:sym typeface="Wingdings" panose="05000000000000000000" pitchFamily="2" charset="2"/>
+              </a:rPr>
+              <a:t>State</a:t>
+            </a:r>
+            <a:endParaRPr lang="en-US" dirty="0">
+              <a:latin typeface="Consolas" panose="020B0609020204030204" pitchFamily="49" charset="0"/>
+              <a:cs typeface="Consolas" panose="020B0609020204030204" pitchFamily="49" charset="0"/>
+              <a:sym typeface="Wingdings" panose="05000000000000000000" pitchFamily="2" charset="2"/>
+            </a:endParaRPr>
+          </a:p>
+          <a:p>
+            <a:endParaRPr lang="en-US" dirty="0">
+              <a:latin typeface="Consolas" panose="020B0609020204030204" pitchFamily="49" charset="0"/>
+              <a:cs typeface="Consolas" panose="020B0609020204030204" pitchFamily="49" charset="0"/>
+            </a:endParaRPr>
           </a:p>
         </p:txBody>
       </p:sp>
@@ -15877,102 +16138,10 @@
           </a:p>
         </p:txBody>
       </p:sp>
-      <p:graphicFrame>
-        <p:nvGraphicFramePr>
-          <p:cNvPr id="6" name="Objeto 5"/>
-          <p:cNvGraphicFramePr>
-            <a:graphicFrameLocks noChangeAspect="1"/>
-          </p:cNvGraphicFramePr>
-          <p:nvPr>
-            <p:extLst>
-              <p:ext uri="{D42A27DB-BD31-4B8C-83A1-F6EECF244321}">
-                <p14:modId xmlns:p14="http://schemas.microsoft.com/office/powerpoint/2010/main" val="4056316056"/>
-              </p:ext>
-            </p:extLst>
-          </p:nvPr>
-        </p:nvGraphicFramePr>
-        <p:xfrm>
-          <a:off x="2184707" y="2562379"/>
-          <a:ext cx="5231904" cy="3445700"/>
-        </p:xfrm>
-        <a:graphic>
-          <a:graphicData uri="http://schemas.openxmlformats.org/presentationml/2006/ole">
-            <mc:AlternateContent xmlns:mc="http://schemas.openxmlformats.org/markup-compatibility/2006">
-              <mc:Choice xmlns:v="urn:schemas-microsoft-com:vml" Requires="v">
-                <p:oleObj spid="_x0000_s3242" name="Visio" r:id="rId4" imgW="10572660" imgH="6962865" progId="Visio.Drawing.15">
-                  <p:embed/>
-                </p:oleObj>
-              </mc:Choice>
-              <mc:Fallback>
-                <p:oleObj name="Visio" r:id="rId4" imgW="10572660" imgH="6962865" progId="Visio.Drawing.15">
-                  <p:embed/>
-                  <p:pic>
-                    <p:nvPicPr>
-                      <p:cNvPr id="0" name=""/>
-                      <p:cNvPicPr/>
-                      <p:nvPr/>
-                    </p:nvPicPr>
-                    <p:blipFill>
-                      <a:blip r:embed="rId5"/>
-                      <a:stretch>
-                        <a:fillRect/>
-                      </a:stretch>
-                    </p:blipFill>
-                    <p:spPr>
-                      <a:xfrm>
-                        <a:off x="2184707" y="2562379"/>
-                        <a:ext cx="5231904" cy="3445700"/>
-                      </a:xfrm>
-                      <a:prstGeom prst="rect">
-                        <a:avLst/>
-                      </a:prstGeom>
-                    </p:spPr>
-                  </p:pic>
-                </p:oleObj>
-              </mc:Fallback>
-            </mc:AlternateContent>
-          </a:graphicData>
-        </a:graphic>
-      </p:graphicFrame>
-      <p:sp>
-        <p:nvSpPr>
-          <p:cNvPr id="7" name="CuadroTexto 6"/>
-          <p:cNvSpPr txBox="1"/>
-          <p:nvPr/>
-        </p:nvSpPr>
-        <p:spPr>
-          <a:xfrm>
-            <a:off x="7524329" y="4005064"/>
-            <a:ext cx="1512168" cy="738664"/>
-          </a:xfrm>
-          <a:prstGeom prst="rect">
-            <a:avLst/>
-          </a:prstGeom>
-          <a:noFill/>
-        </p:spPr>
-        <p:txBody>
-          <a:bodyPr wrap="square" rtlCol="0">
-            <a:spAutoFit/>
-          </a:bodyPr>
-          <a:lstStyle/>
-          <a:p>
-            <a:pPr algn="just"/>
-            <a:r>
-              <a:rPr lang="en-US" sz="1400" b="1" dirty="0" smtClean="0"/>
-              <a:t>Fig. 4: </a:t>
-            </a:r>
-            <a:r>
-              <a:rPr lang="en-US" sz="1400" dirty="0" smtClean="0"/>
-              <a:t>flow diagram for an Interrupt Port</a:t>
-            </a:r>
-            <a:endParaRPr lang="en-US" sz="1400" dirty="0"/>
-          </a:p>
-        </p:txBody>
-      </p:sp>
     </p:spTree>
     <p:extLst>
       <p:ext uri="{BB962C8B-B14F-4D97-AF65-F5344CB8AC3E}">
-        <p14:creationId xmlns:p14="http://schemas.microsoft.com/office/powerpoint/2010/main" val="261971407"/>
+        <p14:creationId xmlns:p14="http://schemas.microsoft.com/office/powerpoint/2010/main" val="446041234"/>
       </p:ext>
     </p:extLst>
   </p:cSld>
